--- a/SchubiIsYou_Lisa_Steinitz.pptx
+++ b/SchubiIsYou_Lisa_Steinitz.pptx
@@ -2,18 +2,33 @@
 <file path=ppt/presentation.xml><?xml version="1.0" encoding="utf-8"?>
 <p:presentation xmlns:a="http://schemas.openxmlformats.org/drawingml/2006/main" xmlns:r="http://schemas.openxmlformats.org/officeDocument/2006/relationships" xmlns:p="http://schemas.openxmlformats.org/presentationml/2006/main" saveSubsetFonts="1">
   <p:sldMasterIdLst>
-    <p:sldMasterId id="2147483648" r:id="rId1"/>
+    <p:sldMasterId id="2147483660" r:id="rId1"/>
   </p:sldMasterIdLst>
+  <p:notesMasterIdLst>
+    <p:notesMasterId r:id="rId15"/>
+  </p:notesMasterIdLst>
   <p:sldIdLst>
     <p:sldId id="256" r:id="rId2"/>
+    <p:sldId id="260" r:id="rId3"/>
+    <p:sldId id="259" r:id="rId4"/>
+    <p:sldId id="257" r:id="rId5"/>
+    <p:sldId id="258" r:id="rId6"/>
+    <p:sldId id="261" r:id="rId7"/>
+    <p:sldId id="262" r:id="rId8"/>
+    <p:sldId id="263" r:id="rId9"/>
+    <p:sldId id="264" r:id="rId10"/>
+    <p:sldId id="265" r:id="rId11"/>
+    <p:sldId id="266" r:id="rId12"/>
+    <p:sldId id="267" r:id="rId13"/>
+    <p:sldId id="268" r:id="rId14"/>
   </p:sldIdLst>
   <p:sldSz cx="12192000" cy="6858000"/>
   <p:notesSz cx="6858000" cy="9144000"/>
   <p:defaultTextStyle>
     <a:defPPr>
-      <a:defRPr lang="de-DE"/>
+      <a:defRPr lang="en-US"/>
     </a:defPPr>
-    <a:lvl1pPr marL="0" algn="l" defTabSz="914400" rtl="0" eaLnBrk="1" latinLnBrk="0" hangingPunct="1">
+    <a:lvl1pPr marL="0" algn="l" defTabSz="457200" rtl="0" eaLnBrk="1" latinLnBrk="0" hangingPunct="1">
       <a:defRPr sz="1800" kern="1200">
         <a:solidFill>
           <a:schemeClr val="tx1"/>
@@ -23,7 +38,7 @@
         <a:cs typeface="+mn-cs"/>
       </a:defRPr>
     </a:lvl1pPr>
-    <a:lvl2pPr marL="457200" algn="l" defTabSz="914400" rtl="0" eaLnBrk="1" latinLnBrk="0" hangingPunct="1">
+    <a:lvl2pPr marL="457200" algn="l" defTabSz="457200" rtl="0" eaLnBrk="1" latinLnBrk="0" hangingPunct="1">
       <a:defRPr sz="1800" kern="1200">
         <a:solidFill>
           <a:schemeClr val="tx1"/>
@@ -33,7 +48,7 @@
         <a:cs typeface="+mn-cs"/>
       </a:defRPr>
     </a:lvl2pPr>
-    <a:lvl3pPr marL="914400" algn="l" defTabSz="914400" rtl="0" eaLnBrk="1" latinLnBrk="0" hangingPunct="1">
+    <a:lvl3pPr marL="914400" algn="l" defTabSz="457200" rtl="0" eaLnBrk="1" latinLnBrk="0" hangingPunct="1">
       <a:defRPr sz="1800" kern="1200">
         <a:solidFill>
           <a:schemeClr val="tx1"/>
@@ -43,7 +58,7 @@
         <a:cs typeface="+mn-cs"/>
       </a:defRPr>
     </a:lvl3pPr>
-    <a:lvl4pPr marL="1371600" algn="l" defTabSz="914400" rtl="0" eaLnBrk="1" latinLnBrk="0" hangingPunct="1">
+    <a:lvl4pPr marL="1371600" algn="l" defTabSz="457200" rtl="0" eaLnBrk="1" latinLnBrk="0" hangingPunct="1">
       <a:defRPr sz="1800" kern="1200">
         <a:solidFill>
           <a:schemeClr val="tx1"/>
@@ -53,7 +68,7 @@
         <a:cs typeface="+mn-cs"/>
       </a:defRPr>
     </a:lvl4pPr>
-    <a:lvl5pPr marL="1828800" algn="l" defTabSz="914400" rtl="0" eaLnBrk="1" latinLnBrk="0" hangingPunct="1">
+    <a:lvl5pPr marL="1828800" algn="l" defTabSz="457200" rtl="0" eaLnBrk="1" latinLnBrk="0" hangingPunct="1">
       <a:defRPr sz="1800" kern="1200">
         <a:solidFill>
           <a:schemeClr val="tx1"/>
@@ -63,7 +78,7 @@
         <a:cs typeface="+mn-cs"/>
       </a:defRPr>
     </a:lvl5pPr>
-    <a:lvl6pPr marL="2286000" algn="l" defTabSz="914400" rtl="0" eaLnBrk="1" latinLnBrk="0" hangingPunct="1">
+    <a:lvl6pPr marL="2286000" algn="l" defTabSz="457200" rtl="0" eaLnBrk="1" latinLnBrk="0" hangingPunct="1">
       <a:defRPr sz="1800" kern="1200">
         <a:solidFill>
           <a:schemeClr val="tx1"/>
@@ -73,7 +88,7 @@
         <a:cs typeface="+mn-cs"/>
       </a:defRPr>
     </a:lvl6pPr>
-    <a:lvl7pPr marL="2743200" algn="l" defTabSz="914400" rtl="0" eaLnBrk="1" latinLnBrk="0" hangingPunct="1">
+    <a:lvl7pPr marL="2743200" algn="l" defTabSz="457200" rtl="0" eaLnBrk="1" latinLnBrk="0" hangingPunct="1">
       <a:defRPr sz="1800" kern="1200">
         <a:solidFill>
           <a:schemeClr val="tx1"/>
@@ -83,7 +98,7 @@
         <a:cs typeface="+mn-cs"/>
       </a:defRPr>
     </a:lvl7pPr>
-    <a:lvl8pPr marL="3200400" algn="l" defTabSz="914400" rtl="0" eaLnBrk="1" latinLnBrk="0" hangingPunct="1">
+    <a:lvl8pPr marL="3200400" algn="l" defTabSz="457200" rtl="0" eaLnBrk="1" latinLnBrk="0" hangingPunct="1">
       <a:defRPr sz="1800" kern="1200">
         <a:solidFill>
           <a:schemeClr val="tx1"/>
@@ -93,7 +108,7 @@
         <a:cs typeface="+mn-cs"/>
       </a:defRPr>
     </a:lvl8pPr>
-    <a:lvl9pPr marL="3657600" algn="l" defTabSz="914400" rtl="0" eaLnBrk="1" latinLnBrk="0" hangingPunct="1">
+    <a:lvl9pPr marL="3657600" algn="l" defTabSz="457200" rtl="0" eaLnBrk="1" latinLnBrk="0" hangingPunct="1">
       <a:defRPr sz="1800" kern="1200">
         <a:solidFill>
           <a:schemeClr val="tx1"/>
@@ -104,12 +119,22 @@
       </a:defRPr>
     </a:lvl9pPr>
   </p:defaultTextStyle>
+  <p:extLst>
+    <p:ext uri="{EFAFB233-063F-42B5-8137-9DF3F51BA10A}">
+      <p15:sldGuideLst xmlns:p15="http://schemas.microsoft.com/office/powerpoint/2012/main"/>
+    </p:ext>
+  </p:extLst>
 </p:presentation>
 </file>
 
-<file path=ppt/slideLayouts/slideLayout1.xml><?xml version="1.0" encoding="utf-8"?>
-<p:sldLayout xmlns:a="http://schemas.openxmlformats.org/drawingml/2006/main" xmlns:r="http://schemas.openxmlformats.org/officeDocument/2006/relationships" xmlns:p="http://schemas.openxmlformats.org/presentationml/2006/main" type="title" preserve="1">
-  <p:cSld name="Titelfolie">
+<file path=ppt/notesMasters/notesMaster1.xml><?xml version="1.0" encoding="utf-8"?>
+<p:notesMaster xmlns:a="http://schemas.openxmlformats.org/drawingml/2006/main" xmlns:r="http://schemas.openxmlformats.org/officeDocument/2006/relationships" xmlns:p="http://schemas.openxmlformats.org/presentationml/2006/main">
+  <p:cSld>
+    <p:bg>
+      <p:bgRef idx="1001">
+        <a:schemeClr val="bg1"/>
+      </p:bgRef>
+    </p:bg>
     <p:spTree>
       <p:nvGrpSpPr>
         <p:cNvPr id="1" name=""/>
@@ -126,31 +151,1074 @@
       </p:grpSpPr>
       <p:sp>
         <p:nvSpPr>
-          <p:cNvPr id="2" name="Titel 1">
-            <a:extLst>
-              <a:ext uri="{FF2B5EF4-FFF2-40B4-BE49-F238E27FC236}">
-                <a16:creationId xmlns:a16="http://schemas.microsoft.com/office/drawing/2014/main" id="{9BE6B1FD-BF52-1454-EF63-9798D65B8F12}"/>
-              </a:ext>
-            </a:extLst>
-          </p:cNvPr>
-          <p:cNvSpPr>
-            <a:spLocks noGrp="1"/>
-          </p:cNvSpPr>
-          <p:nvPr>
-            <p:ph type="ctrTitle"/>
+          <p:cNvPr id="2" name="Kopfzeilenplatzhalter 1"/>
+          <p:cNvSpPr>
+            <a:spLocks noGrp="1"/>
+          </p:cNvSpPr>
+          <p:nvPr>
+            <p:ph type="hdr" sz="quarter"/>
           </p:nvPr>
         </p:nvSpPr>
         <p:spPr>
           <a:xfrm>
-            <a:off x="1524000" y="1122363"/>
-            <a:ext cx="9144000" cy="2387600"/>
+            <a:off x="0" y="0"/>
+            <a:ext cx="2971800" cy="458788"/>
+          </a:xfrm>
+          <a:prstGeom prst="rect">
+            <a:avLst/>
+          </a:prstGeom>
+        </p:spPr>
+        <p:txBody>
+          <a:bodyPr vert="horz" lIns="91440" tIns="45720" rIns="91440" bIns="45720" rtlCol="0"/>
+          <a:lstStyle>
+            <a:lvl1pPr algn="l">
+              <a:defRPr sz="1200"/>
+            </a:lvl1pPr>
+          </a:lstStyle>
+          <a:p>
+            <a:endParaRPr lang="de-DE"/>
+          </a:p>
+        </p:txBody>
+      </p:sp>
+      <p:sp>
+        <p:nvSpPr>
+          <p:cNvPr id="3" name="Datumsplatzhalter 2"/>
+          <p:cNvSpPr>
+            <a:spLocks noGrp="1"/>
+          </p:cNvSpPr>
+          <p:nvPr>
+            <p:ph type="dt" idx="1"/>
+          </p:nvPr>
+        </p:nvSpPr>
+        <p:spPr>
+          <a:xfrm>
+            <a:off x="3884613" y="0"/>
+            <a:ext cx="2971800" cy="458788"/>
+          </a:xfrm>
+          <a:prstGeom prst="rect">
+            <a:avLst/>
+          </a:prstGeom>
+        </p:spPr>
+        <p:txBody>
+          <a:bodyPr vert="horz" lIns="91440" tIns="45720" rIns="91440" bIns="45720" rtlCol="0"/>
+          <a:lstStyle>
+            <a:lvl1pPr algn="r">
+              <a:defRPr sz="1200"/>
+            </a:lvl1pPr>
+          </a:lstStyle>
+          <a:p>
+            <a:fld id="{C7C5DF87-247E-4ADE-9179-F27E4DD373F6}" type="datetimeFigureOut">
+              <a:rPr lang="de-DE" smtClean="0"/>
+              <a:t>30.05.2024</a:t>
+            </a:fld>
+            <a:endParaRPr lang="de-DE"/>
+          </a:p>
+        </p:txBody>
+      </p:sp>
+      <p:sp>
+        <p:nvSpPr>
+          <p:cNvPr id="4" name="Folienbildplatzhalter 3"/>
+          <p:cNvSpPr>
+            <a:spLocks noGrp="1" noRot="1" noChangeAspect="1"/>
+          </p:cNvSpPr>
+          <p:nvPr>
+            <p:ph type="sldImg" idx="2"/>
+          </p:nvPr>
+        </p:nvSpPr>
+        <p:spPr>
+          <a:xfrm>
+            <a:off x="685800" y="1143000"/>
+            <a:ext cx="5486400" cy="3086100"/>
+          </a:xfrm>
+          <a:prstGeom prst="rect">
+            <a:avLst/>
+          </a:prstGeom>
+          <a:noFill/>
+          <a:ln w="12700">
+            <a:solidFill>
+              <a:prstClr val="black"/>
+            </a:solidFill>
+          </a:ln>
+        </p:spPr>
+        <p:txBody>
+          <a:bodyPr vert="horz" lIns="91440" tIns="45720" rIns="91440" bIns="45720" rtlCol="0" anchor="ctr"/>
+          <a:lstStyle/>
+          <a:p>
+            <a:endParaRPr lang="de-DE"/>
+          </a:p>
+        </p:txBody>
+      </p:sp>
+      <p:sp>
+        <p:nvSpPr>
+          <p:cNvPr id="5" name="Notizenplatzhalter 4"/>
+          <p:cNvSpPr>
+            <a:spLocks noGrp="1"/>
+          </p:cNvSpPr>
+          <p:nvPr>
+            <p:ph type="body" sz="quarter" idx="3"/>
+          </p:nvPr>
+        </p:nvSpPr>
+        <p:spPr>
+          <a:xfrm>
+            <a:off x="685800" y="4400550"/>
+            <a:ext cx="5486400" cy="3600450"/>
+          </a:xfrm>
+          <a:prstGeom prst="rect">
+            <a:avLst/>
+          </a:prstGeom>
+        </p:spPr>
+        <p:txBody>
+          <a:bodyPr vert="horz" lIns="91440" tIns="45720" rIns="91440" bIns="45720" rtlCol="0"/>
+          <a:lstStyle/>
+          <a:p>
+            <a:pPr lvl="0"/>
+            <a:r>
+              <a:rPr lang="de-DE"/>
+              <a:t>Mastertextformat bearbeiten</a:t>
+            </a:r>
+          </a:p>
+          <a:p>
+            <a:pPr lvl="1"/>
+            <a:r>
+              <a:rPr lang="de-DE"/>
+              <a:t>Zweite Ebene</a:t>
+            </a:r>
+          </a:p>
+          <a:p>
+            <a:pPr lvl="2"/>
+            <a:r>
+              <a:rPr lang="de-DE"/>
+              <a:t>Dritte Ebene</a:t>
+            </a:r>
+          </a:p>
+          <a:p>
+            <a:pPr lvl="3"/>
+            <a:r>
+              <a:rPr lang="de-DE"/>
+              <a:t>Vierte Ebene</a:t>
+            </a:r>
+          </a:p>
+          <a:p>
+            <a:pPr lvl="4"/>
+            <a:r>
+              <a:rPr lang="de-DE"/>
+              <a:t>Fünfte Ebene</a:t>
+            </a:r>
+          </a:p>
+        </p:txBody>
+      </p:sp>
+      <p:sp>
+        <p:nvSpPr>
+          <p:cNvPr id="6" name="Fußzeilenplatzhalter 5"/>
+          <p:cNvSpPr>
+            <a:spLocks noGrp="1"/>
+          </p:cNvSpPr>
+          <p:nvPr>
+            <p:ph type="ftr" sz="quarter" idx="4"/>
+          </p:nvPr>
+        </p:nvSpPr>
+        <p:spPr>
+          <a:xfrm>
+            <a:off x="0" y="8685213"/>
+            <a:ext cx="2971800" cy="458787"/>
+          </a:xfrm>
+          <a:prstGeom prst="rect">
+            <a:avLst/>
+          </a:prstGeom>
+        </p:spPr>
+        <p:txBody>
+          <a:bodyPr vert="horz" lIns="91440" tIns="45720" rIns="91440" bIns="45720" rtlCol="0" anchor="b"/>
+          <a:lstStyle>
+            <a:lvl1pPr algn="l">
+              <a:defRPr sz="1200"/>
+            </a:lvl1pPr>
+          </a:lstStyle>
+          <a:p>
+            <a:endParaRPr lang="de-DE"/>
+          </a:p>
+        </p:txBody>
+      </p:sp>
+      <p:sp>
+        <p:nvSpPr>
+          <p:cNvPr id="7" name="Foliennummernplatzhalter 6"/>
+          <p:cNvSpPr>
+            <a:spLocks noGrp="1"/>
+          </p:cNvSpPr>
+          <p:nvPr>
+            <p:ph type="sldNum" sz="quarter" idx="5"/>
+          </p:nvPr>
+        </p:nvSpPr>
+        <p:spPr>
+          <a:xfrm>
+            <a:off x="3884613" y="8685213"/>
+            <a:ext cx="2971800" cy="458787"/>
+          </a:xfrm>
+          <a:prstGeom prst="rect">
+            <a:avLst/>
+          </a:prstGeom>
+        </p:spPr>
+        <p:txBody>
+          <a:bodyPr vert="horz" lIns="91440" tIns="45720" rIns="91440" bIns="45720" rtlCol="0" anchor="b"/>
+          <a:lstStyle>
+            <a:lvl1pPr algn="r">
+              <a:defRPr sz="1200"/>
+            </a:lvl1pPr>
+          </a:lstStyle>
+          <a:p>
+            <a:fld id="{19BBB3E9-6F3E-4C8D-ABC6-89D8521A76CE}" type="slidenum">
+              <a:rPr lang="de-DE" smtClean="0"/>
+              <a:t>‹Nr.›</a:t>
+            </a:fld>
+            <a:endParaRPr lang="de-DE"/>
+          </a:p>
+        </p:txBody>
+      </p:sp>
+    </p:spTree>
+    <p:extLst>
+      <p:ext uri="{BB962C8B-B14F-4D97-AF65-F5344CB8AC3E}">
+        <p14:creationId xmlns:p14="http://schemas.microsoft.com/office/powerpoint/2010/main" val="1076480136"/>
+      </p:ext>
+    </p:extLst>
+  </p:cSld>
+  <p:clrMap bg1="lt1" tx1="dk1" bg2="lt2" tx2="dk2" accent1="accent1" accent2="accent2" accent3="accent3" accent4="accent4" accent5="accent5" accent6="accent6" hlink="hlink" folHlink="folHlink"/>
+  <p:notesStyle>
+    <a:lvl1pPr marL="0" algn="l" defTabSz="914400" rtl="0" eaLnBrk="1" latinLnBrk="0" hangingPunct="1">
+      <a:defRPr sz="1200" kern="1200">
+        <a:solidFill>
+          <a:schemeClr val="tx1"/>
+        </a:solidFill>
+        <a:latin typeface="+mn-lt"/>
+        <a:ea typeface="+mn-ea"/>
+        <a:cs typeface="+mn-cs"/>
+      </a:defRPr>
+    </a:lvl1pPr>
+    <a:lvl2pPr marL="457200" algn="l" defTabSz="914400" rtl="0" eaLnBrk="1" latinLnBrk="0" hangingPunct="1">
+      <a:defRPr sz="1200" kern="1200">
+        <a:solidFill>
+          <a:schemeClr val="tx1"/>
+        </a:solidFill>
+        <a:latin typeface="+mn-lt"/>
+        <a:ea typeface="+mn-ea"/>
+        <a:cs typeface="+mn-cs"/>
+      </a:defRPr>
+    </a:lvl2pPr>
+    <a:lvl3pPr marL="914400" algn="l" defTabSz="914400" rtl="0" eaLnBrk="1" latinLnBrk="0" hangingPunct="1">
+      <a:defRPr sz="1200" kern="1200">
+        <a:solidFill>
+          <a:schemeClr val="tx1"/>
+        </a:solidFill>
+        <a:latin typeface="+mn-lt"/>
+        <a:ea typeface="+mn-ea"/>
+        <a:cs typeface="+mn-cs"/>
+      </a:defRPr>
+    </a:lvl3pPr>
+    <a:lvl4pPr marL="1371600" algn="l" defTabSz="914400" rtl="0" eaLnBrk="1" latinLnBrk="0" hangingPunct="1">
+      <a:defRPr sz="1200" kern="1200">
+        <a:solidFill>
+          <a:schemeClr val="tx1"/>
+        </a:solidFill>
+        <a:latin typeface="+mn-lt"/>
+        <a:ea typeface="+mn-ea"/>
+        <a:cs typeface="+mn-cs"/>
+      </a:defRPr>
+    </a:lvl4pPr>
+    <a:lvl5pPr marL="1828800" algn="l" defTabSz="914400" rtl="0" eaLnBrk="1" latinLnBrk="0" hangingPunct="1">
+      <a:defRPr sz="1200" kern="1200">
+        <a:solidFill>
+          <a:schemeClr val="tx1"/>
+        </a:solidFill>
+        <a:latin typeface="+mn-lt"/>
+        <a:ea typeface="+mn-ea"/>
+        <a:cs typeface="+mn-cs"/>
+      </a:defRPr>
+    </a:lvl5pPr>
+    <a:lvl6pPr marL="2286000" algn="l" defTabSz="914400" rtl="0" eaLnBrk="1" latinLnBrk="0" hangingPunct="1">
+      <a:defRPr sz="1200" kern="1200">
+        <a:solidFill>
+          <a:schemeClr val="tx1"/>
+        </a:solidFill>
+        <a:latin typeface="+mn-lt"/>
+        <a:ea typeface="+mn-ea"/>
+        <a:cs typeface="+mn-cs"/>
+      </a:defRPr>
+    </a:lvl6pPr>
+    <a:lvl7pPr marL="2743200" algn="l" defTabSz="914400" rtl="0" eaLnBrk="1" latinLnBrk="0" hangingPunct="1">
+      <a:defRPr sz="1200" kern="1200">
+        <a:solidFill>
+          <a:schemeClr val="tx1"/>
+        </a:solidFill>
+        <a:latin typeface="+mn-lt"/>
+        <a:ea typeface="+mn-ea"/>
+        <a:cs typeface="+mn-cs"/>
+      </a:defRPr>
+    </a:lvl7pPr>
+    <a:lvl8pPr marL="3200400" algn="l" defTabSz="914400" rtl="0" eaLnBrk="1" latinLnBrk="0" hangingPunct="1">
+      <a:defRPr sz="1200" kern="1200">
+        <a:solidFill>
+          <a:schemeClr val="tx1"/>
+        </a:solidFill>
+        <a:latin typeface="+mn-lt"/>
+        <a:ea typeface="+mn-ea"/>
+        <a:cs typeface="+mn-cs"/>
+      </a:defRPr>
+    </a:lvl8pPr>
+    <a:lvl9pPr marL="3657600" algn="l" defTabSz="914400" rtl="0" eaLnBrk="1" latinLnBrk="0" hangingPunct="1">
+      <a:defRPr sz="1200" kern="1200">
+        <a:solidFill>
+          <a:schemeClr val="tx1"/>
+        </a:solidFill>
+        <a:latin typeface="+mn-lt"/>
+        <a:ea typeface="+mn-ea"/>
+        <a:cs typeface="+mn-cs"/>
+      </a:defRPr>
+    </a:lvl9pPr>
+  </p:notesStyle>
+</p:notesMaster>
+</file>
+
+<file path=ppt/notesSlides/notesSlide1.xml><?xml version="1.0" encoding="utf-8"?>
+<p:notes xmlns:a="http://schemas.openxmlformats.org/drawingml/2006/main" xmlns:r="http://schemas.openxmlformats.org/officeDocument/2006/relationships" xmlns:p="http://schemas.openxmlformats.org/presentationml/2006/main">
+  <p:cSld>
+    <p:spTree>
+      <p:nvGrpSpPr>
+        <p:cNvPr id="1" name=""/>
+        <p:cNvGrpSpPr/>
+        <p:nvPr/>
+      </p:nvGrpSpPr>
+      <p:grpSpPr>
+        <a:xfrm>
+          <a:off x="0" y="0"/>
+          <a:ext cx="0" cy="0"/>
+          <a:chOff x="0" y="0"/>
+          <a:chExt cx="0" cy="0"/>
+        </a:xfrm>
+      </p:grpSpPr>
+      <p:sp>
+        <p:nvSpPr>
+          <p:cNvPr id="2" name="Folienbildplatzhalter 1"/>
+          <p:cNvSpPr>
+            <a:spLocks noGrp="1" noRot="1" noChangeAspect="1"/>
+          </p:cNvSpPr>
+          <p:nvPr>
+            <p:ph type="sldImg"/>
+          </p:nvPr>
+        </p:nvSpPr>
+        <p:spPr/>
+      </p:sp>
+      <p:sp>
+        <p:nvSpPr>
+          <p:cNvPr id="3" name="Notizenplatzhalter 2"/>
+          <p:cNvSpPr>
+            <a:spLocks noGrp="1"/>
+          </p:cNvSpPr>
+          <p:nvPr>
+            <p:ph type="body" idx="1"/>
+          </p:nvPr>
+        </p:nvSpPr>
+        <p:spPr/>
+        <p:txBody>
+          <a:bodyPr/>
+          <a:lstStyle/>
+          <a:p>
+            <a:endParaRPr lang="de-DE" dirty="0"/>
+          </a:p>
+        </p:txBody>
+      </p:sp>
+      <p:sp>
+        <p:nvSpPr>
+          <p:cNvPr id="4" name="Foliennummernplatzhalter 3"/>
+          <p:cNvSpPr>
+            <a:spLocks noGrp="1"/>
+          </p:cNvSpPr>
+          <p:nvPr>
+            <p:ph type="sldNum" sz="quarter" idx="5"/>
+          </p:nvPr>
+        </p:nvSpPr>
+        <p:spPr/>
+        <p:txBody>
+          <a:bodyPr/>
+          <a:lstStyle/>
+          <a:p>
+            <a:fld id="{19BBB3E9-6F3E-4C8D-ABC6-89D8521A76CE}" type="slidenum">
+              <a:rPr lang="de-DE" smtClean="0"/>
+              <a:t>3</a:t>
+            </a:fld>
+            <a:endParaRPr lang="de-DE"/>
+          </a:p>
+        </p:txBody>
+      </p:sp>
+    </p:spTree>
+    <p:extLst>
+      <p:ext uri="{BB962C8B-B14F-4D97-AF65-F5344CB8AC3E}">
+        <p14:creationId xmlns:p14="http://schemas.microsoft.com/office/powerpoint/2010/main" val="2943343837"/>
+      </p:ext>
+    </p:extLst>
+  </p:cSld>
+  <p:clrMapOvr>
+    <a:masterClrMapping/>
+  </p:clrMapOvr>
+</p:notes>
+</file>
+
+<file path=ppt/notesSlides/notesSlide2.xml><?xml version="1.0" encoding="utf-8"?>
+<p:notes xmlns:a="http://schemas.openxmlformats.org/drawingml/2006/main" xmlns:r="http://schemas.openxmlformats.org/officeDocument/2006/relationships" xmlns:p="http://schemas.openxmlformats.org/presentationml/2006/main">
+  <p:cSld>
+    <p:spTree>
+      <p:nvGrpSpPr>
+        <p:cNvPr id="1" name=""/>
+        <p:cNvGrpSpPr/>
+        <p:nvPr/>
+      </p:nvGrpSpPr>
+      <p:grpSpPr>
+        <a:xfrm>
+          <a:off x="0" y="0"/>
+          <a:ext cx="0" cy="0"/>
+          <a:chOff x="0" y="0"/>
+          <a:chExt cx="0" cy="0"/>
+        </a:xfrm>
+      </p:grpSpPr>
+      <p:sp>
+        <p:nvSpPr>
+          <p:cNvPr id="2" name="Folienbildplatzhalter 1"/>
+          <p:cNvSpPr>
+            <a:spLocks noGrp="1" noRot="1" noChangeAspect="1"/>
+          </p:cNvSpPr>
+          <p:nvPr>
+            <p:ph type="sldImg"/>
+          </p:nvPr>
+        </p:nvSpPr>
+        <p:spPr/>
+      </p:sp>
+      <p:sp>
+        <p:nvSpPr>
+          <p:cNvPr id="3" name="Notizenplatzhalter 2"/>
+          <p:cNvSpPr>
+            <a:spLocks noGrp="1"/>
+          </p:cNvSpPr>
+          <p:nvPr>
+            <p:ph type="body" idx="1"/>
+          </p:nvPr>
+        </p:nvSpPr>
+        <p:spPr/>
+        <p:txBody>
+          <a:bodyPr/>
+          <a:lstStyle/>
+          <a:p>
+            <a:endParaRPr lang="de-DE" dirty="0"/>
+          </a:p>
+        </p:txBody>
+      </p:sp>
+      <p:sp>
+        <p:nvSpPr>
+          <p:cNvPr id="4" name="Foliennummernplatzhalter 3"/>
+          <p:cNvSpPr>
+            <a:spLocks noGrp="1"/>
+          </p:cNvSpPr>
+          <p:nvPr>
+            <p:ph type="sldNum" sz="quarter" idx="5"/>
+          </p:nvPr>
+        </p:nvSpPr>
+        <p:spPr/>
+        <p:txBody>
+          <a:bodyPr/>
+          <a:lstStyle/>
+          <a:p>
+            <a:fld id="{19BBB3E9-6F3E-4C8D-ABC6-89D8521A76CE}" type="slidenum">
+              <a:rPr lang="de-DE" smtClean="0"/>
+              <a:t>4</a:t>
+            </a:fld>
+            <a:endParaRPr lang="de-DE"/>
+          </a:p>
+        </p:txBody>
+      </p:sp>
+    </p:spTree>
+    <p:extLst>
+      <p:ext uri="{BB962C8B-B14F-4D97-AF65-F5344CB8AC3E}">
+        <p14:creationId xmlns:p14="http://schemas.microsoft.com/office/powerpoint/2010/main" val="3576103626"/>
+      </p:ext>
+    </p:extLst>
+  </p:cSld>
+  <p:clrMapOvr>
+    <a:masterClrMapping/>
+  </p:clrMapOvr>
+</p:notes>
+</file>
+
+<file path=ppt/notesSlides/notesSlide3.xml><?xml version="1.0" encoding="utf-8"?>
+<p:notes xmlns:a="http://schemas.openxmlformats.org/drawingml/2006/main" xmlns:r="http://schemas.openxmlformats.org/officeDocument/2006/relationships" xmlns:p="http://schemas.openxmlformats.org/presentationml/2006/main">
+  <p:cSld>
+    <p:spTree>
+      <p:nvGrpSpPr>
+        <p:cNvPr id="1" name=""/>
+        <p:cNvGrpSpPr/>
+        <p:nvPr/>
+      </p:nvGrpSpPr>
+      <p:grpSpPr>
+        <a:xfrm>
+          <a:off x="0" y="0"/>
+          <a:ext cx="0" cy="0"/>
+          <a:chOff x="0" y="0"/>
+          <a:chExt cx="0" cy="0"/>
+        </a:xfrm>
+      </p:grpSpPr>
+      <p:sp>
+        <p:nvSpPr>
+          <p:cNvPr id="2" name="Folienbildplatzhalter 1"/>
+          <p:cNvSpPr>
+            <a:spLocks noGrp="1" noRot="1" noChangeAspect="1"/>
+          </p:cNvSpPr>
+          <p:nvPr>
+            <p:ph type="sldImg"/>
+          </p:nvPr>
+        </p:nvSpPr>
+        <p:spPr/>
+      </p:sp>
+      <p:sp>
+        <p:nvSpPr>
+          <p:cNvPr id="3" name="Notizenplatzhalter 2"/>
+          <p:cNvSpPr>
+            <a:spLocks noGrp="1"/>
+          </p:cNvSpPr>
+          <p:nvPr>
+            <p:ph type="body" idx="1"/>
+          </p:nvPr>
+        </p:nvSpPr>
+        <p:spPr/>
+        <p:txBody>
+          <a:bodyPr/>
+          <a:lstStyle/>
+          <a:p>
+            <a:r>
+              <a:rPr lang="de-DE" dirty="0"/>
+              <a:t>Wie habe ich es Eingefügt – Hintergrund- </a:t>
+            </a:r>
+            <a:r>
+              <a:rPr lang="de-DE" dirty="0" err="1"/>
+              <a:t>bild</a:t>
+            </a:r>
+            <a:r>
+              <a:rPr lang="de-DE" dirty="0"/>
+              <a:t> extra groß -&gt; Proportionen </a:t>
+            </a:r>
+            <a:r>
+              <a:rPr lang="de-DE" dirty="0" err="1"/>
+              <a:t>simmen</a:t>
+            </a:r>
+            <a:r>
+              <a:rPr lang="de-DE" dirty="0"/>
+              <a:t> in etwa -&gt; Ausrichtung passt immer </a:t>
+            </a:r>
+          </a:p>
+          <a:p>
+            <a:endParaRPr lang="de-DE" dirty="0"/>
+          </a:p>
+          <a:p>
+            <a:r>
+              <a:rPr lang="de-DE" dirty="0"/>
+              <a:t>Nur die Buttons wurden angepasst </a:t>
+            </a:r>
+          </a:p>
+        </p:txBody>
+      </p:sp>
+      <p:sp>
+        <p:nvSpPr>
+          <p:cNvPr id="4" name="Foliennummernplatzhalter 3"/>
+          <p:cNvSpPr>
+            <a:spLocks noGrp="1"/>
+          </p:cNvSpPr>
+          <p:nvPr>
+            <p:ph type="sldNum" sz="quarter" idx="5"/>
+          </p:nvPr>
+        </p:nvSpPr>
+        <p:spPr/>
+        <p:txBody>
+          <a:bodyPr/>
+          <a:lstStyle/>
+          <a:p>
+            <a:fld id="{19BBB3E9-6F3E-4C8D-ABC6-89D8521A76CE}" type="slidenum">
+              <a:rPr lang="de-DE" smtClean="0"/>
+              <a:t>7</a:t>
+            </a:fld>
+            <a:endParaRPr lang="de-DE"/>
+          </a:p>
+        </p:txBody>
+      </p:sp>
+    </p:spTree>
+    <p:extLst>
+      <p:ext uri="{BB962C8B-B14F-4D97-AF65-F5344CB8AC3E}">
+        <p14:creationId xmlns:p14="http://schemas.microsoft.com/office/powerpoint/2010/main" val="3697679966"/>
+      </p:ext>
+    </p:extLst>
+  </p:cSld>
+  <p:clrMapOvr>
+    <a:masterClrMapping/>
+  </p:clrMapOvr>
+</p:notes>
+</file>
+
+<file path=ppt/notesSlides/notesSlide4.xml><?xml version="1.0" encoding="utf-8"?>
+<p:notes xmlns:a="http://schemas.openxmlformats.org/drawingml/2006/main" xmlns:r="http://schemas.openxmlformats.org/officeDocument/2006/relationships" xmlns:p="http://schemas.openxmlformats.org/presentationml/2006/main">
+  <p:cSld>
+    <p:spTree>
+      <p:nvGrpSpPr>
+        <p:cNvPr id="1" name=""/>
+        <p:cNvGrpSpPr/>
+        <p:nvPr/>
+      </p:nvGrpSpPr>
+      <p:grpSpPr>
+        <a:xfrm>
+          <a:off x="0" y="0"/>
+          <a:ext cx="0" cy="0"/>
+          <a:chOff x="0" y="0"/>
+          <a:chExt cx="0" cy="0"/>
+        </a:xfrm>
+      </p:grpSpPr>
+      <p:sp>
+        <p:nvSpPr>
+          <p:cNvPr id="2" name="Folienbildplatzhalter 1"/>
+          <p:cNvSpPr>
+            <a:spLocks noGrp="1" noRot="1" noChangeAspect="1"/>
+          </p:cNvSpPr>
+          <p:nvPr>
+            <p:ph type="sldImg"/>
+          </p:nvPr>
+        </p:nvSpPr>
+        <p:spPr/>
+      </p:sp>
+      <p:sp>
+        <p:nvSpPr>
+          <p:cNvPr id="3" name="Notizenplatzhalter 2"/>
+          <p:cNvSpPr>
+            <a:spLocks noGrp="1"/>
+          </p:cNvSpPr>
+          <p:nvPr>
+            <p:ph type="body" idx="1"/>
+          </p:nvPr>
+        </p:nvSpPr>
+        <p:spPr/>
+        <p:txBody>
+          <a:bodyPr/>
+          <a:lstStyle/>
+          <a:p>
+            <a:r>
+              <a:rPr lang="de-DE" dirty="0"/>
+              <a:t>Wie habe ich es Eingefügt – Hintergrund- </a:t>
+            </a:r>
+            <a:r>
+              <a:rPr lang="de-DE" dirty="0" err="1"/>
+              <a:t>bild</a:t>
+            </a:r>
+            <a:r>
+              <a:rPr lang="de-DE" dirty="0"/>
+              <a:t> extra groß -&gt; Proportionen </a:t>
+            </a:r>
+            <a:r>
+              <a:rPr lang="de-DE" dirty="0" err="1"/>
+              <a:t>simmen</a:t>
+            </a:r>
+            <a:r>
+              <a:rPr lang="de-DE" dirty="0"/>
+              <a:t> in etwa -&gt; Ausrichtung passt immer </a:t>
+            </a:r>
+          </a:p>
+          <a:p>
+            <a:endParaRPr lang="de-DE" dirty="0"/>
+          </a:p>
+          <a:p>
+            <a:r>
+              <a:rPr lang="de-DE" dirty="0"/>
+              <a:t>Nur die Buttons wurden angepasst </a:t>
+            </a:r>
+          </a:p>
+        </p:txBody>
+      </p:sp>
+      <p:sp>
+        <p:nvSpPr>
+          <p:cNvPr id="4" name="Foliennummernplatzhalter 3"/>
+          <p:cNvSpPr>
+            <a:spLocks noGrp="1"/>
+          </p:cNvSpPr>
+          <p:nvPr>
+            <p:ph type="sldNum" sz="quarter" idx="5"/>
+          </p:nvPr>
+        </p:nvSpPr>
+        <p:spPr/>
+        <p:txBody>
+          <a:bodyPr/>
+          <a:lstStyle/>
+          <a:p>
+            <a:fld id="{19BBB3E9-6F3E-4C8D-ABC6-89D8521A76CE}" type="slidenum">
+              <a:rPr lang="de-DE" smtClean="0"/>
+              <a:t>8</a:t>
+            </a:fld>
+            <a:endParaRPr lang="de-DE"/>
+          </a:p>
+        </p:txBody>
+      </p:sp>
+    </p:spTree>
+    <p:extLst>
+      <p:ext uri="{BB962C8B-B14F-4D97-AF65-F5344CB8AC3E}">
+        <p14:creationId xmlns:p14="http://schemas.microsoft.com/office/powerpoint/2010/main" val="3727007995"/>
+      </p:ext>
+    </p:extLst>
+  </p:cSld>
+  <p:clrMapOvr>
+    <a:masterClrMapping/>
+  </p:clrMapOvr>
+</p:notes>
+</file>
+
+<file path=ppt/notesSlides/notesSlide5.xml><?xml version="1.0" encoding="utf-8"?>
+<p:notes xmlns:a="http://schemas.openxmlformats.org/drawingml/2006/main" xmlns:r="http://schemas.openxmlformats.org/officeDocument/2006/relationships" xmlns:p="http://schemas.openxmlformats.org/presentationml/2006/main">
+  <p:cSld>
+    <p:spTree>
+      <p:nvGrpSpPr>
+        <p:cNvPr id="1" name=""/>
+        <p:cNvGrpSpPr/>
+        <p:nvPr/>
+      </p:nvGrpSpPr>
+      <p:grpSpPr>
+        <a:xfrm>
+          <a:off x="0" y="0"/>
+          <a:ext cx="0" cy="0"/>
+          <a:chOff x="0" y="0"/>
+          <a:chExt cx="0" cy="0"/>
+        </a:xfrm>
+      </p:grpSpPr>
+      <p:sp>
+        <p:nvSpPr>
+          <p:cNvPr id="2" name="Folienbildplatzhalter 1"/>
+          <p:cNvSpPr>
+            <a:spLocks noGrp="1" noRot="1" noChangeAspect="1"/>
+          </p:cNvSpPr>
+          <p:nvPr>
+            <p:ph type="sldImg"/>
+          </p:nvPr>
+        </p:nvSpPr>
+        <p:spPr/>
+      </p:sp>
+      <p:sp>
+        <p:nvSpPr>
+          <p:cNvPr id="3" name="Notizenplatzhalter 2"/>
+          <p:cNvSpPr>
+            <a:spLocks noGrp="1"/>
+          </p:cNvSpPr>
+          <p:nvPr>
+            <p:ph type="body" idx="1"/>
+          </p:nvPr>
+        </p:nvSpPr>
+        <p:spPr/>
+        <p:txBody>
+          <a:bodyPr/>
+          <a:lstStyle/>
+          <a:p>
+            <a:r>
+              <a:rPr lang="de-DE" dirty="0"/>
+              <a:t>Bsp. Prüfung der Regeln während der positiven Bewegung</a:t>
+            </a:r>
+          </a:p>
+        </p:txBody>
+      </p:sp>
+      <p:sp>
+        <p:nvSpPr>
+          <p:cNvPr id="4" name="Foliennummernplatzhalter 3"/>
+          <p:cNvSpPr>
+            <a:spLocks noGrp="1"/>
+          </p:cNvSpPr>
+          <p:nvPr>
+            <p:ph type="sldNum" sz="quarter" idx="5"/>
+          </p:nvPr>
+        </p:nvSpPr>
+        <p:spPr/>
+        <p:txBody>
+          <a:bodyPr/>
+          <a:lstStyle/>
+          <a:p>
+            <a:fld id="{19BBB3E9-6F3E-4C8D-ABC6-89D8521A76CE}" type="slidenum">
+              <a:rPr lang="de-DE" smtClean="0"/>
+              <a:t>9</a:t>
+            </a:fld>
+            <a:endParaRPr lang="de-DE"/>
+          </a:p>
+        </p:txBody>
+      </p:sp>
+    </p:spTree>
+    <p:extLst>
+      <p:ext uri="{BB962C8B-B14F-4D97-AF65-F5344CB8AC3E}">
+        <p14:creationId xmlns:p14="http://schemas.microsoft.com/office/powerpoint/2010/main" val="3913870227"/>
+      </p:ext>
+    </p:extLst>
+  </p:cSld>
+  <p:clrMapOvr>
+    <a:masterClrMapping/>
+  </p:clrMapOvr>
+</p:notes>
+</file>
+
+<file path=ppt/notesSlides/notesSlide6.xml><?xml version="1.0" encoding="utf-8"?>
+<p:notes xmlns:a="http://schemas.openxmlformats.org/drawingml/2006/main" xmlns:r="http://schemas.openxmlformats.org/officeDocument/2006/relationships" xmlns:p="http://schemas.openxmlformats.org/presentationml/2006/main">
+  <p:cSld>
+    <p:spTree>
+      <p:nvGrpSpPr>
+        <p:cNvPr id="1" name=""/>
+        <p:cNvGrpSpPr/>
+        <p:nvPr/>
+      </p:nvGrpSpPr>
+      <p:grpSpPr>
+        <a:xfrm>
+          <a:off x="0" y="0"/>
+          <a:ext cx="0" cy="0"/>
+          <a:chOff x="0" y="0"/>
+          <a:chExt cx="0" cy="0"/>
+        </a:xfrm>
+      </p:grpSpPr>
+      <p:sp>
+        <p:nvSpPr>
+          <p:cNvPr id="2" name="Folienbildplatzhalter 1"/>
+          <p:cNvSpPr>
+            <a:spLocks noGrp="1" noRot="1" noChangeAspect="1"/>
+          </p:cNvSpPr>
+          <p:nvPr>
+            <p:ph type="sldImg"/>
+          </p:nvPr>
+        </p:nvSpPr>
+        <p:spPr/>
+      </p:sp>
+      <p:sp>
+        <p:nvSpPr>
+          <p:cNvPr id="3" name="Notizenplatzhalter 2"/>
+          <p:cNvSpPr>
+            <a:spLocks noGrp="1"/>
+          </p:cNvSpPr>
+          <p:nvPr>
+            <p:ph type="body" idx="1"/>
+          </p:nvPr>
+        </p:nvSpPr>
+        <p:spPr/>
+        <p:txBody>
+          <a:bodyPr/>
+          <a:lstStyle/>
+          <a:p>
+            <a:r>
+              <a:rPr lang="de-DE" dirty="0"/>
+              <a:t>Bsp. Prüfung der Regeln während der positiven Bewegung</a:t>
+            </a:r>
+          </a:p>
+        </p:txBody>
+      </p:sp>
+      <p:sp>
+        <p:nvSpPr>
+          <p:cNvPr id="4" name="Foliennummernplatzhalter 3"/>
+          <p:cNvSpPr>
+            <a:spLocks noGrp="1"/>
+          </p:cNvSpPr>
+          <p:nvPr>
+            <p:ph type="sldNum" sz="quarter" idx="5"/>
+          </p:nvPr>
+        </p:nvSpPr>
+        <p:spPr/>
+        <p:txBody>
+          <a:bodyPr/>
+          <a:lstStyle/>
+          <a:p>
+            <a:fld id="{19BBB3E9-6F3E-4C8D-ABC6-89D8521A76CE}" type="slidenum">
+              <a:rPr lang="de-DE" smtClean="0"/>
+              <a:t>10</a:t>
+            </a:fld>
+            <a:endParaRPr lang="de-DE"/>
+          </a:p>
+        </p:txBody>
+      </p:sp>
+    </p:spTree>
+    <p:extLst>
+      <p:ext uri="{BB962C8B-B14F-4D97-AF65-F5344CB8AC3E}">
+        <p14:creationId xmlns:p14="http://schemas.microsoft.com/office/powerpoint/2010/main" val="77013301"/>
+      </p:ext>
+    </p:extLst>
+  </p:cSld>
+  <p:clrMapOvr>
+    <a:masterClrMapping/>
+  </p:clrMapOvr>
+</p:notes>
+</file>
+
+<file path=ppt/notesSlides/notesSlide7.xml><?xml version="1.0" encoding="utf-8"?>
+<p:notes xmlns:a="http://schemas.openxmlformats.org/drawingml/2006/main" xmlns:r="http://schemas.openxmlformats.org/officeDocument/2006/relationships" xmlns:p="http://schemas.openxmlformats.org/presentationml/2006/main">
+  <p:cSld>
+    <p:spTree>
+      <p:nvGrpSpPr>
+        <p:cNvPr id="1" name=""/>
+        <p:cNvGrpSpPr/>
+        <p:nvPr/>
+      </p:nvGrpSpPr>
+      <p:grpSpPr>
+        <a:xfrm>
+          <a:off x="0" y="0"/>
+          <a:ext cx="0" cy="0"/>
+          <a:chOff x="0" y="0"/>
+          <a:chExt cx="0" cy="0"/>
+        </a:xfrm>
+      </p:grpSpPr>
+      <p:sp>
+        <p:nvSpPr>
+          <p:cNvPr id="2" name="Folienbildplatzhalter 1"/>
+          <p:cNvSpPr>
+            <a:spLocks noGrp="1" noRot="1" noChangeAspect="1"/>
+          </p:cNvSpPr>
+          <p:nvPr>
+            <p:ph type="sldImg"/>
+          </p:nvPr>
+        </p:nvSpPr>
+        <p:spPr/>
+      </p:sp>
+      <p:sp>
+        <p:nvSpPr>
+          <p:cNvPr id="3" name="Notizenplatzhalter 2"/>
+          <p:cNvSpPr>
+            <a:spLocks noGrp="1"/>
+          </p:cNvSpPr>
+          <p:nvPr>
+            <p:ph type="body" idx="1"/>
+          </p:nvPr>
+        </p:nvSpPr>
+        <p:spPr/>
+        <p:txBody>
+          <a:bodyPr/>
+          <a:lstStyle/>
+          <a:p>
+            <a:r>
+              <a:rPr lang="de-DE" dirty="0"/>
+              <a:t>Bsp. Prüfung der Regeln während der positiven Bewegung</a:t>
+            </a:r>
+          </a:p>
+        </p:txBody>
+      </p:sp>
+      <p:sp>
+        <p:nvSpPr>
+          <p:cNvPr id="4" name="Foliennummernplatzhalter 3"/>
+          <p:cNvSpPr>
+            <a:spLocks noGrp="1"/>
+          </p:cNvSpPr>
+          <p:nvPr>
+            <p:ph type="sldNum" sz="quarter" idx="5"/>
+          </p:nvPr>
+        </p:nvSpPr>
+        <p:spPr/>
+        <p:txBody>
+          <a:bodyPr/>
+          <a:lstStyle/>
+          <a:p>
+            <a:fld id="{19BBB3E9-6F3E-4C8D-ABC6-89D8521A76CE}" type="slidenum">
+              <a:rPr lang="de-DE" smtClean="0"/>
+              <a:t>11</a:t>
+            </a:fld>
+            <a:endParaRPr lang="de-DE"/>
+          </a:p>
+        </p:txBody>
+      </p:sp>
+    </p:spTree>
+    <p:extLst>
+      <p:ext uri="{BB962C8B-B14F-4D97-AF65-F5344CB8AC3E}">
+        <p14:creationId xmlns:p14="http://schemas.microsoft.com/office/powerpoint/2010/main" val="385968511"/>
+      </p:ext>
+    </p:extLst>
+  </p:cSld>
+  <p:clrMapOvr>
+    <a:masterClrMapping/>
+  </p:clrMapOvr>
+</p:notes>
+</file>
+
+<file path=ppt/slideLayouts/slideLayout1.xml><?xml version="1.0" encoding="utf-8"?>
+<p:sldLayout xmlns:a="http://schemas.openxmlformats.org/drawingml/2006/main" xmlns:r="http://schemas.openxmlformats.org/officeDocument/2006/relationships" xmlns:p="http://schemas.openxmlformats.org/presentationml/2006/main" type="title" preserve="1">
+  <p:cSld name="Titelfolie">
+    <p:bg>
+      <p:bgPr>
+        <a:solidFill>
+          <a:schemeClr val="accent1"/>
+        </a:solidFill>
+        <a:effectLst/>
+      </p:bgPr>
+    </p:bg>
+    <p:spTree>
+      <p:nvGrpSpPr>
+        <p:cNvPr id="1" name=""/>
+        <p:cNvGrpSpPr/>
+        <p:nvPr/>
+      </p:nvGrpSpPr>
+      <p:grpSpPr>
+        <a:xfrm>
+          <a:off x="0" y="0"/>
+          <a:ext cx="0" cy="0"/>
+          <a:chOff x="0" y="0"/>
+          <a:chExt cx="0" cy="0"/>
+        </a:xfrm>
+      </p:grpSpPr>
+      <p:sp>
+        <p:nvSpPr>
+          <p:cNvPr id="4" name="Rectangle 3"/>
+          <p:cNvSpPr/>
+          <p:nvPr/>
+        </p:nvSpPr>
+        <p:spPr>
+          <a:xfrm>
+            <a:off x="0" y="0"/>
+            <a:ext cx="12192000" cy="6858000"/>
+          </a:xfrm>
+          <a:prstGeom prst="rect">
+            <a:avLst/>
+          </a:prstGeom>
+          <a:ln>
+            <a:noFill/>
+          </a:ln>
+        </p:spPr>
+        <p:style>
+          <a:lnRef idx="2">
+            <a:schemeClr val="accent1">
+              <a:shade val="50000"/>
+            </a:schemeClr>
+          </a:lnRef>
+          <a:fillRef idx="1">
+            <a:schemeClr val="accent1"/>
+          </a:fillRef>
+          <a:effectRef idx="0">
+            <a:schemeClr val="accent1"/>
+          </a:effectRef>
+          <a:fontRef idx="minor">
+            <a:schemeClr val="lt1"/>
+          </a:fontRef>
+        </p:style>
+      </p:sp>
+      <p:sp>
+        <p:nvSpPr>
+          <p:cNvPr id="2" name="Title 1"/>
+          <p:cNvSpPr>
+            <a:spLocks noGrp="1"/>
+          </p:cNvSpPr>
+          <p:nvPr>
+            <p:ph type="ctrTitle"/>
+          </p:nvPr>
+        </p:nvSpPr>
+        <p:spPr>
+          <a:xfrm>
+            <a:off x="603504" y="770467"/>
+            <a:ext cx="10782300" cy="3352800"/>
           </a:xfrm>
         </p:spPr>
         <p:txBody>
-          <a:bodyPr anchor="b"/>
+          <a:bodyPr anchor="b">
+            <a:noAutofit/>
+          </a:bodyPr>
           <a:lstStyle>
-            <a:lvl1pPr algn="ctr">
-              <a:defRPr sz="6000"/>
+            <a:lvl1pPr algn="l">
+              <a:lnSpc>
+                <a:spcPct val="80000"/>
+              </a:lnSpc>
+              <a:defRPr sz="8800" spc="-120" baseline="0">
+                <a:solidFill>
+                  <a:srgbClr val="FFFFFF"/>
+                </a:solidFill>
+              </a:defRPr>
             </a:lvl1pPr>
           </a:lstStyle>
           <a:p>
@@ -158,19 +1226,13 @@
               <a:rPr lang="de-DE"/>
               <a:t>Mastertitelformat bearbeiten</a:t>
             </a:r>
-            <a:endParaRPr lang="en-US"/>
-          </a:p>
-        </p:txBody>
-      </p:sp>
-      <p:sp>
-        <p:nvSpPr>
-          <p:cNvPr id="3" name="Untertitel 2">
-            <a:extLst>
-              <a:ext uri="{FF2B5EF4-FFF2-40B4-BE49-F238E27FC236}">
-                <a16:creationId xmlns:a16="http://schemas.microsoft.com/office/drawing/2014/main" id="{E73B631F-DD4E-2796-05B3-63ADBDC32B4F}"/>
-              </a:ext>
-            </a:extLst>
-          </p:cNvPr>
+            <a:endParaRPr lang="en-US" dirty="0"/>
+          </a:p>
+        </p:txBody>
+      </p:sp>
+      <p:sp>
+        <p:nvSpPr>
+          <p:cNvPr id="3" name="Subtitle 2"/>
           <p:cNvSpPr>
             <a:spLocks noGrp="1"/>
           </p:cNvSpPr>
@@ -180,48 +1242,55 @@
         </p:nvSpPr>
         <p:spPr>
           <a:xfrm>
-            <a:off x="1524000" y="3602038"/>
-            <a:ext cx="9144000" cy="1655762"/>
+            <a:off x="667512" y="4206876"/>
+            <a:ext cx="9228201" cy="1645920"/>
           </a:xfrm>
         </p:spPr>
         <p:txBody>
-          <a:bodyPr/>
+          <a:bodyPr>
+            <a:normAutofit/>
+          </a:bodyPr>
           <a:lstStyle>
-            <a:lvl1pPr marL="0" indent="0" algn="ctr">
+            <a:lvl1pPr marL="0" indent="0" algn="l">
               <a:buNone/>
-              <a:defRPr sz="2400"/>
+              <a:defRPr sz="3200">
+                <a:solidFill>
+                  <a:schemeClr val="bg1"/>
+                </a:solidFill>
+                <a:latin typeface="+mj-lt"/>
+              </a:defRPr>
             </a:lvl1pPr>
             <a:lvl2pPr marL="457200" indent="0" algn="ctr">
               <a:buNone/>
-              <a:defRPr sz="2000"/>
+              <a:defRPr sz="2800"/>
             </a:lvl2pPr>
             <a:lvl3pPr marL="914400" indent="0" algn="ctr">
               <a:buNone/>
-              <a:defRPr sz="1800"/>
+              <a:defRPr sz="2400"/>
             </a:lvl3pPr>
             <a:lvl4pPr marL="1371600" indent="0" algn="ctr">
               <a:buNone/>
-              <a:defRPr sz="1600"/>
+              <a:defRPr sz="2000"/>
             </a:lvl4pPr>
             <a:lvl5pPr marL="1828800" indent="0" algn="ctr">
               <a:buNone/>
-              <a:defRPr sz="1600"/>
+              <a:defRPr sz="2000"/>
             </a:lvl5pPr>
             <a:lvl6pPr marL="2286000" indent="0" algn="ctr">
               <a:buNone/>
-              <a:defRPr sz="1600"/>
+              <a:defRPr sz="2000"/>
             </a:lvl6pPr>
             <a:lvl7pPr marL="2743200" indent="0" algn="ctr">
               <a:buNone/>
-              <a:defRPr sz="1600"/>
+              <a:defRPr sz="2000"/>
             </a:lvl7pPr>
             <a:lvl8pPr marL="3200400" indent="0" algn="ctr">
               <a:buNone/>
-              <a:defRPr sz="1600"/>
+              <a:defRPr sz="2000"/>
             </a:lvl8pPr>
             <a:lvl9pPr marL="3657600" indent="0" algn="ctr">
               <a:buNone/>
-              <a:defRPr sz="1600"/>
+              <a:defRPr sz="2000"/>
             </a:lvl9pPr>
           </a:lstStyle>
           <a:p>
@@ -229,19 +1298,13 @@
               <a:rPr lang="de-DE"/>
               <a:t>Master-Untertitelformat bearbeiten</a:t>
             </a:r>
-            <a:endParaRPr lang="en-US"/>
-          </a:p>
-        </p:txBody>
-      </p:sp>
-      <p:sp>
-        <p:nvSpPr>
-          <p:cNvPr id="4" name="Datumsplatzhalter 3">
-            <a:extLst>
-              <a:ext uri="{FF2B5EF4-FFF2-40B4-BE49-F238E27FC236}">
-                <a16:creationId xmlns:a16="http://schemas.microsoft.com/office/drawing/2014/main" id="{C98AF5BC-92EA-FD23-362A-5E5D046F6DD9}"/>
-              </a:ext>
-            </a:extLst>
-          </p:cNvPr>
+            <a:endParaRPr lang="en-US" dirty="0"/>
+          </a:p>
+        </p:txBody>
+      </p:sp>
+      <p:sp>
+        <p:nvSpPr>
+          <p:cNvPr id="7" name="Date Placeholder 6"/>
           <p:cNvSpPr>
             <a:spLocks noGrp="1"/>
           </p:cNvSpPr>
@@ -252,11 +1315,21 @@
         <p:spPr/>
         <p:txBody>
           <a:bodyPr/>
-          <a:lstStyle/>
-          <a:p>
-            <a:fld id="{B750D17C-2E93-4DCC-91BF-4FF4B120BC7C}" type="datetimeFigureOut">
+          <a:lstStyle>
+            <a:lvl1pPr>
+              <a:defRPr>
+                <a:solidFill>
+                  <a:srgbClr val="FFFFFF">
+                    <a:alpha val="80000"/>
+                  </a:srgbClr>
+                </a:solidFill>
+              </a:defRPr>
+            </a:lvl1pPr>
+          </a:lstStyle>
+          <a:p>
+            <a:fld id="{1F898C8C-A800-4A73-94C2-EB2F5DE78A98}" type="datetime1">
               <a:rPr lang="en-US" smtClean="0"/>
-              <a:t>5/16/2024</a:t>
+              <a:t>5/30/2024</a:t>
             </a:fld>
             <a:endParaRPr lang="en-US"/>
           </a:p>
@@ -264,13 +1337,7 @@
       </p:sp>
       <p:sp>
         <p:nvSpPr>
-          <p:cNvPr id="5" name="Fußzeilenplatzhalter 4">
-            <a:extLst>
-              <a:ext uri="{FF2B5EF4-FFF2-40B4-BE49-F238E27FC236}">
-                <a16:creationId xmlns:a16="http://schemas.microsoft.com/office/drawing/2014/main" id="{28E92DBF-4D5C-F521-F71B-8DD2D4F19F5D}"/>
-              </a:ext>
-            </a:extLst>
-          </p:cNvPr>
+          <p:cNvPr id="8" name="Footer Placeholder 7"/>
           <p:cNvSpPr>
             <a:spLocks noGrp="1"/>
           </p:cNvSpPr>
@@ -281,21 +1348,28 @@
         <p:spPr/>
         <p:txBody>
           <a:bodyPr/>
-          <a:lstStyle/>
-          <a:p>
-            <a:endParaRPr lang="en-US"/>
-          </a:p>
-        </p:txBody>
-      </p:sp>
-      <p:sp>
-        <p:nvSpPr>
-          <p:cNvPr id="6" name="Foliennummernplatzhalter 5">
-            <a:extLst>
-              <a:ext uri="{FF2B5EF4-FFF2-40B4-BE49-F238E27FC236}">
-                <a16:creationId xmlns:a16="http://schemas.microsoft.com/office/drawing/2014/main" id="{838DEAAD-8C36-F45B-CC33-60AC0F024A55}"/>
-              </a:ext>
-            </a:extLst>
-          </p:cNvPr>
+          <a:lstStyle>
+            <a:lvl1pPr>
+              <a:defRPr>
+                <a:solidFill>
+                  <a:srgbClr val="FFFFFF">
+                    <a:alpha val="80000"/>
+                  </a:srgbClr>
+                </a:solidFill>
+              </a:defRPr>
+            </a:lvl1pPr>
+          </a:lstStyle>
+          <a:p>
+            <a:r>
+              <a:rPr lang="en-US"/>
+              <a:t>Schubi Is You</a:t>
+            </a:r>
+          </a:p>
+        </p:txBody>
+      </p:sp>
+      <p:sp>
+        <p:nvSpPr>
+          <p:cNvPr id="9" name="Slide Number Placeholder 8"/>
           <p:cNvSpPr>
             <a:spLocks noGrp="1"/>
           </p:cNvSpPr>
@@ -306,7 +1380,17 @@
         <p:spPr/>
         <p:txBody>
           <a:bodyPr/>
-          <a:lstStyle/>
+          <a:lstStyle>
+            <a:lvl1pPr>
+              <a:defRPr>
+                <a:solidFill>
+                  <a:srgbClr val="FFFFFF">
+                    <a:alpha val="25000"/>
+                  </a:srgbClr>
+                </a:solidFill>
+              </a:defRPr>
+            </a:lvl1pPr>
+          </a:lstStyle>
           <a:p>
             <a:fld id="{BDAFFC55-6578-4459-AE37-94EE4236C876}" type="slidenum">
               <a:rPr lang="en-US" smtClean="0"/>
@@ -319,7 +1403,7 @@
     </p:spTree>
     <p:extLst>
       <p:ext uri="{BB962C8B-B14F-4D97-AF65-F5344CB8AC3E}">
-        <p14:creationId xmlns:p14="http://schemas.microsoft.com/office/powerpoint/2010/main" val="764662265"/>
+        <p14:creationId xmlns:p14="http://schemas.microsoft.com/office/powerpoint/2010/main" val="3450147748"/>
       </p:ext>
     </p:extLst>
   </p:cSld>
@@ -348,13 +1432,7 @@
       </p:grpSpPr>
       <p:sp>
         <p:nvSpPr>
-          <p:cNvPr id="2" name="Titel 1">
-            <a:extLst>
-              <a:ext uri="{FF2B5EF4-FFF2-40B4-BE49-F238E27FC236}">
-                <a16:creationId xmlns:a16="http://schemas.microsoft.com/office/drawing/2014/main" id="{1C4A5F1B-2981-0B05-9A33-311F311074E3}"/>
-              </a:ext>
-            </a:extLst>
-          </p:cNvPr>
+          <p:cNvPr id="2" name="Title 1"/>
           <p:cNvSpPr>
             <a:spLocks noGrp="1"/>
           </p:cNvSpPr>
@@ -371,19 +1449,13 @@
               <a:rPr lang="de-DE"/>
               <a:t>Mastertitelformat bearbeiten</a:t>
             </a:r>
-            <a:endParaRPr lang="en-US"/>
-          </a:p>
-        </p:txBody>
-      </p:sp>
-      <p:sp>
-        <p:nvSpPr>
-          <p:cNvPr id="3" name="Vertikaler Textplatzhalter 2">
-            <a:extLst>
-              <a:ext uri="{FF2B5EF4-FFF2-40B4-BE49-F238E27FC236}">
-                <a16:creationId xmlns:a16="http://schemas.microsoft.com/office/drawing/2014/main" id="{C65601E1-3047-573F-F23E-83B8B34B70CA}"/>
-              </a:ext>
-            </a:extLst>
-          </p:cNvPr>
+            <a:endParaRPr lang="en-US" dirty="0"/>
+          </a:p>
+        </p:txBody>
+      </p:sp>
+      <p:sp>
+        <p:nvSpPr>
+          <p:cNvPr id="3" name="Vertical Text Placeholder 2"/>
           <p:cNvSpPr>
             <a:spLocks noGrp="1"/>
           </p:cNvSpPr>
@@ -429,19 +1501,13 @@
               <a:rPr lang="de-DE"/>
               <a:t>Fünfte Ebene</a:t>
             </a:r>
-            <a:endParaRPr lang="en-US"/>
-          </a:p>
-        </p:txBody>
-      </p:sp>
-      <p:sp>
-        <p:nvSpPr>
-          <p:cNvPr id="4" name="Datumsplatzhalter 3">
-            <a:extLst>
-              <a:ext uri="{FF2B5EF4-FFF2-40B4-BE49-F238E27FC236}">
-                <a16:creationId xmlns:a16="http://schemas.microsoft.com/office/drawing/2014/main" id="{EBDB8885-72D6-4068-3862-C8C0BEC85005}"/>
-              </a:ext>
-            </a:extLst>
-          </p:cNvPr>
+            <a:endParaRPr lang="en-US" dirty="0"/>
+          </a:p>
+        </p:txBody>
+      </p:sp>
+      <p:sp>
+        <p:nvSpPr>
+          <p:cNvPr id="4" name="Date Placeholder 3"/>
           <p:cNvSpPr>
             <a:spLocks noGrp="1"/>
           </p:cNvSpPr>
@@ -454,9 +1520,9 @@
           <a:bodyPr/>
           <a:lstStyle/>
           <a:p>
-            <a:fld id="{B750D17C-2E93-4DCC-91BF-4FF4B120BC7C}" type="datetimeFigureOut">
+            <a:fld id="{41ADC045-E162-459E-9D38-1D27650ADB14}" type="datetime1">
               <a:rPr lang="en-US" smtClean="0"/>
-              <a:t>5/16/2024</a:t>
+              <a:t>5/30/2024</a:t>
             </a:fld>
             <a:endParaRPr lang="en-US"/>
           </a:p>
@@ -464,13 +1530,7 @@
       </p:sp>
       <p:sp>
         <p:nvSpPr>
-          <p:cNvPr id="5" name="Fußzeilenplatzhalter 4">
-            <a:extLst>
-              <a:ext uri="{FF2B5EF4-FFF2-40B4-BE49-F238E27FC236}">
-                <a16:creationId xmlns:a16="http://schemas.microsoft.com/office/drawing/2014/main" id="{0E0C62F4-6BFC-1452-AA22-A0A420414D1E}"/>
-              </a:ext>
-            </a:extLst>
-          </p:cNvPr>
+          <p:cNvPr id="5" name="Footer Placeholder 4"/>
           <p:cNvSpPr>
             <a:spLocks noGrp="1"/>
           </p:cNvSpPr>
@@ -483,19 +1543,16 @@
           <a:bodyPr/>
           <a:lstStyle/>
           <a:p>
-            <a:endParaRPr lang="en-US"/>
-          </a:p>
-        </p:txBody>
-      </p:sp>
-      <p:sp>
-        <p:nvSpPr>
-          <p:cNvPr id="6" name="Foliennummernplatzhalter 5">
-            <a:extLst>
-              <a:ext uri="{FF2B5EF4-FFF2-40B4-BE49-F238E27FC236}">
-                <a16:creationId xmlns:a16="http://schemas.microsoft.com/office/drawing/2014/main" id="{6E039331-A518-1D79-DF00-F1C8C23D89AC}"/>
-              </a:ext>
-            </a:extLst>
-          </p:cNvPr>
+            <a:r>
+              <a:rPr lang="en-US"/>
+              <a:t>Schubi Is You</a:t>
+            </a:r>
+          </a:p>
+        </p:txBody>
+      </p:sp>
+      <p:sp>
+        <p:nvSpPr>
+          <p:cNvPr id="6" name="Slide Number Placeholder 5"/>
           <p:cNvSpPr>
             <a:spLocks noGrp="1"/>
           </p:cNvSpPr>
@@ -519,7 +1576,7 @@
     </p:spTree>
     <p:extLst>
       <p:ext uri="{BB962C8B-B14F-4D97-AF65-F5344CB8AC3E}">
-        <p14:creationId xmlns:p14="http://schemas.microsoft.com/office/powerpoint/2010/main" val="3964767826"/>
+        <p14:creationId xmlns:p14="http://schemas.microsoft.com/office/powerpoint/2010/main" val="1238256303"/>
       </p:ext>
     </p:extLst>
   </p:cSld>
@@ -548,13 +1605,7 @@
       </p:grpSpPr>
       <p:sp>
         <p:nvSpPr>
-          <p:cNvPr id="2" name="Vertikaler Titel 1">
-            <a:extLst>
-              <a:ext uri="{FF2B5EF4-FFF2-40B4-BE49-F238E27FC236}">
-                <a16:creationId xmlns:a16="http://schemas.microsoft.com/office/drawing/2014/main" id="{45248368-D0D5-F15B-AD14-D7DE2777B146}"/>
-              </a:ext>
-            </a:extLst>
-          </p:cNvPr>
+          <p:cNvPr id="2" name="Vertical Title 1"/>
           <p:cNvSpPr>
             <a:spLocks noGrp="1"/>
           </p:cNvSpPr>
@@ -564,8 +1615,8 @@
         </p:nvSpPr>
         <p:spPr>
           <a:xfrm>
-            <a:off x="8724900" y="365125"/>
-            <a:ext cx="2628900" cy="5811838"/>
+            <a:off x="8743950" y="695325"/>
+            <a:ext cx="2628900" cy="4800600"/>
           </a:xfrm>
         </p:spPr>
         <p:txBody>
@@ -576,19 +1627,13 @@
               <a:rPr lang="de-DE"/>
               <a:t>Mastertitelformat bearbeiten</a:t>
             </a:r>
-            <a:endParaRPr lang="en-US"/>
-          </a:p>
-        </p:txBody>
-      </p:sp>
-      <p:sp>
-        <p:nvSpPr>
-          <p:cNvPr id="3" name="Vertikaler Textplatzhalter 2">
-            <a:extLst>
-              <a:ext uri="{FF2B5EF4-FFF2-40B4-BE49-F238E27FC236}">
-                <a16:creationId xmlns:a16="http://schemas.microsoft.com/office/drawing/2014/main" id="{06EEF7DE-06C5-3643-3AF0-640C24BE8B95}"/>
-              </a:ext>
-            </a:extLst>
-          </p:cNvPr>
+            <a:endParaRPr lang="en-US" dirty="0"/>
+          </a:p>
+        </p:txBody>
+      </p:sp>
+      <p:sp>
+        <p:nvSpPr>
+          <p:cNvPr id="3" name="Vertical Text Placeholder 2"/>
           <p:cNvSpPr>
             <a:spLocks noGrp="1"/>
           </p:cNvSpPr>
@@ -598,8 +1643,8 @@
         </p:nvSpPr>
         <p:spPr>
           <a:xfrm>
-            <a:off x="838200" y="365125"/>
-            <a:ext cx="7734300" cy="5811838"/>
+            <a:off x="771525" y="714375"/>
+            <a:ext cx="7734300" cy="5400675"/>
           </a:xfrm>
         </p:spPr>
         <p:txBody>
@@ -639,19 +1684,13 @@
               <a:rPr lang="de-DE"/>
               <a:t>Fünfte Ebene</a:t>
             </a:r>
-            <a:endParaRPr lang="en-US"/>
-          </a:p>
-        </p:txBody>
-      </p:sp>
-      <p:sp>
-        <p:nvSpPr>
-          <p:cNvPr id="4" name="Datumsplatzhalter 3">
-            <a:extLst>
-              <a:ext uri="{FF2B5EF4-FFF2-40B4-BE49-F238E27FC236}">
-                <a16:creationId xmlns:a16="http://schemas.microsoft.com/office/drawing/2014/main" id="{F4B953DB-41B8-8259-D78E-2198AC22BEBA}"/>
-              </a:ext>
-            </a:extLst>
-          </p:cNvPr>
+            <a:endParaRPr lang="en-US" dirty="0"/>
+          </a:p>
+        </p:txBody>
+      </p:sp>
+      <p:sp>
+        <p:nvSpPr>
+          <p:cNvPr id="4" name="Date Placeholder 3"/>
           <p:cNvSpPr>
             <a:spLocks noGrp="1"/>
           </p:cNvSpPr>
@@ -664,9 +1703,9 @@
           <a:bodyPr/>
           <a:lstStyle/>
           <a:p>
-            <a:fld id="{B750D17C-2E93-4DCC-91BF-4FF4B120BC7C}" type="datetimeFigureOut">
+            <a:fld id="{B58BA86C-59B9-4D4B-9AD5-23748024510E}" type="datetime1">
               <a:rPr lang="en-US" smtClean="0"/>
-              <a:t>5/16/2024</a:t>
+              <a:t>5/30/2024</a:t>
             </a:fld>
             <a:endParaRPr lang="en-US"/>
           </a:p>
@@ -674,13 +1713,7 @@
       </p:sp>
       <p:sp>
         <p:nvSpPr>
-          <p:cNvPr id="5" name="Fußzeilenplatzhalter 4">
-            <a:extLst>
-              <a:ext uri="{FF2B5EF4-FFF2-40B4-BE49-F238E27FC236}">
-                <a16:creationId xmlns:a16="http://schemas.microsoft.com/office/drawing/2014/main" id="{3B71308E-22FC-C139-D2A9-BC22DA1567B7}"/>
-              </a:ext>
-            </a:extLst>
-          </p:cNvPr>
+          <p:cNvPr id="5" name="Footer Placeholder 4"/>
           <p:cNvSpPr>
             <a:spLocks noGrp="1"/>
           </p:cNvSpPr>
@@ -693,19 +1726,16 @@
           <a:bodyPr/>
           <a:lstStyle/>
           <a:p>
-            <a:endParaRPr lang="en-US"/>
-          </a:p>
-        </p:txBody>
-      </p:sp>
-      <p:sp>
-        <p:nvSpPr>
-          <p:cNvPr id="6" name="Foliennummernplatzhalter 5">
-            <a:extLst>
-              <a:ext uri="{FF2B5EF4-FFF2-40B4-BE49-F238E27FC236}">
-                <a16:creationId xmlns:a16="http://schemas.microsoft.com/office/drawing/2014/main" id="{FF1A32B9-525E-FB21-C728-8028504EA678}"/>
-              </a:ext>
-            </a:extLst>
-          </p:cNvPr>
+            <a:r>
+              <a:rPr lang="en-US"/>
+              <a:t>Schubi Is You</a:t>
+            </a:r>
+          </a:p>
+        </p:txBody>
+      </p:sp>
+      <p:sp>
+        <p:nvSpPr>
+          <p:cNvPr id="6" name="Slide Number Placeholder 5"/>
           <p:cNvSpPr>
             <a:spLocks noGrp="1"/>
           </p:cNvSpPr>
@@ -729,7 +1759,7 @@
     </p:spTree>
     <p:extLst>
       <p:ext uri="{BB962C8B-B14F-4D97-AF65-F5344CB8AC3E}">
-        <p14:creationId xmlns:p14="http://schemas.microsoft.com/office/powerpoint/2010/main" val="1371982936"/>
+        <p14:creationId xmlns:p14="http://schemas.microsoft.com/office/powerpoint/2010/main" val="2720164329"/>
       </p:ext>
     </p:extLst>
   </p:cSld>
@@ -758,13 +1788,7 @@
       </p:grpSpPr>
       <p:sp>
         <p:nvSpPr>
-          <p:cNvPr id="2" name="Titel 1">
-            <a:extLst>
-              <a:ext uri="{FF2B5EF4-FFF2-40B4-BE49-F238E27FC236}">
-                <a16:creationId xmlns:a16="http://schemas.microsoft.com/office/drawing/2014/main" id="{B0627FAD-C39A-A7A3-F582-DFFAC575F4A2}"/>
-              </a:ext>
-            </a:extLst>
-          </p:cNvPr>
+          <p:cNvPr id="2" name="Title 1"/>
           <p:cNvSpPr>
             <a:spLocks noGrp="1"/>
           </p:cNvSpPr>
@@ -781,19 +1805,13 @@
               <a:rPr lang="de-DE"/>
               <a:t>Mastertitelformat bearbeiten</a:t>
             </a:r>
-            <a:endParaRPr lang="en-US"/>
-          </a:p>
-        </p:txBody>
-      </p:sp>
-      <p:sp>
-        <p:nvSpPr>
-          <p:cNvPr id="3" name="Inhaltsplatzhalter 2">
-            <a:extLst>
-              <a:ext uri="{FF2B5EF4-FFF2-40B4-BE49-F238E27FC236}">
-                <a16:creationId xmlns:a16="http://schemas.microsoft.com/office/drawing/2014/main" id="{EFF71E31-3947-3D67-814C-AD07CEA879AD}"/>
-              </a:ext>
-            </a:extLst>
-          </p:cNvPr>
+            <a:endParaRPr lang="en-US" dirty="0"/>
+          </a:p>
+        </p:txBody>
+      </p:sp>
+      <p:sp>
+        <p:nvSpPr>
+          <p:cNvPr id="3" name="Content Placeholder 2"/>
           <p:cNvSpPr>
             <a:spLocks noGrp="1"/>
           </p:cNvSpPr>
@@ -839,19 +1857,13 @@
               <a:rPr lang="de-DE"/>
               <a:t>Fünfte Ebene</a:t>
             </a:r>
-            <a:endParaRPr lang="en-US"/>
-          </a:p>
-        </p:txBody>
-      </p:sp>
-      <p:sp>
-        <p:nvSpPr>
-          <p:cNvPr id="4" name="Datumsplatzhalter 3">
-            <a:extLst>
-              <a:ext uri="{FF2B5EF4-FFF2-40B4-BE49-F238E27FC236}">
-                <a16:creationId xmlns:a16="http://schemas.microsoft.com/office/drawing/2014/main" id="{C3C47035-FE7B-6287-072C-3B0B1761015D}"/>
-              </a:ext>
-            </a:extLst>
-          </p:cNvPr>
+            <a:endParaRPr lang="en-US" dirty="0"/>
+          </a:p>
+        </p:txBody>
+      </p:sp>
+      <p:sp>
+        <p:nvSpPr>
+          <p:cNvPr id="4" name="Date Placeholder 3"/>
           <p:cNvSpPr>
             <a:spLocks noGrp="1"/>
           </p:cNvSpPr>
@@ -864,9 +1876,9 @@
           <a:bodyPr/>
           <a:lstStyle/>
           <a:p>
-            <a:fld id="{B750D17C-2E93-4DCC-91BF-4FF4B120BC7C}" type="datetimeFigureOut">
+            <a:fld id="{8D0EEFD5-6340-42A5-8790-8E08F595ED54}" type="datetime1">
               <a:rPr lang="en-US" smtClean="0"/>
-              <a:t>5/16/2024</a:t>
+              <a:t>5/30/2024</a:t>
             </a:fld>
             <a:endParaRPr lang="en-US"/>
           </a:p>
@@ -874,13 +1886,7 @@
       </p:sp>
       <p:sp>
         <p:nvSpPr>
-          <p:cNvPr id="5" name="Fußzeilenplatzhalter 4">
-            <a:extLst>
-              <a:ext uri="{FF2B5EF4-FFF2-40B4-BE49-F238E27FC236}">
-                <a16:creationId xmlns:a16="http://schemas.microsoft.com/office/drawing/2014/main" id="{A501FA6F-0FB2-0362-A474-EFDE75964981}"/>
-              </a:ext>
-            </a:extLst>
-          </p:cNvPr>
+          <p:cNvPr id="5" name="Footer Placeholder 4"/>
           <p:cNvSpPr>
             <a:spLocks noGrp="1"/>
           </p:cNvSpPr>
@@ -893,19 +1899,16 @@
           <a:bodyPr/>
           <a:lstStyle/>
           <a:p>
-            <a:endParaRPr lang="en-US"/>
-          </a:p>
-        </p:txBody>
-      </p:sp>
-      <p:sp>
-        <p:nvSpPr>
-          <p:cNvPr id="6" name="Foliennummernplatzhalter 5">
-            <a:extLst>
-              <a:ext uri="{FF2B5EF4-FFF2-40B4-BE49-F238E27FC236}">
-                <a16:creationId xmlns:a16="http://schemas.microsoft.com/office/drawing/2014/main" id="{2C007E75-93E3-F4A4-C512-2E380FBDB7BA}"/>
-              </a:ext>
-            </a:extLst>
-          </p:cNvPr>
+            <a:r>
+              <a:rPr lang="en-US"/>
+              <a:t>Schubi Is You</a:t>
+            </a:r>
+          </a:p>
+        </p:txBody>
+      </p:sp>
+      <p:sp>
+        <p:nvSpPr>
+          <p:cNvPr id="6" name="Slide Number Placeholder 5"/>
           <p:cNvSpPr>
             <a:spLocks noGrp="1"/>
           </p:cNvSpPr>
@@ -929,7 +1932,7 @@
     </p:spTree>
     <p:extLst>
       <p:ext uri="{BB962C8B-B14F-4D97-AF65-F5344CB8AC3E}">
-        <p14:creationId xmlns:p14="http://schemas.microsoft.com/office/powerpoint/2010/main" val="1414715526"/>
+        <p14:creationId xmlns:p14="http://schemas.microsoft.com/office/powerpoint/2010/main" val="3005445693"/>
       </p:ext>
     </p:extLst>
   </p:cSld>
@@ -958,13 +1961,7 @@
       </p:grpSpPr>
       <p:sp>
         <p:nvSpPr>
-          <p:cNvPr id="2" name="Titel 1">
-            <a:extLst>
-              <a:ext uri="{FF2B5EF4-FFF2-40B4-BE49-F238E27FC236}">
-                <a16:creationId xmlns:a16="http://schemas.microsoft.com/office/drawing/2014/main" id="{700242E7-224F-47D5-B39B-4C1790C16299}"/>
-              </a:ext>
-            </a:extLst>
-          </p:cNvPr>
+          <p:cNvPr id="2" name="Title 1"/>
           <p:cNvSpPr>
             <a:spLocks noGrp="1"/>
           </p:cNvSpPr>
@@ -974,15 +1971,24 @@
         </p:nvSpPr>
         <p:spPr>
           <a:xfrm>
-            <a:off x="831850" y="1709738"/>
-            <a:ext cx="10515600" cy="2852737"/>
+            <a:off x="603504" y="767419"/>
+            <a:ext cx="10780776" cy="3355848"/>
           </a:xfrm>
         </p:spPr>
         <p:txBody>
-          <a:bodyPr anchor="b"/>
+          <a:bodyPr anchor="b">
+            <a:normAutofit/>
+          </a:bodyPr>
           <a:lstStyle>
             <a:lvl1pPr>
-              <a:defRPr sz="6000"/>
+              <a:lnSpc>
+                <a:spcPct val="80000"/>
+              </a:lnSpc>
+              <a:defRPr sz="8800" b="0" baseline="0">
+                <a:solidFill>
+                  <a:schemeClr val="accent1"/>
+                </a:solidFill>
+              </a:defRPr>
             </a:lvl1pPr>
           </a:lstStyle>
           <a:p>
@@ -990,19 +1996,13 @@
               <a:rPr lang="de-DE"/>
               <a:t>Mastertitelformat bearbeiten</a:t>
             </a:r>
-            <a:endParaRPr lang="en-US"/>
-          </a:p>
-        </p:txBody>
-      </p:sp>
-      <p:sp>
-        <p:nvSpPr>
-          <p:cNvPr id="3" name="Textplatzhalter 2">
-            <a:extLst>
-              <a:ext uri="{FF2B5EF4-FFF2-40B4-BE49-F238E27FC236}">
-                <a16:creationId xmlns:a16="http://schemas.microsoft.com/office/drawing/2014/main" id="{3EB78576-02AF-0699-95B0-41050683D22D}"/>
-              </a:ext>
-            </a:extLst>
-          </p:cNvPr>
+            <a:endParaRPr lang="en-US" dirty="0"/>
+          </a:p>
+        </p:txBody>
+      </p:sp>
+      <p:sp>
+        <p:nvSpPr>
+          <p:cNvPr id="3" name="Text Placeholder 2"/>
           <p:cNvSpPr>
             <a:spLocks noGrp="1"/>
           </p:cNvSpPr>
@@ -1012,99 +2012,100 @@
         </p:nvSpPr>
         <p:spPr>
           <a:xfrm>
-            <a:off x="831850" y="4589463"/>
-            <a:ext cx="10515600" cy="1500187"/>
+            <a:off x="667512" y="4204209"/>
+            <a:ext cx="9226296" cy="1645920"/>
           </a:xfrm>
         </p:spPr>
         <p:txBody>
-          <a:bodyPr/>
+          <a:bodyPr anchor="t">
+            <a:normAutofit/>
+          </a:bodyPr>
           <a:lstStyle>
             <a:lvl1pPr marL="0" indent="0">
               <a:buNone/>
-              <a:defRPr sz="2400">
-                <a:solidFill>
-                  <a:schemeClr val="tx1">
-                    <a:tint val="82000"/>
-                  </a:schemeClr>
-                </a:solidFill>
+              <a:defRPr sz="3200">
+                <a:solidFill>
+                  <a:schemeClr val="tx1"/>
+                </a:solidFill>
+                <a:latin typeface="+mj-lt"/>
               </a:defRPr>
             </a:lvl1pPr>
             <a:lvl2pPr marL="457200" indent="0">
               <a:buNone/>
-              <a:defRPr sz="2000">
+              <a:defRPr sz="1800">
                 <a:solidFill>
                   <a:schemeClr val="tx1">
-                    <a:tint val="82000"/>
+                    <a:tint val="75000"/>
                   </a:schemeClr>
                 </a:solidFill>
               </a:defRPr>
             </a:lvl2pPr>
             <a:lvl3pPr marL="914400" indent="0">
               <a:buNone/>
-              <a:defRPr sz="1800">
+              <a:defRPr sz="1600">
                 <a:solidFill>
                   <a:schemeClr val="tx1">
-                    <a:tint val="82000"/>
+                    <a:tint val="75000"/>
                   </a:schemeClr>
                 </a:solidFill>
               </a:defRPr>
             </a:lvl3pPr>
             <a:lvl4pPr marL="1371600" indent="0">
               <a:buNone/>
-              <a:defRPr sz="1600">
+              <a:defRPr sz="1400">
                 <a:solidFill>
                   <a:schemeClr val="tx1">
-                    <a:tint val="82000"/>
+                    <a:tint val="75000"/>
                   </a:schemeClr>
                 </a:solidFill>
               </a:defRPr>
             </a:lvl4pPr>
             <a:lvl5pPr marL="1828800" indent="0">
               <a:buNone/>
-              <a:defRPr sz="1600">
+              <a:defRPr sz="1400">
                 <a:solidFill>
                   <a:schemeClr val="tx1">
-                    <a:tint val="82000"/>
+                    <a:tint val="75000"/>
                   </a:schemeClr>
                 </a:solidFill>
               </a:defRPr>
             </a:lvl5pPr>
             <a:lvl6pPr marL="2286000" indent="0">
               <a:buNone/>
-              <a:defRPr sz="1600">
+              <a:defRPr sz="1400">
                 <a:solidFill>
                   <a:schemeClr val="tx1">
-                    <a:tint val="82000"/>
+                    <a:tint val="75000"/>
                   </a:schemeClr>
                 </a:solidFill>
               </a:defRPr>
             </a:lvl6pPr>
             <a:lvl7pPr marL="2743200" indent="0">
               <a:buNone/>
-              <a:defRPr sz="1600">
+              <a:defRPr sz="1400">
                 <a:solidFill>
                   <a:schemeClr val="tx1">
-                    <a:tint val="82000"/>
+                    <a:tint val="75000"/>
                   </a:schemeClr>
                 </a:solidFill>
               </a:defRPr>
             </a:lvl7pPr>
             <a:lvl8pPr marL="3200400" indent="0">
               <a:buNone/>
-              <a:defRPr sz="1600">
+              <a:defRPr sz="1400">
                 <a:solidFill>
                   <a:schemeClr val="tx1">
-                    <a:tint val="82000"/>
+                    <a:tint val="75000"/>
                   </a:schemeClr>
                 </a:solidFill>
               </a:defRPr>
             </a:lvl8pPr>
             <a:lvl9pPr marL="3657600" indent="0">
               <a:buNone/>
-              <a:defRPr sz="1600">
+              <a:defRPr sz="1400">
                 <a:solidFill>
                   <a:schemeClr val="tx1">
-                    <a:tint val="82000"/>
+                    <a:tint val="75000"/>
                   </a:schemeClr>
                 </a:solidFill>
               </a:defRPr>
@@ -1121,13 +2122,7 @@
       </p:sp>
       <p:sp>
         <p:nvSpPr>
-          <p:cNvPr id="4" name="Datumsplatzhalter 3">
-            <a:extLst>
-              <a:ext uri="{FF2B5EF4-FFF2-40B4-BE49-F238E27FC236}">
-                <a16:creationId xmlns:a16="http://schemas.microsoft.com/office/drawing/2014/main" id="{39905E73-8C35-6837-F0CF-CFCAB3BD41A7}"/>
-              </a:ext>
-            </a:extLst>
-          </p:cNvPr>
+          <p:cNvPr id="4" name="Date Placeholder 3"/>
           <p:cNvSpPr>
             <a:spLocks noGrp="1"/>
           </p:cNvSpPr>
@@ -1140,9 +2135,9 @@
           <a:bodyPr/>
           <a:lstStyle/>
           <a:p>
-            <a:fld id="{B750D17C-2E93-4DCC-91BF-4FF4B120BC7C}" type="datetimeFigureOut">
+            <a:fld id="{B37FA558-8225-4020-A690-2AE95B8BE8E4}" type="datetime1">
               <a:rPr lang="en-US" smtClean="0"/>
-              <a:t>5/16/2024</a:t>
+              <a:t>5/30/2024</a:t>
             </a:fld>
             <a:endParaRPr lang="en-US"/>
           </a:p>
@@ -1150,13 +2145,7 @@
       </p:sp>
       <p:sp>
         <p:nvSpPr>
-          <p:cNvPr id="5" name="Fußzeilenplatzhalter 4">
-            <a:extLst>
-              <a:ext uri="{FF2B5EF4-FFF2-40B4-BE49-F238E27FC236}">
-                <a16:creationId xmlns:a16="http://schemas.microsoft.com/office/drawing/2014/main" id="{12FD3F12-05D1-781B-2DCE-16E0C3BE94E2}"/>
-              </a:ext>
-            </a:extLst>
-          </p:cNvPr>
+          <p:cNvPr id="5" name="Footer Placeholder 4"/>
           <p:cNvSpPr>
             <a:spLocks noGrp="1"/>
           </p:cNvSpPr>
@@ -1169,19 +2158,16 @@
           <a:bodyPr/>
           <a:lstStyle/>
           <a:p>
-            <a:endParaRPr lang="en-US"/>
-          </a:p>
-        </p:txBody>
-      </p:sp>
-      <p:sp>
-        <p:nvSpPr>
-          <p:cNvPr id="6" name="Foliennummernplatzhalter 5">
-            <a:extLst>
-              <a:ext uri="{FF2B5EF4-FFF2-40B4-BE49-F238E27FC236}">
-                <a16:creationId xmlns:a16="http://schemas.microsoft.com/office/drawing/2014/main" id="{954F7989-348C-CF94-6B3F-BFBA7F901DF7}"/>
-              </a:ext>
-            </a:extLst>
-          </p:cNvPr>
+            <a:r>
+              <a:rPr lang="en-US"/>
+              <a:t>Schubi Is You</a:t>
+            </a:r>
+          </a:p>
+        </p:txBody>
+      </p:sp>
+      <p:sp>
+        <p:nvSpPr>
+          <p:cNvPr id="6" name="Slide Number Placeholder 5"/>
           <p:cNvSpPr>
             <a:spLocks noGrp="1"/>
           </p:cNvSpPr>
@@ -1205,7 +2191,7 @@
     </p:spTree>
     <p:extLst>
       <p:ext uri="{BB962C8B-B14F-4D97-AF65-F5344CB8AC3E}">
-        <p14:creationId xmlns:p14="http://schemas.microsoft.com/office/powerpoint/2010/main" val="1287317191"/>
+        <p14:creationId xmlns:p14="http://schemas.microsoft.com/office/powerpoint/2010/main" val="3186013977"/>
       </p:ext>
     </p:extLst>
   </p:cSld>
@@ -1234,13 +2220,7 @@
       </p:grpSpPr>
       <p:sp>
         <p:nvSpPr>
-          <p:cNvPr id="2" name="Titel 1">
-            <a:extLst>
-              <a:ext uri="{FF2B5EF4-FFF2-40B4-BE49-F238E27FC236}">
-                <a16:creationId xmlns:a16="http://schemas.microsoft.com/office/drawing/2014/main" id="{47B5B340-16C8-AC58-A372-710A2621129B}"/>
-              </a:ext>
-            </a:extLst>
-          </p:cNvPr>
+          <p:cNvPr id="2" name="Title 1"/>
           <p:cNvSpPr>
             <a:spLocks noGrp="1"/>
           </p:cNvSpPr>
@@ -1257,19 +2237,13 @@
               <a:rPr lang="de-DE"/>
               <a:t>Mastertitelformat bearbeiten</a:t>
             </a:r>
-            <a:endParaRPr lang="en-US"/>
-          </a:p>
-        </p:txBody>
-      </p:sp>
-      <p:sp>
-        <p:nvSpPr>
-          <p:cNvPr id="3" name="Inhaltsplatzhalter 2">
-            <a:extLst>
-              <a:ext uri="{FF2B5EF4-FFF2-40B4-BE49-F238E27FC236}">
-                <a16:creationId xmlns:a16="http://schemas.microsoft.com/office/drawing/2014/main" id="{50E78416-A051-C15F-2CD4-F6AD19F0528C}"/>
-              </a:ext>
-            </a:extLst>
-          </p:cNvPr>
+            <a:endParaRPr lang="en-US" dirty="0"/>
+          </a:p>
+        </p:txBody>
+      </p:sp>
+      <p:sp>
+        <p:nvSpPr>
+          <p:cNvPr id="3" name="Content Placeholder 2"/>
           <p:cNvSpPr>
             <a:spLocks noGrp="1"/>
           </p:cNvSpPr>
@@ -1279,13 +2253,41 @@
         </p:nvSpPr>
         <p:spPr>
           <a:xfrm>
-            <a:off x="838200" y="1825625"/>
-            <a:ext cx="5181600" cy="4351338"/>
+            <a:off x="676656" y="1998134"/>
+            <a:ext cx="4663440" cy="3767328"/>
           </a:xfrm>
         </p:spPr>
         <p:txBody>
           <a:bodyPr/>
-          <a:lstStyle/>
+          <a:lstStyle>
+            <a:lvl1pPr>
+              <a:defRPr sz="2400"/>
+            </a:lvl1pPr>
+            <a:lvl2pPr>
+              <a:defRPr sz="2000"/>
+            </a:lvl2pPr>
+            <a:lvl3pPr>
+              <a:defRPr sz="1800"/>
+            </a:lvl3pPr>
+            <a:lvl4pPr>
+              <a:defRPr sz="1600"/>
+            </a:lvl4pPr>
+            <a:lvl5pPr>
+              <a:defRPr sz="1600"/>
+            </a:lvl5pPr>
+            <a:lvl6pPr>
+              <a:defRPr sz="1600"/>
+            </a:lvl6pPr>
+            <a:lvl7pPr>
+              <a:defRPr sz="1600"/>
+            </a:lvl7pPr>
+            <a:lvl8pPr>
+              <a:defRPr sz="1600"/>
+            </a:lvl8pPr>
+            <a:lvl9pPr>
+              <a:defRPr sz="1600"/>
+            </a:lvl9pPr>
+          </a:lstStyle>
           <a:p>
             <a:pPr lvl="0"/>
             <a:r>
@@ -1320,19 +2322,13 @@
               <a:rPr lang="de-DE"/>
               <a:t>Fünfte Ebene</a:t>
             </a:r>
-            <a:endParaRPr lang="en-US"/>
-          </a:p>
-        </p:txBody>
-      </p:sp>
-      <p:sp>
-        <p:nvSpPr>
-          <p:cNvPr id="4" name="Inhaltsplatzhalter 3">
-            <a:extLst>
-              <a:ext uri="{FF2B5EF4-FFF2-40B4-BE49-F238E27FC236}">
-                <a16:creationId xmlns:a16="http://schemas.microsoft.com/office/drawing/2014/main" id="{FBF68884-F8CF-F44E-BBBD-7414097C0323}"/>
-              </a:ext>
-            </a:extLst>
-          </p:cNvPr>
+            <a:endParaRPr lang="en-US" dirty="0"/>
+          </a:p>
+        </p:txBody>
+      </p:sp>
+      <p:sp>
+        <p:nvSpPr>
+          <p:cNvPr id="4" name="Content Placeholder 3"/>
           <p:cNvSpPr>
             <a:spLocks noGrp="1"/>
           </p:cNvSpPr>
@@ -1342,13 +2338,41 @@
         </p:nvSpPr>
         <p:spPr>
           <a:xfrm>
-            <a:off x="6172200" y="1825625"/>
-            <a:ext cx="5181600" cy="4351338"/>
+            <a:off x="6011330" y="1998134"/>
+            <a:ext cx="4663440" cy="3767328"/>
           </a:xfrm>
         </p:spPr>
         <p:txBody>
           <a:bodyPr/>
-          <a:lstStyle/>
+          <a:lstStyle>
+            <a:lvl1pPr>
+              <a:defRPr sz="2400"/>
+            </a:lvl1pPr>
+            <a:lvl2pPr>
+              <a:defRPr sz="2000"/>
+            </a:lvl2pPr>
+            <a:lvl3pPr>
+              <a:defRPr sz="1800"/>
+            </a:lvl3pPr>
+            <a:lvl4pPr>
+              <a:defRPr sz="1600"/>
+            </a:lvl4pPr>
+            <a:lvl5pPr>
+              <a:defRPr sz="1600"/>
+            </a:lvl5pPr>
+            <a:lvl6pPr>
+              <a:defRPr sz="1600"/>
+            </a:lvl6pPr>
+            <a:lvl7pPr>
+              <a:defRPr sz="1600"/>
+            </a:lvl7pPr>
+            <a:lvl8pPr>
+              <a:defRPr sz="1600"/>
+            </a:lvl8pPr>
+            <a:lvl9pPr>
+              <a:defRPr sz="1600"/>
+            </a:lvl9pPr>
+          </a:lstStyle>
           <a:p>
             <a:pPr lvl="0"/>
             <a:r>
@@ -1383,19 +2407,13 @@
               <a:rPr lang="de-DE"/>
               <a:t>Fünfte Ebene</a:t>
             </a:r>
-            <a:endParaRPr lang="en-US"/>
-          </a:p>
-        </p:txBody>
-      </p:sp>
-      <p:sp>
-        <p:nvSpPr>
-          <p:cNvPr id="5" name="Datumsplatzhalter 4">
-            <a:extLst>
-              <a:ext uri="{FF2B5EF4-FFF2-40B4-BE49-F238E27FC236}">
-                <a16:creationId xmlns:a16="http://schemas.microsoft.com/office/drawing/2014/main" id="{E2A8ED7A-2B5D-7713-8525-E178F0959DC2}"/>
-              </a:ext>
-            </a:extLst>
-          </p:cNvPr>
+            <a:endParaRPr lang="en-US" dirty="0"/>
+          </a:p>
+        </p:txBody>
+      </p:sp>
+      <p:sp>
+        <p:nvSpPr>
+          <p:cNvPr id="5" name="Date Placeholder 4"/>
           <p:cNvSpPr>
             <a:spLocks noGrp="1"/>
           </p:cNvSpPr>
@@ -1408,9 +2426,9 @@
           <a:bodyPr/>
           <a:lstStyle/>
           <a:p>
-            <a:fld id="{B750D17C-2E93-4DCC-91BF-4FF4B120BC7C}" type="datetimeFigureOut">
+            <a:fld id="{E2C44083-7A4C-4511-9A7E-90BB48667375}" type="datetime1">
               <a:rPr lang="en-US" smtClean="0"/>
-              <a:t>5/16/2024</a:t>
+              <a:t>5/30/2024</a:t>
             </a:fld>
             <a:endParaRPr lang="en-US"/>
           </a:p>
@@ -1418,13 +2436,7 @@
       </p:sp>
       <p:sp>
         <p:nvSpPr>
-          <p:cNvPr id="6" name="Fußzeilenplatzhalter 5">
-            <a:extLst>
-              <a:ext uri="{FF2B5EF4-FFF2-40B4-BE49-F238E27FC236}">
-                <a16:creationId xmlns:a16="http://schemas.microsoft.com/office/drawing/2014/main" id="{AB77037D-E830-5F78-CB40-DC8C0FCD2E0A}"/>
-              </a:ext>
-            </a:extLst>
-          </p:cNvPr>
+          <p:cNvPr id="6" name="Footer Placeholder 5"/>
           <p:cNvSpPr>
             <a:spLocks noGrp="1"/>
           </p:cNvSpPr>
@@ -1437,19 +2449,16 @@
           <a:bodyPr/>
           <a:lstStyle/>
           <a:p>
-            <a:endParaRPr lang="en-US"/>
-          </a:p>
-        </p:txBody>
-      </p:sp>
-      <p:sp>
-        <p:nvSpPr>
-          <p:cNvPr id="7" name="Foliennummernplatzhalter 6">
-            <a:extLst>
-              <a:ext uri="{FF2B5EF4-FFF2-40B4-BE49-F238E27FC236}">
-                <a16:creationId xmlns:a16="http://schemas.microsoft.com/office/drawing/2014/main" id="{9EDDAC0A-4547-2FB8-C513-53E200957C13}"/>
-              </a:ext>
-            </a:extLst>
-          </p:cNvPr>
+            <a:r>
+              <a:rPr lang="en-US"/>
+              <a:t>Schubi Is You</a:t>
+            </a:r>
+          </a:p>
+        </p:txBody>
+      </p:sp>
+      <p:sp>
+        <p:nvSpPr>
+          <p:cNvPr id="7" name="Slide Number Placeholder 6"/>
           <p:cNvSpPr>
             <a:spLocks noGrp="1"/>
           </p:cNvSpPr>
@@ -1473,7 +2482,7 @@
     </p:spTree>
     <p:extLst>
       <p:ext uri="{BB962C8B-B14F-4D97-AF65-F5344CB8AC3E}">
-        <p14:creationId xmlns:p14="http://schemas.microsoft.com/office/powerpoint/2010/main" val="1105866901"/>
+        <p14:creationId xmlns:p14="http://schemas.microsoft.com/office/powerpoint/2010/main" val="3826050136"/>
       </p:ext>
     </p:extLst>
   </p:cSld>
@@ -1502,66 +2511,59 @@
       </p:grpSpPr>
       <p:sp>
         <p:nvSpPr>
-          <p:cNvPr id="2" name="Titel 1">
-            <a:extLst>
-              <a:ext uri="{FF2B5EF4-FFF2-40B4-BE49-F238E27FC236}">
-                <a16:creationId xmlns:a16="http://schemas.microsoft.com/office/drawing/2014/main" id="{8E036AB9-9667-9A25-3380-67209DCF1882}"/>
-              </a:ext>
-            </a:extLst>
-          </p:cNvPr>
+          <p:cNvPr id="10" name="Title 9"/>
           <p:cNvSpPr>
             <a:spLocks noGrp="1"/>
           </p:cNvSpPr>
           <p:nvPr>
             <p:ph type="title"/>
+          </p:nvPr>
+        </p:nvSpPr>
+        <p:spPr/>
+        <p:txBody>
+          <a:bodyPr/>
+          <a:lstStyle/>
+          <a:p>
+            <a:r>
+              <a:rPr lang="de-DE"/>
+              <a:t>Mastertitelformat bearbeiten</a:t>
+            </a:r>
+            <a:endParaRPr lang="en-US" dirty="0"/>
+          </a:p>
+        </p:txBody>
+      </p:sp>
+      <p:sp>
+        <p:nvSpPr>
+          <p:cNvPr id="3" name="Text Placeholder 2"/>
+          <p:cNvSpPr>
+            <a:spLocks noGrp="1"/>
+          </p:cNvSpPr>
+          <p:nvPr>
+            <p:ph type="body" idx="1"/>
           </p:nvPr>
         </p:nvSpPr>
         <p:spPr>
           <a:xfrm>
-            <a:off x="839788" y="365125"/>
-            <a:ext cx="10515600" cy="1325563"/>
+            <a:off x="676656" y="2040467"/>
+            <a:ext cx="4663440" cy="723400"/>
           </a:xfrm>
         </p:spPr>
         <p:txBody>
-          <a:bodyPr/>
-          <a:lstStyle/>
-          <a:p>
-            <a:r>
-              <a:rPr lang="de-DE"/>
-              <a:t>Mastertitelformat bearbeiten</a:t>
-            </a:r>
-            <a:endParaRPr lang="en-US"/>
-          </a:p>
-        </p:txBody>
-      </p:sp>
-      <p:sp>
-        <p:nvSpPr>
-          <p:cNvPr id="3" name="Textplatzhalter 2">
-            <a:extLst>
-              <a:ext uri="{FF2B5EF4-FFF2-40B4-BE49-F238E27FC236}">
-                <a16:creationId xmlns:a16="http://schemas.microsoft.com/office/drawing/2014/main" id="{5E1B8520-2CF5-1DBD-BADC-2AE837A759CA}"/>
-              </a:ext>
-            </a:extLst>
-          </p:cNvPr>
-          <p:cNvSpPr>
-            <a:spLocks noGrp="1"/>
-          </p:cNvSpPr>
-          <p:nvPr>
-            <p:ph type="body" idx="1"/>
-          </p:nvPr>
-        </p:nvSpPr>
-        <p:spPr>
-          <a:xfrm>
-            <a:off x="839788" y="1681163"/>
-            <a:ext cx="5157787" cy="823912"/>
-          </a:xfrm>
-        </p:spPr>
-        <p:txBody>
-          <a:bodyPr anchor="b"/>
+          <a:bodyPr anchor="ctr">
+            <a:normAutofit/>
+          </a:bodyPr>
           <a:lstStyle>
             <a:lvl1pPr marL="0" indent="0">
               <a:buNone/>
-              <a:defRPr sz="2400" b="1"/>
+              <a:defRPr sz="2200" b="0" cap="all" baseline="0">
+                <a:solidFill>
+                  <a:schemeClr val="tx1">
+                    <a:lumMod val="85000"/>
+                    <a:lumOff val="15000"/>
+                  </a:schemeClr>
+                </a:solidFill>
+                <a:latin typeface="+mj-lt"/>
+              </a:defRPr>
             </a:lvl1pPr>
             <a:lvl2pPr marL="457200" indent="0">
               <a:buNone/>
@@ -1607,13 +2609,7 @@
       </p:sp>
       <p:sp>
         <p:nvSpPr>
-          <p:cNvPr id="4" name="Inhaltsplatzhalter 3">
-            <a:extLst>
-              <a:ext uri="{FF2B5EF4-FFF2-40B4-BE49-F238E27FC236}">
-                <a16:creationId xmlns:a16="http://schemas.microsoft.com/office/drawing/2014/main" id="{54986BB2-D339-D3E1-F842-072437E9B458}"/>
-              </a:ext>
-            </a:extLst>
-          </p:cNvPr>
+          <p:cNvPr id="4" name="Content Placeholder 3"/>
           <p:cNvSpPr>
             <a:spLocks noGrp="1"/>
           </p:cNvSpPr>
@@ -1623,13 +2619,41 @@
         </p:nvSpPr>
         <p:spPr>
           <a:xfrm>
-            <a:off x="839788" y="2505075"/>
-            <a:ext cx="5157787" cy="3684588"/>
+            <a:off x="676656" y="2753084"/>
+            <a:ext cx="4663440" cy="3200400"/>
           </a:xfrm>
         </p:spPr>
         <p:txBody>
           <a:bodyPr/>
-          <a:lstStyle/>
+          <a:lstStyle>
+            <a:lvl1pPr>
+              <a:defRPr sz="2400"/>
+            </a:lvl1pPr>
+            <a:lvl2pPr>
+              <a:defRPr sz="2000"/>
+            </a:lvl2pPr>
+            <a:lvl3pPr>
+              <a:defRPr sz="1800"/>
+            </a:lvl3pPr>
+            <a:lvl4pPr>
+              <a:defRPr sz="1600"/>
+            </a:lvl4pPr>
+            <a:lvl5pPr>
+              <a:defRPr sz="1600"/>
+            </a:lvl5pPr>
+            <a:lvl6pPr>
+              <a:defRPr sz="1600"/>
+            </a:lvl6pPr>
+            <a:lvl7pPr>
+              <a:defRPr sz="1600"/>
+            </a:lvl7pPr>
+            <a:lvl8pPr>
+              <a:defRPr sz="1600"/>
+            </a:lvl8pPr>
+            <a:lvl9pPr>
+              <a:defRPr sz="1600"/>
+            </a:lvl9pPr>
+          </a:lstStyle>
           <a:p>
             <a:pPr lvl="0"/>
             <a:r>
@@ -1664,19 +2688,13 @@
               <a:rPr lang="de-DE"/>
               <a:t>Fünfte Ebene</a:t>
             </a:r>
-            <a:endParaRPr lang="en-US"/>
-          </a:p>
-        </p:txBody>
-      </p:sp>
-      <p:sp>
-        <p:nvSpPr>
-          <p:cNvPr id="5" name="Textplatzhalter 4">
-            <a:extLst>
-              <a:ext uri="{FF2B5EF4-FFF2-40B4-BE49-F238E27FC236}">
-                <a16:creationId xmlns:a16="http://schemas.microsoft.com/office/drawing/2014/main" id="{6AC327E5-7F9D-1FBD-E291-231C50847E3A}"/>
-              </a:ext>
-            </a:extLst>
-          </p:cNvPr>
+            <a:endParaRPr lang="en-US" dirty="0"/>
+          </a:p>
+        </p:txBody>
+      </p:sp>
+      <p:sp>
+        <p:nvSpPr>
+          <p:cNvPr id="5" name="Text Placeholder 4"/>
           <p:cNvSpPr>
             <a:spLocks noGrp="1"/>
           </p:cNvSpPr>
@@ -1686,16 +2704,26 @@
         </p:nvSpPr>
         <p:spPr>
           <a:xfrm>
-            <a:off x="6172200" y="1681163"/>
-            <a:ext cx="5183188" cy="823912"/>
+            <a:off x="6007608" y="2038435"/>
+            <a:ext cx="4663440" cy="722376"/>
           </a:xfrm>
         </p:spPr>
         <p:txBody>
-          <a:bodyPr anchor="b"/>
+          <a:bodyPr anchor="ctr">
+            <a:normAutofit/>
+          </a:bodyPr>
           <a:lstStyle>
             <a:lvl1pPr marL="0" indent="0">
               <a:buNone/>
-              <a:defRPr sz="2400" b="1"/>
+              <a:defRPr sz="2200" b="0" cap="all" baseline="0">
+                <a:solidFill>
+                  <a:schemeClr val="tx1">
+                    <a:lumMod val="85000"/>
+                    <a:lumOff val="15000"/>
+                  </a:schemeClr>
+                </a:solidFill>
+                <a:latin typeface="+mj-lt"/>
+              </a:defRPr>
             </a:lvl1pPr>
             <a:lvl2pPr marL="457200" indent="0">
               <a:buNone/>
@@ -1741,13 +2769,7 @@
       </p:sp>
       <p:sp>
         <p:nvSpPr>
-          <p:cNvPr id="6" name="Inhaltsplatzhalter 5">
-            <a:extLst>
-              <a:ext uri="{FF2B5EF4-FFF2-40B4-BE49-F238E27FC236}">
-                <a16:creationId xmlns:a16="http://schemas.microsoft.com/office/drawing/2014/main" id="{8FCE811C-80EC-D328-B473-9087412059C3}"/>
-              </a:ext>
-            </a:extLst>
-          </p:cNvPr>
+          <p:cNvPr id="6" name="Content Placeholder 5"/>
           <p:cNvSpPr>
             <a:spLocks noGrp="1"/>
           </p:cNvSpPr>
@@ -1757,13 +2779,41 @@
         </p:nvSpPr>
         <p:spPr>
           <a:xfrm>
-            <a:off x="6172200" y="2505075"/>
-            <a:ext cx="5183188" cy="3684588"/>
+            <a:off x="6007608" y="2750990"/>
+            <a:ext cx="4663440" cy="3200400"/>
           </a:xfrm>
         </p:spPr>
         <p:txBody>
           <a:bodyPr/>
-          <a:lstStyle/>
+          <a:lstStyle>
+            <a:lvl1pPr>
+              <a:defRPr sz="2400"/>
+            </a:lvl1pPr>
+            <a:lvl2pPr>
+              <a:defRPr sz="2000"/>
+            </a:lvl2pPr>
+            <a:lvl3pPr>
+              <a:defRPr sz="1800"/>
+            </a:lvl3pPr>
+            <a:lvl4pPr>
+              <a:defRPr sz="1600"/>
+            </a:lvl4pPr>
+            <a:lvl5pPr>
+              <a:defRPr sz="1600"/>
+            </a:lvl5pPr>
+            <a:lvl6pPr>
+              <a:defRPr sz="1600"/>
+            </a:lvl6pPr>
+            <a:lvl7pPr>
+              <a:defRPr sz="1600"/>
+            </a:lvl7pPr>
+            <a:lvl8pPr>
+              <a:defRPr sz="1600"/>
+            </a:lvl8pPr>
+            <a:lvl9pPr>
+              <a:defRPr sz="1600"/>
+            </a:lvl9pPr>
+          </a:lstStyle>
           <a:p>
             <a:pPr lvl="0"/>
             <a:r>
@@ -1798,19 +2848,13 @@
               <a:rPr lang="de-DE"/>
               <a:t>Fünfte Ebene</a:t>
             </a:r>
-            <a:endParaRPr lang="en-US"/>
-          </a:p>
-        </p:txBody>
-      </p:sp>
-      <p:sp>
-        <p:nvSpPr>
-          <p:cNvPr id="7" name="Datumsplatzhalter 6">
-            <a:extLst>
-              <a:ext uri="{FF2B5EF4-FFF2-40B4-BE49-F238E27FC236}">
-                <a16:creationId xmlns:a16="http://schemas.microsoft.com/office/drawing/2014/main" id="{B969B80B-70FA-2C7A-307E-B3ADF8900840}"/>
-              </a:ext>
-            </a:extLst>
-          </p:cNvPr>
+            <a:endParaRPr lang="en-US" dirty="0"/>
+          </a:p>
+        </p:txBody>
+      </p:sp>
+      <p:sp>
+        <p:nvSpPr>
+          <p:cNvPr id="7" name="Date Placeholder 6"/>
           <p:cNvSpPr>
             <a:spLocks noGrp="1"/>
           </p:cNvSpPr>
@@ -1823,9 +2867,9 @@
           <a:bodyPr/>
           <a:lstStyle/>
           <a:p>
-            <a:fld id="{B750D17C-2E93-4DCC-91BF-4FF4B120BC7C}" type="datetimeFigureOut">
+            <a:fld id="{7A6EFC4B-5638-403A-BFEE-F4ABCA57D74B}" type="datetime1">
               <a:rPr lang="en-US" smtClean="0"/>
-              <a:t>5/16/2024</a:t>
+              <a:t>5/30/2024</a:t>
             </a:fld>
             <a:endParaRPr lang="en-US"/>
           </a:p>
@@ -1833,13 +2877,7 @@
       </p:sp>
       <p:sp>
         <p:nvSpPr>
-          <p:cNvPr id="8" name="Fußzeilenplatzhalter 7">
-            <a:extLst>
-              <a:ext uri="{FF2B5EF4-FFF2-40B4-BE49-F238E27FC236}">
-                <a16:creationId xmlns:a16="http://schemas.microsoft.com/office/drawing/2014/main" id="{459C774D-59A8-628C-2A4E-884C859D9373}"/>
-              </a:ext>
-            </a:extLst>
-          </p:cNvPr>
+          <p:cNvPr id="8" name="Footer Placeholder 7"/>
           <p:cNvSpPr>
             <a:spLocks noGrp="1"/>
           </p:cNvSpPr>
@@ -1852,19 +2890,16 @@
           <a:bodyPr/>
           <a:lstStyle/>
           <a:p>
-            <a:endParaRPr lang="en-US"/>
-          </a:p>
-        </p:txBody>
-      </p:sp>
-      <p:sp>
-        <p:nvSpPr>
-          <p:cNvPr id="9" name="Foliennummernplatzhalter 8">
-            <a:extLst>
-              <a:ext uri="{FF2B5EF4-FFF2-40B4-BE49-F238E27FC236}">
-                <a16:creationId xmlns:a16="http://schemas.microsoft.com/office/drawing/2014/main" id="{9EC47D4D-7CD6-AED7-D92F-339667BBFB1D}"/>
-              </a:ext>
-            </a:extLst>
-          </p:cNvPr>
+            <a:r>
+              <a:rPr lang="en-US"/>
+              <a:t>Schubi Is You</a:t>
+            </a:r>
+          </a:p>
+        </p:txBody>
+      </p:sp>
+      <p:sp>
+        <p:nvSpPr>
+          <p:cNvPr id="9" name="Slide Number Placeholder 8"/>
           <p:cNvSpPr>
             <a:spLocks noGrp="1"/>
           </p:cNvSpPr>
@@ -1888,7 +2923,7 @@
     </p:spTree>
     <p:extLst>
       <p:ext uri="{BB962C8B-B14F-4D97-AF65-F5344CB8AC3E}">
-        <p14:creationId xmlns:p14="http://schemas.microsoft.com/office/powerpoint/2010/main" val="3665666446"/>
+        <p14:creationId xmlns:p14="http://schemas.microsoft.com/office/powerpoint/2010/main" val="6310466"/>
       </p:ext>
     </p:extLst>
   </p:cSld>
@@ -1917,13 +2952,7 @@
       </p:grpSpPr>
       <p:sp>
         <p:nvSpPr>
-          <p:cNvPr id="2" name="Titel 1">
-            <a:extLst>
-              <a:ext uri="{FF2B5EF4-FFF2-40B4-BE49-F238E27FC236}">
-                <a16:creationId xmlns:a16="http://schemas.microsoft.com/office/drawing/2014/main" id="{0BC94AA6-D671-9644-C691-4F1D9E6A95AA}"/>
-              </a:ext>
-            </a:extLst>
-          </p:cNvPr>
+          <p:cNvPr id="6" name="Title 5"/>
           <p:cNvSpPr>
             <a:spLocks noGrp="1"/>
           </p:cNvSpPr>
@@ -1940,19 +2969,13 @@
               <a:rPr lang="de-DE"/>
               <a:t>Mastertitelformat bearbeiten</a:t>
             </a:r>
-            <a:endParaRPr lang="en-US"/>
-          </a:p>
-        </p:txBody>
-      </p:sp>
-      <p:sp>
-        <p:nvSpPr>
-          <p:cNvPr id="3" name="Datumsplatzhalter 2">
-            <a:extLst>
-              <a:ext uri="{FF2B5EF4-FFF2-40B4-BE49-F238E27FC236}">
-                <a16:creationId xmlns:a16="http://schemas.microsoft.com/office/drawing/2014/main" id="{99CD6396-F888-7DC5-F04F-EA98D6BB6736}"/>
-              </a:ext>
-            </a:extLst>
-          </p:cNvPr>
+            <a:endParaRPr lang="en-US" dirty="0"/>
+          </a:p>
+        </p:txBody>
+      </p:sp>
+      <p:sp>
+        <p:nvSpPr>
+          <p:cNvPr id="3" name="Date Placeholder 2"/>
           <p:cNvSpPr>
             <a:spLocks noGrp="1"/>
           </p:cNvSpPr>
@@ -1965,9 +2988,9 @@
           <a:bodyPr/>
           <a:lstStyle/>
           <a:p>
-            <a:fld id="{B750D17C-2E93-4DCC-91BF-4FF4B120BC7C}" type="datetimeFigureOut">
+            <a:fld id="{48877E4B-AA1B-4B83-941B-5230B82192CE}" type="datetime1">
               <a:rPr lang="en-US" smtClean="0"/>
-              <a:t>5/16/2024</a:t>
+              <a:t>5/30/2024</a:t>
             </a:fld>
             <a:endParaRPr lang="en-US"/>
           </a:p>
@@ -1975,13 +2998,7 @@
       </p:sp>
       <p:sp>
         <p:nvSpPr>
-          <p:cNvPr id="4" name="Fußzeilenplatzhalter 3">
-            <a:extLst>
-              <a:ext uri="{FF2B5EF4-FFF2-40B4-BE49-F238E27FC236}">
-                <a16:creationId xmlns:a16="http://schemas.microsoft.com/office/drawing/2014/main" id="{520BA75E-64EB-9FF3-760D-1E1B19E8DCE1}"/>
-              </a:ext>
-            </a:extLst>
-          </p:cNvPr>
+          <p:cNvPr id="4" name="Footer Placeholder 3"/>
           <p:cNvSpPr>
             <a:spLocks noGrp="1"/>
           </p:cNvSpPr>
@@ -1994,19 +3011,16 @@
           <a:bodyPr/>
           <a:lstStyle/>
           <a:p>
-            <a:endParaRPr lang="en-US"/>
-          </a:p>
-        </p:txBody>
-      </p:sp>
-      <p:sp>
-        <p:nvSpPr>
-          <p:cNvPr id="5" name="Foliennummernplatzhalter 4">
-            <a:extLst>
-              <a:ext uri="{FF2B5EF4-FFF2-40B4-BE49-F238E27FC236}">
-                <a16:creationId xmlns:a16="http://schemas.microsoft.com/office/drawing/2014/main" id="{3A733D4C-7FAD-3F44-8A53-4F8F6DF6EEE1}"/>
-              </a:ext>
-            </a:extLst>
-          </p:cNvPr>
+            <a:r>
+              <a:rPr lang="en-US"/>
+              <a:t>Schubi Is You</a:t>
+            </a:r>
+          </a:p>
+        </p:txBody>
+      </p:sp>
+      <p:sp>
+        <p:nvSpPr>
+          <p:cNvPr id="5" name="Slide Number Placeholder 4"/>
           <p:cNvSpPr>
             <a:spLocks noGrp="1"/>
           </p:cNvSpPr>
@@ -2030,7 +3044,7 @@
     </p:spTree>
     <p:extLst>
       <p:ext uri="{BB962C8B-B14F-4D97-AF65-F5344CB8AC3E}">
-        <p14:creationId xmlns:p14="http://schemas.microsoft.com/office/powerpoint/2010/main" val="187924804"/>
+        <p14:creationId xmlns:p14="http://schemas.microsoft.com/office/powerpoint/2010/main" val="1543433676"/>
       </p:ext>
     </p:extLst>
   </p:cSld>
@@ -2059,13 +3073,7 @@
       </p:grpSpPr>
       <p:sp>
         <p:nvSpPr>
-          <p:cNvPr id="2" name="Datumsplatzhalter 1">
-            <a:extLst>
-              <a:ext uri="{FF2B5EF4-FFF2-40B4-BE49-F238E27FC236}">
-                <a16:creationId xmlns:a16="http://schemas.microsoft.com/office/drawing/2014/main" id="{6B2CA3F3-AEDA-8B9B-CC7A-31BF063A7D49}"/>
-              </a:ext>
-            </a:extLst>
-          </p:cNvPr>
+          <p:cNvPr id="2" name="Date Placeholder 1"/>
           <p:cNvSpPr>
             <a:spLocks noGrp="1"/>
           </p:cNvSpPr>
@@ -2078,9 +3086,9 @@
           <a:bodyPr/>
           <a:lstStyle/>
           <a:p>
-            <a:fld id="{B750D17C-2E93-4DCC-91BF-4FF4B120BC7C}" type="datetimeFigureOut">
+            <a:fld id="{81921D07-1DBA-4AEE-905B-5131165D8C05}" type="datetime1">
               <a:rPr lang="en-US" smtClean="0"/>
-              <a:t>5/16/2024</a:t>
+              <a:t>5/30/2024</a:t>
             </a:fld>
             <a:endParaRPr lang="en-US"/>
           </a:p>
@@ -2088,13 +3096,7 @@
       </p:sp>
       <p:sp>
         <p:nvSpPr>
-          <p:cNvPr id="3" name="Fußzeilenplatzhalter 2">
-            <a:extLst>
-              <a:ext uri="{FF2B5EF4-FFF2-40B4-BE49-F238E27FC236}">
-                <a16:creationId xmlns:a16="http://schemas.microsoft.com/office/drawing/2014/main" id="{BA626584-0B0A-1492-830D-EBBBFC56F84D}"/>
-              </a:ext>
-            </a:extLst>
-          </p:cNvPr>
+          <p:cNvPr id="3" name="Footer Placeholder 2"/>
           <p:cNvSpPr>
             <a:spLocks noGrp="1"/>
           </p:cNvSpPr>
@@ -2107,19 +3109,16 @@
           <a:bodyPr/>
           <a:lstStyle/>
           <a:p>
-            <a:endParaRPr lang="en-US"/>
-          </a:p>
-        </p:txBody>
-      </p:sp>
-      <p:sp>
-        <p:nvSpPr>
-          <p:cNvPr id="4" name="Foliennummernplatzhalter 3">
-            <a:extLst>
-              <a:ext uri="{FF2B5EF4-FFF2-40B4-BE49-F238E27FC236}">
-                <a16:creationId xmlns:a16="http://schemas.microsoft.com/office/drawing/2014/main" id="{D03DA6A9-C43E-BE09-5F91-BF47629A4E5A}"/>
-              </a:ext>
-            </a:extLst>
-          </p:cNvPr>
+            <a:r>
+              <a:rPr lang="en-US"/>
+              <a:t>Schubi Is You</a:t>
+            </a:r>
+          </a:p>
+        </p:txBody>
+      </p:sp>
+      <p:sp>
+        <p:nvSpPr>
+          <p:cNvPr id="4" name="Slide Number Placeholder 3"/>
           <p:cNvSpPr>
             <a:spLocks noGrp="1"/>
           </p:cNvSpPr>
@@ -2143,7 +3142,7 @@
     </p:spTree>
     <p:extLst>
       <p:ext uri="{BB962C8B-B14F-4D97-AF65-F5344CB8AC3E}">
-        <p14:creationId xmlns:p14="http://schemas.microsoft.com/office/powerpoint/2010/main" val="1242194031"/>
+        <p14:creationId xmlns:p14="http://schemas.microsoft.com/office/powerpoint/2010/main" val="452224986"/>
       </p:ext>
     </p:extLst>
   </p:cSld>
@@ -2172,31 +3171,69 @@
       </p:grpSpPr>
       <p:sp>
         <p:nvSpPr>
-          <p:cNvPr id="2" name="Titel 1">
-            <a:extLst>
-              <a:ext uri="{FF2B5EF4-FFF2-40B4-BE49-F238E27FC236}">
-                <a16:creationId xmlns:a16="http://schemas.microsoft.com/office/drawing/2014/main" id="{E1073CBB-97BD-76DD-5059-D8294D99C1A3}"/>
-              </a:ext>
-            </a:extLst>
-          </p:cNvPr>
-          <p:cNvSpPr>
-            <a:spLocks noGrp="1"/>
-          </p:cNvSpPr>
-          <p:nvPr>
-            <p:ph type="title"/>
-          </p:nvPr>
+          <p:cNvPr id="2" name="Rectangle 1"/>
+          <p:cNvSpPr/>
+          <p:nvPr/>
         </p:nvSpPr>
         <p:spPr>
           <a:xfrm>
-            <a:off x="839788" y="457200"/>
-            <a:ext cx="3932237" cy="1600200"/>
+            <a:off x="7620000" y="0"/>
+            <a:ext cx="4572000" cy="6858000"/>
+          </a:xfrm>
+          <a:prstGeom prst="rect">
+            <a:avLst/>
+          </a:prstGeom>
+          <a:ln>
+            <a:noFill/>
+          </a:ln>
+        </p:spPr>
+        <p:style>
+          <a:lnRef idx="2">
+            <a:schemeClr val="accent1">
+              <a:shade val="50000"/>
+            </a:schemeClr>
+          </a:lnRef>
+          <a:fillRef idx="1">
+            <a:schemeClr val="accent1"/>
+          </a:fillRef>
+          <a:effectRef idx="0">
+            <a:schemeClr val="accent1"/>
+          </a:effectRef>
+          <a:fontRef idx="minor">
+            <a:schemeClr val="lt1"/>
+          </a:fontRef>
+        </p:style>
+      </p:sp>
+      <p:sp>
+        <p:nvSpPr>
+          <p:cNvPr id="9" name="Title 8"/>
+          <p:cNvSpPr>
+            <a:spLocks noGrp="1"/>
+          </p:cNvSpPr>
+          <p:nvPr>
+            <p:ph type="title"/>
+          </p:nvPr>
+        </p:nvSpPr>
+        <p:spPr>
+          <a:xfrm>
+            <a:off x="8261404" y="542282"/>
+            <a:ext cx="3383280" cy="1920240"/>
           </a:xfrm>
         </p:spPr>
         <p:txBody>
-          <a:bodyPr anchor="b"/>
+          <a:bodyPr anchor="b">
+            <a:noAutofit/>
+          </a:bodyPr>
           <a:lstStyle>
             <a:lvl1pPr>
-              <a:defRPr sz="3200"/>
+              <a:lnSpc>
+                <a:spcPct val="85000"/>
+              </a:lnSpc>
+              <a:defRPr sz="4000">
+                <a:solidFill>
+                  <a:srgbClr val="FFFFFF"/>
+                </a:solidFill>
+              </a:defRPr>
             </a:lvl1pPr>
           </a:lstStyle>
           <a:p>
@@ -2204,19 +3241,13 @@
               <a:rPr lang="de-DE"/>
               <a:t>Mastertitelformat bearbeiten</a:t>
             </a:r>
-            <a:endParaRPr lang="en-US"/>
-          </a:p>
-        </p:txBody>
-      </p:sp>
-      <p:sp>
-        <p:nvSpPr>
-          <p:cNvPr id="3" name="Inhaltsplatzhalter 2">
-            <a:extLst>
-              <a:ext uri="{FF2B5EF4-FFF2-40B4-BE49-F238E27FC236}">
-                <a16:creationId xmlns:a16="http://schemas.microsoft.com/office/drawing/2014/main" id="{B53481E5-3875-0407-514C-6A31CED8E8A5}"/>
-              </a:ext>
-            </a:extLst>
-          </p:cNvPr>
+            <a:endParaRPr lang="en-US" dirty="0"/>
+          </a:p>
+        </p:txBody>
+      </p:sp>
+      <p:sp>
+        <p:nvSpPr>
+          <p:cNvPr id="3" name="Content Placeholder 2"/>
           <p:cNvSpPr>
             <a:spLocks noGrp="1"/>
           </p:cNvSpPr>
@@ -2226,8 +3257,8 @@
         </p:nvSpPr>
         <p:spPr>
           <a:xfrm>
-            <a:off x="5183188" y="987425"/>
-            <a:ext cx="6172200" cy="4873625"/>
+            <a:off x="762000" y="762000"/>
+            <a:ext cx="6096000" cy="4572000"/>
           </a:xfrm>
         </p:spPr>
         <p:txBody>
@@ -2295,19 +3326,13 @@
               <a:rPr lang="de-DE"/>
               <a:t>Fünfte Ebene</a:t>
             </a:r>
-            <a:endParaRPr lang="en-US"/>
-          </a:p>
-        </p:txBody>
-      </p:sp>
-      <p:sp>
-        <p:nvSpPr>
-          <p:cNvPr id="4" name="Textplatzhalter 3">
-            <a:extLst>
-              <a:ext uri="{FF2B5EF4-FFF2-40B4-BE49-F238E27FC236}">
-                <a16:creationId xmlns:a16="http://schemas.microsoft.com/office/drawing/2014/main" id="{81BE4A6D-13BA-0BF5-E6A8-A64BEE07A1DC}"/>
-              </a:ext>
-            </a:extLst>
-          </p:cNvPr>
+            <a:endParaRPr lang="en-US" dirty="0"/>
+          </a:p>
+        </p:txBody>
+      </p:sp>
+      <p:sp>
+        <p:nvSpPr>
+          <p:cNvPr id="4" name="Text Placeholder 3"/>
           <p:cNvSpPr>
             <a:spLocks noGrp="1"/>
           </p:cNvSpPr>
@@ -2317,52 +3342,87 @@
         </p:nvSpPr>
         <p:spPr>
           <a:xfrm>
-            <a:off x="839788" y="2057400"/>
-            <a:ext cx="3932237" cy="3811588"/>
+            <a:off x="8275982" y="2511813"/>
+            <a:ext cx="3398520" cy="3126987"/>
           </a:xfrm>
         </p:spPr>
         <p:txBody>
-          <a:bodyPr/>
+          <a:bodyPr>
+            <a:normAutofit/>
+          </a:bodyPr>
           <a:lstStyle>
-            <a:lvl1pPr marL="0" indent="0">
+            <a:lvl1pPr marL="0" marR="0" indent="0" algn="l" defTabSz="914400" rtl="0" eaLnBrk="1" fontAlgn="auto" latinLnBrk="0" hangingPunct="1">
+              <a:lnSpc>
+                <a:spcPct val="100000"/>
+              </a:lnSpc>
+              <a:spcBef>
+                <a:spcPts val="1200"/>
+              </a:spcBef>
+              <a:spcAft>
+                <a:spcPts val="0"/>
+              </a:spcAft>
+              <a:buClrTx/>
+              <a:buSzTx/>
+              <a:buFontTx/>
               <a:buNone/>
-              <a:defRPr sz="1600"/>
+              <a:tabLst/>
+              <a:defRPr sz="1800">
+                <a:solidFill>
+                  <a:srgbClr val="262626"/>
+                </a:solidFill>
+              </a:defRPr>
             </a:lvl1pPr>
             <a:lvl2pPr marL="457200" indent="0">
               <a:buNone/>
-              <a:defRPr sz="1400"/>
+              <a:defRPr sz="1200"/>
             </a:lvl2pPr>
             <a:lvl3pPr marL="914400" indent="0">
               <a:buNone/>
-              <a:defRPr sz="1200"/>
+              <a:defRPr sz="1000"/>
             </a:lvl3pPr>
             <a:lvl4pPr marL="1371600" indent="0">
               <a:buNone/>
-              <a:defRPr sz="1000"/>
+              <a:defRPr sz="900"/>
             </a:lvl4pPr>
             <a:lvl5pPr marL="1828800" indent="0">
               <a:buNone/>
-              <a:defRPr sz="1000"/>
+              <a:defRPr sz="900"/>
             </a:lvl5pPr>
             <a:lvl6pPr marL="2286000" indent="0">
               <a:buNone/>
-              <a:defRPr sz="1000"/>
+              <a:defRPr sz="900"/>
             </a:lvl6pPr>
             <a:lvl7pPr marL="2743200" indent="0">
               <a:buNone/>
-              <a:defRPr sz="1000"/>
+              <a:defRPr sz="900"/>
             </a:lvl7pPr>
             <a:lvl8pPr marL="3200400" indent="0">
               <a:buNone/>
-              <a:defRPr sz="1000"/>
+              <a:defRPr sz="900"/>
             </a:lvl8pPr>
             <a:lvl9pPr marL="3657600" indent="0">
               <a:buNone/>
-              <a:defRPr sz="1000"/>
+              <a:defRPr sz="900"/>
             </a:lvl9pPr>
           </a:lstStyle>
           <a:p>
-            <a:pPr lvl="0"/>
+            <a:pPr marL="0" marR="0" lvl="0" indent="0" algn="l" defTabSz="914400" rtl="0" eaLnBrk="1" fontAlgn="auto" latinLnBrk="0" hangingPunct="1">
+              <a:lnSpc>
+                <a:spcPct val="100000"/>
+              </a:lnSpc>
+              <a:spcBef>
+                <a:spcPts val="1400"/>
+              </a:spcBef>
+              <a:spcAft>
+                <a:spcPts val="0"/>
+              </a:spcAft>
+              <a:buClrTx/>
+              <a:buSzTx/>
+              <a:buFontTx/>
+              <a:buNone/>
+              <a:tabLst/>
+              <a:defRPr/>
+            </a:pPr>
             <a:r>
               <a:rPr lang="de-DE"/>
               <a:t>Mastertextformat bearbeiten</a:t>
@@ -2372,13 +3432,7 @@
       </p:sp>
       <p:sp>
         <p:nvSpPr>
-          <p:cNvPr id="5" name="Datumsplatzhalter 4">
-            <a:extLst>
-              <a:ext uri="{FF2B5EF4-FFF2-40B4-BE49-F238E27FC236}">
-                <a16:creationId xmlns:a16="http://schemas.microsoft.com/office/drawing/2014/main" id="{85222DB7-F75A-E795-625F-4A5B88C0362A}"/>
-              </a:ext>
-            </a:extLst>
-          </p:cNvPr>
+          <p:cNvPr id="5" name="Date Placeholder 4"/>
           <p:cNvSpPr>
             <a:spLocks noGrp="1"/>
           </p:cNvSpPr>
@@ -2391,9 +3445,9 @@
           <a:bodyPr/>
           <a:lstStyle/>
           <a:p>
-            <a:fld id="{B750D17C-2E93-4DCC-91BF-4FF4B120BC7C}" type="datetimeFigureOut">
+            <a:fld id="{7B78D4DA-DC53-411E-8048-50961C743BFE}" type="datetime1">
               <a:rPr lang="en-US" smtClean="0"/>
-              <a:t>5/16/2024</a:t>
+              <a:t>5/30/2024</a:t>
             </a:fld>
             <a:endParaRPr lang="en-US"/>
           </a:p>
@@ -2401,13 +3455,7 @@
       </p:sp>
       <p:sp>
         <p:nvSpPr>
-          <p:cNvPr id="6" name="Fußzeilenplatzhalter 5">
-            <a:extLst>
-              <a:ext uri="{FF2B5EF4-FFF2-40B4-BE49-F238E27FC236}">
-                <a16:creationId xmlns:a16="http://schemas.microsoft.com/office/drawing/2014/main" id="{F479EF0D-9A44-49A1-D09C-90DF3C301CCD}"/>
-              </a:ext>
-            </a:extLst>
-          </p:cNvPr>
+          <p:cNvPr id="6" name="Footer Placeholder 5"/>
           <p:cNvSpPr>
             <a:spLocks noGrp="1"/>
           </p:cNvSpPr>
@@ -2420,19 +3468,16 @@
           <a:bodyPr/>
           <a:lstStyle/>
           <a:p>
-            <a:endParaRPr lang="en-US"/>
-          </a:p>
-        </p:txBody>
-      </p:sp>
-      <p:sp>
-        <p:nvSpPr>
-          <p:cNvPr id="7" name="Foliennummernplatzhalter 6">
-            <a:extLst>
-              <a:ext uri="{FF2B5EF4-FFF2-40B4-BE49-F238E27FC236}">
-                <a16:creationId xmlns:a16="http://schemas.microsoft.com/office/drawing/2014/main" id="{0E741463-D582-BA8D-EC0F-72AF7C7784D7}"/>
-              </a:ext>
-            </a:extLst>
-          </p:cNvPr>
+            <a:r>
+              <a:rPr lang="en-US"/>
+              <a:t>Schubi Is You</a:t>
+            </a:r>
+          </a:p>
+        </p:txBody>
+      </p:sp>
+      <p:sp>
+        <p:nvSpPr>
+          <p:cNvPr id="7" name="Slide Number Placeholder 6"/>
           <p:cNvSpPr>
             <a:spLocks noGrp="1"/>
           </p:cNvSpPr>
@@ -2443,7 +3488,17 @@
         <p:spPr/>
         <p:txBody>
           <a:bodyPr/>
-          <a:lstStyle/>
+          <a:lstStyle>
+            <a:lvl1pPr>
+              <a:defRPr>
+                <a:solidFill>
+                  <a:srgbClr val="FFFFFF">
+                    <a:alpha val="20000"/>
+                  </a:srgbClr>
+                </a:solidFill>
+              </a:defRPr>
+            </a:lvl1pPr>
+          </a:lstStyle>
           <a:p>
             <a:fld id="{BDAFFC55-6578-4459-AE37-94EE4236C876}" type="slidenum">
               <a:rPr lang="en-US" smtClean="0"/>
@@ -2456,7 +3511,7 @@
     </p:spTree>
     <p:extLst>
       <p:ext uri="{BB962C8B-B14F-4D97-AF65-F5344CB8AC3E}">
-        <p14:creationId xmlns:p14="http://schemas.microsoft.com/office/powerpoint/2010/main" val="908115267"/>
+        <p14:creationId xmlns:p14="http://schemas.microsoft.com/office/powerpoint/2010/main" val="1599211288"/>
       </p:ext>
     </p:extLst>
   </p:cSld>
@@ -2469,6 +3524,14 @@
 <file path=ppt/slideLayouts/slideLayout9.xml><?xml version="1.0" encoding="utf-8"?>
 <p:sldLayout xmlns:a="http://schemas.openxmlformats.org/drawingml/2006/main" xmlns:r="http://schemas.openxmlformats.org/officeDocument/2006/relationships" xmlns:p="http://schemas.openxmlformats.org/presentationml/2006/main" type="picTx" preserve="1">
   <p:cSld name="Bild mit Überschrift">
+    <p:bg>
+      <p:bgPr>
+        <a:solidFill>
+          <a:schemeClr val="accent1"/>
+        </a:solidFill>
+        <a:effectLst/>
+      </p:bgPr>
+    </p:bg>
     <p:spTree>
       <p:nvGrpSpPr>
         <p:cNvPr id="1" name=""/>
@@ -2485,13 +3548,7 @@
       </p:grpSpPr>
       <p:sp>
         <p:nvSpPr>
-          <p:cNvPr id="2" name="Titel 1">
-            <a:extLst>
-              <a:ext uri="{FF2B5EF4-FFF2-40B4-BE49-F238E27FC236}">
-                <a16:creationId xmlns:a16="http://schemas.microsoft.com/office/drawing/2014/main" id="{739C37B3-8FB0-B2B7-BA4F-C2F746D14E07}"/>
-              </a:ext>
-            </a:extLst>
-          </p:cNvPr>
+          <p:cNvPr id="2" name="Title 1"/>
           <p:cNvSpPr>
             <a:spLocks noGrp="1"/>
           </p:cNvSpPr>
@@ -2501,15 +3558,21 @@
         </p:nvSpPr>
         <p:spPr>
           <a:xfrm>
-            <a:off x="839788" y="457200"/>
-            <a:ext cx="3932237" cy="1600200"/>
+            <a:off x="649224" y="5418667"/>
+            <a:ext cx="10780776" cy="613283"/>
           </a:xfrm>
         </p:spPr>
         <p:txBody>
-          <a:bodyPr anchor="b"/>
+          <a:bodyPr anchor="b">
+            <a:normAutofit/>
+          </a:bodyPr>
           <a:lstStyle>
             <a:lvl1pPr>
-              <a:defRPr sz="3200"/>
+              <a:defRPr sz="3200" b="0">
+                <a:solidFill>
+                  <a:srgbClr val="FFFFFF"/>
+                </a:solidFill>
+              </a:defRPr>
             </a:lvl1pPr>
           </a:lstStyle>
           <a:p>
@@ -2517,21 +3580,15 @@
               <a:rPr lang="de-DE"/>
               <a:t>Mastertitelformat bearbeiten</a:t>
             </a:r>
-            <a:endParaRPr lang="en-US"/>
-          </a:p>
-        </p:txBody>
-      </p:sp>
-      <p:sp>
-        <p:nvSpPr>
-          <p:cNvPr id="3" name="Bildplatzhalter 2">
-            <a:extLst>
-              <a:ext uri="{FF2B5EF4-FFF2-40B4-BE49-F238E27FC236}">
-                <a16:creationId xmlns:a16="http://schemas.microsoft.com/office/drawing/2014/main" id="{9B65B9D1-059E-3AA4-904A-5B84A698E05B}"/>
-              </a:ext>
-            </a:extLst>
-          </p:cNvPr>
-          <p:cNvSpPr>
-            <a:spLocks noGrp="1"/>
+            <a:endParaRPr lang="en-US" dirty="0"/>
+          </a:p>
+        </p:txBody>
+      </p:sp>
+      <p:sp>
+        <p:nvSpPr>
+          <p:cNvPr id="3" name="Picture Placeholder 2"/>
+          <p:cNvSpPr>
+            <a:spLocks noGrp="1" noChangeAspect="1"/>
           </p:cNvSpPr>
           <p:nvPr>
             <p:ph type="pic" idx="1"/>
@@ -2539,16 +3596,32 @@
         </p:nvSpPr>
         <p:spPr>
           <a:xfrm>
-            <a:off x="5183188" y="987425"/>
-            <a:ext cx="6172200" cy="4873625"/>
+            <a:off x="0" y="0"/>
+            <a:ext cx="12192000" cy="5330952"/>
           </a:xfrm>
+          <a:solidFill>
+            <a:schemeClr val="accent1">
+              <a:lumMod val="40000"/>
+              <a:lumOff val="60000"/>
+            </a:schemeClr>
+          </a:solidFill>
         </p:spPr>
         <p:txBody>
-          <a:bodyPr/>
+          <a:bodyPr anchor="t"/>
           <a:lstStyle>
-            <a:lvl1pPr marL="0" indent="0">
+            <a:lvl1pPr marL="0" indent="0" algn="ctr">
+              <a:spcBef>
+                <a:spcPts val="800"/>
+              </a:spcBef>
               <a:buNone/>
-              <a:defRPr sz="3200"/>
+              <a:defRPr sz="3200">
+                <a:solidFill>
+                  <a:schemeClr val="tx1">
+                    <a:lumMod val="75000"/>
+                    <a:lumOff val="25000"/>
+                  </a:schemeClr>
+                </a:solidFill>
+              </a:defRPr>
             </a:lvl1pPr>
             <a:lvl2pPr marL="457200" indent="0">
               <a:buNone/>
@@ -2584,19 +3657,17 @@
             </a:lvl9pPr>
           </a:lstStyle>
           <a:p>
-            <a:endParaRPr lang="en-US"/>
-          </a:p>
-        </p:txBody>
-      </p:sp>
-      <p:sp>
-        <p:nvSpPr>
-          <p:cNvPr id="4" name="Textplatzhalter 3">
-            <a:extLst>
-              <a:ext uri="{FF2B5EF4-FFF2-40B4-BE49-F238E27FC236}">
-                <a16:creationId xmlns:a16="http://schemas.microsoft.com/office/drawing/2014/main" id="{7D4FE6A1-AD46-3506-75C2-8A518FEAD277}"/>
-              </a:ext>
-            </a:extLst>
-          </p:cNvPr>
+            <a:r>
+              <a:rPr lang="de-DE"/>
+              <a:t>Bild durch Klicken auf Symbol hinzufügen</a:t>
+            </a:r>
+            <a:endParaRPr lang="en-US" dirty="0"/>
+          </a:p>
+        </p:txBody>
+      </p:sp>
+      <p:sp>
+        <p:nvSpPr>
+          <p:cNvPr id="4" name="Text Placeholder 3"/>
           <p:cNvSpPr>
             <a:spLocks noGrp="1"/>
           </p:cNvSpPr>
@@ -2606,48 +3677,57 @@
         </p:nvSpPr>
         <p:spPr>
           <a:xfrm>
-            <a:off x="839788" y="2057400"/>
-            <a:ext cx="3932237" cy="3811588"/>
+            <a:off x="676656" y="5909735"/>
+            <a:ext cx="9229344" cy="533400"/>
           </a:xfrm>
         </p:spPr>
         <p:txBody>
-          <a:bodyPr/>
+          <a:bodyPr>
+            <a:normAutofit/>
+          </a:bodyPr>
           <a:lstStyle>
             <a:lvl1pPr marL="0" indent="0">
+              <a:lnSpc>
+                <a:spcPct val="90000"/>
+              </a:lnSpc>
               <a:buNone/>
-              <a:defRPr sz="1600"/>
+              <a:defRPr sz="1400">
+                <a:solidFill>
+                  <a:srgbClr val="262626"/>
+                </a:solidFill>
+              </a:defRPr>
             </a:lvl1pPr>
             <a:lvl2pPr marL="457200" indent="0">
               <a:buNone/>
-              <a:defRPr sz="1400"/>
+              <a:defRPr sz="1200"/>
             </a:lvl2pPr>
             <a:lvl3pPr marL="914400" indent="0">
               <a:buNone/>
-              <a:defRPr sz="1200"/>
+              <a:defRPr sz="1000"/>
             </a:lvl3pPr>
             <a:lvl4pPr marL="1371600" indent="0">
               <a:buNone/>
-              <a:defRPr sz="1000"/>
+              <a:defRPr sz="900"/>
             </a:lvl4pPr>
             <a:lvl5pPr marL="1828800" indent="0">
               <a:buNone/>
-              <a:defRPr sz="1000"/>
+              <a:defRPr sz="900"/>
             </a:lvl5pPr>
             <a:lvl6pPr marL="2286000" indent="0">
               <a:buNone/>
-              <a:defRPr sz="1000"/>
+              <a:defRPr sz="900"/>
             </a:lvl6pPr>
             <a:lvl7pPr marL="2743200" indent="0">
               <a:buNone/>
-              <a:defRPr sz="1000"/>
+              <a:defRPr sz="900"/>
             </a:lvl7pPr>
             <a:lvl8pPr marL="3200400" indent="0">
               <a:buNone/>
-              <a:defRPr sz="1000"/>
+              <a:defRPr sz="900"/>
             </a:lvl8pPr>
             <a:lvl9pPr marL="3657600" indent="0">
               <a:buNone/>
-              <a:defRPr sz="1000"/>
+              <a:defRPr sz="900"/>
             </a:lvl9pPr>
           </a:lstStyle>
           <a:p>
@@ -2661,13 +3741,7 @@
       </p:sp>
       <p:sp>
         <p:nvSpPr>
-          <p:cNvPr id="5" name="Datumsplatzhalter 4">
-            <a:extLst>
-              <a:ext uri="{FF2B5EF4-FFF2-40B4-BE49-F238E27FC236}">
-                <a16:creationId xmlns:a16="http://schemas.microsoft.com/office/drawing/2014/main" id="{6BD34704-7AE0-E501-DC9E-1ED36C50833A}"/>
-              </a:ext>
-            </a:extLst>
-          </p:cNvPr>
+          <p:cNvPr id="12" name="Date Placeholder 11"/>
           <p:cNvSpPr>
             <a:spLocks noGrp="1"/>
           </p:cNvSpPr>
@@ -2678,11 +3752,21 @@
         <p:spPr/>
         <p:txBody>
           <a:bodyPr/>
-          <a:lstStyle/>
-          <a:p>
-            <a:fld id="{B750D17C-2E93-4DCC-91BF-4FF4B120BC7C}" type="datetimeFigureOut">
+          <a:lstStyle>
+            <a:lvl1pPr>
+              <a:defRPr>
+                <a:solidFill>
+                  <a:srgbClr val="FFFFFF">
+                    <a:alpha val="80000"/>
+                  </a:srgbClr>
+                </a:solidFill>
+              </a:defRPr>
+            </a:lvl1pPr>
+          </a:lstStyle>
+          <a:p>
+            <a:fld id="{3BE3E8F0-3134-4422-8C52-0CB2158E49FF}" type="datetime1">
               <a:rPr lang="en-US" smtClean="0"/>
-              <a:t>5/16/2024</a:t>
+              <a:t>5/30/2024</a:t>
             </a:fld>
             <a:endParaRPr lang="en-US"/>
           </a:p>
@@ -2690,13 +3774,7 @@
       </p:sp>
       <p:sp>
         <p:nvSpPr>
-          <p:cNvPr id="6" name="Fußzeilenplatzhalter 5">
-            <a:extLst>
-              <a:ext uri="{FF2B5EF4-FFF2-40B4-BE49-F238E27FC236}">
-                <a16:creationId xmlns:a16="http://schemas.microsoft.com/office/drawing/2014/main" id="{763F83CD-30AA-DEC8-A727-9FC2E8C0FBE3}"/>
-              </a:ext>
-            </a:extLst>
-          </p:cNvPr>
+          <p:cNvPr id="13" name="Footer Placeholder 12"/>
           <p:cNvSpPr>
             <a:spLocks noGrp="1"/>
           </p:cNvSpPr>
@@ -2707,21 +3785,28 @@
         <p:spPr/>
         <p:txBody>
           <a:bodyPr/>
-          <a:lstStyle/>
-          <a:p>
-            <a:endParaRPr lang="en-US"/>
-          </a:p>
-        </p:txBody>
-      </p:sp>
-      <p:sp>
-        <p:nvSpPr>
-          <p:cNvPr id="7" name="Foliennummernplatzhalter 6">
-            <a:extLst>
-              <a:ext uri="{FF2B5EF4-FFF2-40B4-BE49-F238E27FC236}">
-                <a16:creationId xmlns:a16="http://schemas.microsoft.com/office/drawing/2014/main" id="{004DE848-A3FA-85DE-124B-DD42DA2BEE57}"/>
-              </a:ext>
-            </a:extLst>
-          </p:cNvPr>
+          <a:lstStyle>
+            <a:lvl1pPr>
+              <a:defRPr>
+                <a:solidFill>
+                  <a:srgbClr val="FFFFFF">
+                    <a:alpha val="80000"/>
+                  </a:srgbClr>
+                </a:solidFill>
+              </a:defRPr>
+            </a:lvl1pPr>
+          </a:lstStyle>
+          <a:p>
+            <a:r>
+              <a:rPr lang="en-US"/>
+              <a:t>Schubi Is You</a:t>
+            </a:r>
+          </a:p>
+        </p:txBody>
+      </p:sp>
+      <p:sp>
+        <p:nvSpPr>
+          <p:cNvPr id="14" name="Slide Number Placeholder 13"/>
           <p:cNvSpPr>
             <a:spLocks noGrp="1"/>
           </p:cNvSpPr>
@@ -2732,7 +3817,17 @@
         <p:spPr/>
         <p:txBody>
           <a:bodyPr/>
-          <a:lstStyle/>
+          <a:lstStyle>
+            <a:lvl1pPr>
+              <a:defRPr>
+                <a:solidFill>
+                  <a:srgbClr val="FFFFFF">
+                    <a:alpha val="25000"/>
+                  </a:srgbClr>
+                </a:solidFill>
+              </a:defRPr>
+            </a:lvl1pPr>
+          </a:lstStyle>
           <a:p>
             <a:fld id="{BDAFFC55-6578-4459-AE37-94EE4236C876}" type="slidenum">
               <a:rPr lang="en-US" smtClean="0"/>
@@ -2745,12 +3840,12 @@
     </p:spTree>
     <p:extLst>
       <p:ext uri="{BB962C8B-B14F-4D97-AF65-F5344CB8AC3E}">
-        <p14:creationId xmlns:p14="http://schemas.microsoft.com/office/powerpoint/2010/main" val="1703071982"/>
+        <p14:creationId xmlns:p14="http://schemas.microsoft.com/office/powerpoint/2010/main" val="3853779149"/>
       </p:ext>
     </p:extLst>
   </p:cSld>
   <p:clrMapOvr>
-    <a:masterClrMapping/>
+    <a:overrideClrMapping bg1="lt1" tx1="dk1" bg2="lt2" tx2="dk2" accent1="accent1" accent2="accent2" accent3="accent3" accent4="accent4" accent5="accent5" accent6="accent6" hlink="hlink" folHlink="folHlink"/>
   </p:clrMapOvr>
 </p:sldLayout>
 </file>
@@ -2779,13 +3874,7 @@
       </p:grpSpPr>
       <p:sp>
         <p:nvSpPr>
-          <p:cNvPr id="2" name="Titelplatzhalter 1">
-            <a:extLst>
-              <a:ext uri="{FF2B5EF4-FFF2-40B4-BE49-F238E27FC236}">
-                <a16:creationId xmlns:a16="http://schemas.microsoft.com/office/drawing/2014/main" id="{0386303B-E8E9-CA9F-CD31-4B21FA35F159}"/>
-              </a:ext>
-            </a:extLst>
-          </p:cNvPr>
+          <p:cNvPr id="2" name="Title Placeholder 1"/>
           <p:cNvSpPr>
             <a:spLocks noGrp="1"/>
           </p:cNvSpPr>
@@ -2795,8 +3884,8 @@
         </p:nvSpPr>
         <p:spPr>
           <a:xfrm>
-            <a:off x="838200" y="365125"/>
-            <a:ext cx="10515600" cy="1325563"/>
+            <a:off x="657224" y="499533"/>
+            <a:ext cx="10772775" cy="1658198"/>
           </a:xfrm>
           <a:prstGeom prst="rect">
             <a:avLst/>
@@ -2812,19 +3901,13 @@
               <a:rPr lang="de-DE"/>
               <a:t>Mastertitelformat bearbeiten</a:t>
             </a:r>
-            <a:endParaRPr lang="en-US"/>
-          </a:p>
-        </p:txBody>
-      </p:sp>
-      <p:sp>
-        <p:nvSpPr>
-          <p:cNvPr id="3" name="Textplatzhalter 2">
-            <a:extLst>
-              <a:ext uri="{FF2B5EF4-FFF2-40B4-BE49-F238E27FC236}">
-                <a16:creationId xmlns:a16="http://schemas.microsoft.com/office/drawing/2014/main" id="{FE351625-E074-6542-C4F4-D837B4D6E83D}"/>
-              </a:ext>
-            </a:extLst>
-          </p:cNvPr>
+            <a:endParaRPr lang="en-US" dirty="0"/>
+          </a:p>
+        </p:txBody>
+      </p:sp>
+      <p:sp>
+        <p:nvSpPr>
+          <p:cNvPr id="3" name="Text Placeholder 2"/>
           <p:cNvSpPr>
             <a:spLocks noGrp="1"/>
           </p:cNvSpPr>
@@ -2834,8 +3917,8 @@
         </p:nvSpPr>
         <p:spPr>
           <a:xfrm>
-            <a:off x="838200" y="1825625"/>
-            <a:ext cx="10515600" cy="4351338"/>
+            <a:off x="676656" y="2011680"/>
+            <a:ext cx="10753725" cy="3766185"/>
           </a:xfrm>
           <a:prstGeom prst="rect">
             <a:avLst/>
@@ -2880,19 +3963,13 @@
               <a:rPr lang="de-DE"/>
               <a:t>Fünfte Ebene</a:t>
             </a:r>
-            <a:endParaRPr lang="en-US"/>
-          </a:p>
-        </p:txBody>
-      </p:sp>
-      <p:sp>
-        <p:nvSpPr>
-          <p:cNvPr id="4" name="Datumsplatzhalter 3">
-            <a:extLst>
-              <a:ext uri="{FF2B5EF4-FFF2-40B4-BE49-F238E27FC236}">
-                <a16:creationId xmlns:a16="http://schemas.microsoft.com/office/drawing/2014/main" id="{85832019-472C-67F7-3AC1-62001776EDA8}"/>
-              </a:ext>
-            </a:extLst>
-          </p:cNvPr>
+            <a:endParaRPr lang="en-US" dirty="0"/>
+          </a:p>
+        </p:txBody>
+      </p:sp>
+      <p:sp>
+        <p:nvSpPr>
+          <p:cNvPr id="4" name="Date Placeholder 3"/>
           <p:cNvSpPr>
             <a:spLocks noGrp="1"/>
           </p:cNvSpPr>
@@ -2902,8 +3979,8 @@
         </p:nvSpPr>
         <p:spPr>
           <a:xfrm>
-            <a:off x="838200" y="6356350"/>
-            <a:ext cx="2743200" cy="365125"/>
+            <a:off x="685800" y="6412447"/>
+            <a:ext cx="4114800" cy="228600"/>
           </a:xfrm>
           <a:prstGeom prst="rect">
             <a:avLst/>
@@ -2913,19 +3990,19 @@
           <a:bodyPr vert="horz" lIns="91440" tIns="45720" rIns="91440" bIns="45720" rtlCol="0" anchor="ctr"/>
           <a:lstStyle>
             <a:lvl1pPr algn="l">
-              <a:defRPr sz="1200">
+              <a:defRPr sz="950">
                 <a:solidFill>
                   <a:schemeClr val="tx1">
-                    <a:tint val="82000"/>
+                    <a:alpha val="80000"/>
                   </a:schemeClr>
                 </a:solidFill>
               </a:defRPr>
             </a:lvl1pPr>
           </a:lstStyle>
           <a:p>
-            <a:fld id="{B750D17C-2E93-4DCC-91BF-4FF4B120BC7C}" type="datetimeFigureOut">
+            <a:fld id="{359A81DE-DABA-4931-B217-495F122FC166}" type="datetime1">
               <a:rPr lang="en-US" smtClean="0"/>
-              <a:t>5/16/2024</a:t>
+              <a:t>5/30/2024</a:t>
             </a:fld>
             <a:endParaRPr lang="en-US"/>
           </a:p>
@@ -2933,13 +4010,7 @@
       </p:sp>
       <p:sp>
         <p:nvSpPr>
-          <p:cNvPr id="5" name="Fußzeilenplatzhalter 4">
-            <a:extLst>
-              <a:ext uri="{FF2B5EF4-FFF2-40B4-BE49-F238E27FC236}">
-                <a16:creationId xmlns:a16="http://schemas.microsoft.com/office/drawing/2014/main" id="{3CC14063-A002-7304-DD96-2C0D5CEBD52D}"/>
-              </a:ext>
-            </a:extLst>
-          </p:cNvPr>
+          <p:cNvPr id="5" name="Footer Placeholder 4"/>
           <p:cNvSpPr>
             <a:spLocks noGrp="1"/>
           </p:cNvSpPr>
@@ -2949,8 +4020,8 @@
         </p:nvSpPr>
         <p:spPr>
           <a:xfrm>
-            <a:off x="4038600" y="6356350"/>
-            <a:ext cx="4114800" cy="365125"/>
+            <a:off x="685800" y="6554697"/>
+            <a:ext cx="5029200" cy="228600"/>
           </a:xfrm>
           <a:prstGeom prst="rect">
             <a:avLst/>
@@ -2959,30 +4030,27 @@
         <p:txBody>
           <a:bodyPr vert="horz" lIns="91440" tIns="45720" rIns="91440" bIns="45720" rtlCol="0" anchor="ctr"/>
           <a:lstStyle>
-            <a:lvl1pPr algn="ctr">
-              <a:defRPr sz="1200">
+            <a:lvl1pPr algn="l">
+              <a:defRPr sz="950" cap="all" baseline="0">
                 <a:solidFill>
                   <a:schemeClr val="tx1">
-                    <a:tint val="82000"/>
+                    <a:alpha val="80000"/>
                   </a:schemeClr>
                 </a:solidFill>
               </a:defRPr>
             </a:lvl1pPr>
           </a:lstStyle>
           <a:p>
-            <a:endParaRPr lang="en-US"/>
-          </a:p>
-        </p:txBody>
-      </p:sp>
-      <p:sp>
-        <p:nvSpPr>
-          <p:cNvPr id="6" name="Foliennummernplatzhalter 5">
-            <a:extLst>
-              <a:ext uri="{FF2B5EF4-FFF2-40B4-BE49-F238E27FC236}">
-                <a16:creationId xmlns:a16="http://schemas.microsoft.com/office/drawing/2014/main" id="{B8975985-C907-B177-EA8D-7EE3569FD9F3}"/>
-              </a:ext>
-            </a:extLst>
-          </p:cNvPr>
+            <a:r>
+              <a:rPr lang="en-US"/>
+              <a:t>Schubi Is You</a:t>
+            </a:r>
+          </a:p>
+        </p:txBody>
+      </p:sp>
+      <p:sp>
+        <p:nvSpPr>
+          <p:cNvPr id="6" name="Slide Number Placeholder 5"/>
           <p:cNvSpPr>
             <a:spLocks noGrp="1"/>
           </p:cNvSpPr>
@@ -2992,23 +4060,27 @@
         </p:nvSpPr>
         <p:spPr>
           <a:xfrm>
-            <a:off x="8610600" y="6356350"/>
-            <a:ext cx="2743200" cy="365125"/>
+            <a:off x="8763926" y="5876412"/>
+            <a:ext cx="2926080" cy="1397039"/>
           </a:xfrm>
           <a:prstGeom prst="rect">
             <a:avLst/>
           </a:prstGeom>
         </p:spPr>
         <p:txBody>
-          <a:bodyPr vert="horz" lIns="91440" tIns="45720" rIns="91440" bIns="45720" rtlCol="0" anchor="ctr"/>
+          <a:bodyPr vert="horz" lIns="91440" tIns="45720" rIns="91440" bIns="45720" rtlCol="0" anchor="b"/>
           <a:lstStyle>
             <a:lvl1pPr algn="r">
-              <a:defRPr sz="1200">
-                <a:solidFill>
-                  <a:schemeClr val="tx1">
-                    <a:tint val="82000"/>
+              <a:defRPr sz="10300" b="0">
+                <a:ln>
+                  <a:noFill/>
+                </a:ln>
+                <a:solidFill>
+                  <a:schemeClr val="accent1">
+                    <a:alpha val="25000"/>
                   </a:schemeClr>
                 </a:solidFill>
+                <a:latin typeface="+mj-lt"/>
               </a:defRPr>
             </a:lvl1pPr>
           </a:lstStyle>
@@ -3024,37 +4096,38 @@
     </p:spTree>
     <p:extLst>
       <p:ext uri="{BB962C8B-B14F-4D97-AF65-F5344CB8AC3E}">
-        <p14:creationId xmlns:p14="http://schemas.microsoft.com/office/powerpoint/2010/main" val="568687702"/>
+        <p14:creationId xmlns:p14="http://schemas.microsoft.com/office/powerpoint/2010/main" val="1230922470"/>
       </p:ext>
     </p:extLst>
   </p:cSld>
   <p:clrMap bg1="lt1" tx1="dk1" bg2="lt2" tx2="dk2" accent1="accent1" accent2="accent2" accent3="accent3" accent4="accent4" accent5="accent5" accent6="accent6" hlink="hlink" folHlink="folHlink"/>
   <p:sldLayoutIdLst>
-    <p:sldLayoutId id="2147483649" r:id="rId1"/>
-    <p:sldLayoutId id="2147483650" r:id="rId2"/>
-    <p:sldLayoutId id="2147483651" r:id="rId3"/>
-    <p:sldLayoutId id="2147483652" r:id="rId4"/>
-    <p:sldLayoutId id="2147483653" r:id="rId5"/>
-    <p:sldLayoutId id="2147483654" r:id="rId6"/>
-    <p:sldLayoutId id="2147483655" r:id="rId7"/>
-    <p:sldLayoutId id="2147483656" r:id="rId8"/>
-    <p:sldLayoutId id="2147483657" r:id="rId9"/>
-    <p:sldLayoutId id="2147483658" r:id="rId10"/>
-    <p:sldLayoutId id="2147483659" r:id="rId11"/>
+    <p:sldLayoutId id="2147483661" r:id="rId1"/>
+    <p:sldLayoutId id="2147483662" r:id="rId2"/>
+    <p:sldLayoutId id="2147483663" r:id="rId3"/>
+    <p:sldLayoutId id="2147483664" r:id="rId4"/>
+    <p:sldLayoutId id="2147483665" r:id="rId5"/>
+    <p:sldLayoutId id="2147483666" r:id="rId6"/>
+    <p:sldLayoutId id="2147483667" r:id="rId7"/>
+    <p:sldLayoutId id="2147483668" r:id="rId8"/>
+    <p:sldLayoutId id="2147483669" r:id="rId9"/>
+    <p:sldLayoutId id="2147483670" r:id="rId10"/>
+    <p:sldLayoutId id="2147483671" r:id="rId11"/>
   </p:sldLayoutIdLst>
+  <p:hf hdr="0" dt="0"/>
   <p:txStyles>
     <p:titleStyle>
       <a:lvl1pPr algn="l" defTabSz="914400" rtl="0" eaLnBrk="1" latinLnBrk="0" hangingPunct="1">
         <a:lnSpc>
-          <a:spcPct val="90000"/>
+          <a:spcPct val="85000"/>
         </a:lnSpc>
         <a:spcBef>
           <a:spcPct val="0"/>
         </a:spcBef>
         <a:buNone/>
-        <a:defRPr sz="4400" kern="1200">
+        <a:defRPr sz="5400" kern="1200" spc="-120" baseline="0">
           <a:solidFill>
-            <a:schemeClr val="tx1"/>
+            <a:schemeClr val="accent1"/>
           </a:solidFill>
           <a:latin typeface="+mj-lt"/>
           <a:ea typeface="+mj-ea"/>
@@ -3063,162 +4136,189 @@
       </a:lvl1pPr>
     </p:titleStyle>
     <p:bodyStyle>
-      <a:lvl1pPr marL="228600" indent="-228600" algn="l" defTabSz="914400" rtl="0" eaLnBrk="1" latinLnBrk="0" hangingPunct="1">
+      <a:lvl1pPr marL="91440" indent="-91440" algn="l" defTabSz="914400" rtl="0" eaLnBrk="1" latinLnBrk="0" hangingPunct="1">
         <a:lnSpc>
-          <a:spcPct val="90000"/>
+          <a:spcPct val="85000"/>
         </a:lnSpc>
         <a:spcBef>
-          <a:spcPts val="1000"/>
+          <a:spcPts val="1300"/>
         </a:spcBef>
-        <a:buFont typeface="Arial" panose="020B0604020202020204" pitchFamily="34" charset="0"/>
-        <a:buChar char="•"/>
-        <a:defRPr sz="2800" kern="1200">
+        <a:buFont typeface="Arial" pitchFamily="34" charset="0"/>
+        <a:buChar char=" "/>
+        <a:defRPr sz="2400" kern="1200">
           <a:solidFill>
-            <a:schemeClr val="tx1"/>
+            <a:schemeClr val="tx1">
+              <a:lumMod val="85000"/>
+              <a:lumOff val="15000"/>
+            </a:schemeClr>
           </a:solidFill>
           <a:latin typeface="+mn-lt"/>
           <a:ea typeface="+mn-ea"/>
           <a:cs typeface="+mn-cs"/>
         </a:defRPr>
       </a:lvl1pPr>
-      <a:lvl2pPr marL="685800" indent="-228600" algn="l" defTabSz="914400" rtl="0" eaLnBrk="1" latinLnBrk="0" hangingPunct="1">
+      <a:lvl2pPr marL="347472" indent="-342900" algn="l" defTabSz="914400" rtl="0" eaLnBrk="1" latinLnBrk="0" hangingPunct="1">
         <a:lnSpc>
-          <a:spcPct val="90000"/>
+          <a:spcPct val="85000"/>
         </a:lnSpc>
         <a:spcBef>
-          <a:spcPts val="500"/>
+          <a:spcPts val="600"/>
         </a:spcBef>
-        <a:buFont typeface="Arial" panose="020B0604020202020204" pitchFamily="34" charset="0"/>
-        <a:buChar char="•"/>
+        <a:buFont typeface="Arial" pitchFamily="34" charset="0"/>
+        <a:buChar char=" "/>
         <a:defRPr sz="2400" kern="1200">
           <a:solidFill>
-            <a:schemeClr val="tx1"/>
+            <a:schemeClr val="tx1">
+              <a:lumMod val="85000"/>
+              <a:lumOff val="15000"/>
+            </a:schemeClr>
           </a:solidFill>
           <a:latin typeface="+mn-lt"/>
           <a:ea typeface="+mn-ea"/>
           <a:cs typeface="+mn-cs"/>
         </a:defRPr>
       </a:lvl2pPr>
-      <a:lvl3pPr marL="1143000" indent="-228600" algn="l" defTabSz="914400" rtl="0" eaLnBrk="1" latinLnBrk="0" hangingPunct="1">
+      <a:lvl3pPr marL="548640" indent="-548640" algn="l" defTabSz="914400" rtl="0" eaLnBrk="1" latinLnBrk="0" hangingPunct="1">
         <a:lnSpc>
-          <a:spcPct val="90000"/>
+          <a:spcPct val="85000"/>
         </a:lnSpc>
         <a:spcBef>
-          <a:spcPts val="500"/>
+          <a:spcPts val="600"/>
         </a:spcBef>
-        <a:buFont typeface="Arial" panose="020B0604020202020204" pitchFamily="34" charset="0"/>
-        <a:buChar char="•"/>
-        <a:defRPr sz="2000" kern="1200">
+        <a:buFont typeface="Arial" pitchFamily="34" charset="0"/>
+        <a:buChar char=" "/>
+        <a:defRPr sz="2000" i="1" kern="1200">
           <a:solidFill>
-            <a:schemeClr val="tx1"/>
+            <a:schemeClr val="tx1">
+              <a:lumMod val="85000"/>
+              <a:lumOff val="15000"/>
+            </a:schemeClr>
           </a:solidFill>
           <a:latin typeface="+mn-lt"/>
           <a:ea typeface="+mn-ea"/>
           <a:cs typeface="+mn-cs"/>
         </a:defRPr>
       </a:lvl3pPr>
-      <a:lvl4pPr marL="1600200" indent="-228600" algn="l" defTabSz="914400" rtl="0" eaLnBrk="1" latinLnBrk="0" hangingPunct="1">
+      <a:lvl4pPr marL="822960" indent="-822960" algn="l" defTabSz="914400" rtl="0" eaLnBrk="1" latinLnBrk="0" hangingPunct="1">
         <a:lnSpc>
-          <a:spcPct val="90000"/>
+          <a:spcPct val="85000"/>
         </a:lnSpc>
         <a:spcBef>
-          <a:spcPts val="500"/>
+          <a:spcPts val="600"/>
         </a:spcBef>
-        <a:buFont typeface="Arial" panose="020B0604020202020204" pitchFamily="34" charset="0"/>
-        <a:buChar char="•"/>
+        <a:buFont typeface="Arial" pitchFamily="34" charset="0"/>
+        <a:buChar char=" "/>
         <a:defRPr sz="1800" kern="1200">
           <a:solidFill>
-            <a:schemeClr val="tx1"/>
+            <a:schemeClr val="tx1">
+              <a:lumMod val="85000"/>
+              <a:lumOff val="15000"/>
+            </a:schemeClr>
           </a:solidFill>
           <a:latin typeface="+mn-lt"/>
           <a:ea typeface="+mn-ea"/>
           <a:cs typeface="+mn-cs"/>
         </a:defRPr>
       </a:lvl4pPr>
-      <a:lvl5pPr marL="2057400" indent="-228600" algn="l" defTabSz="914400" rtl="0" eaLnBrk="1" latinLnBrk="0" hangingPunct="1">
+      <a:lvl5pPr marL="1097280" indent="-1097280" algn="l" defTabSz="914400" rtl="0" eaLnBrk="1" latinLnBrk="0" hangingPunct="1">
         <a:lnSpc>
-          <a:spcPct val="90000"/>
+          <a:spcPct val="85000"/>
         </a:lnSpc>
         <a:spcBef>
-          <a:spcPts val="500"/>
+          <a:spcPts val="600"/>
         </a:spcBef>
-        <a:buFont typeface="Arial" panose="020B0604020202020204" pitchFamily="34" charset="0"/>
-        <a:buChar char="•"/>
+        <a:buFont typeface="Arial" pitchFamily="34" charset="0"/>
+        <a:buChar char=" "/>
         <a:defRPr sz="1800" kern="1200">
           <a:solidFill>
-            <a:schemeClr val="tx1"/>
+            <a:schemeClr val="tx1">
+              <a:lumMod val="85000"/>
+              <a:lumOff val="15000"/>
+            </a:schemeClr>
           </a:solidFill>
           <a:latin typeface="+mn-lt"/>
           <a:ea typeface="+mn-ea"/>
           <a:cs typeface="+mn-cs"/>
         </a:defRPr>
       </a:lvl5pPr>
-      <a:lvl6pPr marL="2514600" indent="-228600" algn="l" defTabSz="914400" rtl="0" eaLnBrk="1" latinLnBrk="0" hangingPunct="1">
+      <a:lvl6pPr marL="1200000" indent="-228600" algn="l" defTabSz="914400" rtl="0" eaLnBrk="1" latinLnBrk="0" hangingPunct="1">
         <a:lnSpc>
-          <a:spcPct val="90000"/>
+          <a:spcPct val="85000"/>
         </a:lnSpc>
         <a:spcBef>
-          <a:spcPts val="500"/>
+          <a:spcPts val="600"/>
         </a:spcBef>
-        <a:buFont typeface="Arial" panose="020B0604020202020204" pitchFamily="34" charset="0"/>
-        <a:buChar char="•"/>
+        <a:buFont typeface="Arial" pitchFamily="34" charset="0"/>
+        <a:buChar char=" "/>
         <a:defRPr sz="1800" kern="1200">
           <a:solidFill>
-            <a:schemeClr val="tx1"/>
+            <a:schemeClr val="tx1">
+              <a:lumMod val="85000"/>
+              <a:lumOff val="15000"/>
+            </a:schemeClr>
           </a:solidFill>
           <a:latin typeface="+mn-lt"/>
           <a:ea typeface="+mn-ea"/>
           <a:cs typeface="+mn-cs"/>
         </a:defRPr>
       </a:lvl6pPr>
-      <a:lvl7pPr marL="2971800" indent="-228600" algn="l" defTabSz="914400" rtl="0" eaLnBrk="1" latinLnBrk="0" hangingPunct="1">
+      <a:lvl7pPr marL="1400000" indent="-228600" algn="l" defTabSz="914400" rtl="0" eaLnBrk="1" latinLnBrk="0" hangingPunct="1">
         <a:lnSpc>
-          <a:spcPct val="90000"/>
+          <a:spcPct val="85000"/>
         </a:lnSpc>
         <a:spcBef>
-          <a:spcPts val="500"/>
+          <a:spcPts val="600"/>
         </a:spcBef>
-        <a:buFont typeface="Arial" panose="020B0604020202020204" pitchFamily="34" charset="0"/>
-        <a:buChar char="•"/>
+        <a:buFont typeface="Arial" pitchFamily="34" charset="0"/>
+        <a:buChar char=" "/>
         <a:defRPr sz="1800" kern="1200">
           <a:solidFill>
-            <a:schemeClr val="tx1"/>
+            <a:schemeClr val="tx1">
+              <a:lumMod val="85000"/>
+              <a:lumOff val="15000"/>
+            </a:schemeClr>
           </a:solidFill>
           <a:latin typeface="+mn-lt"/>
           <a:ea typeface="+mn-ea"/>
           <a:cs typeface="+mn-cs"/>
         </a:defRPr>
       </a:lvl7pPr>
-      <a:lvl8pPr marL="3429000" indent="-228600" algn="l" defTabSz="914400" rtl="0" eaLnBrk="1" latinLnBrk="0" hangingPunct="1">
+      <a:lvl8pPr marL="1600000" indent="-228600" algn="l" defTabSz="914400" rtl="0" eaLnBrk="1" latinLnBrk="0" hangingPunct="1">
         <a:lnSpc>
-          <a:spcPct val="90000"/>
+          <a:spcPct val="85000"/>
         </a:lnSpc>
         <a:spcBef>
-          <a:spcPts val="500"/>
+          <a:spcPts val="600"/>
         </a:spcBef>
-        <a:buFont typeface="Arial" panose="020B0604020202020204" pitchFamily="34" charset="0"/>
-        <a:buChar char="•"/>
+        <a:buFont typeface="Arial" pitchFamily="34" charset="0"/>
+        <a:buChar char=" "/>
         <a:defRPr sz="1800" kern="1200">
           <a:solidFill>
-            <a:schemeClr val="tx1"/>
+            <a:schemeClr val="tx1">
+              <a:lumMod val="85000"/>
+              <a:lumOff val="15000"/>
+            </a:schemeClr>
           </a:solidFill>
           <a:latin typeface="+mn-lt"/>
           <a:ea typeface="+mn-ea"/>
           <a:cs typeface="+mn-cs"/>
         </a:defRPr>
       </a:lvl8pPr>
-      <a:lvl9pPr marL="3886200" indent="-228600" algn="l" defTabSz="914400" rtl="0" eaLnBrk="1" latinLnBrk="0" hangingPunct="1">
+      <a:lvl9pPr marL="1800000" indent="-228600" algn="l" defTabSz="914400" rtl="0" eaLnBrk="1" latinLnBrk="0" hangingPunct="1">
         <a:lnSpc>
-          <a:spcPct val="90000"/>
+          <a:spcPct val="85000"/>
         </a:lnSpc>
         <a:spcBef>
-          <a:spcPts val="500"/>
+          <a:spcPts val="600"/>
         </a:spcBef>
-        <a:buFont typeface="Arial" panose="020B0604020202020204" pitchFamily="34" charset="0"/>
-        <a:buChar char="•"/>
+        <a:buFont typeface="Arial" pitchFamily="34" charset="0"/>
+        <a:buChar char=" "/>
         <a:defRPr sz="1800" kern="1200">
           <a:solidFill>
-            <a:schemeClr val="tx1"/>
+            <a:schemeClr val="tx1">
+              <a:lumMod val="85000"/>
+              <a:lumOff val="15000"/>
+            </a:schemeClr>
           </a:solidFill>
           <a:latin typeface="+mn-lt"/>
           <a:ea typeface="+mn-ea"/>
@@ -3228,7 +4328,7 @@
     </p:bodyStyle>
     <p:otherStyle>
       <a:defPPr>
-        <a:defRPr lang="de-DE"/>
+        <a:defRPr lang="en-US"/>
       </a:defPPr>
       <a:lvl1pPr marL="0" algn="l" defTabSz="914400" rtl="0" eaLnBrk="1" latinLnBrk="0" hangingPunct="1">
         <a:defRPr sz="1800" kern="1200">
@@ -3415,6 +4515,63 @@
           </a:p>
         </p:txBody>
       </p:sp>
+      <p:sp>
+        <p:nvSpPr>
+          <p:cNvPr id="4" name="Fußzeilenplatzhalter 3">
+            <a:extLst>
+              <a:ext uri="{FF2B5EF4-FFF2-40B4-BE49-F238E27FC236}">
+                <a16:creationId xmlns:a16="http://schemas.microsoft.com/office/drawing/2014/main" id="{DC9A4E08-9B67-019C-5813-A3A8950864AA}"/>
+              </a:ext>
+            </a:extLst>
+          </p:cNvPr>
+          <p:cNvSpPr>
+            <a:spLocks noGrp="1"/>
+          </p:cNvSpPr>
+          <p:nvPr>
+            <p:ph type="ftr" sz="quarter" idx="11"/>
+          </p:nvPr>
+        </p:nvSpPr>
+        <p:spPr/>
+        <p:txBody>
+          <a:bodyPr/>
+          <a:lstStyle/>
+          <a:p>
+            <a:r>
+              <a:rPr lang="en-US"/>
+              <a:t>Schubi Is You</a:t>
+            </a:r>
+          </a:p>
+        </p:txBody>
+      </p:sp>
+      <p:sp>
+        <p:nvSpPr>
+          <p:cNvPr id="5" name="Foliennummernplatzhalter 4">
+            <a:extLst>
+              <a:ext uri="{FF2B5EF4-FFF2-40B4-BE49-F238E27FC236}">
+                <a16:creationId xmlns:a16="http://schemas.microsoft.com/office/drawing/2014/main" id="{4BE16914-7DE8-0641-3B2D-8B2EFB72BEED}"/>
+              </a:ext>
+            </a:extLst>
+          </p:cNvPr>
+          <p:cNvSpPr>
+            <a:spLocks noGrp="1"/>
+          </p:cNvSpPr>
+          <p:nvPr>
+            <p:ph type="sldNum" sz="quarter" idx="12"/>
+          </p:nvPr>
+        </p:nvSpPr>
+        <p:spPr/>
+        <p:txBody>
+          <a:bodyPr/>
+          <a:lstStyle/>
+          <a:p>
+            <a:fld id="{BDAFFC55-6578-4459-AE37-94EE4236C876}" type="slidenum">
+              <a:rPr lang="en-US" smtClean="0"/>
+              <a:t>1</a:t>
+            </a:fld>
+            <a:endParaRPr lang="en-US"/>
+          </a:p>
+        </p:txBody>
+      </p:sp>
     </p:spTree>
     <p:extLst>
       <p:ext uri="{BB962C8B-B14F-4D97-AF65-F5344CB8AC3E}">
@@ -3428,7 +4585,5278 @@
 </p:sld>
 </file>
 
+<file path=ppt/slides/slide10.xml><?xml version="1.0" encoding="utf-8"?>
+<p:sld xmlns:a="http://schemas.openxmlformats.org/drawingml/2006/main" xmlns:r="http://schemas.openxmlformats.org/officeDocument/2006/relationships" xmlns:p="http://schemas.openxmlformats.org/presentationml/2006/main">
+  <p:cSld>
+    <p:spTree>
+      <p:nvGrpSpPr>
+        <p:cNvPr id="1" name=""/>
+        <p:cNvGrpSpPr/>
+        <p:nvPr/>
+      </p:nvGrpSpPr>
+      <p:grpSpPr>
+        <a:xfrm>
+          <a:off x="0" y="0"/>
+          <a:ext cx="0" cy="0"/>
+          <a:chOff x="0" y="0"/>
+          <a:chExt cx="0" cy="0"/>
+        </a:xfrm>
+      </p:grpSpPr>
+      <p:sp>
+        <p:nvSpPr>
+          <p:cNvPr id="2" name="Titel 1">
+            <a:extLst>
+              <a:ext uri="{FF2B5EF4-FFF2-40B4-BE49-F238E27FC236}">
+                <a16:creationId xmlns:a16="http://schemas.microsoft.com/office/drawing/2014/main" id="{2284CD71-0050-FBC0-E223-35FFB6BBB662}"/>
+              </a:ext>
+            </a:extLst>
+          </p:cNvPr>
+          <p:cNvSpPr>
+            <a:spLocks noGrp="1"/>
+          </p:cNvSpPr>
+          <p:nvPr>
+            <p:ph type="title"/>
+          </p:nvPr>
+        </p:nvSpPr>
+        <p:spPr/>
+        <p:txBody>
+          <a:bodyPr/>
+          <a:lstStyle/>
+          <a:p>
+            <a:r>
+              <a:rPr lang="de-DE" dirty="0"/>
+              <a:t>Was habe ich gemacht? </a:t>
+            </a:r>
+          </a:p>
+        </p:txBody>
+      </p:sp>
+      <p:sp>
+        <p:nvSpPr>
+          <p:cNvPr id="9" name="Textplatzhalter 8">
+            <a:extLst>
+              <a:ext uri="{FF2B5EF4-FFF2-40B4-BE49-F238E27FC236}">
+                <a16:creationId xmlns:a16="http://schemas.microsoft.com/office/drawing/2014/main" id="{5415547F-C028-BA4A-3783-EF2B277E9A3C}"/>
+              </a:ext>
+            </a:extLst>
+          </p:cNvPr>
+          <p:cNvSpPr>
+            <a:spLocks noGrp="1"/>
+          </p:cNvSpPr>
+          <p:nvPr>
+            <p:ph type="body" sz="quarter" idx="3"/>
+          </p:nvPr>
+        </p:nvSpPr>
+        <p:spPr/>
+        <p:txBody>
+          <a:bodyPr/>
+          <a:lstStyle/>
+          <a:p>
+            <a:r>
+              <a:rPr lang="de-DE" dirty="0"/>
+              <a:t>nachher</a:t>
+            </a:r>
+          </a:p>
+        </p:txBody>
+      </p:sp>
+      <p:pic>
+        <p:nvPicPr>
+          <p:cNvPr id="20" name="Inhaltsplatzhalter 19">
+            <a:extLst>
+              <a:ext uri="{FF2B5EF4-FFF2-40B4-BE49-F238E27FC236}">
+                <a16:creationId xmlns:a16="http://schemas.microsoft.com/office/drawing/2014/main" id="{0A0C90C9-D4FC-857A-50E8-A940F86B8931}"/>
+              </a:ext>
+            </a:extLst>
+          </p:cNvPr>
+          <p:cNvPicPr>
+            <a:picLocks noGrp="1" noChangeAspect="1"/>
+          </p:cNvPicPr>
+          <p:nvPr>
+            <p:ph sz="quarter" idx="4"/>
+          </p:nvPr>
+        </p:nvPicPr>
+        <p:blipFill>
+          <a:blip r:embed="rId3"/>
+          <a:stretch>
+            <a:fillRect/>
+          </a:stretch>
+        </p:blipFill>
+        <p:spPr>
+          <a:xfrm>
+            <a:off x="6007100" y="2955471"/>
+            <a:ext cx="4664075" cy="2791734"/>
+          </a:xfrm>
+        </p:spPr>
+      </p:pic>
+      <p:sp>
+        <p:nvSpPr>
+          <p:cNvPr id="5" name="Fußzeilenplatzhalter 4">
+            <a:extLst>
+              <a:ext uri="{FF2B5EF4-FFF2-40B4-BE49-F238E27FC236}">
+                <a16:creationId xmlns:a16="http://schemas.microsoft.com/office/drawing/2014/main" id="{A39B7B11-AA15-99FD-FEA9-57DEBAD122AE}"/>
+              </a:ext>
+            </a:extLst>
+          </p:cNvPr>
+          <p:cNvSpPr>
+            <a:spLocks noGrp="1"/>
+          </p:cNvSpPr>
+          <p:nvPr>
+            <p:ph type="ftr" sz="quarter" idx="11"/>
+          </p:nvPr>
+        </p:nvSpPr>
+        <p:spPr/>
+        <p:txBody>
+          <a:bodyPr/>
+          <a:lstStyle/>
+          <a:p>
+            <a:r>
+              <a:rPr lang="en-US"/>
+              <a:t>Schubi Is You</a:t>
+            </a:r>
+          </a:p>
+        </p:txBody>
+      </p:sp>
+      <p:sp>
+        <p:nvSpPr>
+          <p:cNvPr id="6" name="Foliennummernplatzhalter 5">
+            <a:extLst>
+              <a:ext uri="{FF2B5EF4-FFF2-40B4-BE49-F238E27FC236}">
+                <a16:creationId xmlns:a16="http://schemas.microsoft.com/office/drawing/2014/main" id="{3E354C6B-E557-19A5-ECF5-24F7CDA8D7E5}"/>
+              </a:ext>
+            </a:extLst>
+          </p:cNvPr>
+          <p:cNvSpPr>
+            <a:spLocks noGrp="1"/>
+          </p:cNvSpPr>
+          <p:nvPr>
+            <p:ph type="sldNum" sz="quarter" idx="12"/>
+          </p:nvPr>
+        </p:nvSpPr>
+        <p:spPr/>
+        <p:txBody>
+          <a:bodyPr/>
+          <a:lstStyle/>
+          <a:p>
+            <a:fld id="{BDAFFC55-6578-4459-AE37-94EE4236C876}" type="slidenum">
+              <a:rPr lang="en-US" smtClean="0"/>
+              <a:t>10</a:t>
+            </a:fld>
+            <a:endParaRPr lang="en-US"/>
+          </a:p>
+        </p:txBody>
+      </p:sp>
+      <p:sp>
+        <p:nvSpPr>
+          <p:cNvPr id="14" name="Textplatzhalter 13">
+            <a:extLst>
+              <a:ext uri="{FF2B5EF4-FFF2-40B4-BE49-F238E27FC236}">
+                <a16:creationId xmlns:a16="http://schemas.microsoft.com/office/drawing/2014/main" id="{FA46D1EF-56EF-DE3D-5484-17F238A0A5CA}"/>
+              </a:ext>
+            </a:extLst>
+          </p:cNvPr>
+          <p:cNvSpPr>
+            <a:spLocks noGrp="1"/>
+          </p:cNvSpPr>
+          <p:nvPr>
+            <p:ph type="body" idx="1"/>
+          </p:nvPr>
+        </p:nvSpPr>
+        <p:spPr/>
+        <p:txBody>
+          <a:bodyPr/>
+          <a:lstStyle/>
+          <a:p>
+            <a:r>
+              <a:rPr lang="de-DE" dirty="0"/>
+              <a:t>Vorher </a:t>
+            </a:r>
+          </a:p>
+        </p:txBody>
+      </p:sp>
+      <p:pic>
+        <p:nvPicPr>
+          <p:cNvPr id="18" name="Inhaltsplatzhalter 17">
+            <a:extLst>
+              <a:ext uri="{FF2B5EF4-FFF2-40B4-BE49-F238E27FC236}">
+                <a16:creationId xmlns:a16="http://schemas.microsoft.com/office/drawing/2014/main" id="{FB746474-88CC-0FA7-DA5D-D4671D1BE24D}"/>
+              </a:ext>
+            </a:extLst>
+          </p:cNvPr>
+          <p:cNvPicPr>
+            <a:picLocks noGrp="1" noChangeAspect="1"/>
+          </p:cNvPicPr>
+          <p:nvPr>
+            <p:ph sz="half" idx="2"/>
+          </p:nvPr>
+        </p:nvPicPr>
+        <p:blipFill>
+          <a:blip r:embed="rId4"/>
+          <a:stretch>
+            <a:fillRect/>
+          </a:stretch>
+        </p:blipFill>
+        <p:spPr>
+          <a:xfrm>
+            <a:off x="676275" y="276552"/>
+            <a:ext cx="9335943" cy="5433652"/>
+          </a:xfrm>
+        </p:spPr>
+      </p:pic>
+    </p:spTree>
+    <p:extLst>
+      <p:ext uri="{BB962C8B-B14F-4D97-AF65-F5344CB8AC3E}">
+        <p14:creationId xmlns:p14="http://schemas.microsoft.com/office/powerpoint/2010/main" val="22439245"/>
+      </p:ext>
+    </p:extLst>
+  </p:cSld>
+  <p:clrMapOvr>
+    <a:masterClrMapping/>
+  </p:clrMapOvr>
+  <mc:AlternateContent xmlns:mc="http://schemas.openxmlformats.org/markup-compatibility/2006">
+    <mc:Choice xmlns:p159="http://schemas.microsoft.com/office/powerpoint/2015/09/main" Requires="p159">
+      <p:transition xmlns:p14="http://schemas.microsoft.com/office/powerpoint/2010/main" spd="slow" p14:dur="2000">
+        <p159:morph option="byObject"/>
+      </p:transition>
+    </mc:Choice>
+    <mc:Fallback>
+      <p:transition spd="slow">
+        <p:fade/>
+      </p:transition>
+    </mc:Fallback>
+  </mc:AlternateContent>
+</p:sld>
+</file>
+
+<file path=ppt/slides/slide11.xml><?xml version="1.0" encoding="utf-8"?>
+<p:sld xmlns:a="http://schemas.openxmlformats.org/drawingml/2006/main" xmlns:r="http://schemas.openxmlformats.org/officeDocument/2006/relationships" xmlns:p="http://schemas.openxmlformats.org/presentationml/2006/main">
+  <p:cSld>
+    <p:spTree>
+      <p:nvGrpSpPr>
+        <p:cNvPr id="1" name=""/>
+        <p:cNvGrpSpPr/>
+        <p:nvPr/>
+      </p:nvGrpSpPr>
+      <p:grpSpPr>
+        <a:xfrm>
+          <a:off x="0" y="0"/>
+          <a:ext cx="0" cy="0"/>
+          <a:chOff x="0" y="0"/>
+          <a:chExt cx="0" cy="0"/>
+        </a:xfrm>
+      </p:grpSpPr>
+      <p:pic>
+        <p:nvPicPr>
+          <p:cNvPr id="18" name="Inhaltsplatzhalter 17">
+            <a:extLst>
+              <a:ext uri="{FF2B5EF4-FFF2-40B4-BE49-F238E27FC236}">
+                <a16:creationId xmlns:a16="http://schemas.microsoft.com/office/drawing/2014/main" id="{FB746474-88CC-0FA7-DA5D-D4671D1BE24D}"/>
+              </a:ext>
+            </a:extLst>
+          </p:cNvPr>
+          <p:cNvPicPr>
+            <a:picLocks noGrp="1" noChangeAspect="1"/>
+          </p:cNvPicPr>
+          <p:nvPr>
+            <p:ph sz="half" idx="2"/>
+          </p:nvPr>
+        </p:nvPicPr>
+        <p:blipFill>
+          <a:blip r:embed="rId3"/>
+          <a:stretch>
+            <a:fillRect/>
+          </a:stretch>
+        </p:blipFill>
+        <p:spPr>
+          <a:xfrm>
+            <a:off x="676275" y="2995646"/>
+            <a:ext cx="4664075" cy="2714558"/>
+          </a:xfrm>
+        </p:spPr>
+      </p:pic>
+      <p:sp>
+        <p:nvSpPr>
+          <p:cNvPr id="2" name="Titel 1">
+            <a:extLst>
+              <a:ext uri="{FF2B5EF4-FFF2-40B4-BE49-F238E27FC236}">
+                <a16:creationId xmlns:a16="http://schemas.microsoft.com/office/drawing/2014/main" id="{2284CD71-0050-FBC0-E223-35FFB6BBB662}"/>
+              </a:ext>
+            </a:extLst>
+          </p:cNvPr>
+          <p:cNvSpPr>
+            <a:spLocks noGrp="1"/>
+          </p:cNvSpPr>
+          <p:nvPr>
+            <p:ph type="title"/>
+          </p:nvPr>
+        </p:nvSpPr>
+        <p:spPr/>
+        <p:txBody>
+          <a:bodyPr/>
+          <a:lstStyle/>
+          <a:p>
+            <a:r>
+              <a:rPr lang="de-DE" dirty="0"/>
+              <a:t>Was habe ich gemacht? </a:t>
+            </a:r>
+          </a:p>
+        </p:txBody>
+      </p:sp>
+      <p:sp>
+        <p:nvSpPr>
+          <p:cNvPr id="9" name="Textplatzhalter 8">
+            <a:extLst>
+              <a:ext uri="{FF2B5EF4-FFF2-40B4-BE49-F238E27FC236}">
+                <a16:creationId xmlns:a16="http://schemas.microsoft.com/office/drawing/2014/main" id="{5415547F-C028-BA4A-3783-EF2B277E9A3C}"/>
+              </a:ext>
+            </a:extLst>
+          </p:cNvPr>
+          <p:cNvSpPr>
+            <a:spLocks noGrp="1"/>
+          </p:cNvSpPr>
+          <p:nvPr>
+            <p:ph type="body" sz="quarter" idx="3"/>
+          </p:nvPr>
+        </p:nvSpPr>
+        <p:spPr/>
+        <p:txBody>
+          <a:bodyPr/>
+          <a:lstStyle/>
+          <a:p>
+            <a:r>
+              <a:rPr lang="de-DE" dirty="0"/>
+              <a:t>nachher</a:t>
+            </a:r>
+          </a:p>
+        </p:txBody>
+      </p:sp>
+      <p:pic>
+        <p:nvPicPr>
+          <p:cNvPr id="20" name="Inhaltsplatzhalter 19">
+            <a:extLst>
+              <a:ext uri="{FF2B5EF4-FFF2-40B4-BE49-F238E27FC236}">
+                <a16:creationId xmlns:a16="http://schemas.microsoft.com/office/drawing/2014/main" id="{0A0C90C9-D4FC-857A-50E8-A940F86B8931}"/>
+              </a:ext>
+            </a:extLst>
+          </p:cNvPr>
+          <p:cNvPicPr>
+            <a:picLocks noGrp="1" noChangeAspect="1"/>
+          </p:cNvPicPr>
+          <p:nvPr>
+            <p:ph sz="quarter" idx="4"/>
+          </p:nvPr>
+        </p:nvPicPr>
+        <p:blipFill>
+          <a:blip r:embed="rId4"/>
+          <a:stretch>
+            <a:fillRect/>
+          </a:stretch>
+        </p:blipFill>
+        <p:spPr>
+          <a:xfrm>
+            <a:off x="1422400" y="211248"/>
+            <a:ext cx="9248775" cy="5535957"/>
+          </a:xfrm>
+        </p:spPr>
+      </p:pic>
+      <p:sp>
+        <p:nvSpPr>
+          <p:cNvPr id="5" name="Fußzeilenplatzhalter 4">
+            <a:extLst>
+              <a:ext uri="{FF2B5EF4-FFF2-40B4-BE49-F238E27FC236}">
+                <a16:creationId xmlns:a16="http://schemas.microsoft.com/office/drawing/2014/main" id="{A39B7B11-AA15-99FD-FEA9-57DEBAD122AE}"/>
+              </a:ext>
+            </a:extLst>
+          </p:cNvPr>
+          <p:cNvSpPr>
+            <a:spLocks noGrp="1"/>
+          </p:cNvSpPr>
+          <p:nvPr>
+            <p:ph type="ftr" sz="quarter" idx="11"/>
+          </p:nvPr>
+        </p:nvSpPr>
+        <p:spPr/>
+        <p:txBody>
+          <a:bodyPr/>
+          <a:lstStyle/>
+          <a:p>
+            <a:r>
+              <a:rPr lang="en-US"/>
+              <a:t>Schubi Is You</a:t>
+            </a:r>
+          </a:p>
+        </p:txBody>
+      </p:sp>
+      <p:sp>
+        <p:nvSpPr>
+          <p:cNvPr id="6" name="Foliennummernplatzhalter 5">
+            <a:extLst>
+              <a:ext uri="{FF2B5EF4-FFF2-40B4-BE49-F238E27FC236}">
+                <a16:creationId xmlns:a16="http://schemas.microsoft.com/office/drawing/2014/main" id="{3E354C6B-E557-19A5-ECF5-24F7CDA8D7E5}"/>
+              </a:ext>
+            </a:extLst>
+          </p:cNvPr>
+          <p:cNvSpPr>
+            <a:spLocks noGrp="1"/>
+          </p:cNvSpPr>
+          <p:nvPr>
+            <p:ph type="sldNum" sz="quarter" idx="12"/>
+          </p:nvPr>
+        </p:nvSpPr>
+        <p:spPr/>
+        <p:txBody>
+          <a:bodyPr/>
+          <a:lstStyle/>
+          <a:p>
+            <a:fld id="{BDAFFC55-6578-4459-AE37-94EE4236C876}" type="slidenum">
+              <a:rPr lang="en-US" smtClean="0"/>
+              <a:t>11</a:t>
+            </a:fld>
+            <a:endParaRPr lang="en-US"/>
+          </a:p>
+        </p:txBody>
+      </p:sp>
+      <p:sp>
+        <p:nvSpPr>
+          <p:cNvPr id="14" name="Textplatzhalter 13">
+            <a:extLst>
+              <a:ext uri="{FF2B5EF4-FFF2-40B4-BE49-F238E27FC236}">
+                <a16:creationId xmlns:a16="http://schemas.microsoft.com/office/drawing/2014/main" id="{FA46D1EF-56EF-DE3D-5484-17F238A0A5CA}"/>
+              </a:ext>
+            </a:extLst>
+          </p:cNvPr>
+          <p:cNvSpPr>
+            <a:spLocks noGrp="1"/>
+          </p:cNvSpPr>
+          <p:nvPr>
+            <p:ph type="body" idx="1"/>
+          </p:nvPr>
+        </p:nvSpPr>
+        <p:spPr/>
+        <p:txBody>
+          <a:bodyPr/>
+          <a:lstStyle/>
+          <a:p>
+            <a:r>
+              <a:rPr lang="de-DE" dirty="0"/>
+              <a:t>Vorher </a:t>
+            </a:r>
+          </a:p>
+        </p:txBody>
+      </p:sp>
+    </p:spTree>
+    <p:extLst>
+      <p:ext uri="{BB962C8B-B14F-4D97-AF65-F5344CB8AC3E}">
+        <p14:creationId xmlns:p14="http://schemas.microsoft.com/office/powerpoint/2010/main" val="3249852009"/>
+      </p:ext>
+    </p:extLst>
+  </p:cSld>
+  <p:clrMapOvr>
+    <a:masterClrMapping/>
+  </p:clrMapOvr>
+  <mc:AlternateContent xmlns:mc="http://schemas.openxmlformats.org/markup-compatibility/2006">
+    <mc:Choice xmlns:p159="http://schemas.microsoft.com/office/powerpoint/2015/09/main" Requires="p159">
+      <p:transition xmlns:p14="http://schemas.microsoft.com/office/powerpoint/2010/main" spd="slow" p14:dur="2000">
+        <p159:morph option="byObject"/>
+      </p:transition>
+    </mc:Choice>
+    <mc:Fallback>
+      <p:transition spd="slow">
+        <p:fade/>
+      </p:transition>
+    </mc:Fallback>
+  </mc:AlternateContent>
+</p:sld>
+</file>
+
+<file path=ppt/slides/slide12.xml><?xml version="1.0" encoding="utf-8"?>
+<p:sld xmlns:a="http://schemas.openxmlformats.org/drawingml/2006/main" xmlns:r="http://schemas.openxmlformats.org/officeDocument/2006/relationships" xmlns:p="http://schemas.openxmlformats.org/presentationml/2006/main">
+  <p:cSld>
+    <p:spTree>
+      <p:nvGrpSpPr>
+        <p:cNvPr id="1" name=""/>
+        <p:cNvGrpSpPr/>
+        <p:nvPr/>
+      </p:nvGrpSpPr>
+      <p:grpSpPr>
+        <a:xfrm>
+          <a:off x="0" y="0"/>
+          <a:ext cx="0" cy="0"/>
+          <a:chOff x="0" y="0"/>
+          <a:chExt cx="0" cy="0"/>
+        </a:xfrm>
+      </p:grpSpPr>
+      <p:sp>
+        <p:nvSpPr>
+          <p:cNvPr id="2" name="Titel 1">
+            <a:extLst>
+              <a:ext uri="{FF2B5EF4-FFF2-40B4-BE49-F238E27FC236}">
+                <a16:creationId xmlns:a16="http://schemas.microsoft.com/office/drawing/2014/main" id="{1F3D3FF6-3F65-7BCD-3283-6C10DEED9F87}"/>
+              </a:ext>
+            </a:extLst>
+          </p:cNvPr>
+          <p:cNvSpPr>
+            <a:spLocks noGrp="1"/>
+          </p:cNvSpPr>
+          <p:nvPr>
+            <p:ph type="title"/>
+          </p:nvPr>
+        </p:nvSpPr>
+        <p:spPr/>
+        <p:txBody>
+          <a:bodyPr/>
+          <a:lstStyle/>
+          <a:p>
+            <a:r>
+              <a:rPr lang="de-DE" dirty="0" err="1"/>
+              <a:t>Lessons</a:t>
+            </a:r>
+            <a:r>
+              <a:rPr lang="de-DE" dirty="0"/>
+              <a:t> </a:t>
+            </a:r>
+            <a:r>
+              <a:rPr lang="de-DE" dirty="0" err="1"/>
+              <a:t>learned</a:t>
+            </a:r>
+            <a:endParaRPr lang="de-DE" dirty="0"/>
+          </a:p>
+        </p:txBody>
+      </p:sp>
+      <p:sp>
+        <p:nvSpPr>
+          <p:cNvPr id="9" name="Inhaltsplatzhalter 8">
+            <a:extLst>
+              <a:ext uri="{FF2B5EF4-FFF2-40B4-BE49-F238E27FC236}">
+                <a16:creationId xmlns:a16="http://schemas.microsoft.com/office/drawing/2014/main" id="{A38FFCFF-2A19-85F7-906A-7A2CF9DDFC84}"/>
+              </a:ext>
+            </a:extLst>
+          </p:cNvPr>
+          <p:cNvSpPr>
+            <a:spLocks noGrp="1"/>
+          </p:cNvSpPr>
+          <p:nvPr>
+            <p:ph idx="1"/>
+          </p:nvPr>
+        </p:nvSpPr>
+        <p:spPr/>
+        <p:txBody>
+          <a:bodyPr/>
+          <a:lstStyle/>
+          <a:p>
+            <a:pPr>
+              <a:buFont typeface="Wingdings" panose="05000000000000000000" pitchFamily="2" charset="2"/>
+              <a:buChar char="Ø"/>
+            </a:pPr>
+            <a:r>
+              <a:rPr lang="de-DE" dirty="0"/>
+              <a:t> gute Variablennamen überlegen</a:t>
+            </a:r>
+          </a:p>
+          <a:p>
+            <a:pPr>
+              <a:buFont typeface="Wingdings" panose="05000000000000000000" pitchFamily="2" charset="2"/>
+              <a:buChar char="Ø"/>
+            </a:pPr>
+            <a:r>
+              <a:rPr lang="de-DE" dirty="0"/>
+              <a:t>So wenig wie möglich mit „</a:t>
+            </a:r>
+            <a:r>
+              <a:rPr lang="de-DE" dirty="0" err="1"/>
+              <a:t>magic</a:t>
+            </a:r>
+            <a:r>
+              <a:rPr lang="de-DE" dirty="0"/>
+              <a:t> </a:t>
+            </a:r>
+            <a:r>
+              <a:rPr lang="de-DE" dirty="0" err="1"/>
+              <a:t>numbers</a:t>
+            </a:r>
+            <a:r>
+              <a:rPr lang="de-DE" dirty="0"/>
+              <a:t>“ arbeiten / ordentlich kommentieren</a:t>
+            </a:r>
+          </a:p>
+          <a:p>
+            <a:pPr>
+              <a:buFont typeface="Wingdings" panose="05000000000000000000" pitchFamily="2" charset="2"/>
+              <a:buChar char="Ø"/>
+            </a:pPr>
+            <a:r>
+              <a:rPr lang="de-DE" dirty="0"/>
+              <a:t>Nicht einfach drauflos programmieren </a:t>
+            </a:r>
+          </a:p>
+          <a:p>
+            <a:pPr marL="0" lvl="2" indent="0">
+              <a:buNone/>
+            </a:pPr>
+            <a:r>
+              <a:rPr lang="de-DE" dirty="0"/>
+              <a:t>  	-&gt; Systementwurf machen</a:t>
+            </a:r>
+          </a:p>
+          <a:p>
+            <a:pPr marL="0" lvl="2" indent="0">
+              <a:buNone/>
+            </a:pPr>
+            <a:r>
+              <a:rPr lang="de-DE" dirty="0"/>
+              <a:t>     		-&gt;ist übersichtlicher </a:t>
+            </a:r>
+          </a:p>
+        </p:txBody>
+      </p:sp>
+      <p:sp>
+        <p:nvSpPr>
+          <p:cNvPr id="7" name="Fußzeilenplatzhalter 6">
+            <a:extLst>
+              <a:ext uri="{FF2B5EF4-FFF2-40B4-BE49-F238E27FC236}">
+                <a16:creationId xmlns:a16="http://schemas.microsoft.com/office/drawing/2014/main" id="{6931019B-0748-9DC3-E6D8-81880E0E9C43}"/>
+              </a:ext>
+            </a:extLst>
+          </p:cNvPr>
+          <p:cNvSpPr>
+            <a:spLocks noGrp="1"/>
+          </p:cNvSpPr>
+          <p:nvPr>
+            <p:ph type="ftr" sz="quarter" idx="11"/>
+          </p:nvPr>
+        </p:nvSpPr>
+        <p:spPr/>
+        <p:txBody>
+          <a:bodyPr/>
+          <a:lstStyle/>
+          <a:p>
+            <a:r>
+              <a:rPr lang="en-US"/>
+              <a:t>Schubi Is You</a:t>
+            </a:r>
+          </a:p>
+        </p:txBody>
+      </p:sp>
+      <p:sp>
+        <p:nvSpPr>
+          <p:cNvPr id="8" name="Foliennummernplatzhalter 7">
+            <a:extLst>
+              <a:ext uri="{FF2B5EF4-FFF2-40B4-BE49-F238E27FC236}">
+                <a16:creationId xmlns:a16="http://schemas.microsoft.com/office/drawing/2014/main" id="{D0C70E5D-72AA-B7E3-1837-4950014B1F89}"/>
+              </a:ext>
+            </a:extLst>
+          </p:cNvPr>
+          <p:cNvSpPr>
+            <a:spLocks noGrp="1"/>
+          </p:cNvSpPr>
+          <p:nvPr>
+            <p:ph type="sldNum" sz="quarter" idx="12"/>
+          </p:nvPr>
+        </p:nvSpPr>
+        <p:spPr/>
+        <p:txBody>
+          <a:bodyPr/>
+          <a:lstStyle/>
+          <a:p>
+            <a:fld id="{BDAFFC55-6578-4459-AE37-94EE4236C876}" type="slidenum">
+              <a:rPr lang="en-US" smtClean="0"/>
+              <a:t>12</a:t>
+            </a:fld>
+            <a:endParaRPr lang="en-US"/>
+          </a:p>
+        </p:txBody>
+      </p:sp>
+    </p:spTree>
+    <p:extLst>
+      <p:ext uri="{BB962C8B-B14F-4D97-AF65-F5344CB8AC3E}">
+        <p14:creationId xmlns:p14="http://schemas.microsoft.com/office/powerpoint/2010/main" val="2944872131"/>
+      </p:ext>
+    </p:extLst>
+  </p:cSld>
+  <p:clrMapOvr>
+    <a:masterClrMapping/>
+  </p:clrMapOvr>
+</p:sld>
+</file>
+
+<file path=ppt/slides/slide13.xml><?xml version="1.0" encoding="utf-8"?>
+<p:sld xmlns:a="http://schemas.openxmlformats.org/drawingml/2006/main" xmlns:r="http://schemas.openxmlformats.org/officeDocument/2006/relationships" xmlns:p="http://schemas.openxmlformats.org/presentationml/2006/main">
+  <p:cSld>
+    <p:spTree>
+      <p:nvGrpSpPr>
+        <p:cNvPr id="1" name=""/>
+        <p:cNvGrpSpPr/>
+        <p:nvPr/>
+      </p:nvGrpSpPr>
+      <p:grpSpPr>
+        <a:xfrm>
+          <a:off x="0" y="0"/>
+          <a:ext cx="0" cy="0"/>
+          <a:chOff x="0" y="0"/>
+          <a:chExt cx="0" cy="0"/>
+        </a:xfrm>
+      </p:grpSpPr>
+      <p:sp>
+        <p:nvSpPr>
+          <p:cNvPr id="11" name="Titel 10">
+            <a:extLst>
+              <a:ext uri="{FF2B5EF4-FFF2-40B4-BE49-F238E27FC236}">
+                <a16:creationId xmlns:a16="http://schemas.microsoft.com/office/drawing/2014/main" id="{852E4164-BA38-3F5D-12F2-AFA2755B0CE0}"/>
+              </a:ext>
+            </a:extLst>
+          </p:cNvPr>
+          <p:cNvSpPr>
+            <a:spLocks noGrp="1"/>
+          </p:cNvSpPr>
+          <p:nvPr>
+            <p:ph type="ctrTitle"/>
+          </p:nvPr>
+        </p:nvSpPr>
+        <p:spPr/>
+        <p:txBody>
+          <a:bodyPr/>
+          <a:lstStyle/>
+          <a:p>
+            <a:r>
+              <a:rPr lang="de-DE" sz="6600" dirty="0"/>
+              <a:t>Danke für eure Aufmerksamkeit!</a:t>
+            </a:r>
+          </a:p>
+        </p:txBody>
+      </p:sp>
+      <p:sp>
+        <p:nvSpPr>
+          <p:cNvPr id="12" name="Untertitel 11">
+            <a:extLst>
+              <a:ext uri="{FF2B5EF4-FFF2-40B4-BE49-F238E27FC236}">
+                <a16:creationId xmlns:a16="http://schemas.microsoft.com/office/drawing/2014/main" id="{D014946F-978A-3341-4719-827DCDC02414}"/>
+              </a:ext>
+            </a:extLst>
+          </p:cNvPr>
+          <p:cNvSpPr>
+            <a:spLocks noGrp="1"/>
+          </p:cNvSpPr>
+          <p:nvPr>
+            <p:ph type="subTitle" idx="1"/>
+          </p:nvPr>
+        </p:nvSpPr>
+        <p:spPr/>
+        <p:txBody>
+          <a:bodyPr/>
+          <a:lstStyle/>
+          <a:p>
+            <a:r>
+              <a:rPr lang="de-DE" dirty="0"/>
+              <a:t> </a:t>
+            </a:r>
+          </a:p>
+        </p:txBody>
+      </p:sp>
+      <p:sp>
+        <p:nvSpPr>
+          <p:cNvPr id="4" name="Fußzeilenplatzhalter 3">
+            <a:extLst>
+              <a:ext uri="{FF2B5EF4-FFF2-40B4-BE49-F238E27FC236}">
+                <a16:creationId xmlns:a16="http://schemas.microsoft.com/office/drawing/2014/main" id="{663A0EF6-DD71-1E40-C495-9694E98D8C4F}"/>
+              </a:ext>
+            </a:extLst>
+          </p:cNvPr>
+          <p:cNvSpPr>
+            <a:spLocks noGrp="1"/>
+          </p:cNvSpPr>
+          <p:nvPr>
+            <p:ph type="ftr" sz="quarter" idx="11"/>
+          </p:nvPr>
+        </p:nvSpPr>
+        <p:spPr/>
+        <p:txBody>
+          <a:bodyPr/>
+          <a:lstStyle/>
+          <a:p>
+            <a:r>
+              <a:rPr lang="en-US"/>
+              <a:t>Schubi Is You</a:t>
+            </a:r>
+          </a:p>
+        </p:txBody>
+      </p:sp>
+      <p:sp>
+        <p:nvSpPr>
+          <p:cNvPr id="5" name="Foliennummernplatzhalter 4">
+            <a:extLst>
+              <a:ext uri="{FF2B5EF4-FFF2-40B4-BE49-F238E27FC236}">
+                <a16:creationId xmlns:a16="http://schemas.microsoft.com/office/drawing/2014/main" id="{041E734E-9A78-B1EB-5161-7173B3FFA3DE}"/>
+              </a:ext>
+            </a:extLst>
+          </p:cNvPr>
+          <p:cNvSpPr>
+            <a:spLocks noGrp="1"/>
+          </p:cNvSpPr>
+          <p:nvPr>
+            <p:ph type="sldNum" sz="quarter" idx="12"/>
+          </p:nvPr>
+        </p:nvSpPr>
+        <p:spPr/>
+        <p:txBody>
+          <a:bodyPr/>
+          <a:lstStyle/>
+          <a:p>
+            <a:fld id="{BDAFFC55-6578-4459-AE37-94EE4236C876}" type="slidenum">
+              <a:rPr lang="en-US" smtClean="0"/>
+              <a:t>13</a:t>
+            </a:fld>
+            <a:endParaRPr lang="en-US"/>
+          </a:p>
+        </p:txBody>
+      </p:sp>
+    </p:spTree>
+    <p:extLst>
+      <p:ext uri="{BB962C8B-B14F-4D97-AF65-F5344CB8AC3E}">
+        <p14:creationId xmlns:p14="http://schemas.microsoft.com/office/powerpoint/2010/main" val="3536513378"/>
+      </p:ext>
+    </p:extLst>
+  </p:cSld>
+  <p:clrMapOvr>
+    <a:masterClrMapping/>
+  </p:clrMapOvr>
+</p:sld>
+</file>
+
+<file path=ppt/slides/slide2.xml><?xml version="1.0" encoding="utf-8"?>
+<p:sld xmlns:a="http://schemas.openxmlformats.org/drawingml/2006/main" xmlns:r="http://schemas.openxmlformats.org/officeDocument/2006/relationships" xmlns:p="http://schemas.openxmlformats.org/presentationml/2006/main">
+  <p:cSld>
+    <p:spTree>
+      <p:nvGrpSpPr>
+        <p:cNvPr id="1" name=""/>
+        <p:cNvGrpSpPr/>
+        <p:nvPr/>
+      </p:nvGrpSpPr>
+      <p:grpSpPr>
+        <a:xfrm>
+          <a:off x="0" y="0"/>
+          <a:ext cx="0" cy="0"/>
+          <a:chOff x="0" y="0"/>
+          <a:chExt cx="0" cy="0"/>
+        </a:xfrm>
+      </p:grpSpPr>
+      <p:sp>
+        <p:nvSpPr>
+          <p:cNvPr id="2" name="Titel 1">
+            <a:extLst>
+              <a:ext uri="{FF2B5EF4-FFF2-40B4-BE49-F238E27FC236}">
+                <a16:creationId xmlns:a16="http://schemas.microsoft.com/office/drawing/2014/main" id="{0F4FD316-F815-9D0B-AD85-958B4407124B}"/>
+              </a:ext>
+            </a:extLst>
+          </p:cNvPr>
+          <p:cNvSpPr>
+            <a:spLocks noGrp="1"/>
+          </p:cNvSpPr>
+          <p:nvPr>
+            <p:ph type="title"/>
+          </p:nvPr>
+        </p:nvSpPr>
+        <p:spPr/>
+        <p:txBody>
+          <a:bodyPr/>
+          <a:lstStyle/>
+          <a:p>
+            <a:r>
+              <a:rPr lang="de-DE" dirty="0"/>
+              <a:t>Was ist es? </a:t>
+            </a:r>
+          </a:p>
+        </p:txBody>
+      </p:sp>
+      <p:sp>
+        <p:nvSpPr>
+          <p:cNvPr id="3" name="Inhaltsplatzhalter 2">
+            <a:extLst>
+              <a:ext uri="{FF2B5EF4-FFF2-40B4-BE49-F238E27FC236}">
+                <a16:creationId xmlns:a16="http://schemas.microsoft.com/office/drawing/2014/main" id="{710D2984-2317-C3D5-3FD1-3C820855C60A}"/>
+              </a:ext>
+            </a:extLst>
+          </p:cNvPr>
+          <p:cNvSpPr>
+            <a:spLocks noGrp="1"/>
+          </p:cNvSpPr>
+          <p:nvPr>
+            <p:ph idx="1"/>
+          </p:nvPr>
+        </p:nvSpPr>
+        <p:spPr/>
+        <p:txBody>
+          <a:bodyPr/>
+          <a:lstStyle/>
+          <a:p>
+            <a:r>
+              <a:rPr lang="de-DE" dirty="0"/>
+              <a:t>- angelehnt an Baba </a:t>
+            </a:r>
+            <a:r>
+              <a:rPr lang="de-DE" dirty="0" err="1"/>
+              <a:t>Is</a:t>
+            </a:r>
+            <a:r>
+              <a:rPr lang="de-DE" dirty="0"/>
+              <a:t> You</a:t>
+            </a:r>
+          </a:p>
+          <a:p>
+            <a:r>
+              <a:rPr lang="de-DE" dirty="0"/>
+              <a:t>-&gt; Verschieben von Wörtern = Regeln zusammenstellen</a:t>
+            </a:r>
+          </a:p>
+          <a:p>
+            <a:r>
+              <a:rPr lang="de-DE" dirty="0"/>
+              <a:t>-&gt; Versuchen, die Gewinnbedingung zu erfüllen</a:t>
+            </a:r>
+          </a:p>
+          <a:p>
+            <a:endParaRPr lang="de-DE" dirty="0"/>
+          </a:p>
+        </p:txBody>
+      </p:sp>
+      <p:sp>
+        <p:nvSpPr>
+          <p:cNvPr id="5" name="Fußzeilenplatzhalter 4">
+            <a:extLst>
+              <a:ext uri="{FF2B5EF4-FFF2-40B4-BE49-F238E27FC236}">
+                <a16:creationId xmlns:a16="http://schemas.microsoft.com/office/drawing/2014/main" id="{BD858D3D-1606-9BE7-3014-1F38ECC52365}"/>
+              </a:ext>
+            </a:extLst>
+          </p:cNvPr>
+          <p:cNvSpPr>
+            <a:spLocks noGrp="1"/>
+          </p:cNvSpPr>
+          <p:nvPr>
+            <p:ph type="ftr" sz="quarter" idx="11"/>
+          </p:nvPr>
+        </p:nvSpPr>
+        <p:spPr/>
+        <p:txBody>
+          <a:bodyPr/>
+          <a:lstStyle/>
+          <a:p>
+            <a:r>
+              <a:rPr lang="en-US"/>
+              <a:t>Schubi Is You</a:t>
+            </a:r>
+          </a:p>
+        </p:txBody>
+      </p:sp>
+      <p:sp>
+        <p:nvSpPr>
+          <p:cNvPr id="6" name="Foliennummernplatzhalter 5">
+            <a:extLst>
+              <a:ext uri="{FF2B5EF4-FFF2-40B4-BE49-F238E27FC236}">
+                <a16:creationId xmlns:a16="http://schemas.microsoft.com/office/drawing/2014/main" id="{5633FF18-C6D6-F6B1-BCB3-FA079D8168B9}"/>
+              </a:ext>
+            </a:extLst>
+          </p:cNvPr>
+          <p:cNvSpPr>
+            <a:spLocks noGrp="1"/>
+          </p:cNvSpPr>
+          <p:nvPr>
+            <p:ph type="sldNum" sz="quarter" idx="12"/>
+          </p:nvPr>
+        </p:nvSpPr>
+        <p:spPr/>
+        <p:txBody>
+          <a:bodyPr/>
+          <a:lstStyle/>
+          <a:p>
+            <a:fld id="{BDAFFC55-6578-4459-AE37-94EE4236C876}" type="slidenum">
+              <a:rPr lang="en-US" smtClean="0"/>
+              <a:t>2</a:t>
+            </a:fld>
+            <a:endParaRPr lang="en-US"/>
+          </a:p>
+        </p:txBody>
+      </p:sp>
+    </p:spTree>
+    <p:extLst>
+      <p:ext uri="{BB962C8B-B14F-4D97-AF65-F5344CB8AC3E}">
+        <p14:creationId xmlns:p14="http://schemas.microsoft.com/office/powerpoint/2010/main" val="4200304131"/>
+      </p:ext>
+    </p:extLst>
+  </p:cSld>
+  <p:clrMapOvr>
+    <a:masterClrMapping/>
+  </p:clrMapOvr>
+</p:sld>
+</file>
+
+<file path=ppt/slides/slide3.xml><?xml version="1.0" encoding="utf-8"?>
+<p:sld xmlns:a="http://schemas.openxmlformats.org/drawingml/2006/main" xmlns:r="http://schemas.openxmlformats.org/officeDocument/2006/relationships" xmlns:p="http://schemas.openxmlformats.org/presentationml/2006/main">
+  <p:cSld>
+    <p:spTree>
+      <p:nvGrpSpPr>
+        <p:cNvPr id="1" name=""/>
+        <p:cNvGrpSpPr/>
+        <p:nvPr/>
+      </p:nvGrpSpPr>
+      <p:grpSpPr>
+        <a:xfrm>
+          <a:off x="0" y="0"/>
+          <a:ext cx="0" cy="0"/>
+          <a:chOff x="0" y="0"/>
+          <a:chExt cx="0" cy="0"/>
+        </a:xfrm>
+      </p:grpSpPr>
+      <p:sp>
+        <p:nvSpPr>
+          <p:cNvPr id="2" name="Titel 1">
+            <a:extLst>
+              <a:ext uri="{FF2B5EF4-FFF2-40B4-BE49-F238E27FC236}">
+                <a16:creationId xmlns:a16="http://schemas.microsoft.com/office/drawing/2014/main" id="{74E7ADC0-4B3E-7F18-0E66-FC8ED6759B99}"/>
+              </a:ext>
+            </a:extLst>
+          </p:cNvPr>
+          <p:cNvSpPr>
+            <a:spLocks noGrp="1"/>
+          </p:cNvSpPr>
+          <p:nvPr>
+            <p:ph type="title"/>
+          </p:nvPr>
+        </p:nvSpPr>
+        <p:spPr>
+          <a:xfrm>
+            <a:off x="510920" y="0"/>
+            <a:ext cx="10772775" cy="1658198"/>
+          </a:xfrm>
+        </p:spPr>
+        <p:txBody>
+          <a:bodyPr/>
+          <a:lstStyle/>
+          <a:p>
+            <a:r>
+              <a:rPr lang="de-DE" dirty="0"/>
+              <a:t>Weblayout</a:t>
+            </a:r>
+          </a:p>
+        </p:txBody>
+      </p:sp>
+      <p:pic>
+        <p:nvPicPr>
+          <p:cNvPr id="11" name="Inhaltsplatzhalter 10">
+            <a:extLst>
+              <a:ext uri="{FF2B5EF4-FFF2-40B4-BE49-F238E27FC236}">
+                <a16:creationId xmlns:a16="http://schemas.microsoft.com/office/drawing/2014/main" id="{B2AD01E4-5E3C-ACF6-F042-8BBB3B0D575F}"/>
+              </a:ext>
+            </a:extLst>
+          </p:cNvPr>
+          <p:cNvPicPr>
+            <a:picLocks noGrp="1" noChangeAspect="1"/>
+          </p:cNvPicPr>
+          <p:nvPr>
+            <p:ph idx="1"/>
+          </p:nvPr>
+        </p:nvPicPr>
+        <p:blipFill>
+          <a:blip r:embed="rId3"/>
+          <a:stretch>
+            <a:fillRect/>
+          </a:stretch>
+        </p:blipFill>
+        <p:spPr>
+          <a:xfrm>
+            <a:off x="1338792" y="1252411"/>
+            <a:ext cx="9290936" cy="4938077"/>
+          </a:xfrm>
+        </p:spPr>
+      </p:pic>
+      <p:sp>
+        <p:nvSpPr>
+          <p:cNvPr id="12" name="Fußzeilenplatzhalter 11">
+            <a:extLst>
+              <a:ext uri="{FF2B5EF4-FFF2-40B4-BE49-F238E27FC236}">
+                <a16:creationId xmlns:a16="http://schemas.microsoft.com/office/drawing/2014/main" id="{70AA1649-9F06-F169-D990-8E7DB31557C0}"/>
+              </a:ext>
+            </a:extLst>
+          </p:cNvPr>
+          <p:cNvSpPr>
+            <a:spLocks noGrp="1"/>
+          </p:cNvSpPr>
+          <p:nvPr>
+            <p:ph type="ftr" sz="quarter" idx="11"/>
+          </p:nvPr>
+        </p:nvSpPr>
+        <p:spPr/>
+        <p:txBody>
+          <a:bodyPr/>
+          <a:lstStyle/>
+          <a:p>
+            <a:r>
+              <a:rPr lang="en-US"/>
+              <a:t>Schubi Is You</a:t>
+            </a:r>
+          </a:p>
+        </p:txBody>
+      </p:sp>
+      <p:sp>
+        <p:nvSpPr>
+          <p:cNvPr id="13" name="Foliennummernplatzhalter 12">
+            <a:extLst>
+              <a:ext uri="{FF2B5EF4-FFF2-40B4-BE49-F238E27FC236}">
+                <a16:creationId xmlns:a16="http://schemas.microsoft.com/office/drawing/2014/main" id="{43C8C183-A1F6-056C-DCB0-7D5D35B3A527}"/>
+              </a:ext>
+            </a:extLst>
+          </p:cNvPr>
+          <p:cNvSpPr>
+            <a:spLocks noGrp="1"/>
+          </p:cNvSpPr>
+          <p:nvPr>
+            <p:ph type="sldNum" sz="quarter" idx="12"/>
+          </p:nvPr>
+        </p:nvSpPr>
+        <p:spPr/>
+        <p:txBody>
+          <a:bodyPr/>
+          <a:lstStyle/>
+          <a:p>
+            <a:fld id="{BDAFFC55-6578-4459-AE37-94EE4236C876}" type="slidenum">
+              <a:rPr lang="en-US" smtClean="0"/>
+              <a:t>3</a:t>
+            </a:fld>
+            <a:endParaRPr lang="en-US"/>
+          </a:p>
+        </p:txBody>
+      </p:sp>
+    </p:spTree>
+    <p:extLst>
+      <p:ext uri="{BB962C8B-B14F-4D97-AF65-F5344CB8AC3E}">
+        <p14:creationId xmlns:p14="http://schemas.microsoft.com/office/powerpoint/2010/main" val="2208154424"/>
+      </p:ext>
+    </p:extLst>
+  </p:cSld>
+  <p:clrMapOvr>
+    <a:masterClrMapping/>
+  </p:clrMapOvr>
+</p:sld>
+</file>
+
+<file path=ppt/slides/slide4.xml><?xml version="1.0" encoding="utf-8"?>
+<p:sld xmlns:a="http://schemas.openxmlformats.org/drawingml/2006/main" xmlns:r="http://schemas.openxmlformats.org/officeDocument/2006/relationships" xmlns:p="http://schemas.openxmlformats.org/presentationml/2006/main">
+  <p:cSld>
+    <p:spTree>
+      <p:nvGrpSpPr>
+        <p:cNvPr id="1" name=""/>
+        <p:cNvGrpSpPr/>
+        <p:nvPr/>
+      </p:nvGrpSpPr>
+      <p:grpSpPr>
+        <a:xfrm>
+          <a:off x="0" y="0"/>
+          <a:ext cx="0" cy="0"/>
+          <a:chOff x="0" y="0"/>
+          <a:chExt cx="0" cy="0"/>
+        </a:xfrm>
+      </p:grpSpPr>
+      <p:sp>
+        <p:nvSpPr>
+          <p:cNvPr id="2" name="Titel 1">
+            <a:extLst>
+              <a:ext uri="{FF2B5EF4-FFF2-40B4-BE49-F238E27FC236}">
+                <a16:creationId xmlns:a16="http://schemas.microsoft.com/office/drawing/2014/main" id="{6C263FB9-D8B7-9FB0-3275-103E75E495A6}"/>
+              </a:ext>
+            </a:extLst>
+          </p:cNvPr>
+          <p:cNvSpPr>
+            <a:spLocks noGrp="1"/>
+          </p:cNvSpPr>
+          <p:nvPr>
+            <p:ph type="title"/>
+          </p:nvPr>
+        </p:nvSpPr>
+        <p:spPr/>
+        <p:txBody>
+          <a:bodyPr/>
+          <a:lstStyle/>
+          <a:p>
+            <a:r>
+              <a:rPr lang="de-DE" dirty="0"/>
+              <a:t>Layout Handy</a:t>
+            </a:r>
+          </a:p>
+        </p:txBody>
+      </p:sp>
+      <p:pic>
+        <p:nvPicPr>
+          <p:cNvPr id="9" name="Grafik 8">
+            <a:extLst>
+              <a:ext uri="{FF2B5EF4-FFF2-40B4-BE49-F238E27FC236}">
+                <a16:creationId xmlns:a16="http://schemas.microsoft.com/office/drawing/2014/main" id="{F1193AB5-89F6-58F6-F201-85F631F7F27E}"/>
+              </a:ext>
+            </a:extLst>
+          </p:cNvPr>
+          <p:cNvPicPr>
+            <a:picLocks noChangeAspect="1"/>
+          </p:cNvPicPr>
+          <p:nvPr/>
+        </p:nvPicPr>
+        <p:blipFill>
+          <a:blip r:embed="rId3"/>
+          <a:stretch>
+            <a:fillRect/>
+          </a:stretch>
+        </p:blipFill>
+        <p:spPr>
+          <a:xfrm>
+            <a:off x="424085" y="2157731"/>
+            <a:ext cx="7213157" cy="3286245"/>
+          </a:xfrm>
+          <a:prstGeom prst="rect">
+            <a:avLst/>
+          </a:prstGeom>
+        </p:spPr>
+      </p:pic>
+      <p:pic>
+        <p:nvPicPr>
+          <p:cNvPr id="13" name="Inhaltsplatzhalter 12">
+            <a:extLst>
+              <a:ext uri="{FF2B5EF4-FFF2-40B4-BE49-F238E27FC236}">
+                <a16:creationId xmlns:a16="http://schemas.microsoft.com/office/drawing/2014/main" id="{8276E619-0D69-CFCC-AD15-A2C4D617D29B}"/>
+              </a:ext>
+            </a:extLst>
+          </p:cNvPr>
+          <p:cNvPicPr>
+            <a:picLocks noGrp="1" noChangeAspect="1"/>
+          </p:cNvPicPr>
+          <p:nvPr>
+            <p:ph idx="1"/>
+          </p:nvPr>
+        </p:nvPicPr>
+        <p:blipFill>
+          <a:blip r:embed="rId4"/>
+          <a:stretch>
+            <a:fillRect/>
+          </a:stretch>
+        </p:blipFill>
+        <p:spPr>
+          <a:xfrm>
+            <a:off x="8503071" y="330846"/>
+            <a:ext cx="2554570" cy="5624233"/>
+          </a:xfrm>
+        </p:spPr>
+      </p:pic>
+      <p:sp>
+        <p:nvSpPr>
+          <p:cNvPr id="14" name="Fußzeilenplatzhalter 13">
+            <a:extLst>
+              <a:ext uri="{FF2B5EF4-FFF2-40B4-BE49-F238E27FC236}">
+                <a16:creationId xmlns:a16="http://schemas.microsoft.com/office/drawing/2014/main" id="{8DE58629-C48D-62A1-2B1D-C225552C5017}"/>
+              </a:ext>
+            </a:extLst>
+          </p:cNvPr>
+          <p:cNvSpPr>
+            <a:spLocks noGrp="1"/>
+          </p:cNvSpPr>
+          <p:nvPr>
+            <p:ph type="ftr" sz="quarter" idx="11"/>
+          </p:nvPr>
+        </p:nvSpPr>
+        <p:spPr/>
+        <p:txBody>
+          <a:bodyPr/>
+          <a:lstStyle/>
+          <a:p>
+            <a:r>
+              <a:rPr lang="en-US"/>
+              <a:t>Schubi Is You</a:t>
+            </a:r>
+          </a:p>
+        </p:txBody>
+      </p:sp>
+      <p:sp>
+        <p:nvSpPr>
+          <p:cNvPr id="15" name="Foliennummernplatzhalter 14">
+            <a:extLst>
+              <a:ext uri="{FF2B5EF4-FFF2-40B4-BE49-F238E27FC236}">
+                <a16:creationId xmlns:a16="http://schemas.microsoft.com/office/drawing/2014/main" id="{C683A41F-4942-3C11-05FA-7DCB38DEEED6}"/>
+              </a:ext>
+            </a:extLst>
+          </p:cNvPr>
+          <p:cNvSpPr>
+            <a:spLocks noGrp="1"/>
+          </p:cNvSpPr>
+          <p:nvPr>
+            <p:ph type="sldNum" sz="quarter" idx="12"/>
+          </p:nvPr>
+        </p:nvSpPr>
+        <p:spPr/>
+        <p:txBody>
+          <a:bodyPr/>
+          <a:lstStyle/>
+          <a:p>
+            <a:fld id="{BDAFFC55-6578-4459-AE37-94EE4236C876}" type="slidenum">
+              <a:rPr lang="en-US" smtClean="0"/>
+              <a:t>4</a:t>
+            </a:fld>
+            <a:endParaRPr lang="en-US"/>
+          </a:p>
+        </p:txBody>
+      </p:sp>
+    </p:spTree>
+    <p:extLst>
+      <p:ext uri="{BB962C8B-B14F-4D97-AF65-F5344CB8AC3E}">
+        <p14:creationId xmlns:p14="http://schemas.microsoft.com/office/powerpoint/2010/main" val="3939890732"/>
+      </p:ext>
+    </p:extLst>
+  </p:cSld>
+  <p:clrMapOvr>
+    <a:masterClrMapping/>
+  </p:clrMapOvr>
+</p:sld>
+</file>
+
+<file path=ppt/slides/slide5.xml><?xml version="1.0" encoding="utf-8"?>
+<p:sld xmlns:a="http://schemas.openxmlformats.org/drawingml/2006/main" xmlns:r="http://schemas.openxmlformats.org/officeDocument/2006/relationships" xmlns:p="http://schemas.openxmlformats.org/presentationml/2006/main">
+  <p:cSld>
+    <p:spTree>
+      <p:nvGrpSpPr>
+        <p:cNvPr id="1" name=""/>
+        <p:cNvGrpSpPr/>
+        <p:nvPr/>
+      </p:nvGrpSpPr>
+      <p:grpSpPr>
+        <a:xfrm>
+          <a:off x="0" y="0"/>
+          <a:ext cx="0" cy="0"/>
+          <a:chOff x="0" y="0"/>
+          <a:chExt cx="0" cy="0"/>
+        </a:xfrm>
+      </p:grpSpPr>
+      <p:sp>
+        <p:nvSpPr>
+          <p:cNvPr id="2" name="Titel 1">
+            <a:extLst>
+              <a:ext uri="{FF2B5EF4-FFF2-40B4-BE49-F238E27FC236}">
+                <a16:creationId xmlns:a16="http://schemas.microsoft.com/office/drawing/2014/main" id="{AD968348-65D8-E90B-BDA3-4ABD4F9F8487}"/>
+              </a:ext>
+            </a:extLst>
+          </p:cNvPr>
+          <p:cNvSpPr>
+            <a:spLocks noGrp="1"/>
+          </p:cNvSpPr>
+          <p:nvPr>
+            <p:ph type="title"/>
+          </p:nvPr>
+        </p:nvSpPr>
+        <p:spPr>
+          <a:xfrm>
+            <a:off x="282320" y="0"/>
+            <a:ext cx="10772775" cy="1658198"/>
+          </a:xfrm>
+        </p:spPr>
+        <p:txBody>
+          <a:bodyPr/>
+          <a:lstStyle/>
+          <a:p>
+            <a:r>
+              <a:rPr lang="de-DE" dirty="0"/>
+              <a:t>Layouts </a:t>
+            </a:r>
+            <a:r>
+              <a:rPr lang="de-DE" dirty="0" err="1"/>
+              <a:t>HomePage</a:t>
+            </a:r>
+            <a:endParaRPr lang="de-DE" dirty="0"/>
+          </a:p>
+        </p:txBody>
+      </p:sp>
+      <p:pic>
+        <p:nvPicPr>
+          <p:cNvPr id="9" name="Inhaltsplatzhalter 8">
+            <a:extLst>
+              <a:ext uri="{FF2B5EF4-FFF2-40B4-BE49-F238E27FC236}">
+                <a16:creationId xmlns:a16="http://schemas.microsoft.com/office/drawing/2014/main" id="{12E9B62A-93B5-FFC3-F8B7-BAEC2738968E}"/>
+              </a:ext>
+            </a:extLst>
+          </p:cNvPr>
+          <p:cNvPicPr>
+            <a:picLocks noGrp="1" noChangeAspect="1"/>
+          </p:cNvPicPr>
+          <p:nvPr>
+            <p:ph idx="1"/>
+          </p:nvPr>
+        </p:nvPicPr>
+        <p:blipFill>
+          <a:blip r:embed="rId2"/>
+          <a:stretch>
+            <a:fillRect/>
+          </a:stretch>
+        </p:blipFill>
+        <p:spPr>
+          <a:xfrm>
+            <a:off x="1269022" y="1158470"/>
+            <a:ext cx="9438602" cy="5016561"/>
+          </a:xfrm>
+        </p:spPr>
+      </p:pic>
+      <p:sp>
+        <p:nvSpPr>
+          <p:cNvPr id="10" name="Fußzeilenplatzhalter 9">
+            <a:extLst>
+              <a:ext uri="{FF2B5EF4-FFF2-40B4-BE49-F238E27FC236}">
+                <a16:creationId xmlns:a16="http://schemas.microsoft.com/office/drawing/2014/main" id="{F174DA77-2A93-6B1B-4A59-C7BCBCA2ECDE}"/>
+              </a:ext>
+            </a:extLst>
+          </p:cNvPr>
+          <p:cNvSpPr>
+            <a:spLocks noGrp="1"/>
+          </p:cNvSpPr>
+          <p:nvPr>
+            <p:ph type="ftr" sz="quarter" idx="11"/>
+          </p:nvPr>
+        </p:nvSpPr>
+        <p:spPr/>
+        <p:txBody>
+          <a:bodyPr/>
+          <a:lstStyle/>
+          <a:p>
+            <a:r>
+              <a:rPr lang="en-US"/>
+              <a:t>Schubi Is You</a:t>
+            </a:r>
+          </a:p>
+        </p:txBody>
+      </p:sp>
+      <p:sp>
+        <p:nvSpPr>
+          <p:cNvPr id="11" name="Foliennummernplatzhalter 10">
+            <a:extLst>
+              <a:ext uri="{FF2B5EF4-FFF2-40B4-BE49-F238E27FC236}">
+                <a16:creationId xmlns:a16="http://schemas.microsoft.com/office/drawing/2014/main" id="{C20C2306-9644-9576-21CD-777B734B2BD7}"/>
+              </a:ext>
+            </a:extLst>
+          </p:cNvPr>
+          <p:cNvSpPr>
+            <a:spLocks noGrp="1"/>
+          </p:cNvSpPr>
+          <p:nvPr>
+            <p:ph type="sldNum" sz="quarter" idx="12"/>
+          </p:nvPr>
+        </p:nvSpPr>
+        <p:spPr/>
+        <p:txBody>
+          <a:bodyPr/>
+          <a:lstStyle/>
+          <a:p>
+            <a:fld id="{BDAFFC55-6578-4459-AE37-94EE4236C876}" type="slidenum">
+              <a:rPr lang="en-US" smtClean="0"/>
+              <a:t>5</a:t>
+            </a:fld>
+            <a:endParaRPr lang="en-US"/>
+          </a:p>
+        </p:txBody>
+      </p:sp>
+    </p:spTree>
+    <p:extLst>
+      <p:ext uri="{BB962C8B-B14F-4D97-AF65-F5344CB8AC3E}">
+        <p14:creationId xmlns:p14="http://schemas.microsoft.com/office/powerpoint/2010/main" val="666572787"/>
+      </p:ext>
+    </p:extLst>
+  </p:cSld>
+  <p:clrMapOvr>
+    <a:masterClrMapping/>
+  </p:clrMapOvr>
+</p:sld>
+</file>
+
+<file path=ppt/slides/slide6.xml><?xml version="1.0" encoding="utf-8"?>
+<p:sld xmlns:a="http://schemas.openxmlformats.org/drawingml/2006/main" xmlns:r="http://schemas.openxmlformats.org/officeDocument/2006/relationships" xmlns:p="http://schemas.openxmlformats.org/presentationml/2006/main">
+  <p:cSld>
+    <p:spTree>
+      <p:nvGrpSpPr>
+        <p:cNvPr id="1" name=""/>
+        <p:cNvGrpSpPr/>
+        <p:nvPr/>
+      </p:nvGrpSpPr>
+      <p:grpSpPr>
+        <a:xfrm>
+          <a:off x="0" y="0"/>
+          <a:ext cx="0" cy="0"/>
+          <a:chOff x="0" y="0"/>
+          <a:chExt cx="0" cy="0"/>
+        </a:xfrm>
+      </p:grpSpPr>
+      <p:sp>
+        <p:nvSpPr>
+          <p:cNvPr id="2" name="Titel 1">
+            <a:extLst>
+              <a:ext uri="{FF2B5EF4-FFF2-40B4-BE49-F238E27FC236}">
+                <a16:creationId xmlns:a16="http://schemas.microsoft.com/office/drawing/2014/main" id="{AD968348-65D8-E90B-BDA3-4ABD4F9F8487}"/>
+              </a:ext>
+            </a:extLst>
+          </p:cNvPr>
+          <p:cNvSpPr>
+            <a:spLocks noGrp="1"/>
+          </p:cNvSpPr>
+          <p:nvPr>
+            <p:ph type="title"/>
+          </p:nvPr>
+        </p:nvSpPr>
+        <p:spPr>
+          <a:xfrm>
+            <a:off x="282320" y="0"/>
+            <a:ext cx="10772775" cy="1658198"/>
+          </a:xfrm>
+        </p:spPr>
+        <p:txBody>
+          <a:bodyPr/>
+          <a:lstStyle/>
+          <a:p>
+            <a:r>
+              <a:rPr lang="de-DE" dirty="0"/>
+              <a:t>Layouts </a:t>
+            </a:r>
+            <a:r>
+              <a:rPr lang="de-DE" dirty="0" err="1"/>
+              <a:t>HomePage</a:t>
+            </a:r>
+            <a:endParaRPr lang="de-DE" dirty="0"/>
+          </a:p>
+        </p:txBody>
+      </p:sp>
+      <p:pic>
+        <p:nvPicPr>
+          <p:cNvPr id="11" name="Inhaltsplatzhalter 10">
+            <a:extLst>
+              <a:ext uri="{FF2B5EF4-FFF2-40B4-BE49-F238E27FC236}">
+                <a16:creationId xmlns:a16="http://schemas.microsoft.com/office/drawing/2014/main" id="{67F247F5-6BC5-2B75-FDF5-A1AABA046AF7}"/>
+              </a:ext>
+            </a:extLst>
+          </p:cNvPr>
+          <p:cNvPicPr>
+            <a:picLocks noGrp="1" noChangeAspect="1"/>
+          </p:cNvPicPr>
+          <p:nvPr>
+            <p:ph idx="1"/>
+          </p:nvPr>
+        </p:nvPicPr>
+        <p:blipFill>
+          <a:blip r:embed="rId2"/>
+          <a:stretch>
+            <a:fillRect/>
+          </a:stretch>
+        </p:blipFill>
+        <p:spPr>
+          <a:xfrm>
+            <a:off x="8356862" y="428525"/>
+            <a:ext cx="2631178" cy="5642338"/>
+          </a:xfrm>
+        </p:spPr>
+      </p:pic>
+      <p:pic>
+        <p:nvPicPr>
+          <p:cNvPr id="13" name="Grafik 12">
+            <a:extLst>
+              <a:ext uri="{FF2B5EF4-FFF2-40B4-BE49-F238E27FC236}">
+                <a16:creationId xmlns:a16="http://schemas.microsoft.com/office/drawing/2014/main" id="{3DBC1449-5DCF-855D-482A-6DE6FDB6C63F}"/>
+              </a:ext>
+            </a:extLst>
+          </p:cNvPr>
+          <p:cNvPicPr>
+            <a:picLocks noChangeAspect="1"/>
+          </p:cNvPicPr>
+          <p:nvPr/>
+        </p:nvPicPr>
+        <p:blipFill>
+          <a:blip r:embed="rId3"/>
+          <a:stretch>
+            <a:fillRect/>
+          </a:stretch>
+        </p:blipFill>
+        <p:spPr>
+          <a:xfrm>
+            <a:off x="207943" y="2118958"/>
+            <a:ext cx="7713401" cy="3517246"/>
+          </a:xfrm>
+          <a:prstGeom prst="rect">
+            <a:avLst/>
+          </a:prstGeom>
+        </p:spPr>
+      </p:pic>
+      <p:sp>
+        <p:nvSpPr>
+          <p:cNvPr id="14" name="Fußzeilenplatzhalter 13">
+            <a:extLst>
+              <a:ext uri="{FF2B5EF4-FFF2-40B4-BE49-F238E27FC236}">
+                <a16:creationId xmlns:a16="http://schemas.microsoft.com/office/drawing/2014/main" id="{7E110C5A-4ECE-DE55-4A6E-3C27100F9E6C}"/>
+              </a:ext>
+            </a:extLst>
+          </p:cNvPr>
+          <p:cNvSpPr>
+            <a:spLocks noGrp="1"/>
+          </p:cNvSpPr>
+          <p:nvPr>
+            <p:ph type="ftr" sz="quarter" idx="11"/>
+          </p:nvPr>
+        </p:nvSpPr>
+        <p:spPr/>
+        <p:txBody>
+          <a:bodyPr/>
+          <a:lstStyle/>
+          <a:p>
+            <a:r>
+              <a:rPr lang="en-US"/>
+              <a:t>Schubi Is You</a:t>
+            </a:r>
+          </a:p>
+        </p:txBody>
+      </p:sp>
+      <p:sp>
+        <p:nvSpPr>
+          <p:cNvPr id="15" name="Foliennummernplatzhalter 14">
+            <a:extLst>
+              <a:ext uri="{FF2B5EF4-FFF2-40B4-BE49-F238E27FC236}">
+                <a16:creationId xmlns:a16="http://schemas.microsoft.com/office/drawing/2014/main" id="{49A688CC-6076-19C6-46F1-11941E03CE1F}"/>
+              </a:ext>
+            </a:extLst>
+          </p:cNvPr>
+          <p:cNvSpPr>
+            <a:spLocks noGrp="1"/>
+          </p:cNvSpPr>
+          <p:nvPr>
+            <p:ph type="sldNum" sz="quarter" idx="12"/>
+          </p:nvPr>
+        </p:nvSpPr>
+        <p:spPr/>
+        <p:txBody>
+          <a:bodyPr/>
+          <a:lstStyle/>
+          <a:p>
+            <a:fld id="{BDAFFC55-6578-4459-AE37-94EE4236C876}" type="slidenum">
+              <a:rPr lang="en-US" smtClean="0"/>
+              <a:t>6</a:t>
+            </a:fld>
+            <a:endParaRPr lang="en-US"/>
+          </a:p>
+        </p:txBody>
+      </p:sp>
+    </p:spTree>
+    <p:extLst>
+      <p:ext uri="{BB962C8B-B14F-4D97-AF65-F5344CB8AC3E}">
+        <p14:creationId xmlns:p14="http://schemas.microsoft.com/office/powerpoint/2010/main" val="3161624865"/>
+      </p:ext>
+    </p:extLst>
+  </p:cSld>
+  <p:clrMapOvr>
+    <a:masterClrMapping/>
+  </p:clrMapOvr>
+</p:sld>
+</file>
+
+<file path=ppt/slides/slide7.xml><?xml version="1.0" encoding="utf-8"?>
+<p:sld xmlns:a="http://schemas.openxmlformats.org/drawingml/2006/main" xmlns:r="http://schemas.openxmlformats.org/officeDocument/2006/relationships" xmlns:p="http://schemas.openxmlformats.org/presentationml/2006/main">
+  <p:cSld>
+    <p:spTree>
+      <p:nvGrpSpPr>
+        <p:cNvPr id="1" name=""/>
+        <p:cNvGrpSpPr/>
+        <p:nvPr/>
+      </p:nvGrpSpPr>
+      <p:grpSpPr>
+        <a:xfrm>
+          <a:off x="0" y="0"/>
+          <a:ext cx="0" cy="0"/>
+          <a:chOff x="0" y="0"/>
+          <a:chExt cx="0" cy="0"/>
+        </a:xfrm>
+      </p:grpSpPr>
+      <p:sp>
+        <p:nvSpPr>
+          <p:cNvPr id="2" name="Titel 1">
+            <a:extLst>
+              <a:ext uri="{FF2B5EF4-FFF2-40B4-BE49-F238E27FC236}">
+                <a16:creationId xmlns:a16="http://schemas.microsoft.com/office/drawing/2014/main" id="{43CF8255-8089-62B8-8A78-3151760C6B10}"/>
+              </a:ext>
+            </a:extLst>
+          </p:cNvPr>
+          <p:cNvSpPr>
+            <a:spLocks noGrp="1"/>
+          </p:cNvSpPr>
+          <p:nvPr>
+            <p:ph type="title"/>
+          </p:nvPr>
+        </p:nvSpPr>
+        <p:spPr/>
+        <p:txBody>
+          <a:bodyPr/>
+          <a:lstStyle/>
+          <a:p>
+            <a:r>
+              <a:rPr lang="de-DE" dirty="0"/>
+              <a:t>Layouts </a:t>
+            </a:r>
+            <a:r>
+              <a:rPr lang="de-DE" dirty="0" err="1"/>
+              <a:t>HomePage</a:t>
+            </a:r>
+            <a:endParaRPr lang="de-DE" dirty="0"/>
+          </a:p>
+        </p:txBody>
+      </p:sp>
+      <p:pic>
+        <p:nvPicPr>
+          <p:cNvPr id="5" name="Inhaltsplatzhalter 4" descr="Ein Bild, das Blume, gelb, Pflanze, Sonnenblume enthält.&#10;&#10;Automatisch generierte Beschreibung">
+            <a:extLst>
+              <a:ext uri="{FF2B5EF4-FFF2-40B4-BE49-F238E27FC236}">
+                <a16:creationId xmlns:a16="http://schemas.microsoft.com/office/drawing/2014/main" id="{662F8F75-8D5E-20C2-5808-05D9A98BAF15}"/>
+              </a:ext>
+            </a:extLst>
+          </p:cNvPr>
+          <p:cNvPicPr>
+            <a:picLocks noGrp="1" noChangeAspect="1"/>
+          </p:cNvPicPr>
+          <p:nvPr>
+            <p:ph sz="half" idx="1"/>
+          </p:nvPr>
+        </p:nvPicPr>
+        <p:blipFill>
+          <a:blip r:embed="rId3">
+            <a:extLst>
+              <a:ext uri="{28A0092B-C50C-407E-A947-70E740481C1C}">
+                <a14:useLocalDpi xmlns:a14="http://schemas.microsoft.com/office/drawing/2010/main" val="0"/>
+              </a:ext>
+            </a:extLst>
+          </a:blip>
+          <a:stretch>
+            <a:fillRect/>
+          </a:stretch>
+        </p:blipFill>
+        <p:spPr>
+          <a:xfrm>
+            <a:off x="1122860" y="1998663"/>
+            <a:ext cx="3770904" cy="3767137"/>
+          </a:xfrm>
+        </p:spPr>
+      </p:pic>
+      <p:sp>
+        <p:nvSpPr>
+          <p:cNvPr id="7" name="Rectangle 1">
+            <a:extLst>
+              <a:ext uri="{FF2B5EF4-FFF2-40B4-BE49-F238E27FC236}">
+                <a16:creationId xmlns:a16="http://schemas.microsoft.com/office/drawing/2014/main" id="{3F5BBC93-5D8B-8C00-F74B-DAD1025677E5}"/>
+              </a:ext>
+            </a:extLst>
+          </p:cNvPr>
+          <p:cNvSpPr>
+            <a:spLocks noGrp="1" noChangeArrowheads="1"/>
+          </p:cNvSpPr>
+          <p:nvPr>
+            <p:ph sz="half" idx="2"/>
+          </p:nvPr>
+        </p:nvSpPr>
+        <p:spPr bwMode="auto">
+          <a:xfrm>
+            <a:off x="6011330" y="2952075"/>
+            <a:ext cx="4485982" cy="2585323"/>
+          </a:xfrm>
+          <a:prstGeom prst="rect">
+            <a:avLst/>
+          </a:prstGeom>
+          <a:solidFill>
+            <a:srgbClr val="1E1F22"/>
+          </a:solidFill>
+          <a:ln>
+            <a:noFill/>
+          </a:ln>
+          <a:effectLst/>
+          <a:extLst>
+            <a:ext uri="{91240B29-F687-4F45-9708-019B960494DF}">
+              <a14:hiddenLine xmlns:a14="http://schemas.microsoft.com/office/drawing/2010/main" w="9525">
+                <a:solidFill>
+                  <a:schemeClr val="tx1"/>
+                </a:solidFill>
+                <a:miter lim="800000"/>
+                <a:headEnd/>
+                <a:tailEnd/>
+              </a14:hiddenLine>
+            </a:ext>
+            <a:ext uri="{AF507438-7753-43E0-B8FC-AC1667EBCBE1}">
+              <a14:hiddenEffects xmlns:a14="http://schemas.microsoft.com/office/drawing/2010/main">
+                <a:effectLst>
+                  <a:outerShdw dist="35921" dir="2700000" algn="ctr" rotWithShape="0">
+                    <a:schemeClr val="bg2"/>
+                  </a:outerShdw>
+                </a:effectLst>
+              </a14:hiddenEffects>
+            </a:ext>
+          </a:extLst>
+        </p:spPr>
+        <p:txBody>
+          <a:bodyPr vert="horz" wrap="square" lIns="91440" tIns="45720" rIns="91440" bIns="45720" numCol="1" anchor="ctr" anchorCtr="0" compatLnSpc="1">
+            <a:prstTxWarp prst="textNoShape">
+              <a:avLst/>
+            </a:prstTxWarp>
+            <a:spAutoFit/>
+          </a:bodyPr>
+          <a:lstStyle/>
+          <a:p>
+            <a:pPr marL="0" marR="0" lvl="0" indent="0" algn="l" defTabSz="914400" rtl="0" eaLnBrk="0" fontAlgn="base" latinLnBrk="0" hangingPunct="0">
+              <a:lnSpc>
+                <a:spcPct val="100000"/>
+              </a:lnSpc>
+              <a:spcBef>
+                <a:spcPct val="0"/>
+              </a:spcBef>
+              <a:spcAft>
+                <a:spcPct val="0"/>
+              </a:spcAft>
+              <a:buClrTx/>
+              <a:buSzTx/>
+              <a:buFontTx/>
+              <a:buNone/>
+              <a:tabLst/>
+            </a:pPr>
+            <a:r>
+              <a:rPr kumimoji="0" lang="de-DE" altLang="de-DE" sz="1800" b="0" i="0" u="none" strike="noStrike" cap="none" normalizeH="0" baseline="0" dirty="0" err="1">
+                <a:ln>
+                  <a:noFill/>
+                </a:ln>
+                <a:solidFill>
+                  <a:srgbClr val="BCBEC4"/>
+                </a:solidFill>
+                <a:effectLst/>
+                <a:latin typeface="JetBrains Mono"/>
+              </a:rPr>
+              <a:t>decoration</a:t>
+            </a:r>
+            <a:r>
+              <a:rPr kumimoji="0" lang="de-DE" altLang="de-DE" sz="1800" b="0" i="0" u="none" strike="noStrike" cap="none" normalizeH="0" baseline="0" dirty="0">
+                <a:ln>
+                  <a:noFill/>
+                </a:ln>
+                <a:solidFill>
+                  <a:srgbClr val="BCBEC4"/>
+                </a:solidFill>
+                <a:effectLst/>
+                <a:latin typeface="JetBrains Mono"/>
+              </a:rPr>
+              <a:t>: </a:t>
+            </a:r>
+            <a:r>
+              <a:rPr kumimoji="0" lang="de-DE" altLang="de-DE" sz="1800" b="0" i="0" u="none" strike="noStrike" cap="none" normalizeH="0" baseline="0" dirty="0" err="1">
+                <a:ln>
+                  <a:noFill/>
+                </a:ln>
+                <a:solidFill>
+                  <a:srgbClr val="CF8E6D"/>
+                </a:solidFill>
+                <a:effectLst/>
+                <a:latin typeface="JetBrains Mono"/>
+              </a:rPr>
+              <a:t>const</a:t>
+            </a:r>
+            <a:r>
+              <a:rPr kumimoji="0" lang="de-DE" altLang="de-DE" sz="1800" b="0" i="0" u="none" strike="noStrike" cap="none" normalizeH="0" baseline="0" dirty="0">
+                <a:ln>
+                  <a:noFill/>
+                </a:ln>
+                <a:solidFill>
+                  <a:srgbClr val="CF8E6D"/>
+                </a:solidFill>
+                <a:effectLst/>
+                <a:latin typeface="JetBrains Mono"/>
+              </a:rPr>
+              <a:t> </a:t>
+            </a:r>
+            <a:r>
+              <a:rPr kumimoji="0" lang="de-DE" altLang="de-DE" sz="1800" b="0" i="0" u="none" strike="noStrike" cap="none" normalizeH="0" baseline="0" dirty="0" err="1">
+                <a:ln>
+                  <a:noFill/>
+                </a:ln>
+                <a:solidFill>
+                  <a:srgbClr val="57AAF7"/>
+                </a:solidFill>
+                <a:effectLst/>
+                <a:latin typeface="JetBrains Mono"/>
+              </a:rPr>
+              <a:t>BoxDecoration</a:t>
+            </a:r>
+            <a:r>
+              <a:rPr kumimoji="0" lang="de-DE" altLang="de-DE" sz="1800" b="0" i="0" u="none" strike="noStrike" cap="none" normalizeH="0" baseline="0" dirty="0">
+                <a:ln>
+                  <a:noFill/>
+                </a:ln>
+                <a:solidFill>
+                  <a:srgbClr val="BCBEC4"/>
+                </a:solidFill>
+                <a:effectLst/>
+                <a:latin typeface="JetBrains Mono"/>
+              </a:rPr>
+              <a:t>(</a:t>
+            </a:r>
+            <a:br>
+              <a:rPr kumimoji="0" lang="de-DE" altLang="de-DE" sz="1800" b="0" i="0" u="none" strike="noStrike" cap="none" normalizeH="0" baseline="0" dirty="0">
+                <a:ln>
+                  <a:noFill/>
+                </a:ln>
+                <a:solidFill>
+                  <a:srgbClr val="BCBEC4"/>
+                </a:solidFill>
+                <a:effectLst/>
+                <a:latin typeface="JetBrains Mono"/>
+              </a:rPr>
+            </a:br>
+            <a:r>
+              <a:rPr kumimoji="0" lang="de-DE" altLang="de-DE" sz="1800" b="0" i="0" u="none" strike="noStrike" cap="none" normalizeH="0" baseline="0" dirty="0">
+                <a:ln>
+                  <a:noFill/>
+                </a:ln>
+                <a:solidFill>
+                  <a:srgbClr val="BCBEC4"/>
+                </a:solidFill>
+                <a:effectLst/>
+                <a:latin typeface="JetBrains Mono"/>
+              </a:rPr>
+              <a:t>    </a:t>
+            </a:r>
+            <a:r>
+              <a:rPr kumimoji="0" lang="de-DE" altLang="de-DE" sz="1800" b="0" i="0" u="none" strike="noStrike" cap="none" normalizeH="0" baseline="0" dirty="0" err="1">
+                <a:ln>
+                  <a:noFill/>
+                </a:ln>
+                <a:solidFill>
+                  <a:srgbClr val="BCBEC4"/>
+                </a:solidFill>
+                <a:effectLst/>
+                <a:latin typeface="JetBrains Mono"/>
+              </a:rPr>
+              <a:t>image</a:t>
+            </a:r>
+            <a:r>
+              <a:rPr kumimoji="0" lang="de-DE" altLang="de-DE" sz="1800" b="0" i="0" u="none" strike="noStrike" cap="none" normalizeH="0" baseline="0" dirty="0">
+                <a:ln>
+                  <a:noFill/>
+                </a:ln>
+                <a:solidFill>
+                  <a:srgbClr val="BCBEC4"/>
+                </a:solidFill>
+                <a:effectLst/>
+                <a:latin typeface="JetBrains Mono"/>
+              </a:rPr>
+              <a:t>: </a:t>
+            </a:r>
+            <a:r>
+              <a:rPr kumimoji="0" lang="de-DE" altLang="de-DE" sz="1800" b="0" i="0" u="none" strike="noStrike" cap="none" normalizeH="0" baseline="0" dirty="0" err="1">
+                <a:ln>
+                  <a:noFill/>
+                </a:ln>
+                <a:solidFill>
+                  <a:srgbClr val="57AAF7"/>
+                </a:solidFill>
+                <a:effectLst/>
+                <a:latin typeface="JetBrains Mono"/>
+              </a:rPr>
+              <a:t>DecorationImage</a:t>
+            </a:r>
+            <a:r>
+              <a:rPr kumimoji="0" lang="de-DE" altLang="de-DE" sz="1800" b="0" i="0" u="none" strike="noStrike" cap="none" normalizeH="0" baseline="0" dirty="0">
+                <a:ln>
+                  <a:noFill/>
+                </a:ln>
+                <a:solidFill>
+                  <a:srgbClr val="BCBEC4"/>
+                </a:solidFill>
+                <a:effectLst/>
+                <a:latin typeface="JetBrains Mono"/>
+              </a:rPr>
+              <a:t>(</a:t>
+            </a:r>
+            <a:br>
+              <a:rPr kumimoji="0" lang="de-DE" altLang="de-DE" sz="1800" b="0" i="0" u="none" strike="noStrike" cap="none" normalizeH="0" baseline="0" dirty="0">
+                <a:ln>
+                  <a:noFill/>
+                </a:ln>
+                <a:solidFill>
+                  <a:srgbClr val="BCBEC4"/>
+                </a:solidFill>
+                <a:effectLst/>
+                <a:latin typeface="JetBrains Mono"/>
+              </a:rPr>
+            </a:br>
+            <a:r>
+              <a:rPr kumimoji="0" lang="de-DE" altLang="de-DE" sz="1800" b="0" i="0" u="none" strike="noStrike" cap="none" normalizeH="0" baseline="0" dirty="0">
+                <a:ln>
+                  <a:noFill/>
+                </a:ln>
+                <a:solidFill>
+                  <a:srgbClr val="BCBEC4"/>
+                </a:solidFill>
+                <a:effectLst/>
+                <a:latin typeface="JetBrains Mono"/>
+              </a:rPr>
+              <a:t>        </a:t>
+            </a:r>
+            <a:r>
+              <a:rPr kumimoji="0" lang="de-DE" altLang="de-DE" sz="1800" b="0" i="0" u="none" strike="noStrike" cap="none" normalizeH="0" baseline="0" dirty="0" err="1">
+                <a:ln>
+                  <a:noFill/>
+                </a:ln>
+                <a:solidFill>
+                  <a:srgbClr val="BCBEC4"/>
+                </a:solidFill>
+                <a:effectLst/>
+                <a:latin typeface="JetBrains Mono"/>
+              </a:rPr>
+              <a:t>image</a:t>
+            </a:r>
+            <a:r>
+              <a:rPr kumimoji="0" lang="de-DE" altLang="de-DE" sz="1800" b="0" i="0" u="none" strike="noStrike" cap="none" normalizeH="0" baseline="0" dirty="0">
+                <a:ln>
+                  <a:noFill/>
+                </a:ln>
+                <a:solidFill>
+                  <a:srgbClr val="BCBEC4"/>
+                </a:solidFill>
+                <a:effectLst/>
+                <a:latin typeface="JetBrains Mono"/>
+              </a:rPr>
+              <a:t>: </a:t>
+            </a:r>
+            <a:r>
+              <a:rPr kumimoji="0" lang="de-DE" altLang="de-DE" sz="1800" b="0" i="0" u="none" strike="noStrike" cap="none" normalizeH="0" baseline="0" dirty="0" err="1">
+                <a:ln>
+                  <a:noFill/>
+                </a:ln>
+                <a:solidFill>
+                  <a:srgbClr val="57AAF7"/>
+                </a:solidFill>
+                <a:effectLst/>
+                <a:latin typeface="JetBrains Mono"/>
+              </a:rPr>
+              <a:t>AssetImage</a:t>
+            </a:r>
+            <a:r>
+              <a:rPr kumimoji="0" lang="de-DE" altLang="de-DE" sz="1800" b="0" i="0" u="none" strike="noStrike" cap="none" normalizeH="0" baseline="0" dirty="0">
+                <a:ln>
+                  <a:noFill/>
+                </a:ln>
+                <a:solidFill>
+                  <a:srgbClr val="BCBEC4"/>
+                </a:solidFill>
+                <a:effectLst/>
+                <a:latin typeface="JetBrains Mono"/>
+              </a:rPr>
+              <a:t>(</a:t>
+            </a:r>
+            <a:r>
+              <a:rPr kumimoji="0" lang="de-DE" altLang="de-DE" sz="1800" b="0" i="0" u="none" strike="noStrike" cap="none" normalizeH="0" baseline="0" dirty="0">
+                <a:ln>
+                  <a:noFill/>
+                </a:ln>
+                <a:solidFill>
+                  <a:srgbClr val="6AAB73"/>
+                </a:solidFill>
+                <a:effectLst/>
+                <a:latin typeface="JetBrains Mono"/>
+              </a:rPr>
+              <a:t>"</a:t>
+            </a:r>
+            <a:r>
+              <a:rPr kumimoji="0" lang="de-DE" altLang="de-DE" sz="1800" b="0" i="0" u="none" strike="noStrike" cap="none" normalizeH="0" baseline="0" dirty="0" err="1">
+                <a:ln>
+                  <a:noFill/>
+                </a:ln>
+                <a:solidFill>
+                  <a:srgbClr val="6AAB73"/>
+                </a:solidFill>
+                <a:effectLst/>
+                <a:latin typeface="JetBrains Mono"/>
+              </a:rPr>
+              <a:t>assets</a:t>
+            </a:r>
+            <a:r>
+              <a:rPr kumimoji="0" lang="de-DE" altLang="de-DE" sz="1800" b="0" i="0" u="none" strike="noStrike" cap="none" normalizeH="0" baseline="0" dirty="0">
+                <a:ln>
+                  <a:noFill/>
+                </a:ln>
+                <a:solidFill>
+                  <a:srgbClr val="6AAB73"/>
+                </a:solidFill>
+                <a:effectLst/>
+                <a:latin typeface="JetBrains Mono"/>
+              </a:rPr>
+              <a:t>/</a:t>
+            </a:r>
+            <a:r>
+              <a:rPr kumimoji="0" lang="de-DE" altLang="de-DE" sz="1800" b="0" i="0" u="none" strike="noStrike" cap="none" normalizeH="0" baseline="0" dirty="0" err="1">
+                <a:ln>
+                  <a:noFill/>
+                </a:ln>
+                <a:solidFill>
+                  <a:srgbClr val="6AAB73"/>
+                </a:solidFill>
+                <a:effectLst/>
+                <a:latin typeface="JetBrains Mono"/>
+              </a:rPr>
+              <a:t>images</a:t>
+            </a:r>
+            <a:r>
+              <a:rPr kumimoji="0" lang="de-DE" altLang="de-DE" sz="1800" b="0" i="0" u="none" strike="noStrike" cap="none" normalizeH="0" baseline="0" dirty="0">
+                <a:ln>
+                  <a:noFill/>
+                </a:ln>
+                <a:solidFill>
+                  <a:srgbClr val="6AAB73"/>
+                </a:solidFill>
+                <a:effectLst/>
+                <a:latin typeface="JetBrains Mono"/>
+              </a:rPr>
+              <a:t>/home.jpeg"</a:t>
+            </a:r>
+            <a:r>
+              <a:rPr kumimoji="0" lang="de-DE" altLang="de-DE" sz="1800" b="0" i="0" u="none" strike="noStrike" cap="none" normalizeH="0" baseline="0" dirty="0">
+                <a:ln>
+                  <a:noFill/>
+                </a:ln>
+                <a:solidFill>
+                  <a:srgbClr val="BCBEC4"/>
+                </a:solidFill>
+                <a:effectLst/>
+                <a:latin typeface="JetBrains Mono"/>
+              </a:rPr>
+              <a:t>),</a:t>
+            </a:r>
+            <a:br>
+              <a:rPr kumimoji="0" lang="de-DE" altLang="de-DE" sz="1800" b="0" i="0" u="none" strike="noStrike" cap="none" normalizeH="0" baseline="0" dirty="0">
+                <a:ln>
+                  <a:noFill/>
+                </a:ln>
+                <a:solidFill>
+                  <a:srgbClr val="BCBEC4"/>
+                </a:solidFill>
+                <a:effectLst/>
+                <a:latin typeface="JetBrains Mono"/>
+              </a:rPr>
+            </a:br>
+            <a:r>
+              <a:rPr kumimoji="0" lang="de-DE" altLang="de-DE" sz="1800" b="0" i="0" u="none" strike="noStrike" cap="none" normalizeH="0" baseline="0" dirty="0">
+                <a:ln>
+                  <a:noFill/>
+                </a:ln>
+                <a:solidFill>
+                  <a:srgbClr val="BCBEC4"/>
+                </a:solidFill>
+                <a:effectLst/>
+                <a:latin typeface="JetBrains Mono"/>
+              </a:rPr>
+              <a:t>        fit: </a:t>
+            </a:r>
+            <a:r>
+              <a:rPr kumimoji="0" lang="de-DE" altLang="de-DE" sz="1800" b="0" i="0" u="none" strike="noStrike" cap="none" normalizeH="0" baseline="0" dirty="0" err="1">
+                <a:ln>
+                  <a:noFill/>
+                </a:ln>
+                <a:solidFill>
+                  <a:srgbClr val="BCBEC4"/>
+                </a:solidFill>
+                <a:effectLst/>
+                <a:latin typeface="JetBrains Mono"/>
+              </a:rPr>
+              <a:t>BoxFit.</a:t>
+            </a:r>
+            <a:r>
+              <a:rPr kumimoji="0" lang="de-DE" altLang="de-DE" sz="1800" b="0" i="0" u="none" strike="noStrike" cap="none" normalizeH="0" baseline="0" dirty="0" err="1">
+                <a:ln>
+                  <a:noFill/>
+                </a:ln>
+                <a:solidFill>
+                  <a:srgbClr val="C77DBB"/>
+                </a:solidFill>
+                <a:effectLst/>
+                <a:latin typeface="JetBrains Mono"/>
+              </a:rPr>
+              <a:t>cover</a:t>
+            </a:r>
+            <a:r>
+              <a:rPr kumimoji="0" lang="de-DE" altLang="de-DE" sz="1800" b="0" i="0" u="none" strike="noStrike" cap="none" normalizeH="0" baseline="0" dirty="0">
+                <a:ln>
+                  <a:noFill/>
+                </a:ln>
+                <a:solidFill>
+                  <a:srgbClr val="BCBEC4"/>
+                </a:solidFill>
+                <a:effectLst/>
+                <a:latin typeface="JetBrains Mono"/>
+              </a:rPr>
+              <a:t>,</a:t>
+            </a:r>
+            <a:br>
+              <a:rPr kumimoji="0" lang="de-DE" altLang="de-DE" sz="1800" b="0" i="0" u="none" strike="noStrike" cap="none" normalizeH="0" baseline="0" dirty="0">
+                <a:ln>
+                  <a:noFill/>
+                </a:ln>
+                <a:solidFill>
+                  <a:srgbClr val="BCBEC4"/>
+                </a:solidFill>
+                <a:effectLst/>
+                <a:latin typeface="JetBrains Mono"/>
+              </a:rPr>
+            </a:br>
+            <a:r>
+              <a:rPr kumimoji="0" lang="de-DE" altLang="de-DE" sz="1800" b="0" i="0" u="none" strike="noStrike" cap="none" normalizeH="0" baseline="0" dirty="0">
+                <a:ln>
+                  <a:noFill/>
+                </a:ln>
+                <a:solidFill>
+                  <a:srgbClr val="BCBEC4"/>
+                </a:solidFill>
+                <a:effectLst/>
+                <a:latin typeface="JetBrains Mono"/>
+              </a:rPr>
+              <a:t>        </a:t>
+            </a:r>
+            <a:r>
+              <a:rPr kumimoji="0" lang="de-DE" altLang="de-DE" sz="1800" b="0" i="0" u="none" strike="noStrike" cap="none" normalizeH="0" baseline="0" dirty="0" err="1">
+                <a:ln>
+                  <a:noFill/>
+                </a:ln>
+                <a:solidFill>
+                  <a:srgbClr val="BCBEC4"/>
+                </a:solidFill>
+                <a:effectLst/>
+                <a:latin typeface="JetBrains Mono"/>
+              </a:rPr>
+              <a:t>alignment</a:t>
+            </a:r>
+            <a:r>
+              <a:rPr kumimoji="0" lang="de-DE" altLang="de-DE" sz="1800" b="0" i="0" u="none" strike="noStrike" cap="none" normalizeH="0" baseline="0" dirty="0">
+                <a:ln>
+                  <a:noFill/>
+                </a:ln>
+                <a:solidFill>
+                  <a:srgbClr val="BCBEC4"/>
+                </a:solidFill>
+                <a:effectLst/>
+                <a:latin typeface="JetBrains Mono"/>
+              </a:rPr>
+              <a:t>: </a:t>
+            </a:r>
+            <a:r>
+              <a:rPr kumimoji="0" lang="de-DE" altLang="de-DE" sz="1800" b="0" i="0" u="none" strike="noStrike" cap="none" normalizeH="0" baseline="0" dirty="0" err="1">
+                <a:ln>
+                  <a:noFill/>
+                </a:ln>
+                <a:solidFill>
+                  <a:srgbClr val="BCBEC4"/>
+                </a:solidFill>
+                <a:effectLst/>
+                <a:latin typeface="JetBrains Mono"/>
+              </a:rPr>
+              <a:t>Alignment.</a:t>
+            </a:r>
+            <a:r>
+              <a:rPr kumimoji="0" lang="de-DE" altLang="de-DE" sz="1800" b="0" i="1" u="none" strike="noStrike" cap="none" normalizeH="0" baseline="0" dirty="0" err="1">
+                <a:ln>
+                  <a:noFill/>
+                </a:ln>
+                <a:solidFill>
+                  <a:srgbClr val="C77DBB"/>
+                </a:solidFill>
+                <a:effectLst/>
+                <a:latin typeface="JetBrains Mono"/>
+              </a:rPr>
+              <a:t>topRight</a:t>
+            </a:r>
+            <a:br>
+              <a:rPr kumimoji="0" lang="de-DE" altLang="de-DE" sz="1800" b="0" i="1" u="none" strike="noStrike" cap="none" normalizeH="0" baseline="0" dirty="0">
+                <a:ln>
+                  <a:noFill/>
+                </a:ln>
+                <a:solidFill>
+                  <a:srgbClr val="C77DBB"/>
+                </a:solidFill>
+                <a:effectLst/>
+                <a:latin typeface="JetBrains Mono"/>
+              </a:rPr>
+            </a:br>
+            <a:r>
+              <a:rPr kumimoji="0" lang="de-DE" altLang="de-DE" sz="1800" b="0" i="1" u="none" strike="noStrike" cap="none" normalizeH="0" baseline="0" dirty="0">
+                <a:ln>
+                  <a:noFill/>
+                </a:ln>
+                <a:solidFill>
+                  <a:srgbClr val="C77DBB"/>
+                </a:solidFill>
+                <a:effectLst/>
+                <a:latin typeface="JetBrains Mono"/>
+              </a:rPr>
+              <a:t>    </a:t>
+            </a:r>
+            <a:r>
+              <a:rPr kumimoji="0" lang="de-DE" altLang="de-DE" sz="1800" b="0" i="0" u="none" strike="noStrike" cap="none" normalizeH="0" baseline="0" dirty="0">
+                <a:ln>
+                  <a:noFill/>
+                </a:ln>
+                <a:solidFill>
+                  <a:srgbClr val="BCBEC4"/>
+                </a:solidFill>
+                <a:effectLst/>
+                <a:latin typeface="JetBrains Mono"/>
+              </a:rPr>
+              <a:t>)</a:t>
+            </a:r>
+            <a:br>
+              <a:rPr kumimoji="0" lang="de-DE" altLang="de-DE" sz="1800" b="0" i="0" u="none" strike="noStrike" cap="none" normalizeH="0" baseline="0" dirty="0">
+                <a:ln>
+                  <a:noFill/>
+                </a:ln>
+                <a:solidFill>
+                  <a:srgbClr val="BCBEC4"/>
+                </a:solidFill>
+                <a:effectLst/>
+                <a:latin typeface="JetBrains Mono"/>
+              </a:rPr>
+            </a:br>
+            <a:r>
+              <a:rPr kumimoji="0" lang="de-DE" altLang="de-DE" sz="1800" b="0" i="0" u="none" strike="noStrike" cap="none" normalizeH="0" baseline="0" dirty="0">
+                <a:ln>
+                  <a:noFill/>
+                </a:ln>
+                <a:solidFill>
+                  <a:srgbClr val="BCBEC4"/>
+                </a:solidFill>
+                <a:effectLst/>
+                <a:latin typeface="JetBrains Mono"/>
+              </a:rPr>
+              <a:t>),</a:t>
+            </a:r>
+            <a:br>
+              <a:rPr kumimoji="0" lang="de-DE" altLang="de-DE" sz="1800" b="0" i="0" u="none" strike="noStrike" cap="none" normalizeH="0" baseline="0" dirty="0">
+                <a:ln>
+                  <a:noFill/>
+                </a:ln>
+                <a:solidFill>
+                  <a:srgbClr val="BCBEC4"/>
+                </a:solidFill>
+                <a:effectLst/>
+                <a:latin typeface="JetBrains Mono"/>
+              </a:rPr>
+            </a:br>
+            <a:endParaRPr kumimoji="0" lang="de-DE" altLang="de-DE" sz="1800" b="0" i="0" u="none" strike="noStrike" cap="none" normalizeH="0" baseline="0" dirty="0">
+              <a:ln>
+                <a:noFill/>
+              </a:ln>
+              <a:solidFill>
+                <a:schemeClr val="tx1"/>
+              </a:solidFill>
+              <a:effectLst/>
+              <a:latin typeface="Arial" panose="020B0604020202020204" pitchFamily="34" charset="0"/>
+            </a:endParaRPr>
+          </a:p>
+        </p:txBody>
+      </p:sp>
+      <p:sp>
+        <p:nvSpPr>
+          <p:cNvPr id="8" name="Rechteck: abgerundete Ecken 7">
+            <a:extLst>
+              <a:ext uri="{FF2B5EF4-FFF2-40B4-BE49-F238E27FC236}">
+                <a16:creationId xmlns:a16="http://schemas.microsoft.com/office/drawing/2014/main" id="{B3980D9B-3231-8D04-CD5C-65D01BEEF274}"/>
+              </a:ext>
+            </a:extLst>
+          </p:cNvPr>
+          <p:cNvSpPr/>
+          <p:nvPr/>
+        </p:nvSpPr>
+        <p:spPr>
+          <a:xfrm>
+            <a:off x="1122860" y="1998663"/>
+            <a:ext cx="3770904" cy="2167128"/>
+          </a:xfrm>
+          <a:prstGeom prst="roundRect">
+            <a:avLst/>
+          </a:prstGeom>
+          <a:solidFill>
+            <a:schemeClr val="dk1">
+              <a:alpha val="48000"/>
+            </a:schemeClr>
+          </a:solidFill>
+        </p:spPr>
+        <p:style>
+          <a:lnRef idx="2">
+            <a:schemeClr val="dk1">
+              <a:shade val="15000"/>
+            </a:schemeClr>
+          </a:lnRef>
+          <a:fillRef idx="1">
+            <a:schemeClr val="dk1"/>
+          </a:fillRef>
+          <a:effectRef idx="0">
+            <a:schemeClr val="dk1"/>
+          </a:effectRef>
+          <a:fontRef idx="minor">
+            <a:schemeClr val="lt1"/>
+          </a:fontRef>
+        </p:style>
+        <p:txBody>
+          <a:bodyPr rtlCol="0" anchor="ctr"/>
+          <a:lstStyle/>
+          <a:p>
+            <a:pPr algn="ctr"/>
+            <a:endParaRPr lang="de-DE"/>
+          </a:p>
+        </p:txBody>
+      </p:sp>
+      <p:sp>
+        <p:nvSpPr>
+          <p:cNvPr id="9" name="Rechteck: abgerundete Ecken 8">
+            <a:extLst>
+              <a:ext uri="{FF2B5EF4-FFF2-40B4-BE49-F238E27FC236}">
+                <a16:creationId xmlns:a16="http://schemas.microsoft.com/office/drawing/2014/main" id="{B3A4056F-BCB1-392D-025D-2F08B0CE9B46}"/>
+              </a:ext>
+            </a:extLst>
+          </p:cNvPr>
+          <p:cNvSpPr/>
+          <p:nvPr/>
+        </p:nvSpPr>
+        <p:spPr>
+          <a:xfrm rot="5400000">
+            <a:off x="1932881" y="2792418"/>
+            <a:ext cx="3754637" cy="2167128"/>
+          </a:xfrm>
+          <a:prstGeom prst="roundRect">
+            <a:avLst/>
+          </a:prstGeom>
+          <a:solidFill>
+            <a:schemeClr val="dk1">
+              <a:alpha val="48000"/>
+            </a:schemeClr>
+          </a:solidFill>
+        </p:spPr>
+        <p:style>
+          <a:lnRef idx="2">
+            <a:schemeClr val="dk1">
+              <a:shade val="15000"/>
+            </a:schemeClr>
+          </a:lnRef>
+          <a:fillRef idx="1">
+            <a:schemeClr val="dk1"/>
+          </a:fillRef>
+          <a:effectRef idx="0">
+            <a:schemeClr val="dk1"/>
+          </a:effectRef>
+          <a:fontRef idx="minor">
+            <a:schemeClr val="lt1"/>
+          </a:fontRef>
+        </p:style>
+        <p:txBody>
+          <a:bodyPr rtlCol="0" anchor="ctr"/>
+          <a:lstStyle/>
+          <a:p>
+            <a:pPr algn="ctr"/>
+            <a:endParaRPr lang="de-DE"/>
+          </a:p>
+        </p:txBody>
+      </p:sp>
+      <p:sp>
+        <p:nvSpPr>
+          <p:cNvPr id="10" name="Fußzeilenplatzhalter 9">
+            <a:extLst>
+              <a:ext uri="{FF2B5EF4-FFF2-40B4-BE49-F238E27FC236}">
+                <a16:creationId xmlns:a16="http://schemas.microsoft.com/office/drawing/2014/main" id="{3FB9499F-C432-FD1E-4127-D8671DE2D90B}"/>
+              </a:ext>
+            </a:extLst>
+          </p:cNvPr>
+          <p:cNvSpPr>
+            <a:spLocks noGrp="1"/>
+          </p:cNvSpPr>
+          <p:nvPr>
+            <p:ph type="ftr" sz="quarter" idx="11"/>
+          </p:nvPr>
+        </p:nvSpPr>
+        <p:spPr/>
+        <p:txBody>
+          <a:bodyPr/>
+          <a:lstStyle/>
+          <a:p>
+            <a:r>
+              <a:rPr lang="en-US"/>
+              <a:t>Schubi Is You</a:t>
+            </a:r>
+          </a:p>
+        </p:txBody>
+      </p:sp>
+      <p:sp>
+        <p:nvSpPr>
+          <p:cNvPr id="11" name="Foliennummernplatzhalter 10">
+            <a:extLst>
+              <a:ext uri="{FF2B5EF4-FFF2-40B4-BE49-F238E27FC236}">
+                <a16:creationId xmlns:a16="http://schemas.microsoft.com/office/drawing/2014/main" id="{A7241BBA-C1A9-36D7-AF8A-4E32878F484C}"/>
+              </a:ext>
+            </a:extLst>
+          </p:cNvPr>
+          <p:cNvSpPr>
+            <a:spLocks noGrp="1"/>
+          </p:cNvSpPr>
+          <p:nvPr>
+            <p:ph type="sldNum" sz="quarter" idx="12"/>
+          </p:nvPr>
+        </p:nvSpPr>
+        <p:spPr/>
+        <p:txBody>
+          <a:bodyPr/>
+          <a:lstStyle/>
+          <a:p>
+            <a:fld id="{BDAFFC55-6578-4459-AE37-94EE4236C876}" type="slidenum">
+              <a:rPr lang="en-US" smtClean="0"/>
+              <a:t>7</a:t>
+            </a:fld>
+            <a:endParaRPr lang="en-US"/>
+          </a:p>
+        </p:txBody>
+      </p:sp>
+    </p:spTree>
+    <p:extLst>
+      <p:ext uri="{BB962C8B-B14F-4D97-AF65-F5344CB8AC3E}">
+        <p14:creationId xmlns:p14="http://schemas.microsoft.com/office/powerpoint/2010/main" val="284753712"/>
+      </p:ext>
+    </p:extLst>
+  </p:cSld>
+  <p:clrMapOvr>
+    <a:masterClrMapping/>
+  </p:clrMapOvr>
+</p:sld>
+</file>
+
+<file path=ppt/slides/slide8.xml><?xml version="1.0" encoding="utf-8"?>
+<p:sld xmlns:a="http://schemas.openxmlformats.org/drawingml/2006/main" xmlns:r="http://schemas.openxmlformats.org/officeDocument/2006/relationships" xmlns:p="http://schemas.openxmlformats.org/presentationml/2006/main">
+  <p:cSld>
+    <p:spTree>
+      <p:nvGrpSpPr>
+        <p:cNvPr id="1" name=""/>
+        <p:cNvGrpSpPr/>
+        <p:nvPr/>
+      </p:nvGrpSpPr>
+      <p:grpSpPr>
+        <a:xfrm>
+          <a:off x="0" y="0"/>
+          <a:ext cx="0" cy="0"/>
+          <a:chOff x="0" y="0"/>
+          <a:chExt cx="0" cy="0"/>
+        </a:xfrm>
+      </p:grpSpPr>
+      <p:sp>
+        <p:nvSpPr>
+          <p:cNvPr id="2" name="Titel 1">
+            <a:extLst>
+              <a:ext uri="{FF2B5EF4-FFF2-40B4-BE49-F238E27FC236}">
+                <a16:creationId xmlns:a16="http://schemas.microsoft.com/office/drawing/2014/main" id="{43CF8255-8089-62B8-8A78-3151760C6B10}"/>
+              </a:ext>
+            </a:extLst>
+          </p:cNvPr>
+          <p:cNvSpPr>
+            <a:spLocks noGrp="1"/>
+          </p:cNvSpPr>
+          <p:nvPr>
+            <p:ph type="title"/>
+          </p:nvPr>
+        </p:nvSpPr>
+        <p:spPr/>
+        <p:txBody>
+          <a:bodyPr/>
+          <a:lstStyle/>
+          <a:p>
+            <a:r>
+              <a:rPr lang="de-DE" dirty="0"/>
+              <a:t>Layouts </a:t>
+            </a:r>
+            <a:r>
+              <a:rPr lang="de-DE" dirty="0" err="1"/>
+              <a:t>HomePage</a:t>
+            </a:r>
+            <a:endParaRPr lang="de-DE" dirty="0"/>
+          </a:p>
+        </p:txBody>
+      </p:sp>
+      <p:pic>
+        <p:nvPicPr>
+          <p:cNvPr id="5" name="Inhaltsplatzhalter 4" descr="Ein Bild, das Blume, gelb, Pflanze, Sonnenblume enthält.&#10;&#10;Automatisch generierte Beschreibung">
+            <a:extLst>
+              <a:ext uri="{FF2B5EF4-FFF2-40B4-BE49-F238E27FC236}">
+                <a16:creationId xmlns:a16="http://schemas.microsoft.com/office/drawing/2014/main" id="{662F8F75-8D5E-20C2-5808-05D9A98BAF15}"/>
+              </a:ext>
+            </a:extLst>
+          </p:cNvPr>
+          <p:cNvPicPr>
+            <a:picLocks noGrp="1" noChangeAspect="1"/>
+          </p:cNvPicPr>
+          <p:nvPr>
+            <p:ph sz="half" idx="1"/>
+          </p:nvPr>
+        </p:nvPicPr>
+        <p:blipFill>
+          <a:blip r:embed="rId3">
+            <a:extLst>
+              <a:ext uri="{28A0092B-C50C-407E-A947-70E740481C1C}">
+                <a14:useLocalDpi xmlns:a14="http://schemas.microsoft.com/office/drawing/2010/main" val="0"/>
+              </a:ext>
+            </a:extLst>
+          </a:blip>
+          <a:stretch>
+            <a:fillRect/>
+          </a:stretch>
+        </p:blipFill>
+        <p:spPr>
+          <a:xfrm>
+            <a:off x="577915" y="1755644"/>
+            <a:ext cx="2398959" cy="2396563"/>
+          </a:xfrm>
+        </p:spPr>
+      </p:pic>
+      <p:sp>
+        <p:nvSpPr>
+          <p:cNvPr id="8" name="Rechteck: abgerundete Ecken 7">
+            <a:extLst>
+              <a:ext uri="{FF2B5EF4-FFF2-40B4-BE49-F238E27FC236}">
+                <a16:creationId xmlns:a16="http://schemas.microsoft.com/office/drawing/2014/main" id="{B3980D9B-3231-8D04-CD5C-65D01BEEF274}"/>
+              </a:ext>
+            </a:extLst>
+          </p:cNvPr>
+          <p:cNvSpPr/>
+          <p:nvPr/>
+        </p:nvSpPr>
+        <p:spPr>
+          <a:xfrm>
+            <a:off x="577914" y="1755644"/>
+            <a:ext cx="2398959" cy="1052211"/>
+          </a:xfrm>
+          <a:prstGeom prst="roundRect">
+            <a:avLst/>
+          </a:prstGeom>
+          <a:solidFill>
+            <a:schemeClr val="dk1">
+              <a:alpha val="48000"/>
+            </a:schemeClr>
+          </a:solidFill>
+        </p:spPr>
+        <p:style>
+          <a:lnRef idx="2">
+            <a:schemeClr val="dk1">
+              <a:shade val="15000"/>
+            </a:schemeClr>
+          </a:lnRef>
+          <a:fillRef idx="1">
+            <a:schemeClr val="dk1"/>
+          </a:fillRef>
+          <a:effectRef idx="0">
+            <a:schemeClr val="dk1"/>
+          </a:effectRef>
+          <a:fontRef idx="minor">
+            <a:schemeClr val="lt1"/>
+          </a:fontRef>
+        </p:style>
+        <p:txBody>
+          <a:bodyPr rtlCol="0" anchor="ctr"/>
+          <a:lstStyle/>
+          <a:p>
+            <a:pPr algn="ctr"/>
+            <a:endParaRPr lang="de-DE"/>
+          </a:p>
+        </p:txBody>
+      </p:sp>
+      <p:sp>
+        <p:nvSpPr>
+          <p:cNvPr id="9" name="Rechteck: abgerundete Ecken 8">
+            <a:extLst>
+              <a:ext uri="{FF2B5EF4-FFF2-40B4-BE49-F238E27FC236}">
+                <a16:creationId xmlns:a16="http://schemas.microsoft.com/office/drawing/2014/main" id="{B3A4056F-BCB1-392D-025D-2F08B0CE9B46}"/>
+              </a:ext>
+            </a:extLst>
+          </p:cNvPr>
+          <p:cNvSpPr/>
+          <p:nvPr/>
+        </p:nvSpPr>
+        <p:spPr>
+          <a:xfrm rot="5400000">
+            <a:off x="1247812" y="2415196"/>
+            <a:ext cx="2388612" cy="1069509"/>
+          </a:xfrm>
+          <a:prstGeom prst="roundRect">
+            <a:avLst/>
+          </a:prstGeom>
+          <a:solidFill>
+            <a:schemeClr val="dk1">
+              <a:alpha val="48000"/>
+            </a:schemeClr>
+          </a:solidFill>
+        </p:spPr>
+        <p:style>
+          <a:lnRef idx="2">
+            <a:schemeClr val="dk1">
+              <a:shade val="15000"/>
+            </a:schemeClr>
+          </a:lnRef>
+          <a:fillRef idx="1">
+            <a:schemeClr val="dk1"/>
+          </a:fillRef>
+          <a:effectRef idx="0">
+            <a:schemeClr val="dk1"/>
+          </a:effectRef>
+          <a:fontRef idx="minor">
+            <a:schemeClr val="lt1"/>
+          </a:fontRef>
+        </p:style>
+        <p:txBody>
+          <a:bodyPr rtlCol="0" anchor="ctr"/>
+          <a:lstStyle/>
+          <a:p>
+            <a:pPr algn="ctr"/>
+            <a:endParaRPr lang="de-DE" dirty="0"/>
+          </a:p>
+        </p:txBody>
+      </p:sp>
+      <p:sp>
+        <p:nvSpPr>
+          <p:cNvPr id="12" name="Rectangle 5">
+            <a:extLst>
+              <a:ext uri="{FF2B5EF4-FFF2-40B4-BE49-F238E27FC236}">
+                <a16:creationId xmlns:a16="http://schemas.microsoft.com/office/drawing/2014/main" id="{5F8CDD13-93E9-3CDF-4739-780629CCCB1A}"/>
+              </a:ext>
+            </a:extLst>
+          </p:cNvPr>
+          <p:cNvSpPr>
+            <a:spLocks noGrp="1" noChangeArrowheads="1"/>
+          </p:cNvSpPr>
+          <p:nvPr>
+            <p:ph sz="half" idx="2"/>
+          </p:nvPr>
+        </p:nvSpPr>
+        <p:spPr bwMode="auto">
+          <a:xfrm>
+            <a:off x="6609137" y="1216212"/>
+            <a:ext cx="4309578" cy="5262979"/>
+          </a:xfrm>
+          <a:prstGeom prst="rect">
+            <a:avLst/>
+          </a:prstGeom>
+          <a:solidFill>
+            <a:srgbClr val="1E1F22"/>
+          </a:solidFill>
+          <a:ln>
+            <a:noFill/>
+          </a:ln>
+          <a:effectLst/>
+          <a:extLst>
+            <a:ext uri="{91240B29-F687-4F45-9708-019B960494DF}">
+              <a14:hiddenLine xmlns:a14="http://schemas.microsoft.com/office/drawing/2010/main" w="9525">
+                <a:solidFill>
+                  <a:schemeClr val="tx1"/>
+                </a:solidFill>
+                <a:miter lim="800000"/>
+                <a:headEnd/>
+                <a:tailEnd/>
+              </a14:hiddenLine>
+            </a:ext>
+            <a:ext uri="{AF507438-7753-43E0-B8FC-AC1667EBCBE1}">
+              <a14:hiddenEffects xmlns:a14="http://schemas.microsoft.com/office/drawing/2010/main">
+                <a:effectLst>
+                  <a:outerShdw dist="35921" dir="2700000" algn="ctr" rotWithShape="0">
+                    <a:schemeClr val="bg2"/>
+                  </a:outerShdw>
+                </a:effectLst>
+              </a14:hiddenEffects>
+            </a:ext>
+          </a:extLst>
+        </p:spPr>
+        <p:txBody>
+          <a:bodyPr vert="horz" wrap="none" lIns="91440" tIns="45720" rIns="91440" bIns="45720" numCol="1" anchor="ctr" anchorCtr="0" compatLnSpc="1">
+            <a:prstTxWarp prst="textNoShape">
+              <a:avLst/>
+            </a:prstTxWarp>
+            <a:spAutoFit/>
+          </a:bodyPr>
+          <a:lstStyle/>
+          <a:p>
+            <a:pPr marL="0" marR="0" lvl="0" indent="0" algn="l" defTabSz="914400" rtl="0" eaLnBrk="0" fontAlgn="base" latinLnBrk="0" hangingPunct="0">
+              <a:lnSpc>
+                <a:spcPct val="100000"/>
+              </a:lnSpc>
+              <a:spcBef>
+                <a:spcPct val="0"/>
+              </a:spcBef>
+              <a:spcAft>
+                <a:spcPct val="0"/>
+              </a:spcAft>
+              <a:buClrTx/>
+              <a:buSzTx/>
+              <a:buFontTx/>
+              <a:buNone/>
+              <a:tabLst/>
+            </a:pPr>
+            <a:r>
+              <a:rPr kumimoji="0" lang="de-DE" altLang="de-DE" sz="1600" b="0" i="0" u="none" strike="noStrike" cap="none" normalizeH="0" baseline="0" dirty="0" err="1">
+                <a:ln>
+                  <a:noFill/>
+                </a:ln>
+                <a:solidFill>
+                  <a:srgbClr val="BCBEC4"/>
+                </a:solidFill>
+                <a:effectLst/>
+                <a:latin typeface="JetBrains Mono"/>
+              </a:rPr>
+              <a:t>child</a:t>
+            </a:r>
+            <a:r>
+              <a:rPr kumimoji="0" lang="de-DE" altLang="de-DE" sz="1600" b="0" i="0" u="none" strike="noStrike" cap="none" normalizeH="0" baseline="0" dirty="0">
+                <a:ln>
+                  <a:noFill/>
+                </a:ln>
+                <a:solidFill>
+                  <a:srgbClr val="BCBEC4"/>
+                </a:solidFill>
+                <a:effectLst/>
+                <a:latin typeface="JetBrains Mono"/>
+              </a:rPr>
+              <a:t>: </a:t>
+            </a:r>
+            <a:r>
+              <a:rPr kumimoji="0" lang="de-DE" altLang="de-DE" sz="1600" b="0" i="0" u="none" strike="noStrike" cap="none" normalizeH="0" baseline="0" dirty="0">
+                <a:ln>
+                  <a:noFill/>
+                </a:ln>
+                <a:solidFill>
+                  <a:srgbClr val="57AAF7"/>
+                </a:solidFill>
+                <a:effectLst/>
+                <a:latin typeface="JetBrains Mono"/>
+              </a:rPr>
+              <a:t>Container</a:t>
+            </a:r>
+            <a:r>
+              <a:rPr kumimoji="0" lang="de-DE" altLang="de-DE" sz="1600" b="0" i="0" u="none" strike="noStrike" cap="none" normalizeH="0" baseline="0" dirty="0">
+                <a:ln>
+                  <a:noFill/>
+                </a:ln>
+                <a:solidFill>
+                  <a:srgbClr val="BCBEC4"/>
+                </a:solidFill>
+                <a:effectLst/>
+                <a:latin typeface="JetBrains Mono"/>
+              </a:rPr>
+              <a:t>(</a:t>
+            </a:r>
+            <a:br>
+              <a:rPr kumimoji="0" lang="de-DE" altLang="de-DE" sz="1600" b="0" i="0" u="none" strike="noStrike" cap="none" normalizeH="0" baseline="0" dirty="0">
+                <a:ln>
+                  <a:noFill/>
+                </a:ln>
+                <a:solidFill>
+                  <a:srgbClr val="BCBEC4"/>
+                </a:solidFill>
+                <a:effectLst/>
+                <a:latin typeface="JetBrains Mono"/>
+              </a:rPr>
+            </a:br>
+            <a:r>
+              <a:rPr kumimoji="0" lang="de-DE" altLang="de-DE" sz="1600" b="0" i="0" u="none" strike="noStrike" cap="none" normalizeH="0" baseline="0" dirty="0">
+                <a:ln>
+                  <a:noFill/>
+                </a:ln>
+                <a:solidFill>
+                  <a:srgbClr val="BCBEC4"/>
+                </a:solidFill>
+                <a:effectLst/>
+                <a:latin typeface="JetBrains Mono"/>
+              </a:rPr>
+              <a:t>  </a:t>
+            </a:r>
+            <a:r>
+              <a:rPr kumimoji="0" lang="de-DE" altLang="de-DE" sz="1600" b="0" i="0" u="none" strike="noStrike" cap="none" normalizeH="0" baseline="0" dirty="0" err="1">
+                <a:ln>
+                  <a:noFill/>
+                </a:ln>
+                <a:solidFill>
+                  <a:srgbClr val="BCBEC4"/>
+                </a:solidFill>
+                <a:effectLst/>
+                <a:latin typeface="JetBrains Mono"/>
+              </a:rPr>
+              <a:t>alignment</a:t>
+            </a:r>
+            <a:r>
+              <a:rPr kumimoji="0" lang="de-DE" altLang="de-DE" sz="1600" b="0" i="0" u="none" strike="noStrike" cap="none" normalizeH="0" baseline="0" dirty="0">
+                <a:ln>
+                  <a:noFill/>
+                </a:ln>
+                <a:solidFill>
+                  <a:srgbClr val="BCBEC4"/>
+                </a:solidFill>
+                <a:effectLst/>
+                <a:latin typeface="JetBrains Mono"/>
+              </a:rPr>
+              <a:t>: </a:t>
+            </a:r>
+            <a:r>
+              <a:rPr kumimoji="0" lang="de-DE" altLang="de-DE" sz="1600" b="0" i="0" u="none" strike="noStrike" cap="none" normalizeH="0" baseline="0" dirty="0" err="1">
+                <a:ln>
+                  <a:noFill/>
+                </a:ln>
+                <a:solidFill>
+                  <a:srgbClr val="BCBEC4"/>
+                </a:solidFill>
+                <a:effectLst/>
+                <a:latin typeface="JetBrains Mono"/>
+              </a:rPr>
+              <a:t>childAlignment</a:t>
+            </a:r>
+            <a:r>
+              <a:rPr kumimoji="0" lang="de-DE" altLang="de-DE" sz="1600" b="0" i="0" u="none" strike="noStrike" cap="none" normalizeH="0" baseline="0" dirty="0">
+                <a:ln>
+                  <a:noFill/>
+                </a:ln>
+                <a:solidFill>
+                  <a:srgbClr val="BCBEC4"/>
+                </a:solidFill>
+                <a:effectLst/>
+                <a:latin typeface="JetBrains Mono"/>
+              </a:rPr>
+              <a:t>,</a:t>
+            </a:r>
+            <a:br>
+              <a:rPr kumimoji="0" lang="de-DE" altLang="de-DE" sz="1600" b="0" i="0" u="none" strike="noStrike" cap="none" normalizeH="0" baseline="0" dirty="0">
+                <a:ln>
+                  <a:noFill/>
+                </a:ln>
+                <a:solidFill>
+                  <a:srgbClr val="BCBEC4"/>
+                </a:solidFill>
+                <a:effectLst/>
+                <a:latin typeface="JetBrains Mono"/>
+              </a:rPr>
+            </a:br>
+            <a:r>
+              <a:rPr kumimoji="0" lang="de-DE" altLang="de-DE" sz="1600" b="0" i="0" u="none" strike="noStrike" cap="none" normalizeH="0" baseline="0" dirty="0">
+                <a:ln>
+                  <a:noFill/>
+                </a:ln>
+                <a:solidFill>
+                  <a:srgbClr val="BCBEC4"/>
+                </a:solidFill>
+                <a:effectLst/>
+                <a:latin typeface="JetBrains Mono"/>
+              </a:rPr>
+              <a:t>    </a:t>
+            </a:r>
+            <a:r>
+              <a:rPr kumimoji="0" lang="de-DE" altLang="de-DE" sz="1600" b="0" i="0" u="none" strike="noStrike" cap="none" normalizeH="0" baseline="0" dirty="0" err="1">
+                <a:ln>
+                  <a:noFill/>
+                </a:ln>
+                <a:solidFill>
+                  <a:srgbClr val="BCBEC4"/>
+                </a:solidFill>
+                <a:effectLst/>
+                <a:latin typeface="JetBrains Mono"/>
+              </a:rPr>
+              <a:t>child</a:t>
+            </a:r>
+            <a:r>
+              <a:rPr kumimoji="0" lang="de-DE" altLang="de-DE" sz="1600" b="0" i="0" u="none" strike="noStrike" cap="none" normalizeH="0" baseline="0" dirty="0">
+                <a:ln>
+                  <a:noFill/>
+                </a:ln>
+                <a:solidFill>
+                  <a:srgbClr val="BCBEC4"/>
+                </a:solidFill>
+                <a:effectLst/>
+                <a:latin typeface="JetBrains Mono"/>
+              </a:rPr>
+              <a:t>: </a:t>
+            </a:r>
+            <a:r>
+              <a:rPr kumimoji="0" lang="de-DE" altLang="de-DE" sz="1600" b="0" i="0" u="none" strike="noStrike" cap="none" normalizeH="0" baseline="0" dirty="0">
+                <a:ln>
+                  <a:noFill/>
+                </a:ln>
+                <a:solidFill>
+                  <a:srgbClr val="57AAF7"/>
+                </a:solidFill>
+                <a:effectLst/>
+                <a:latin typeface="JetBrains Mono"/>
+              </a:rPr>
+              <a:t>Padding</a:t>
+            </a:r>
+            <a:r>
+              <a:rPr kumimoji="0" lang="de-DE" altLang="de-DE" sz="1600" b="0" i="0" u="none" strike="noStrike" cap="none" normalizeH="0" baseline="0" dirty="0">
+                <a:ln>
+                  <a:noFill/>
+                </a:ln>
+                <a:solidFill>
+                  <a:srgbClr val="BCBEC4"/>
+                </a:solidFill>
+                <a:effectLst/>
+                <a:latin typeface="JetBrains Mono"/>
+              </a:rPr>
+              <a:t>(</a:t>
+            </a:r>
+            <a:r>
+              <a:rPr kumimoji="0" lang="de-DE" altLang="de-DE" sz="1600" b="0" i="0" u="none" strike="noStrike" cap="none" normalizeH="0" baseline="0" dirty="0" err="1">
+                <a:ln>
+                  <a:noFill/>
+                </a:ln>
+                <a:solidFill>
+                  <a:srgbClr val="BCBEC4"/>
+                </a:solidFill>
+                <a:effectLst/>
+                <a:latin typeface="JetBrains Mono"/>
+              </a:rPr>
+              <a:t>padding</a:t>
+            </a:r>
+            <a:r>
+              <a:rPr kumimoji="0" lang="de-DE" altLang="de-DE" sz="1600" b="0" i="0" u="none" strike="noStrike" cap="none" normalizeH="0" baseline="0" dirty="0">
+                <a:ln>
+                  <a:noFill/>
+                </a:ln>
+                <a:solidFill>
+                  <a:srgbClr val="BCBEC4"/>
+                </a:solidFill>
+                <a:effectLst/>
+                <a:latin typeface="JetBrains Mono"/>
+              </a:rPr>
+              <a:t>: </a:t>
+            </a:r>
+            <a:r>
+              <a:rPr kumimoji="0" lang="de-DE" altLang="de-DE" sz="1600" b="0" i="0" u="none" strike="noStrike" cap="none" normalizeH="0" baseline="0" dirty="0" err="1">
+                <a:ln>
+                  <a:noFill/>
+                </a:ln>
+                <a:solidFill>
+                  <a:srgbClr val="BCBEC4"/>
+                </a:solidFill>
+                <a:effectLst/>
+                <a:latin typeface="JetBrains Mono"/>
+              </a:rPr>
+              <a:t>childPadding.</a:t>
+            </a:r>
+            <a:r>
+              <a:rPr kumimoji="0" lang="de-DE" altLang="de-DE" sz="1600" b="0" i="0" u="none" strike="noStrike" cap="none" normalizeH="0" baseline="0" dirty="0" err="1">
+                <a:ln>
+                  <a:noFill/>
+                </a:ln>
+                <a:solidFill>
+                  <a:srgbClr val="C77DBB"/>
+                </a:solidFill>
+                <a:effectLst/>
+                <a:latin typeface="JetBrains Mono"/>
+              </a:rPr>
+              <a:t>padding</a:t>
+            </a:r>
+            <a:r>
+              <a:rPr kumimoji="0" lang="de-DE" altLang="de-DE" sz="1600" b="0" i="0" u="none" strike="noStrike" cap="none" normalizeH="0" baseline="0" dirty="0">
+                <a:ln>
+                  <a:noFill/>
+                </a:ln>
+                <a:solidFill>
+                  <a:srgbClr val="BCBEC4"/>
+                </a:solidFill>
+                <a:effectLst/>
+                <a:latin typeface="JetBrains Mono"/>
+              </a:rPr>
+              <a:t>,</a:t>
+            </a:r>
+            <a:br>
+              <a:rPr kumimoji="0" lang="de-DE" altLang="de-DE" sz="1600" b="0" i="0" u="none" strike="noStrike" cap="none" normalizeH="0" baseline="0" dirty="0">
+                <a:ln>
+                  <a:noFill/>
+                </a:ln>
+                <a:solidFill>
+                  <a:srgbClr val="BCBEC4"/>
+                </a:solidFill>
+                <a:effectLst/>
+                <a:latin typeface="JetBrains Mono"/>
+              </a:rPr>
+            </a:br>
+            <a:r>
+              <a:rPr kumimoji="0" lang="de-DE" altLang="de-DE" sz="1600" b="0" i="0" u="none" strike="noStrike" cap="none" normalizeH="0" baseline="0" dirty="0">
+                <a:ln>
+                  <a:noFill/>
+                </a:ln>
+                <a:solidFill>
+                  <a:srgbClr val="BCBEC4"/>
+                </a:solidFill>
+                <a:effectLst/>
+                <a:latin typeface="JetBrains Mono"/>
+              </a:rPr>
+              <a:t>        </a:t>
+            </a:r>
+            <a:r>
+              <a:rPr kumimoji="0" lang="de-DE" altLang="de-DE" sz="1600" b="0" i="0" u="none" strike="noStrike" cap="none" normalizeH="0" baseline="0" dirty="0" err="1">
+                <a:ln>
+                  <a:noFill/>
+                </a:ln>
+                <a:solidFill>
+                  <a:srgbClr val="BCBEC4"/>
+                </a:solidFill>
+                <a:effectLst/>
+                <a:latin typeface="JetBrains Mono"/>
+              </a:rPr>
+              <a:t>child</a:t>
+            </a:r>
+            <a:r>
+              <a:rPr kumimoji="0" lang="de-DE" altLang="de-DE" sz="1600" b="0" i="0" u="none" strike="noStrike" cap="none" normalizeH="0" baseline="0" dirty="0">
+                <a:ln>
+                  <a:noFill/>
+                </a:ln>
+                <a:solidFill>
+                  <a:srgbClr val="BCBEC4"/>
+                </a:solidFill>
+                <a:effectLst/>
+                <a:latin typeface="JetBrains Mono"/>
+              </a:rPr>
+              <a:t>: </a:t>
+            </a:r>
+            <a:r>
+              <a:rPr kumimoji="0" lang="de-DE" altLang="de-DE" sz="1600" b="0" i="0" u="none" strike="noStrike" cap="none" normalizeH="0" baseline="0" dirty="0" err="1">
+                <a:ln>
+                  <a:noFill/>
+                </a:ln>
+                <a:solidFill>
+                  <a:srgbClr val="57AAF7"/>
+                </a:solidFill>
+                <a:effectLst/>
+                <a:latin typeface="JetBrains Mono"/>
+              </a:rPr>
+              <a:t>Column</a:t>
+            </a:r>
+            <a:r>
+              <a:rPr kumimoji="0" lang="de-DE" altLang="de-DE" sz="1600" b="0" i="0" u="none" strike="noStrike" cap="none" normalizeH="0" baseline="0" dirty="0">
+                <a:ln>
+                  <a:noFill/>
+                </a:ln>
+                <a:solidFill>
+                  <a:srgbClr val="BCBEC4"/>
+                </a:solidFill>
+                <a:effectLst/>
+                <a:latin typeface="JetBrains Mono"/>
+              </a:rPr>
+              <a:t>(</a:t>
+            </a:r>
+            <a:br>
+              <a:rPr kumimoji="0" lang="de-DE" altLang="de-DE" sz="1600" b="0" i="0" u="none" strike="noStrike" cap="none" normalizeH="0" baseline="0" dirty="0">
+                <a:ln>
+                  <a:noFill/>
+                </a:ln>
+                <a:solidFill>
+                  <a:srgbClr val="BCBEC4"/>
+                </a:solidFill>
+                <a:effectLst/>
+                <a:latin typeface="JetBrains Mono"/>
+              </a:rPr>
+            </a:br>
+            <a:r>
+              <a:rPr kumimoji="0" lang="de-DE" altLang="de-DE" sz="1600" b="0" i="0" u="none" strike="noStrike" cap="none" normalizeH="0" baseline="0" dirty="0">
+                <a:ln>
+                  <a:noFill/>
+                </a:ln>
+                <a:solidFill>
+                  <a:srgbClr val="BCBEC4"/>
+                </a:solidFill>
+                <a:effectLst/>
+                <a:latin typeface="JetBrains Mono"/>
+              </a:rPr>
+              <a:t>            </a:t>
+            </a:r>
+            <a:r>
+              <a:rPr kumimoji="0" lang="de-DE" altLang="de-DE" sz="1600" b="0" i="0" u="none" strike="noStrike" cap="none" normalizeH="0" baseline="0" dirty="0" err="1">
+                <a:ln>
+                  <a:noFill/>
+                </a:ln>
+                <a:solidFill>
+                  <a:srgbClr val="BCBEC4"/>
+                </a:solidFill>
+                <a:effectLst/>
+                <a:latin typeface="JetBrains Mono"/>
+              </a:rPr>
+              <a:t>children</a:t>
+            </a:r>
+            <a:r>
+              <a:rPr kumimoji="0" lang="de-DE" altLang="de-DE" sz="1600" b="0" i="0" u="none" strike="noStrike" cap="none" normalizeH="0" baseline="0" dirty="0">
+                <a:ln>
+                  <a:noFill/>
+                </a:ln>
+                <a:solidFill>
+                  <a:srgbClr val="BCBEC4"/>
+                </a:solidFill>
+                <a:effectLst/>
+                <a:latin typeface="JetBrains Mono"/>
+              </a:rPr>
+              <a:t>: [</a:t>
+            </a:r>
+            <a:br>
+              <a:rPr kumimoji="0" lang="de-DE" altLang="de-DE" sz="1600" b="0" i="0" u="none" strike="noStrike" cap="none" normalizeH="0" baseline="0" dirty="0">
+                <a:ln>
+                  <a:noFill/>
+                </a:ln>
+                <a:solidFill>
+                  <a:srgbClr val="BCBEC4"/>
+                </a:solidFill>
+                <a:effectLst/>
+                <a:latin typeface="JetBrains Mono"/>
+              </a:rPr>
+            </a:br>
+            <a:r>
+              <a:rPr kumimoji="0" lang="de-DE" altLang="de-DE" sz="1600" b="0" i="0" u="none" strike="noStrike" cap="none" normalizeH="0" baseline="0" dirty="0">
+                <a:ln>
+                  <a:noFill/>
+                </a:ln>
+                <a:solidFill>
+                  <a:srgbClr val="BCBEC4"/>
+                </a:solidFill>
+                <a:effectLst/>
+                <a:latin typeface="JetBrains Mono"/>
+              </a:rPr>
+              <a:t>              </a:t>
+            </a:r>
+            <a:r>
+              <a:rPr kumimoji="0" lang="de-DE" altLang="de-DE" sz="1600" b="0" i="0" u="none" strike="noStrike" cap="none" normalizeH="0" baseline="0" dirty="0" err="1">
+                <a:ln>
+                  <a:noFill/>
+                </a:ln>
+                <a:solidFill>
+                  <a:srgbClr val="BCBEC4"/>
+                </a:solidFill>
+                <a:effectLst/>
+                <a:latin typeface="JetBrains Mono"/>
+              </a:rPr>
+              <a:t>topSpacer</a:t>
+            </a:r>
+            <a:r>
+              <a:rPr kumimoji="0" lang="de-DE" altLang="de-DE" sz="1600" b="0" i="0" u="none" strike="noStrike" cap="none" normalizeH="0" baseline="0" dirty="0">
+                <a:ln>
+                  <a:noFill/>
+                </a:ln>
+                <a:solidFill>
+                  <a:srgbClr val="BCBEC4"/>
+                </a:solidFill>
+                <a:effectLst/>
+                <a:latin typeface="JetBrains Mono"/>
+              </a:rPr>
+              <a:t>,</a:t>
+            </a:r>
+            <a:br>
+              <a:rPr kumimoji="0" lang="de-DE" altLang="de-DE" sz="1600" b="0" i="0" u="none" strike="noStrike" cap="none" normalizeH="0" baseline="0" dirty="0">
+                <a:ln>
+                  <a:noFill/>
+                </a:ln>
+                <a:solidFill>
+                  <a:srgbClr val="BCBEC4"/>
+                </a:solidFill>
+                <a:effectLst/>
+                <a:latin typeface="JetBrains Mono"/>
+              </a:rPr>
+            </a:br>
+            <a:r>
+              <a:rPr kumimoji="0" lang="de-DE" altLang="de-DE" sz="1600" b="0" i="0" u="none" strike="noStrike" cap="none" normalizeH="0" baseline="0" dirty="0">
+                <a:ln>
+                  <a:noFill/>
+                </a:ln>
+                <a:solidFill>
+                  <a:srgbClr val="BCBEC4"/>
+                </a:solidFill>
+                <a:effectLst/>
+                <a:latin typeface="JetBrains Mono"/>
+              </a:rPr>
+              <a:t>              </a:t>
+            </a:r>
+            <a:r>
+              <a:rPr kumimoji="0" lang="de-DE" altLang="de-DE" sz="1600" b="0" i="0" u="none" strike="noStrike" cap="none" normalizeH="0" baseline="0" dirty="0" err="1">
+                <a:ln>
+                  <a:noFill/>
+                </a:ln>
+                <a:solidFill>
+                  <a:srgbClr val="57AAF7"/>
+                </a:solidFill>
+                <a:effectLst/>
+                <a:latin typeface="JetBrains Mono"/>
+              </a:rPr>
+              <a:t>ElevatedButton</a:t>
+            </a:r>
+            <a:r>
+              <a:rPr kumimoji="0" lang="de-DE" altLang="de-DE" sz="1600" b="0" i="0" u="none" strike="noStrike" cap="none" normalizeH="0" baseline="0" dirty="0">
+                <a:ln>
+                  <a:noFill/>
+                </a:ln>
+                <a:solidFill>
+                  <a:srgbClr val="BCBEC4"/>
+                </a:solidFill>
+                <a:effectLst/>
+                <a:latin typeface="JetBrains Mono"/>
+              </a:rPr>
+              <a:t>(</a:t>
+            </a:r>
+            <a:br>
+              <a:rPr kumimoji="0" lang="de-DE" altLang="de-DE" sz="1600" b="0" i="0" u="none" strike="noStrike" cap="none" normalizeH="0" baseline="0" dirty="0">
+                <a:ln>
+                  <a:noFill/>
+                </a:ln>
+                <a:solidFill>
+                  <a:srgbClr val="BCBEC4"/>
+                </a:solidFill>
+                <a:effectLst/>
+                <a:latin typeface="JetBrains Mono"/>
+              </a:rPr>
+            </a:br>
+            <a:r>
+              <a:rPr kumimoji="0" lang="de-DE" altLang="de-DE" sz="1600" b="0" i="0" u="none" strike="noStrike" cap="none" normalizeH="0" baseline="0" dirty="0">
+                <a:ln>
+                  <a:noFill/>
+                </a:ln>
+                <a:solidFill>
+                  <a:srgbClr val="BCBEC4"/>
+                </a:solidFill>
+                <a:effectLst/>
+                <a:latin typeface="JetBrains Mono"/>
+              </a:rPr>
+              <a:t>                  </a:t>
+            </a:r>
+            <a:r>
+              <a:rPr kumimoji="0" lang="de-DE" altLang="de-DE" sz="1600" b="0" i="0" u="none" strike="noStrike" cap="none" normalizeH="0" baseline="0" dirty="0" err="1">
+                <a:ln>
+                  <a:noFill/>
+                </a:ln>
+                <a:solidFill>
+                  <a:srgbClr val="BCBEC4"/>
+                </a:solidFill>
+                <a:effectLst/>
+                <a:latin typeface="JetBrains Mono"/>
+              </a:rPr>
+              <a:t>onPressed</a:t>
+            </a:r>
+            <a:r>
+              <a:rPr kumimoji="0" lang="de-DE" altLang="de-DE" sz="1600" b="0" i="0" u="none" strike="noStrike" cap="none" normalizeH="0" baseline="0" dirty="0">
+                <a:ln>
+                  <a:noFill/>
+                </a:ln>
+                <a:solidFill>
+                  <a:srgbClr val="BCBEC4"/>
+                </a:solidFill>
+                <a:effectLst/>
+                <a:latin typeface="JetBrains Mono"/>
+              </a:rPr>
+              <a:t>: () {</a:t>
+            </a:r>
+            <a:br>
+              <a:rPr kumimoji="0" lang="de-DE" altLang="de-DE" sz="1600" b="0" i="0" u="none" strike="noStrike" cap="none" normalizeH="0" baseline="0" dirty="0">
+                <a:ln>
+                  <a:noFill/>
+                </a:ln>
+                <a:solidFill>
+                  <a:srgbClr val="BCBEC4"/>
+                </a:solidFill>
+                <a:effectLst/>
+                <a:latin typeface="JetBrains Mono"/>
+              </a:rPr>
+            </a:br>
+            <a:r>
+              <a:rPr kumimoji="0" lang="de-DE" altLang="de-DE" sz="1600" b="0" i="0" u="none" strike="noStrike" cap="none" normalizeH="0" baseline="0" dirty="0">
+                <a:ln>
+                  <a:noFill/>
+                </a:ln>
+                <a:solidFill>
+                  <a:srgbClr val="BCBEC4"/>
+                </a:solidFill>
+                <a:effectLst/>
+                <a:latin typeface="JetBrains Mono"/>
+              </a:rPr>
+              <a:t>                    </a:t>
+            </a:r>
+            <a:r>
+              <a:rPr kumimoji="0" lang="de-DE" altLang="de-DE" sz="1600" b="0" i="0" u="none" strike="noStrike" cap="none" normalizeH="0" baseline="0" dirty="0" err="1">
+                <a:ln>
+                  <a:noFill/>
+                </a:ln>
+                <a:solidFill>
+                  <a:srgbClr val="BCBEC4"/>
+                </a:solidFill>
+                <a:effectLst/>
+                <a:latin typeface="JetBrains Mono"/>
+              </a:rPr>
+              <a:t>Navigator.</a:t>
+            </a:r>
+            <a:r>
+              <a:rPr kumimoji="0" lang="de-DE" altLang="de-DE" sz="1600" b="0" i="1" u="none" strike="noStrike" cap="none" normalizeH="0" baseline="0" dirty="0" err="1">
+                <a:ln>
+                  <a:noFill/>
+                </a:ln>
+                <a:solidFill>
+                  <a:srgbClr val="57AAF7"/>
+                </a:solidFill>
+                <a:effectLst/>
+                <a:latin typeface="JetBrains Mono"/>
+              </a:rPr>
+              <a:t>push</a:t>
+            </a:r>
+            <a:r>
+              <a:rPr kumimoji="0" lang="de-DE" altLang="de-DE" sz="1600" b="0" i="0" u="none" strike="noStrike" cap="none" normalizeH="0" baseline="0" dirty="0">
+                <a:ln>
+                  <a:noFill/>
+                </a:ln>
+                <a:solidFill>
+                  <a:srgbClr val="BCBEC4"/>
+                </a:solidFill>
+                <a:effectLst/>
+                <a:latin typeface="JetBrains Mono"/>
+              </a:rPr>
+              <a:t>(</a:t>
+            </a:r>
+            <a:r>
+              <a:rPr kumimoji="0" lang="de-DE" altLang="de-DE" sz="1600" b="0" i="0" u="none" strike="noStrike" cap="none" normalizeH="0" baseline="0" dirty="0" err="1">
+                <a:ln>
+                  <a:noFill/>
+                </a:ln>
+                <a:solidFill>
+                  <a:srgbClr val="BCBEC4"/>
+                </a:solidFill>
+                <a:effectLst/>
+                <a:latin typeface="JetBrains Mono"/>
+              </a:rPr>
+              <a:t>context</a:t>
+            </a:r>
+            <a:r>
+              <a:rPr kumimoji="0" lang="de-DE" altLang="de-DE" sz="1600" b="0" i="0" u="none" strike="noStrike" cap="none" normalizeH="0" baseline="0" dirty="0">
+                <a:ln>
+                  <a:noFill/>
+                </a:ln>
+                <a:solidFill>
+                  <a:srgbClr val="BCBEC4"/>
+                </a:solidFill>
+                <a:effectLst/>
+                <a:latin typeface="JetBrains Mono"/>
+              </a:rPr>
+              <a:t>,</a:t>
+            </a:r>
+            <a:br>
+              <a:rPr kumimoji="0" lang="de-DE" altLang="de-DE" sz="1600" b="0" i="0" u="none" strike="noStrike" cap="none" normalizeH="0" baseline="0" dirty="0">
+                <a:ln>
+                  <a:noFill/>
+                </a:ln>
+                <a:solidFill>
+                  <a:srgbClr val="BCBEC4"/>
+                </a:solidFill>
+                <a:effectLst/>
+                <a:latin typeface="JetBrains Mono"/>
+              </a:rPr>
+            </a:br>
+            <a:r>
+              <a:rPr kumimoji="0" lang="de-DE" altLang="de-DE" sz="1600" b="0" i="0" u="none" strike="noStrike" cap="none" normalizeH="0" baseline="0" dirty="0">
+                <a:ln>
+                  <a:noFill/>
+                </a:ln>
+                <a:solidFill>
+                  <a:srgbClr val="BCBEC4"/>
+                </a:solidFill>
+                <a:effectLst/>
+                <a:latin typeface="JetBrains Mono"/>
+              </a:rPr>
+              <a:t>                        </a:t>
+            </a:r>
+            <a:r>
+              <a:rPr kumimoji="0" lang="de-DE" altLang="de-DE" sz="1600" b="0" i="0" u="none" strike="noStrike" cap="none" normalizeH="0" baseline="0" dirty="0" err="1">
+                <a:ln>
+                  <a:noFill/>
+                </a:ln>
+                <a:solidFill>
+                  <a:srgbClr val="57AAF7"/>
+                </a:solidFill>
+                <a:effectLst/>
+                <a:latin typeface="JetBrains Mono"/>
+              </a:rPr>
+              <a:t>MaterialPageRoute</a:t>
+            </a:r>
+            <a:r>
+              <a:rPr kumimoji="0" lang="de-DE" altLang="de-DE" sz="1600" b="0" i="0" u="none" strike="noStrike" cap="none" normalizeH="0" baseline="0" dirty="0">
+                <a:ln>
+                  <a:noFill/>
+                </a:ln>
+                <a:solidFill>
+                  <a:srgbClr val="BCBEC4"/>
+                </a:solidFill>
+                <a:effectLst/>
+                <a:latin typeface="JetBrains Mono"/>
+              </a:rPr>
+              <a:t>(</a:t>
+            </a:r>
+            <a:r>
+              <a:rPr kumimoji="0" lang="de-DE" altLang="de-DE" sz="1600" b="0" i="0" u="none" strike="noStrike" cap="none" normalizeH="0" baseline="0" dirty="0" err="1">
+                <a:ln>
+                  <a:noFill/>
+                </a:ln>
+                <a:solidFill>
+                  <a:srgbClr val="BCBEC4"/>
+                </a:solidFill>
+                <a:effectLst/>
+                <a:latin typeface="JetBrains Mono"/>
+              </a:rPr>
+              <a:t>builder</a:t>
+            </a:r>
+            <a:r>
+              <a:rPr kumimoji="0" lang="de-DE" altLang="de-DE" sz="1600" b="0" i="0" u="none" strike="noStrike" cap="none" normalizeH="0" baseline="0" dirty="0">
+                <a:ln>
+                  <a:noFill/>
+                </a:ln>
+                <a:solidFill>
+                  <a:srgbClr val="BCBEC4"/>
+                </a:solidFill>
+                <a:effectLst/>
+                <a:latin typeface="JetBrains Mono"/>
+              </a:rPr>
+              <a:t>: (</a:t>
+            </a:r>
+            <a:br>
+              <a:rPr kumimoji="0" lang="de-DE" altLang="de-DE" sz="1600" b="0" i="0" u="none" strike="noStrike" cap="none" normalizeH="0" baseline="0" dirty="0">
+                <a:ln>
+                  <a:noFill/>
+                </a:ln>
+                <a:solidFill>
+                  <a:srgbClr val="BCBEC4"/>
+                </a:solidFill>
+                <a:effectLst/>
+                <a:latin typeface="JetBrains Mono"/>
+              </a:rPr>
+            </a:br>
+            <a:r>
+              <a:rPr kumimoji="0" lang="de-DE" altLang="de-DE" sz="1600" b="0" i="0" u="none" strike="noStrike" cap="none" normalizeH="0" baseline="0" dirty="0">
+                <a:ln>
+                  <a:noFill/>
+                </a:ln>
+                <a:solidFill>
+                  <a:srgbClr val="BCBEC4"/>
+                </a:solidFill>
+                <a:effectLst/>
+                <a:latin typeface="JetBrains Mono"/>
+              </a:rPr>
+              <a:t>                            </a:t>
+            </a:r>
+            <a:r>
+              <a:rPr kumimoji="0" lang="de-DE" altLang="de-DE" sz="1600" b="0" i="0" u="none" strike="noStrike" cap="none" normalizeH="0" baseline="0" dirty="0" err="1">
+                <a:ln>
+                  <a:noFill/>
+                </a:ln>
+                <a:solidFill>
+                  <a:srgbClr val="BCBEC4"/>
+                </a:solidFill>
+                <a:effectLst/>
+                <a:latin typeface="JetBrains Mono"/>
+              </a:rPr>
+              <a:t>context</a:t>
+            </a:r>
+            <a:r>
+              <a:rPr kumimoji="0" lang="de-DE" altLang="de-DE" sz="1600" b="0" i="0" u="none" strike="noStrike" cap="none" normalizeH="0" baseline="0" dirty="0">
+                <a:ln>
+                  <a:noFill/>
+                </a:ln>
+                <a:solidFill>
+                  <a:srgbClr val="BCBEC4"/>
+                </a:solidFill>
+                <a:effectLst/>
+                <a:latin typeface="JetBrains Mono"/>
+              </a:rPr>
+              <a:t>) =&gt; </a:t>
+            </a:r>
+            <a:r>
+              <a:rPr kumimoji="0" lang="de-DE" altLang="de-DE" sz="1600" b="0" i="0" u="none" strike="noStrike" cap="none" normalizeH="0" baseline="0" dirty="0" err="1">
+                <a:ln>
+                  <a:noFill/>
+                </a:ln>
+                <a:solidFill>
+                  <a:srgbClr val="57AAF7"/>
+                </a:solidFill>
+                <a:effectLst/>
+                <a:latin typeface="JetBrains Mono"/>
+              </a:rPr>
+              <a:t>LevelPage</a:t>
+            </a:r>
+            <a:r>
+              <a:rPr kumimoji="0" lang="de-DE" altLang="de-DE" sz="1600" b="0" i="0" u="none" strike="noStrike" cap="none" normalizeH="0" baseline="0" dirty="0">
+                <a:ln>
+                  <a:noFill/>
+                </a:ln>
+                <a:solidFill>
+                  <a:srgbClr val="BCBEC4"/>
+                </a:solidFill>
+                <a:effectLst/>
+                <a:latin typeface="JetBrains Mono"/>
+              </a:rPr>
+              <a:t>()));</a:t>
+            </a:r>
+            <a:br>
+              <a:rPr kumimoji="0" lang="de-DE" altLang="de-DE" sz="1600" b="0" i="0" u="none" strike="noStrike" cap="none" normalizeH="0" baseline="0" dirty="0">
+                <a:ln>
+                  <a:noFill/>
+                </a:ln>
+                <a:solidFill>
+                  <a:srgbClr val="BCBEC4"/>
+                </a:solidFill>
+                <a:effectLst/>
+                <a:latin typeface="JetBrains Mono"/>
+              </a:rPr>
+            </a:br>
+            <a:r>
+              <a:rPr kumimoji="0" lang="de-DE" altLang="de-DE" sz="1600" b="0" i="0" u="none" strike="noStrike" cap="none" normalizeH="0" baseline="0" dirty="0">
+                <a:ln>
+                  <a:noFill/>
+                </a:ln>
+                <a:solidFill>
+                  <a:srgbClr val="BCBEC4"/>
+                </a:solidFill>
+                <a:effectLst/>
+                <a:latin typeface="JetBrains Mono"/>
+              </a:rPr>
+              <a:t>                  },</a:t>
+            </a:r>
+            <a:br>
+              <a:rPr kumimoji="0" lang="de-DE" altLang="de-DE" sz="1600" b="0" i="0" u="none" strike="noStrike" cap="none" normalizeH="0" baseline="0" dirty="0">
+                <a:ln>
+                  <a:noFill/>
+                </a:ln>
+                <a:solidFill>
+                  <a:srgbClr val="BCBEC4"/>
+                </a:solidFill>
+                <a:effectLst/>
+                <a:latin typeface="JetBrains Mono"/>
+              </a:rPr>
+            </a:br>
+            <a:r>
+              <a:rPr kumimoji="0" lang="de-DE" altLang="de-DE" sz="1600" b="0" i="0" u="none" strike="noStrike" cap="none" normalizeH="0" baseline="0" dirty="0">
+                <a:ln>
+                  <a:noFill/>
+                </a:ln>
+                <a:solidFill>
+                  <a:srgbClr val="BCBEC4"/>
+                </a:solidFill>
+                <a:effectLst/>
+                <a:latin typeface="JetBrains Mono"/>
+              </a:rPr>
+              <a:t>                  </a:t>
+            </a:r>
+            <a:r>
+              <a:rPr kumimoji="0" lang="de-DE" altLang="de-DE" sz="1600" b="0" i="0" u="none" strike="noStrike" cap="none" normalizeH="0" baseline="0" dirty="0" err="1">
+                <a:ln>
+                  <a:noFill/>
+                </a:ln>
+                <a:solidFill>
+                  <a:srgbClr val="BCBEC4"/>
+                </a:solidFill>
+                <a:effectLst/>
+                <a:latin typeface="JetBrains Mono"/>
+              </a:rPr>
+              <a:t>child</a:t>
+            </a:r>
+            <a:r>
+              <a:rPr kumimoji="0" lang="de-DE" altLang="de-DE" sz="1600" b="0" i="0" u="none" strike="noStrike" cap="none" normalizeH="0" baseline="0" dirty="0">
+                <a:ln>
+                  <a:noFill/>
+                </a:ln>
+                <a:solidFill>
+                  <a:srgbClr val="BCBEC4"/>
+                </a:solidFill>
+                <a:effectLst/>
+                <a:latin typeface="JetBrains Mono"/>
+              </a:rPr>
+              <a:t>: </a:t>
+            </a:r>
+            <a:r>
+              <a:rPr kumimoji="0" lang="de-DE" altLang="de-DE" sz="1600" b="0" i="0" u="none" strike="noStrike" cap="none" normalizeH="0" baseline="0" dirty="0">
+                <a:ln>
+                  <a:noFill/>
+                </a:ln>
+                <a:solidFill>
+                  <a:srgbClr val="57AAF7"/>
+                </a:solidFill>
+                <a:effectLst/>
+                <a:latin typeface="JetBrains Mono"/>
+              </a:rPr>
+              <a:t>Text</a:t>
+            </a:r>
+            <a:r>
+              <a:rPr kumimoji="0" lang="de-DE" altLang="de-DE" sz="1600" b="0" i="0" u="none" strike="noStrike" cap="none" normalizeH="0" baseline="0" dirty="0">
+                <a:ln>
+                  <a:noFill/>
+                </a:ln>
+                <a:solidFill>
+                  <a:srgbClr val="BCBEC4"/>
+                </a:solidFill>
+                <a:effectLst/>
+                <a:latin typeface="JetBrains Mono"/>
+              </a:rPr>
+              <a:t>(</a:t>
+            </a:r>
+            <a:r>
+              <a:rPr kumimoji="0" lang="de-DE" altLang="de-DE" sz="1600" b="0" i="0" u="none" strike="noStrike" cap="none" normalizeH="0" baseline="0" dirty="0">
+                <a:ln>
+                  <a:noFill/>
+                </a:ln>
+                <a:solidFill>
+                  <a:srgbClr val="6AAB73"/>
+                </a:solidFill>
+                <a:effectLst/>
+                <a:latin typeface="JetBrains Mono"/>
+              </a:rPr>
+              <a:t>"Spielen"</a:t>
+            </a:r>
+            <a:r>
+              <a:rPr kumimoji="0" lang="de-DE" altLang="de-DE" sz="1600" b="0" i="0" u="none" strike="noStrike" cap="none" normalizeH="0" baseline="0" dirty="0">
+                <a:ln>
+                  <a:noFill/>
+                </a:ln>
+                <a:solidFill>
+                  <a:srgbClr val="BCBEC4"/>
+                </a:solidFill>
+                <a:effectLst/>
+                <a:latin typeface="JetBrains Mono"/>
+              </a:rPr>
+              <a:t>,</a:t>
+            </a:r>
+            <a:br>
+              <a:rPr kumimoji="0" lang="de-DE" altLang="de-DE" sz="1600" b="0" i="0" u="none" strike="noStrike" cap="none" normalizeH="0" baseline="0" dirty="0">
+                <a:ln>
+                  <a:noFill/>
+                </a:ln>
+                <a:solidFill>
+                  <a:srgbClr val="BCBEC4"/>
+                </a:solidFill>
+                <a:effectLst/>
+                <a:latin typeface="JetBrains Mono"/>
+              </a:rPr>
+            </a:br>
+            <a:r>
+              <a:rPr kumimoji="0" lang="de-DE" altLang="de-DE" sz="1600" b="0" i="0" u="none" strike="noStrike" cap="none" normalizeH="0" baseline="0" dirty="0">
+                <a:ln>
+                  <a:noFill/>
+                </a:ln>
+                <a:solidFill>
+                  <a:srgbClr val="BCBEC4"/>
+                </a:solidFill>
+                <a:effectLst/>
+                <a:latin typeface="JetBrains Mono"/>
+              </a:rPr>
+              <a:t>                      style: </a:t>
+            </a:r>
+            <a:r>
+              <a:rPr kumimoji="0" lang="de-DE" altLang="de-DE" sz="1600" b="0" i="0" u="none" strike="noStrike" cap="none" normalizeH="0" baseline="0" dirty="0" err="1">
+                <a:ln>
+                  <a:noFill/>
+                </a:ln>
+                <a:solidFill>
+                  <a:srgbClr val="57AAF7"/>
+                </a:solidFill>
+                <a:effectLst/>
+                <a:latin typeface="JetBrains Mono"/>
+              </a:rPr>
+              <a:t>TextStyle</a:t>
+            </a:r>
+            <a:r>
+              <a:rPr kumimoji="0" lang="de-DE" altLang="de-DE" sz="1600" b="0" i="0" u="none" strike="noStrike" cap="none" normalizeH="0" baseline="0" dirty="0">
+                <a:ln>
+                  <a:noFill/>
+                </a:ln>
+                <a:solidFill>
+                  <a:srgbClr val="BCBEC4"/>
+                </a:solidFill>
+                <a:effectLst/>
+                <a:latin typeface="JetBrains Mono"/>
+              </a:rPr>
+              <a:t>(</a:t>
+            </a:r>
+            <a:r>
+              <a:rPr kumimoji="0" lang="de-DE" altLang="de-DE" sz="1600" b="0" i="0" u="none" strike="noStrike" cap="none" normalizeH="0" baseline="0" dirty="0" err="1">
+                <a:ln>
+                  <a:noFill/>
+                </a:ln>
+                <a:solidFill>
+                  <a:srgbClr val="BCBEC4"/>
+                </a:solidFill>
+                <a:effectLst/>
+                <a:latin typeface="JetBrains Mono"/>
+              </a:rPr>
+              <a:t>fontSize</a:t>
+            </a:r>
+            <a:r>
+              <a:rPr kumimoji="0" lang="de-DE" altLang="de-DE" sz="1600" b="0" i="0" u="none" strike="noStrike" cap="none" normalizeH="0" baseline="0" dirty="0">
+                <a:ln>
+                  <a:noFill/>
+                </a:ln>
+                <a:solidFill>
+                  <a:srgbClr val="BCBEC4"/>
+                </a:solidFill>
+                <a:effectLst/>
+                <a:latin typeface="JetBrains Mono"/>
+              </a:rPr>
+              <a:t>: </a:t>
+            </a:r>
+            <a:r>
+              <a:rPr kumimoji="0" lang="de-DE" altLang="de-DE" sz="1600" b="0" i="0" u="none" strike="noStrike" cap="none" normalizeH="0" baseline="0" dirty="0">
+                <a:ln>
+                  <a:noFill/>
+                </a:ln>
+                <a:solidFill>
+                  <a:srgbClr val="2AACB8"/>
+                </a:solidFill>
+                <a:effectLst/>
+                <a:latin typeface="JetBrains Mono"/>
+              </a:rPr>
+              <a:t>20</a:t>
+            </a:r>
+            <a:r>
+              <a:rPr kumimoji="0" lang="de-DE" altLang="de-DE" sz="1600" b="0" i="0" u="none" strike="noStrike" cap="none" normalizeH="0" baseline="0" dirty="0">
+                <a:ln>
+                  <a:noFill/>
+                </a:ln>
+                <a:solidFill>
+                  <a:srgbClr val="BCBEC4"/>
+                </a:solidFill>
+                <a:effectLst/>
+                <a:latin typeface="JetBrains Mono"/>
+              </a:rPr>
+              <a:t>)),</a:t>
+            </a:r>
+            <a:br>
+              <a:rPr kumimoji="0" lang="de-DE" altLang="de-DE" sz="1600" b="0" i="0" u="none" strike="noStrike" cap="none" normalizeH="0" baseline="0" dirty="0">
+                <a:ln>
+                  <a:noFill/>
+                </a:ln>
+                <a:solidFill>
+                  <a:srgbClr val="BCBEC4"/>
+                </a:solidFill>
+                <a:effectLst/>
+                <a:latin typeface="JetBrains Mono"/>
+              </a:rPr>
+            </a:br>
+            <a:r>
+              <a:rPr kumimoji="0" lang="de-DE" altLang="de-DE" sz="1600" b="0" i="0" u="none" strike="noStrike" cap="none" normalizeH="0" baseline="0" dirty="0">
+                <a:ln>
+                  <a:noFill/>
+                </a:ln>
+                <a:solidFill>
+                  <a:srgbClr val="BCBEC4"/>
+                </a:solidFill>
+                <a:effectLst/>
+                <a:latin typeface="JetBrains Mono"/>
+              </a:rPr>
+              <a:t>                  style: </a:t>
+            </a:r>
+            <a:r>
+              <a:rPr kumimoji="0" lang="de-DE" altLang="de-DE" sz="1600" b="0" i="0" u="none" strike="noStrike" cap="none" normalizeH="0" baseline="0" dirty="0" err="1">
+                <a:ln>
+                  <a:noFill/>
+                </a:ln>
+                <a:solidFill>
+                  <a:srgbClr val="57AAF7"/>
+                </a:solidFill>
+                <a:effectLst/>
+                <a:latin typeface="JetBrains Mono"/>
+              </a:rPr>
+              <a:t>ButtonStyle</a:t>
+            </a:r>
+            <a:r>
+              <a:rPr kumimoji="0" lang="de-DE" altLang="de-DE" sz="1600" b="0" i="0" u="none" strike="noStrike" cap="none" normalizeH="0" baseline="0" dirty="0">
+                <a:ln>
+                  <a:noFill/>
+                </a:ln>
+                <a:solidFill>
+                  <a:srgbClr val="BCBEC4"/>
+                </a:solidFill>
+                <a:effectLst/>
+                <a:latin typeface="JetBrains Mono"/>
+              </a:rPr>
+              <a:t>(</a:t>
+            </a:r>
+            <a:br>
+              <a:rPr kumimoji="0" lang="de-DE" altLang="de-DE" sz="1600" b="0" i="0" u="none" strike="noStrike" cap="none" normalizeH="0" baseline="0" dirty="0">
+                <a:ln>
+                  <a:noFill/>
+                </a:ln>
+                <a:solidFill>
+                  <a:srgbClr val="BCBEC4"/>
+                </a:solidFill>
+                <a:effectLst/>
+                <a:latin typeface="JetBrains Mono"/>
+              </a:rPr>
+            </a:br>
+            <a:r>
+              <a:rPr kumimoji="0" lang="de-DE" altLang="de-DE" sz="1600" b="0" i="0" u="none" strike="noStrike" cap="none" normalizeH="0" baseline="0" dirty="0">
+                <a:ln>
+                  <a:noFill/>
+                </a:ln>
+                <a:solidFill>
+                  <a:srgbClr val="BCBEC4"/>
+                </a:solidFill>
+                <a:effectLst/>
+                <a:latin typeface="JetBrains Mono"/>
+              </a:rPr>
+              <a:t>                      </a:t>
+            </a:r>
+            <a:r>
+              <a:rPr kumimoji="0" lang="de-DE" altLang="de-DE" sz="1600" b="0" i="0" u="none" strike="noStrike" cap="none" normalizeH="0" baseline="0" dirty="0" err="1">
+                <a:ln>
+                  <a:noFill/>
+                </a:ln>
+                <a:solidFill>
+                  <a:srgbClr val="BCBEC4"/>
+                </a:solidFill>
+                <a:effectLst/>
+                <a:latin typeface="JetBrains Mono"/>
+              </a:rPr>
+              <a:t>backgroundColor</a:t>
+            </a:r>
+            <a:r>
+              <a:rPr kumimoji="0" lang="de-DE" altLang="de-DE" sz="1600" b="0" i="0" u="none" strike="noStrike" cap="none" normalizeH="0" baseline="0" dirty="0">
+                <a:ln>
+                  <a:noFill/>
+                </a:ln>
+                <a:solidFill>
+                  <a:srgbClr val="BCBEC4"/>
+                </a:solidFill>
+                <a:effectLst/>
+                <a:latin typeface="JetBrains Mono"/>
+              </a:rPr>
+              <a:t>: </a:t>
+            </a:r>
+            <a:r>
+              <a:rPr kumimoji="0" lang="de-DE" altLang="de-DE" sz="1600" b="0" i="0" u="none" strike="noStrike" cap="none" normalizeH="0" baseline="0" dirty="0" err="1">
+                <a:ln>
+                  <a:noFill/>
+                </a:ln>
+                <a:solidFill>
+                  <a:srgbClr val="BCBEC4"/>
+                </a:solidFill>
+                <a:effectLst/>
+                <a:latin typeface="JetBrains Mono"/>
+              </a:rPr>
+              <a:t>MaterialStateColor</a:t>
+            </a:r>
+            <a:br>
+              <a:rPr kumimoji="0" lang="de-DE" altLang="de-DE" sz="1600" b="0" i="0" u="none" strike="noStrike" cap="none" normalizeH="0" baseline="0" dirty="0">
+                <a:ln>
+                  <a:noFill/>
+                </a:ln>
+                <a:solidFill>
+                  <a:srgbClr val="BCBEC4"/>
+                </a:solidFill>
+                <a:effectLst/>
+                <a:latin typeface="JetBrains Mono"/>
+              </a:rPr>
+            </a:br>
+            <a:r>
+              <a:rPr kumimoji="0" lang="de-DE" altLang="de-DE" sz="1600" b="0" i="0" u="none" strike="noStrike" cap="none" normalizeH="0" baseline="0" dirty="0">
+                <a:ln>
+                  <a:noFill/>
+                </a:ln>
+                <a:solidFill>
+                  <a:srgbClr val="BCBEC4"/>
+                </a:solidFill>
+                <a:effectLst/>
+                <a:latin typeface="JetBrains Mono"/>
+              </a:rPr>
+              <a:t>                          .</a:t>
+            </a:r>
+            <a:r>
+              <a:rPr kumimoji="0" lang="de-DE" altLang="de-DE" sz="1600" b="0" i="1" u="none" strike="noStrike" cap="none" normalizeH="0" baseline="0" dirty="0" err="1">
+                <a:ln>
+                  <a:noFill/>
+                </a:ln>
+                <a:solidFill>
+                  <a:srgbClr val="57AAF7"/>
+                </a:solidFill>
+                <a:effectLst/>
+                <a:latin typeface="JetBrains Mono"/>
+              </a:rPr>
+              <a:t>resolveWith</a:t>
+            </a:r>
+            <a:r>
+              <a:rPr kumimoji="0" lang="de-DE" altLang="de-DE" sz="1600" b="0" i="0" u="none" strike="noStrike" cap="none" normalizeH="0" baseline="0" dirty="0">
+                <a:ln>
+                  <a:noFill/>
+                </a:ln>
+                <a:solidFill>
+                  <a:srgbClr val="BCBEC4"/>
+                </a:solidFill>
+                <a:effectLst/>
+                <a:latin typeface="JetBrains Mono"/>
+              </a:rPr>
+              <a:t>((</a:t>
+            </a:r>
+            <a:r>
+              <a:rPr kumimoji="0" lang="de-DE" altLang="de-DE" sz="1600" b="0" i="0" u="none" strike="noStrike" cap="none" normalizeH="0" baseline="0" dirty="0" err="1">
+                <a:ln>
+                  <a:noFill/>
+                </a:ln>
+                <a:solidFill>
+                  <a:srgbClr val="BCBEC4"/>
+                </a:solidFill>
+                <a:effectLst/>
+                <a:latin typeface="JetBrains Mono"/>
+              </a:rPr>
+              <a:t>states</a:t>
+            </a:r>
+            <a:r>
+              <a:rPr kumimoji="0" lang="de-DE" altLang="de-DE" sz="1600" b="0" i="0" u="none" strike="noStrike" cap="none" normalizeH="0" baseline="0" dirty="0">
+                <a:ln>
+                  <a:noFill/>
+                </a:ln>
+                <a:solidFill>
+                  <a:srgbClr val="BCBEC4"/>
+                </a:solidFill>
+                <a:effectLst/>
+                <a:latin typeface="JetBrains Mono"/>
+              </a:rPr>
+              <a:t>) =&gt;</a:t>
+            </a:r>
+            <a:br>
+              <a:rPr kumimoji="0" lang="de-DE" altLang="de-DE" sz="1600" b="0" i="0" u="none" strike="noStrike" cap="none" normalizeH="0" baseline="0" dirty="0">
+                <a:ln>
+                  <a:noFill/>
+                </a:ln>
+                <a:solidFill>
+                  <a:srgbClr val="BCBEC4"/>
+                </a:solidFill>
+                <a:effectLst/>
+                <a:latin typeface="JetBrains Mono"/>
+              </a:rPr>
+            </a:br>
+            <a:r>
+              <a:rPr kumimoji="0" lang="de-DE" altLang="de-DE" sz="1600" b="0" i="0" u="none" strike="noStrike" cap="none" normalizeH="0" baseline="0" dirty="0">
+                <a:ln>
+                  <a:noFill/>
+                </a:ln>
+                <a:solidFill>
+                  <a:srgbClr val="BCBEC4"/>
+                </a:solidFill>
+                <a:effectLst/>
+                <a:latin typeface="JetBrains Mono"/>
+              </a:rPr>
+              <a:t>                      </a:t>
+            </a:r>
+            <a:r>
+              <a:rPr kumimoji="0" lang="de-DE" altLang="de-DE" sz="1600" b="0" i="0" u="none" strike="noStrike" cap="none" normalizeH="0" baseline="0" dirty="0" err="1">
+                <a:ln>
+                  <a:noFill/>
+                </a:ln>
+                <a:solidFill>
+                  <a:srgbClr val="BCBEC4"/>
+                </a:solidFill>
+                <a:effectLst/>
+                <a:latin typeface="JetBrains Mono"/>
+              </a:rPr>
+              <a:t>Colors.</a:t>
+            </a:r>
+            <a:r>
+              <a:rPr kumimoji="0" lang="de-DE" altLang="de-DE" sz="1600" b="0" i="1" u="none" strike="noStrike" cap="none" normalizeH="0" baseline="0" dirty="0" err="1">
+                <a:ln>
+                  <a:noFill/>
+                </a:ln>
+                <a:solidFill>
+                  <a:srgbClr val="C77DBB"/>
+                </a:solidFill>
+                <a:effectLst/>
+                <a:latin typeface="JetBrains Mono"/>
+              </a:rPr>
+              <a:t>amber</a:t>
+            </a:r>
+            <a:r>
+              <a:rPr kumimoji="0" lang="de-DE" altLang="de-DE" sz="1600" b="0" i="0" u="none" strike="noStrike" cap="none" normalizeH="0" baseline="0" dirty="0">
+                <a:ln>
+                  <a:noFill/>
+                </a:ln>
+                <a:solidFill>
+                  <a:srgbClr val="BCBEC4"/>
+                </a:solidFill>
+                <a:effectLst/>
+                <a:latin typeface="JetBrains Mono"/>
+              </a:rPr>
+              <a:t>)</a:t>
+            </a:r>
+            <a:br>
+              <a:rPr kumimoji="0" lang="de-DE" altLang="de-DE" sz="1600" b="0" i="0" u="none" strike="noStrike" cap="none" normalizeH="0" baseline="0" dirty="0">
+                <a:ln>
+                  <a:noFill/>
+                </a:ln>
+                <a:solidFill>
+                  <a:srgbClr val="BCBEC4"/>
+                </a:solidFill>
+                <a:effectLst/>
+                <a:latin typeface="JetBrains Mono"/>
+              </a:rPr>
+            </a:br>
+            <a:r>
+              <a:rPr kumimoji="0" lang="de-DE" altLang="de-DE" sz="1600" b="0" i="0" u="none" strike="noStrike" cap="none" normalizeH="0" baseline="0" dirty="0">
+                <a:ln>
+                  <a:noFill/>
+                </a:ln>
+                <a:solidFill>
+                  <a:srgbClr val="BCBEC4"/>
+                </a:solidFill>
+                <a:effectLst/>
+                <a:latin typeface="JetBrains Mono"/>
+              </a:rPr>
+              <a:t>                  )</a:t>
+            </a:r>
+            <a:br>
+              <a:rPr kumimoji="0" lang="de-DE" altLang="de-DE" sz="1600" b="0" i="0" u="none" strike="noStrike" cap="none" normalizeH="0" baseline="0" dirty="0">
+                <a:ln>
+                  <a:noFill/>
+                </a:ln>
+                <a:solidFill>
+                  <a:srgbClr val="BCBEC4"/>
+                </a:solidFill>
+                <a:effectLst/>
+                <a:latin typeface="JetBrains Mono"/>
+              </a:rPr>
+            </a:br>
+            <a:r>
+              <a:rPr kumimoji="0" lang="de-DE" altLang="de-DE" sz="1600" b="0" i="0" u="none" strike="noStrike" cap="none" normalizeH="0" baseline="0" dirty="0">
+                <a:ln>
+                  <a:noFill/>
+                </a:ln>
+                <a:solidFill>
+                  <a:srgbClr val="BCBEC4"/>
+                </a:solidFill>
+                <a:effectLst/>
+                <a:latin typeface="JetBrains Mono"/>
+              </a:rPr>
+              <a:t>              ),</a:t>
+            </a:r>
+            <a:br>
+              <a:rPr kumimoji="0" lang="de-DE" altLang="de-DE" sz="1600" b="0" i="0" u="none" strike="noStrike" cap="none" normalizeH="0" baseline="0" dirty="0">
+                <a:ln>
+                  <a:noFill/>
+                </a:ln>
+                <a:solidFill>
+                  <a:srgbClr val="BCBEC4"/>
+                </a:solidFill>
+                <a:effectLst/>
+                <a:latin typeface="JetBrains Mono"/>
+              </a:rPr>
+            </a:br>
+            <a:r>
+              <a:rPr kumimoji="0" lang="de-DE" altLang="de-DE" sz="1600" b="0" i="0" u="none" strike="noStrike" cap="none" normalizeH="0" baseline="0" dirty="0">
+                <a:ln>
+                  <a:noFill/>
+                </a:ln>
+                <a:solidFill>
+                  <a:srgbClr val="BCBEC4"/>
+                </a:solidFill>
+                <a:effectLst/>
+                <a:latin typeface="JetBrains Mono"/>
+              </a:rPr>
+              <a:t>              </a:t>
+            </a:r>
+            <a:r>
+              <a:rPr kumimoji="0" lang="de-DE" altLang="de-DE" sz="1600" b="0" i="0" u="none" strike="noStrike" cap="none" normalizeH="0" baseline="0" dirty="0" err="1">
+                <a:ln>
+                  <a:noFill/>
+                </a:ln>
+                <a:solidFill>
+                  <a:srgbClr val="BCBEC4"/>
+                </a:solidFill>
+                <a:effectLst/>
+                <a:latin typeface="JetBrains Mono"/>
+              </a:rPr>
+              <a:t>spacerBetween</a:t>
+            </a:r>
+            <a:r>
+              <a:rPr kumimoji="0" lang="de-DE" altLang="de-DE" sz="1600" b="0" i="0" u="none" strike="noStrike" cap="none" normalizeH="0" baseline="0" dirty="0">
+                <a:ln>
+                  <a:noFill/>
+                </a:ln>
+                <a:solidFill>
+                  <a:srgbClr val="BCBEC4"/>
+                </a:solidFill>
+                <a:effectLst/>
+                <a:latin typeface="JetBrains Mono"/>
+              </a:rPr>
+              <a:t>,</a:t>
+            </a:r>
+            <a:endParaRPr kumimoji="0" lang="de-DE" altLang="de-DE" sz="1600" b="0" i="0" u="none" strike="noStrike" cap="none" normalizeH="0" baseline="0" dirty="0">
+              <a:ln>
+                <a:noFill/>
+              </a:ln>
+              <a:solidFill>
+                <a:schemeClr val="tx1"/>
+              </a:solidFill>
+              <a:effectLst/>
+              <a:latin typeface="Arial" panose="020B0604020202020204" pitchFamily="34" charset="0"/>
+            </a:endParaRPr>
+          </a:p>
+        </p:txBody>
+      </p:sp>
+      <p:sp>
+        <p:nvSpPr>
+          <p:cNvPr id="13" name="Rechteck: abgerundete Ecken 12">
+            <a:extLst>
+              <a:ext uri="{FF2B5EF4-FFF2-40B4-BE49-F238E27FC236}">
+                <a16:creationId xmlns:a16="http://schemas.microsoft.com/office/drawing/2014/main" id="{2F972163-3C37-B69C-3DAF-3153A5F55097}"/>
+              </a:ext>
+            </a:extLst>
+          </p:cNvPr>
+          <p:cNvSpPr/>
+          <p:nvPr/>
+        </p:nvSpPr>
+        <p:spPr>
+          <a:xfrm>
+            <a:off x="7635425" y="1514382"/>
+            <a:ext cx="1803008" cy="312690"/>
+          </a:xfrm>
+          <a:prstGeom prst="roundRect">
+            <a:avLst/>
+          </a:prstGeom>
+          <a:solidFill>
+            <a:schemeClr val="accent2">
+              <a:alpha val="50000"/>
+            </a:schemeClr>
+          </a:solidFill>
+          <a:ln>
+            <a:noFill/>
+          </a:ln>
+        </p:spPr>
+        <p:style>
+          <a:lnRef idx="0">
+            <a:scrgbClr r="0" g="0" b="0"/>
+          </a:lnRef>
+          <a:fillRef idx="0">
+            <a:scrgbClr r="0" g="0" b="0"/>
+          </a:fillRef>
+          <a:effectRef idx="0">
+            <a:scrgbClr r="0" g="0" b="0"/>
+          </a:effectRef>
+          <a:fontRef idx="minor">
+            <a:schemeClr val="lt1"/>
+          </a:fontRef>
+        </p:style>
+        <p:txBody>
+          <a:bodyPr rtlCol="0" anchor="ctr"/>
+          <a:lstStyle/>
+          <a:p>
+            <a:pPr algn="ctr"/>
+            <a:endParaRPr lang="de-DE" dirty="0"/>
+          </a:p>
+        </p:txBody>
+      </p:sp>
+      <p:sp>
+        <p:nvSpPr>
+          <p:cNvPr id="14" name="Textfeld 13">
+            <a:extLst>
+              <a:ext uri="{FF2B5EF4-FFF2-40B4-BE49-F238E27FC236}">
+                <a16:creationId xmlns:a16="http://schemas.microsoft.com/office/drawing/2014/main" id="{098E16E9-9FDF-B1A8-4FE9-FD4F920712F6}"/>
+              </a:ext>
+            </a:extLst>
+          </p:cNvPr>
+          <p:cNvSpPr txBox="1"/>
+          <p:nvPr/>
+        </p:nvSpPr>
+        <p:spPr>
+          <a:xfrm>
+            <a:off x="-2107939" y="9245013"/>
+            <a:ext cx="2840826" cy="1658198"/>
+          </a:xfrm>
+          <a:prstGeom prst="rect">
+            <a:avLst/>
+          </a:prstGeom>
+          <a:noFill/>
+        </p:spPr>
+        <p:txBody>
+          <a:bodyPr wrap="square" rtlCol="0">
+            <a:spAutoFit/>
+          </a:bodyPr>
+          <a:lstStyle/>
+          <a:p>
+            <a:endParaRPr lang="de-DE" dirty="0"/>
+          </a:p>
+        </p:txBody>
+      </p:sp>
+      <p:sp>
+        <p:nvSpPr>
+          <p:cNvPr id="15" name="Rectangle 6">
+            <a:extLst>
+              <a:ext uri="{FF2B5EF4-FFF2-40B4-BE49-F238E27FC236}">
+                <a16:creationId xmlns:a16="http://schemas.microsoft.com/office/drawing/2014/main" id="{46283AD1-AA2E-1563-6A8B-36F78535E197}"/>
+              </a:ext>
+            </a:extLst>
+          </p:cNvPr>
+          <p:cNvSpPr>
+            <a:spLocks noChangeArrowheads="1"/>
+          </p:cNvSpPr>
+          <p:nvPr/>
+        </p:nvSpPr>
+        <p:spPr bwMode="auto">
+          <a:xfrm>
+            <a:off x="435399" y="4700270"/>
+            <a:ext cx="5608212" cy="584775"/>
+          </a:xfrm>
+          <a:prstGeom prst="rect">
+            <a:avLst/>
+          </a:prstGeom>
+          <a:solidFill>
+            <a:srgbClr val="1E1F22"/>
+          </a:solidFill>
+          <a:ln>
+            <a:noFill/>
+          </a:ln>
+          <a:effectLst/>
+          <a:extLst>
+            <a:ext uri="{91240B29-F687-4F45-9708-019B960494DF}">
+              <a14:hiddenLine xmlns:a14="http://schemas.microsoft.com/office/drawing/2010/main" w="9525">
+                <a:solidFill>
+                  <a:schemeClr val="tx1"/>
+                </a:solidFill>
+                <a:miter lim="800000"/>
+                <a:headEnd/>
+                <a:tailEnd/>
+              </a14:hiddenLine>
+            </a:ext>
+            <a:ext uri="{AF507438-7753-43E0-B8FC-AC1667EBCBE1}">
+              <a14:hiddenEffects xmlns:a14="http://schemas.microsoft.com/office/drawing/2010/main">
+                <a:effectLst>
+                  <a:outerShdw dist="35921" dir="2700000" algn="ctr" rotWithShape="0">
+                    <a:schemeClr val="bg2"/>
+                  </a:outerShdw>
+                </a:effectLst>
+              </a14:hiddenEffects>
+            </a:ext>
+          </a:extLst>
+        </p:spPr>
+        <p:txBody>
+          <a:bodyPr vert="horz" wrap="square" lIns="91440" tIns="45720" rIns="91440" bIns="45720" numCol="1" anchor="ctr" anchorCtr="0" compatLnSpc="1">
+            <a:prstTxWarp prst="textNoShape">
+              <a:avLst/>
+            </a:prstTxWarp>
+            <a:spAutoFit/>
+          </a:bodyPr>
+          <a:lstStyle/>
+          <a:p>
+            <a:pPr marL="0" marR="0" lvl="0" indent="0" algn="l" defTabSz="914400" rtl="0" eaLnBrk="0" fontAlgn="base" latinLnBrk="0" hangingPunct="0">
+              <a:lnSpc>
+                <a:spcPct val="100000"/>
+              </a:lnSpc>
+              <a:spcBef>
+                <a:spcPct val="0"/>
+              </a:spcBef>
+              <a:spcAft>
+                <a:spcPct val="0"/>
+              </a:spcAft>
+              <a:buClrTx/>
+              <a:buSzTx/>
+              <a:buFontTx/>
+              <a:buNone/>
+              <a:tabLst/>
+            </a:pPr>
+            <a:r>
+              <a:rPr kumimoji="0" lang="de-DE" altLang="de-DE" sz="1600" b="0" i="0" u="none" strike="noStrike" cap="none" normalizeH="0" baseline="0" dirty="0" err="1">
+                <a:ln>
+                  <a:noFill/>
+                </a:ln>
+                <a:solidFill>
+                  <a:srgbClr val="CF8E6D"/>
+                </a:solidFill>
+                <a:effectLst/>
+                <a:latin typeface="JetBrains Mono"/>
+              </a:rPr>
+              <a:t>if</a:t>
+            </a:r>
+            <a:r>
+              <a:rPr kumimoji="0" lang="de-DE" altLang="de-DE" sz="1600" b="0" i="0" u="none" strike="noStrike" cap="none" normalizeH="0" baseline="0" dirty="0">
+                <a:ln>
+                  <a:noFill/>
+                </a:ln>
+                <a:solidFill>
+                  <a:srgbClr val="BCBEC4"/>
+                </a:solidFill>
+                <a:effectLst/>
+                <a:latin typeface="JetBrains Mono"/>
+              </a:rPr>
+              <a:t>(</a:t>
+            </a:r>
+            <a:r>
+              <a:rPr kumimoji="0" lang="de-DE" altLang="de-DE" sz="1600" b="0" i="0" u="none" strike="noStrike" cap="none" normalizeH="0" baseline="0" dirty="0" err="1">
+                <a:ln>
+                  <a:noFill/>
+                </a:ln>
+                <a:solidFill>
+                  <a:srgbClr val="BCBEC4"/>
+                </a:solidFill>
+                <a:effectLst/>
+                <a:latin typeface="JetBrains Mono"/>
+              </a:rPr>
+              <a:t>MediaQuery.</a:t>
+            </a:r>
+            <a:r>
+              <a:rPr kumimoji="0" lang="de-DE" altLang="de-DE" sz="1600" b="0" i="1" u="none" strike="noStrike" cap="none" normalizeH="0" baseline="0" dirty="0" err="1">
+                <a:ln>
+                  <a:noFill/>
+                </a:ln>
+                <a:solidFill>
+                  <a:srgbClr val="57AAF7"/>
+                </a:solidFill>
+                <a:effectLst/>
+                <a:latin typeface="JetBrains Mono"/>
+              </a:rPr>
+              <a:t>of</a:t>
+            </a:r>
+            <a:r>
+              <a:rPr kumimoji="0" lang="de-DE" altLang="de-DE" sz="1600" b="0" i="0" u="none" strike="noStrike" cap="none" normalizeH="0" baseline="0" dirty="0">
+                <a:ln>
+                  <a:noFill/>
+                </a:ln>
+                <a:solidFill>
+                  <a:srgbClr val="BCBEC4"/>
+                </a:solidFill>
+                <a:effectLst/>
+                <a:latin typeface="JetBrains Mono"/>
+              </a:rPr>
+              <a:t>(</a:t>
+            </a:r>
+            <a:r>
+              <a:rPr kumimoji="0" lang="de-DE" altLang="de-DE" sz="1600" b="0" i="0" u="none" strike="noStrike" cap="none" normalizeH="0" baseline="0" dirty="0" err="1">
+                <a:ln>
+                  <a:noFill/>
+                </a:ln>
+                <a:solidFill>
+                  <a:srgbClr val="BCBEC4"/>
+                </a:solidFill>
+                <a:effectLst/>
+                <a:latin typeface="JetBrains Mono"/>
+              </a:rPr>
+              <a:t>context</a:t>
+            </a:r>
+            <a:r>
+              <a:rPr kumimoji="0" lang="de-DE" altLang="de-DE" sz="1600" b="0" i="0" u="none" strike="noStrike" cap="none" normalizeH="0" baseline="0" dirty="0">
+                <a:ln>
+                  <a:noFill/>
+                </a:ln>
+                <a:solidFill>
+                  <a:srgbClr val="BCBEC4"/>
+                </a:solidFill>
+                <a:effectLst/>
+                <a:latin typeface="JetBrains Mono"/>
+              </a:rPr>
+              <a:t>).</a:t>
+            </a:r>
+            <a:r>
+              <a:rPr kumimoji="0" lang="de-DE" altLang="de-DE" sz="1600" b="0" i="0" u="none" strike="noStrike" cap="none" normalizeH="0" baseline="0" dirty="0" err="1">
+                <a:ln>
+                  <a:noFill/>
+                </a:ln>
+                <a:solidFill>
+                  <a:srgbClr val="C77DBB"/>
+                </a:solidFill>
+                <a:effectLst/>
+                <a:latin typeface="JetBrains Mono"/>
+              </a:rPr>
+              <a:t>orientation</a:t>
+            </a:r>
+            <a:r>
+              <a:rPr kumimoji="0" lang="de-DE" altLang="de-DE" sz="1600" b="0" i="0" u="none" strike="noStrike" cap="none" normalizeH="0" baseline="0" dirty="0">
+                <a:ln>
+                  <a:noFill/>
+                </a:ln>
+                <a:solidFill>
+                  <a:srgbClr val="BCBEC4"/>
+                </a:solidFill>
+                <a:effectLst/>
+                <a:latin typeface="JetBrains Mono"/>
+              </a:rPr>
+              <a:t>==</a:t>
+            </a:r>
+            <a:r>
+              <a:rPr kumimoji="0" lang="de-DE" altLang="de-DE" sz="1600" b="0" i="0" u="none" strike="noStrike" cap="none" normalizeH="0" baseline="0" dirty="0" err="1">
+                <a:ln>
+                  <a:noFill/>
+                </a:ln>
+                <a:solidFill>
+                  <a:srgbClr val="BCBEC4"/>
+                </a:solidFill>
+                <a:effectLst/>
+                <a:latin typeface="JetBrains Mono"/>
+              </a:rPr>
+              <a:t>Orientation.</a:t>
+            </a:r>
+            <a:r>
+              <a:rPr kumimoji="0" lang="de-DE" altLang="de-DE" sz="1600" b="0" i="0" u="none" strike="noStrike" cap="none" normalizeH="0" baseline="0" dirty="0" err="1">
+                <a:ln>
+                  <a:noFill/>
+                </a:ln>
+                <a:solidFill>
+                  <a:srgbClr val="C77DBB"/>
+                </a:solidFill>
+                <a:effectLst/>
+                <a:latin typeface="JetBrains Mono"/>
+              </a:rPr>
+              <a:t>landscape</a:t>
+            </a:r>
+            <a:r>
+              <a:rPr kumimoji="0" lang="de-DE" altLang="de-DE" sz="1600" b="0" i="0" u="none" strike="noStrike" cap="none" normalizeH="0" baseline="0" dirty="0">
+                <a:ln>
+                  <a:noFill/>
+                </a:ln>
+                <a:solidFill>
+                  <a:srgbClr val="BCBEC4"/>
+                </a:solidFill>
+                <a:effectLst/>
+                <a:latin typeface="JetBrains Mono"/>
+              </a:rPr>
+              <a:t>) {</a:t>
+            </a:r>
+            <a:br>
+              <a:rPr kumimoji="0" lang="de-DE" altLang="de-DE" sz="1600" b="0" i="0" u="none" strike="noStrike" cap="none" normalizeH="0" baseline="0" dirty="0">
+                <a:ln>
+                  <a:noFill/>
+                </a:ln>
+                <a:solidFill>
+                  <a:srgbClr val="BCBEC4"/>
+                </a:solidFill>
+                <a:effectLst/>
+                <a:latin typeface="JetBrains Mono"/>
+              </a:rPr>
+            </a:br>
+            <a:r>
+              <a:rPr kumimoji="0" lang="de-DE" altLang="de-DE" sz="1600" b="0" i="0" u="none" strike="noStrike" cap="none" normalizeH="0" baseline="0" dirty="0">
+                <a:ln>
+                  <a:noFill/>
+                </a:ln>
+                <a:solidFill>
+                  <a:srgbClr val="BCBEC4"/>
+                </a:solidFill>
+                <a:effectLst/>
+                <a:latin typeface="JetBrains Mono"/>
+              </a:rPr>
+              <a:t>  </a:t>
+            </a:r>
+            <a:r>
+              <a:rPr kumimoji="0" lang="de-DE" altLang="de-DE" sz="1600" b="0" i="0" u="none" strike="noStrike" cap="none" normalizeH="0" baseline="0" dirty="0" err="1">
+                <a:ln>
+                  <a:noFill/>
+                </a:ln>
+                <a:solidFill>
+                  <a:srgbClr val="BCBEC4"/>
+                </a:solidFill>
+                <a:effectLst/>
+                <a:latin typeface="JetBrains Mono"/>
+              </a:rPr>
+              <a:t>childAlignment</a:t>
+            </a:r>
+            <a:r>
+              <a:rPr kumimoji="0" lang="de-DE" altLang="de-DE" sz="1600" b="0" i="0" u="none" strike="noStrike" cap="none" normalizeH="0" baseline="0" dirty="0">
+                <a:ln>
+                  <a:noFill/>
+                </a:ln>
+                <a:solidFill>
+                  <a:srgbClr val="BCBEC4"/>
+                </a:solidFill>
+                <a:effectLst/>
+                <a:latin typeface="JetBrains Mono"/>
+              </a:rPr>
+              <a:t> = </a:t>
+            </a:r>
+            <a:r>
+              <a:rPr kumimoji="0" lang="de-DE" altLang="de-DE" sz="1600" b="0" i="0" u="none" strike="noStrike" cap="none" normalizeH="0" baseline="0" dirty="0" err="1">
+                <a:ln>
+                  <a:noFill/>
+                </a:ln>
+                <a:solidFill>
+                  <a:srgbClr val="BCBEC4"/>
+                </a:solidFill>
+                <a:effectLst/>
+                <a:latin typeface="JetBrains Mono"/>
+              </a:rPr>
+              <a:t>Alignment.</a:t>
+            </a:r>
+            <a:r>
+              <a:rPr kumimoji="0" lang="de-DE" altLang="de-DE" sz="1600" b="0" i="1" u="none" strike="noStrike" cap="none" normalizeH="0" baseline="0" dirty="0" err="1">
+                <a:ln>
+                  <a:noFill/>
+                </a:ln>
+                <a:solidFill>
+                  <a:srgbClr val="C77DBB"/>
+                </a:solidFill>
+                <a:effectLst/>
+                <a:latin typeface="JetBrains Mono"/>
+              </a:rPr>
+              <a:t>centerLeft</a:t>
+            </a:r>
+            <a:r>
+              <a:rPr kumimoji="0" lang="de-DE" altLang="de-DE" sz="1600" b="0" i="0" u="none" strike="noStrike" cap="none" normalizeH="0" baseline="0" dirty="0">
+                <a:ln>
+                  <a:noFill/>
+                </a:ln>
+                <a:solidFill>
+                  <a:srgbClr val="BCBEC4"/>
+                </a:solidFill>
+                <a:effectLst/>
+                <a:latin typeface="JetBrains Mono"/>
+              </a:rPr>
+              <a:t>; }</a:t>
+            </a:r>
+            <a:endParaRPr kumimoji="0" lang="de-DE" altLang="de-DE" sz="1600" b="0" i="0" u="none" strike="noStrike" cap="none" normalizeH="0" baseline="0" dirty="0">
+              <a:ln>
+                <a:noFill/>
+              </a:ln>
+              <a:solidFill>
+                <a:schemeClr val="tx1"/>
+              </a:solidFill>
+              <a:effectLst/>
+              <a:latin typeface="Arial" panose="020B0604020202020204" pitchFamily="34" charset="0"/>
+            </a:endParaRPr>
+          </a:p>
+        </p:txBody>
+      </p:sp>
+      <p:sp>
+        <p:nvSpPr>
+          <p:cNvPr id="16" name="Fußzeilenplatzhalter 15">
+            <a:extLst>
+              <a:ext uri="{FF2B5EF4-FFF2-40B4-BE49-F238E27FC236}">
+                <a16:creationId xmlns:a16="http://schemas.microsoft.com/office/drawing/2014/main" id="{A431F7E3-D0DD-4D8A-E898-02AE2F99FC7F}"/>
+              </a:ext>
+            </a:extLst>
+          </p:cNvPr>
+          <p:cNvSpPr>
+            <a:spLocks noGrp="1"/>
+          </p:cNvSpPr>
+          <p:nvPr>
+            <p:ph type="ftr" sz="quarter" idx="11"/>
+          </p:nvPr>
+        </p:nvSpPr>
+        <p:spPr/>
+        <p:txBody>
+          <a:bodyPr/>
+          <a:lstStyle/>
+          <a:p>
+            <a:r>
+              <a:rPr lang="en-US"/>
+              <a:t>Schubi Is You</a:t>
+            </a:r>
+          </a:p>
+        </p:txBody>
+      </p:sp>
+      <p:sp>
+        <p:nvSpPr>
+          <p:cNvPr id="17" name="Foliennummernplatzhalter 16">
+            <a:extLst>
+              <a:ext uri="{FF2B5EF4-FFF2-40B4-BE49-F238E27FC236}">
+                <a16:creationId xmlns:a16="http://schemas.microsoft.com/office/drawing/2014/main" id="{F6F2A4D1-4305-96CE-7A22-8E1ADFEB3F1F}"/>
+              </a:ext>
+            </a:extLst>
+          </p:cNvPr>
+          <p:cNvSpPr>
+            <a:spLocks noGrp="1"/>
+          </p:cNvSpPr>
+          <p:nvPr>
+            <p:ph type="sldNum" sz="quarter" idx="12"/>
+          </p:nvPr>
+        </p:nvSpPr>
+        <p:spPr/>
+        <p:txBody>
+          <a:bodyPr/>
+          <a:lstStyle/>
+          <a:p>
+            <a:fld id="{BDAFFC55-6578-4459-AE37-94EE4236C876}" type="slidenum">
+              <a:rPr lang="en-US" smtClean="0"/>
+              <a:t>8</a:t>
+            </a:fld>
+            <a:endParaRPr lang="en-US"/>
+          </a:p>
+        </p:txBody>
+      </p:sp>
+    </p:spTree>
+    <p:extLst>
+      <p:ext uri="{BB962C8B-B14F-4D97-AF65-F5344CB8AC3E}">
+        <p14:creationId xmlns:p14="http://schemas.microsoft.com/office/powerpoint/2010/main" val="47016446"/>
+      </p:ext>
+    </p:extLst>
+  </p:cSld>
+  <p:clrMapOvr>
+    <a:masterClrMapping/>
+  </p:clrMapOvr>
+  <p:timing>
+    <p:tnLst>
+      <p:par>
+        <p:cTn id="1" dur="indefinite" restart="never" nodeType="tmRoot">
+          <p:childTnLst>
+            <p:seq concurrent="1" nextAc="seek">
+              <p:cTn id="2" dur="indefinite" nodeType="mainSeq">
+                <p:childTnLst>
+                  <p:par>
+                    <p:cTn id="3" fill="hold">
+                      <p:stCondLst>
+                        <p:cond delay="indefinite"/>
+                      </p:stCondLst>
+                      <p:childTnLst>
+                        <p:par>
+                          <p:cTn id="4" fill="hold">
+                            <p:stCondLst>
+                              <p:cond delay="0"/>
+                            </p:stCondLst>
+                            <p:childTnLst>
+                              <p:par>
+                                <p:cTn id="5" presetID="1" presetClass="entr" presetSubtype="0" fill="hold" grpId="0" nodeType="clickEffect">
+                                  <p:stCondLst>
+                                    <p:cond delay="0"/>
+                                  </p:stCondLst>
+                                  <p:childTnLst>
+                                    <p:set>
+                                      <p:cBhvr>
+                                        <p:cTn id="6" dur="1" fill="hold">
+                                          <p:stCondLst>
+                                            <p:cond delay="0"/>
+                                          </p:stCondLst>
+                                        </p:cTn>
+                                        <p:tgtEl>
+                                          <p:spTgt spid="13"/>
+                                        </p:tgtEl>
+                                        <p:attrNameLst>
+                                          <p:attrName>style.visibility</p:attrName>
+                                        </p:attrNameLst>
+                                      </p:cBhvr>
+                                      <p:to>
+                                        <p:strVal val="visible"/>
+                                      </p:to>
+                                    </p:set>
+                                  </p:childTnLst>
+                                </p:cTn>
+                              </p:par>
+                              <p:par>
+                                <p:cTn id="7" presetID="1" presetClass="entr" presetSubtype="0" fill="hold" grpId="0" nodeType="withEffect">
+                                  <p:stCondLst>
+                                    <p:cond delay="0"/>
+                                  </p:stCondLst>
+                                  <p:childTnLst>
+                                    <p:set>
+                                      <p:cBhvr>
+                                        <p:cTn id="8" dur="1" fill="hold">
+                                          <p:stCondLst>
+                                            <p:cond delay="0"/>
+                                          </p:stCondLst>
+                                        </p:cTn>
+                                        <p:tgtEl>
+                                          <p:spTgt spid="15"/>
+                                        </p:tgtEl>
+                                        <p:attrNameLst>
+                                          <p:attrName>style.visibility</p:attrName>
+                                        </p:attrNameLst>
+                                      </p:cBhvr>
+                                      <p:to>
+                                        <p:strVal val="visible"/>
+                                      </p:to>
+                                    </p:set>
+                                  </p:childTnLst>
+                                </p:cTn>
+                              </p:par>
+                            </p:childTnLst>
+                          </p:cTn>
+                        </p:par>
+                      </p:childTnLst>
+                    </p:cTn>
+                  </p:par>
+                </p:childTnLst>
+              </p:cTn>
+              <p:prevCondLst>
+                <p:cond evt="onPrev" delay="0">
+                  <p:tgtEl>
+                    <p:sldTgt/>
+                  </p:tgtEl>
+                </p:cond>
+              </p:prevCondLst>
+              <p:nextCondLst>
+                <p:cond evt="onNext" delay="0">
+                  <p:tgtEl>
+                    <p:sldTgt/>
+                  </p:tgtEl>
+                </p:cond>
+              </p:nextCondLst>
+            </p:seq>
+          </p:childTnLst>
+        </p:cTn>
+      </p:par>
+    </p:tnLst>
+    <p:bldLst>
+      <p:bldP spid="13" grpId="0" animBg="1"/>
+      <p:bldP spid="15" grpId="0" animBg="1"/>
+    </p:bldLst>
+  </p:timing>
+</p:sld>
+</file>
+
+<file path=ppt/slides/slide9.xml><?xml version="1.0" encoding="utf-8"?>
+<p:sld xmlns:a="http://schemas.openxmlformats.org/drawingml/2006/main" xmlns:r="http://schemas.openxmlformats.org/officeDocument/2006/relationships" xmlns:p="http://schemas.openxmlformats.org/presentationml/2006/main">
+  <p:cSld>
+    <p:spTree>
+      <p:nvGrpSpPr>
+        <p:cNvPr id="1" name=""/>
+        <p:cNvGrpSpPr/>
+        <p:nvPr/>
+      </p:nvGrpSpPr>
+      <p:grpSpPr>
+        <a:xfrm>
+          <a:off x="0" y="0"/>
+          <a:ext cx="0" cy="0"/>
+          <a:chOff x="0" y="0"/>
+          <a:chExt cx="0" cy="0"/>
+        </a:xfrm>
+      </p:grpSpPr>
+      <p:sp>
+        <p:nvSpPr>
+          <p:cNvPr id="2" name="Titel 1">
+            <a:extLst>
+              <a:ext uri="{FF2B5EF4-FFF2-40B4-BE49-F238E27FC236}">
+                <a16:creationId xmlns:a16="http://schemas.microsoft.com/office/drawing/2014/main" id="{2284CD71-0050-FBC0-E223-35FFB6BBB662}"/>
+              </a:ext>
+            </a:extLst>
+          </p:cNvPr>
+          <p:cNvSpPr>
+            <a:spLocks noGrp="1"/>
+          </p:cNvSpPr>
+          <p:nvPr>
+            <p:ph type="title"/>
+          </p:nvPr>
+        </p:nvSpPr>
+        <p:spPr/>
+        <p:txBody>
+          <a:bodyPr/>
+          <a:lstStyle/>
+          <a:p>
+            <a:r>
+              <a:rPr lang="de-DE" dirty="0"/>
+              <a:t>Was habe ich gemacht? </a:t>
+            </a:r>
+          </a:p>
+        </p:txBody>
+      </p:sp>
+      <p:sp>
+        <p:nvSpPr>
+          <p:cNvPr id="9" name="Textplatzhalter 8">
+            <a:extLst>
+              <a:ext uri="{FF2B5EF4-FFF2-40B4-BE49-F238E27FC236}">
+                <a16:creationId xmlns:a16="http://schemas.microsoft.com/office/drawing/2014/main" id="{5415547F-C028-BA4A-3783-EF2B277E9A3C}"/>
+              </a:ext>
+            </a:extLst>
+          </p:cNvPr>
+          <p:cNvSpPr>
+            <a:spLocks noGrp="1"/>
+          </p:cNvSpPr>
+          <p:nvPr>
+            <p:ph type="body" sz="quarter" idx="3"/>
+          </p:nvPr>
+        </p:nvSpPr>
+        <p:spPr/>
+        <p:txBody>
+          <a:bodyPr/>
+          <a:lstStyle/>
+          <a:p>
+            <a:r>
+              <a:rPr lang="de-DE" dirty="0"/>
+              <a:t>nachher</a:t>
+            </a:r>
+          </a:p>
+        </p:txBody>
+      </p:sp>
+      <p:pic>
+        <p:nvPicPr>
+          <p:cNvPr id="20" name="Inhaltsplatzhalter 19">
+            <a:extLst>
+              <a:ext uri="{FF2B5EF4-FFF2-40B4-BE49-F238E27FC236}">
+                <a16:creationId xmlns:a16="http://schemas.microsoft.com/office/drawing/2014/main" id="{0A0C90C9-D4FC-857A-50E8-A940F86B8931}"/>
+              </a:ext>
+            </a:extLst>
+          </p:cNvPr>
+          <p:cNvPicPr>
+            <a:picLocks noGrp="1" noChangeAspect="1"/>
+          </p:cNvPicPr>
+          <p:nvPr>
+            <p:ph sz="quarter" idx="4"/>
+          </p:nvPr>
+        </p:nvPicPr>
+        <p:blipFill>
+          <a:blip r:embed="rId3"/>
+          <a:stretch>
+            <a:fillRect/>
+          </a:stretch>
+        </p:blipFill>
+        <p:spPr>
+          <a:xfrm>
+            <a:off x="6007100" y="2955471"/>
+            <a:ext cx="4664075" cy="2791734"/>
+          </a:xfrm>
+        </p:spPr>
+      </p:pic>
+      <p:sp>
+        <p:nvSpPr>
+          <p:cNvPr id="5" name="Fußzeilenplatzhalter 4">
+            <a:extLst>
+              <a:ext uri="{FF2B5EF4-FFF2-40B4-BE49-F238E27FC236}">
+                <a16:creationId xmlns:a16="http://schemas.microsoft.com/office/drawing/2014/main" id="{A39B7B11-AA15-99FD-FEA9-57DEBAD122AE}"/>
+              </a:ext>
+            </a:extLst>
+          </p:cNvPr>
+          <p:cNvSpPr>
+            <a:spLocks noGrp="1"/>
+          </p:cNvSpPr>
+          <p:nvPr>
+            <p:ph type="ftr" sz="quarter" idx="11"/>
+          </p:nvPr>
+        </p:nvSpPr>
+        <p:spPr/>
+        <p:txBody>
+          <a:bodyPr/>
+          <a:lstStyle/>
+          <a:p>
+            <a:r>
+              <a:rPr lang="en-US"/>
+              <a:t>Schubi Is You</a:t>
+            </a:r>
+          </a:p>
+        </p:txBody>
+      </p:sp>
+      <p:sp>
+        <p:nvSpPr>
+          <p:cNvPr id="6" name="Foliennummernplatzhalter 5">
+            <a:extLst>
+              <a:ext uri="{FF2B5EF4-FFF2-40B4-BE49-F238E27FC236}">
+                <a16:creationId xmlns:a16="http://schemas.microsoft.com/office/drawing/2014/main" id="{3E354C6B-E557-19A5-ECF5-24F7CDA8D7E5}"/>
+              </a:ext>
+            </a:extLst>
+          </p:cNvPr>
+          <p:cNvSpPr>
+            <a:spLocks noGrp="1"/>
+          </p:cNvSpPr>
+          <p:nvPr>
+            <p:ph type="sldNum" sz="quarter" idx="12"/>
+          </p:nvPr>
+        </p:nvSpPr>
+        <p:spPr/>
+        <p:txBody>
+          <a:bodyPr/>
+          <a:lstStyle/>
+          <a:p>
+            <a:fld id="{BDAFFC55-6578-4459-AE37-94EE4236C876}" type="slidenum">
+              <a:rPr lang="en-US" smtClean="0"/>
+              <a:t>9</a:t>
+            </a:fld>
+            <a:endParaRPr lang="en-US"/>
+          </a:p>
+        </p:txBody>
+      </p:sp>
+      <p:sp>
+        <p:nvSpPr>
+          <p:cNvPr id="14" name="Textplatzhalter 13">
+            <a:extLst>
+              <a:ext uri="{FF2B5EF4-FFF2-40B4-BE49-F238E27FC236}">
+                <a16:creationId xmlns:a16="http://schemas.microsoft.com/office/drawing/2014/main" id="{FA46D1EF-56EF-DE3D-5484-17F238A0A5CA}"/>
+              </a:ext>
+            </a:extLst>
+          </p:cNvPr>
+          <p:cNvSpPr>
+            <a:spLocks noGrp="1"/>
+          </p:cNvSpPr>
+          <p:nvPr>
+            <p:ph type="body" idx="1"/>
+          </p:nvPr>
+        </p:nvSpPr>
+        <p:spPr/>
+        <p:txBody>
+          <a:bodyPr/>
+          <a:lstStyle/>
+          <a:p>
+            <a:r>
+              <a:rPr lang="de-DE" dirty="0"/>
+              <a:t>Vorher </a:t>
+            </a:r>
+          </a:p>
+        </p:txBody>
+      </p:sp>
+      <p:pic>
+        <p:nvPicPr>
+          <p:cNvPr id="18" name="Inhaltsplatzhalter 17">
+            <a:extLst>
+              <a:ext uri="{FF2B5EF4-FFF2-40B4-BE49-F238E27FC236}">
+                <a16:creationId xmlns:a16="http://schemas.microsoft.com/office/drawing/2014/main" id="{FB746474-88CC-0FA7-DA5D-D4671D1BE24D}"/>
+              </a:ext>
+            </a:extLst>
+          </p:cNvPr>
+          <p:cNvPicPr>
+            <a:picLocks noGrp="1" noChangeAspect="1"/>
+          </p:cNvPicPr>
+          <p:nvPr>
+            <p:ph sz="half" idx="2"/>
+          </p:nvPr>
+        </p:nvPicPr>
+        <p:blipFill>
+          <a:blip r:embed="rId4"/>
+          <a:stretch>
+            <a:fillRect/>
+          </a:stretch>
+        </p:blipFill>
+        <p:spPr>
+          <a:xfrm>
+            <a:off x="676275" y="2995646"/>
+            <a:ext cx="4664075" cy="2714558"/>
+          </a:xfrm>
+        </p:spPr>
+      </p:pic>
+    </p:spTree>
+    <p:extLst>
+      <p:ext uri="{BB962C8B-B14F-4D97-AF65-F5344CB8AC3E}">
+        <p14:creationId xmlns:p14="http://schemas.microsoft.com/office/powerpoint/2010/main" val="2589955217"/>
+      </p:ext>
+    </p:extLst>
+  </p:cSld>
+  <p:clrMapOvr>
+    <a:masterClrMapping/>
+  </p:clrMapOvr>
+  <mc:AlternateContent xmlns:mc="http://schemas.openxmlformats.org/markup-compatibility/2006">
+    <mc:Choice xmlns:p159="http://schemas.microsoft.com/office/powerpoint/2015/09/main" Requires="p159">
+      <p:transition xmlns:p14="http://schemas.microsoft.com/office/powerpoint/2010/main" spd="slow" p14:dur="2000">
+        <p159:morph option="byObject"/>
+      </p:transition>
+    </mc:Choice>
+    <mc:Fallback>
+      <p:transition spd="slow">
+        <p:fade/>
+      </p:transition>
+    </mc:Fallback>
+  </mc:AlternateContent>
+</p:sld>
+</file>
+
 <file path=ppt/theme/theme1.xml><?xml version="1.0" encoding="utf-8"?>
+<a:theme xmlns:a="http://schemas.openxmlformats.org/drawingml/2006/main" name="Metropolitan">
+  <a:themeElements>
+    <a:clrScheme name="Metropolitan">
+      <a:dk1>
+        <a:sysClr val="windowText" lastClr="000000"/>
+      </a:dk1>
+      <a:lt1>
+        <a:sysClr val="window" lastClr="FFFFFF"/>
+      </a:lt1>
+      <a:dk2>
+        <a:srgbClr val="162F33"/>
+      </a:dk2>
+      <a:lt2>
+        <a:srgbClr val="EAF0E0"/>
+      </a:lt2>
+      <a:accent1>
+        <a:srgbClr val="50B4C8"/>
+      </a:accent1>
+      <a:accent2>
+        <a:srgbClr val="A8B97F"/>
+      </a:accent2>
+      <a:accent3>
+        <a:srgbClr val="9B9256"/>
+      </a:accent3>
+      <a:accent4>
+        <a:srgbClr val="657689"/>
+      </a:accent4>
+      <a:accent5>
+        <a:srgbClr val="7A855D"/>
+      </a:accent5>
+      <a:accent6>
+        <a:srgbClr val="84AC9D"/>
+      </a:accent6>
+      <a:hlink>
+        <a:srgbClr val="2370CD"/>
+      </a:hlink>
+      <a:folHlink>
+        <a:srgbClr val="877589"/>
+      </a:folHlink>
+    </a:clrScheme>
+    <a:fontScheme name="Metropolitan">
+      <a:majorFont>
+        <a:latin typeface="Calibri Light" panose="020F0302020204030204"/>
+        <a:ea typeface=""/>
+        <a:cs typeface=""/>
+        <a:font script="Jpan" typeface="ＭＳ Ｐゴシック"/>
+        <a:font script="Hang" typeface="맑은 고딕"/>
+        <a:font script="Hans" typeface="宋体"/>
+        <a:font script="Hant" typeface="新細明體"/>
+        <a:font script="Arab" typeface="Times New Roman"/>
+        <a:font script="Hebr" typeface="Times New Roman"/>
+        <a:font script="Thai" typeface="Angsana New"/>
+        <a:font script="Ethi" typeface="Nyala"/>
+        <a:font script="Beng" typeface="Vrinda"/>
+        <a:font script="Gujr" typeface="Shruti"/>
+        <a:font script="Khmr" typeface="MoolBoran"/>
+        <a:font script="Knda" typeface="Tunga"/>
+        <a:font script="Guru" typeface="Raavi"/>
+        <a:font script="Cans" typeface="Euphemia"/>
+        <a:font script="Cher" typeface="Plantagenet Cherokee"/>
+        <a:font script="Yiii" typeface="Microsoft Yi Baiti"/>
+        <a:font script="Tibt" typeface="Microsoft Himalaya"/>
+        <a:font script="Thaa" typeface="MV Boli"/>
+        <a:font script="Deva" typeface="Mangal"/>
+        <a:font script="Telu" typeface="Gautami"/>
+        <a:font script="Taml" typeface="Latha"/>
+        <a:font script="Syrc" typeface="Estrangelo Edessa"/>
+        <a:font script="Orya" typeface="Kalinga"/>
+        <a:font script="Mlym" typeface="Kartika"/>
+        <a:font script="Laoo" typeface="DokChampa"/>
+        <a:font script="Sinh" typeface="Iskoola Pota"/>
+        <a:font script="Mong" typeface="Mongolian Baiti"/>
+        <a:font script="Viet" typeface="Times New Roman"/>
+        <a:font script="Uigh" typeface="Microsoft Uighur"/>
+        <a:font script="Geor" typeface="Sylfaen"/>
+      </a:majorFont>
+      <a:minorFont>
+        <a:latin typeface="Calibri Light" panose="020F0302020204030204"/>
+        <a:ea typeface=""/>
+        <a:cs typeface=""/>
+        <a:font script="Jpan" typeface="ＭＳ Ｐゴシック"/>
+        <a:font script="Hang" typeface="맑은 고딕"/>
+        <a:font script="Hans" typeface="宋体"/>
+        <a:font script="Hant" typeface="新細明體"/>
+        <a:font script="Arab" typeface="Times New Roman"/>
+        <a:font script="Hebr" typeface="Times New Roman"/>
+        <a:font script="Thai" typeface="Angsana New"/>
+        <a:font script="Ethi" typeface="Nyala"/>
+        <a:font script="Beng" typeface="Vrinda"/>
+        <a:font script="Gujr" typeface="Shruti"/>
+        <a:font script="Khmr" typeface="MoolBoran"/>
+        <a:font script="Knda" typeface="Tunga"/>
+        <a:font script="Guru" typeface="Raavi"/>
+        <a:font script="Cans" typeface="Euphemia"/>
+        <a:font script="Cher" typeface="Plantagenet Cherokee"/>
+        <a:font script="Yiii" typeface="Microsoft Yi Baiti"/>
+        <a:font script="Tibt" typeface="Microsoft Himalaya"/>
+        <a:font script="Thaa" typeface="MV Boli"/>
+        <a:font script="Deva" typeface="Mangal"/>
+        <a:font script="Telu" typeface="Gautami"/>
+        <a:font script="Taml" typeface="Latha"/>
+        <a:font script="Syrc" typeface="Estrangelo Edessa"/>
+        <a:font script="Orya" typeface="Kalinga"/>
+        <a:font script="Mlym" typeface="Kartika"/>
+        <a:font script="Laoo" typeface="DokChampa"/>
+        <a:font script="Sinh" typeface="Iskoola Pota"/>
+        <a:font script="Mong" typeface="Mongolian Baiti"/>
+        <a:font script="Viet" typeface="Times New Roman"/>
+        <a:font script="Uigh" typeface="Microsoft Uighur"/>
+        <a:font script="Geor" typeface="Sylfaen"/>
+      </a:minorFont>
+    </a:fontScheme>
+    <a:fmtScheme name="Metropolitan">
+      <a:fillStyleLst>
+        <a:solidFill>
+          <a:schemeClr val="phClr"/>
+        </a:solidFill>
+        <a:gradFill rotWithShape="1">
+          <a:gsLst>
+            <a:gs pos="0">
+              <a:schemeClr val="phClr">
+                <a:tint val="70000"/>
+                <a:satMod val="100000"/>
+                <a:lumMod val="110000"/>
+              </a:schemeClr>
+            </a:gs>
+            <a:gs pos="50000">
+              <a:schemeClr val="phClr">
+                <a:tint val="75000"/>
+                <a:satMod val="101000"/>
+                <a:lumMod val="105000"/>
+              </a:schemeClr>
+            </a:gs>
+            <a:gs pos="100000">
+              <a:schemeClr val="phClr">
+                <a:tint val="82000"/>
+                <a:satMod val="104000"/>
+                <a:lumMod val="105000"/>
+              </a:schemeClr>
+            </a:gs>
+          </a:gsLst>
+          <a:lin ang="2700000" scaled="0"/>
+        </a:gradFill>
+        <a:gradFill rotWithShape="1">
+          <a:gsLst>
+            <a:gs pos="0">
+              <a:schemeClr val="phClr">
+                <a:tint val="97000"/>
+                <a:satMod val="100000"/>
+                <a:lumMod val="102000"/>
+              </a:schemeClr>
+            </a:gs>
+            <a:gs pos="50000">
+              <a:schemeClr val="phClr">
+                <a:shade val="100000"/>
+                <a:satMod val="100000"/>
+                <a:lumMod val="100000"/>
+              </a:schemeClr>
+            </a:gs>
+            <a:gs pos="100000">
+              <a:schemeClr val="phClr">
+                <a:shade val="80000"/>
+                <a:satMod val="100000"/>
+                <a:lumMod val="99000"/>
+              </a:schemeClr>
+            </a:gs>
+          </a:gsLst>
+          <a:lin ang="2700000" scaled="0"/>
+        </a:gradFill>
+      </a:fillStyleLst>
+      <a:lnStyleLst>
+        <a:ln w="9525" cap="flat" cmpd="sng" algn="ctr">
+          <a:solidFill>
+            <a:schemeClr val="phClr"/>
+          </a:solidFill>
+          <a:prstDash val="solid"/>
+        </a:ln>
+        <a:ln w="12700" cap="flat" cmpd="sng" algn="ctr">
+          <a:solidFill>
+            <a:schemeClr val="phClr"/>
+          </a:solidFill>
+          <a:prstDash val="solid"/>
+        </a:ln>
+        <a:ln w="19050" cap="flat" cmpd="sng" algn="ctr">
+          <a:solidFill>
+            <a:schemeClr val="phClr"/>
+          </a:solidFill>
+          <a:prstDash val="solid"/>
+        </a:ln>
+      </a:lnStyleLst>
+      <a:effectStyleLst>
+        <a:effectStyle>
+          <a:effectLst/>
+        </a:effectStyle>
+        <a:effectStyle>
+          <a:effectLst/>
+        </a:effectStyle>
+        <a:effectStyle>
+          <a:effectLst>
+            <a:outerShdw blurRad="57150" dist="19050" dir="5400000" algn="ctr" rotWithShape="0">
+              <a:srgbClr val="000000">
+                <a:alpha val="63000"/>
+              </a:srgbClr>
+            </a:outerShdw>
+          </a:effectLst>
+        </a:effectStyle>
+      </a:effectStyleLst>
+      <a:bgFillStyleLst>
+        <a:solidFill>
+          <a:schemeClr val="phClr"/>
+        </a:solidFill>
+        <a:solidFill>
+          <a:schemeClr val="phClr">
+            <a:tint val="95000"/>
+            <a:satMod val="170000"/>
+          </a:schemeClr>
+        </a:solidFill>
+        <a:solidFill>
+          <a:schemeClr val="phClr">
+            <a:shade val="95000"/>
+            <a:satMod val="170000"/>
+          </a:schemeClr>
+        </a:solidFill>
+      </a:bgFillStyleLst>
+    </a:fmtScheme>
+  </a:themeElements>
+  <a:objectDefaults/>
+  <a:extraClrSchemeLst/>
+  <a:extLst>
+    <a:ext uri="{05A4C25C-085E-4340-85A3-A5531E510DB2}">
+      <thm15:themeFamily xmlns:thm15="http://schemas.microsoft.com/office/thememl/2012/main" name="Metropolitan" id="{4C5440D6-04D2-4954-96CF-F251137069B2}" vid="{79CFCA13-9412-4290-BB4B-85112F88857B}"/>
+    </a:ext>
+  </a:extLst>
+</a:theme>
+</file>
+
+<file path=ppt/theme/theme2.xml><?xml version="1.0" encoding="utf-8"?>
 <a:theme xmlns:a="http://schemas.openxmlformats.org/drawingml/2006/main" name="Office">
   <a:themeElements>
     <a:clrScheme name="Office">
